--- a/文件发布管理.pptx
+++ b/文件发布管理.pptx
@@ -19,19 +19,21 @@
     <p:sldId id="264" r:id="rId13"/>
     <p:sldId id="265" r:id="rId14"/>
     <p:sldId id="266" r:id="rId15"/>
+    <p:sldId id="267" r:id="rId16"/>
+    <p:sldId id="268" r:id="rId17"/>
   </p:sldIdLst>
   <p:sldSz cy="5143500" cx="9144000"/>
   <p:notesSz cx="6858000" cy="9144000"/>
   <p:embeddedFontLst>
     <p:embeddedFont>
       <p:font typeface="Source Code Pro"/>
-      <p:regular r:id="rId16"/>
-      <p:bold r:id="rId17"/>
+      <p:regular r:id="rId18"/>
+      <p:bold r:id="rId19"/>
     </p:embeddedFont>
     <p:embeddedFont>
       <p:font typeface="Oswald"/>
-      <p:regular r:id="rId18"/>
-      <p:bold r:id="rId19"/>
+      <p:regular r:id="rId20"/>
+      <p:bold r:id="rId21"/>
     </p:embeddedFont>
   </p:embeddedFontLst>
   <p:defaultTextStyle>
@@ -488,7 +490,7 @@
   <p:cSld>
     <p:spTree>
       <p:nvGrpSpPr>
-        <p:cNvPr id="146" name="Shape 146"/>
+        <p:cNvPr id="155" name="Shape 155"/>
         <p:cNvGrpSpPr/>
         <p:nvPr/>
       </p:nvGrpSpPr>
@@ -502,7 +504,7 @@
       </p:grpSpPr>
       <p:sp>
         <p:nvSpPr>
-          <p:cNvPr id="147" name="Shape 147"/>
+          <p:cNvPr id="156" name="Shape 156"/>
           <p:cNvSpPr/>
           <p:nvPr>
             <p:ph idx="2" type="sldImg"/>
@@ -536,7 +538,7 @@
       </p:sp>
       <p:sp>
         <p:nvSpPr>
-          <p:cNvPr id="148" name="Shape 148"/>
+          <p:cNvPr id="157" name="Shape 157"/>
           <p:cNvSpPr txBox="1"/>
           <p:nvPr>
             <p:ph idx="1" type="body"/>
@@ -583,7 +585,7 @@
   <p:cSld>
     <p:spTree>
       <p:nvGrpSpPr>
-        <p:cNvPr id="154" name="Shape 154"/>
+        <p:cNvPr id="162" name="Shape 162"/>
         <p:cNvGrpSpPr/>
         <p:nvPr/>
       </p:nvGrpSpPr>
@@ -597,7 +599,7 @@
       </p:grpSpPr>
       <p:sp>
         <p:nvSpPr>
-          <p:cNvPr id="155" name="Shape 155"/>
+          <p:cNvPr id="163" name="Shape 163"/>
           <p:cNvSpPr/>
           <p:nvPr>
             <p:ph idx="2" type="sldImg"/>
@@ -631,7 +633,197 @@
       </p:sp>
       <p:sp>
         <p:nvSpPr>
-          <p:cNvPr id="156" name="Shape 156"/>
+          <p:cNvPr id="164" name="Shape 164"/>
+          <p:cNvSpPr txBox="1"/>
+          <p:nvPr>
+            <p:ph idx="1" type="body"/>
+          </p:nvPr>
+        </p:nvSpPr>
+        <p:spPr>
+          <a:xfrm>
+            <a:off x="685800" y="4343400"/>
+            <a:ext cx="5486400" cy="4114800"/>
+          </a:xfrm>
+          <a:prstGeom prst="rect">
+            <a:avLst/>
+          </a:prstGeom>
+        </p:spPr>
+        <p:txBody>
+          <a:bodyPr anchorCtr="0" anchor="t" bIns="91425" lIns="91425" rIns="91425" tIns="91425">
+            <a:noAutofit/>
+          </a:bodyPr>
+          <a:lstStyle/>
+          <a:p>
+            <a:pPr lvl="0">
+              <a:spcBef>
+                <a:spcPts val="0"/>
+              </a:spcBef>
+              <a:buNone/>
+            </a:pPr>
+            <a:r>
+              <a:t/>
+            </a:r>
+            <a:endParaRPr/>
+          </a:p>
+        </p:txBody>
+      </p:sp>
+    </p:spTree>
+  </p:cSld>
+  <p:clrMapOvr>
+    <a:masterClrMapping/>
+  </p:clrMapOvr>
+</p:notes>
+</file>
+
+<file path=ppt/notesSlides/notesSlide12.xml><?xml version="1.0" encoding="utf-8"?>
+<p:notes xmlns:a="http://schemas.openxmlformats.org/drawingml/2006/main" xmlns:r="http://schemas.openxmlformats.org/officeDocument/2006/relationships" xmlns:mc="http://schemas.openxmlformats.org/markup-compatibility/2006" xmlns:mv="urn:schemas-microsoft-com:mac:vml" xmlns:p="http://schemas.openxmlformats.org/presentationml/2006/main" xmlns:c="http://schemas.openxmlformats.org/drawingml/2006/chart" xmlns:dgm="http://schemas.openxmlformats.org/drawingml/2006/diagram" xmlns:o="urn:schemas-microsoft-com:office:office" xmlns:v="urn:schemas-microsoft-com:vml" xmlns:pvml="urn:schemas-microsoft-com:office:powerpoint" xmlns:com="http://schemas.openxmlformats.org/drawingml/2006/compatibility" xmlns:p14="http://schemas.microsoft.com/office/powerpoint/2010/main" showMasterPhAnim="0" showMasterSp="0">
+  <p:cSld>
+    <p:spTree>
+      <p:nvGrpSpPr>
+        <p:cNvPr id="168" name="Shape 168"/>
+        <p:cNvGrpSpPr/>
+        <p:nvPr/>
+      </p:nvGrpSpPr>
+      <p:grpSpPr>
+        <a:xfrm>
+          <a:off x="0" y="0"/>
+          <a:ext cx="0" cy="0"/>
+          <a:chOff x="0" y="0"/>
+          <a:chExt cx="0" cy="0"/>
+        </a:xfrm>
+      </p:grpSpPr>
+      <p:sp>
+        <p:nvSpPr>
+          <p:cNvPr id="169" name="Shape 169"/>
+          <p:cNvSpPr/>
+          <p:nvPr>
+            <p:ph idx="2" type="sldImg"/>
+          </p:nvPr>
+        </p:nvSpPr>
+        <p:spPr>
+          <a:xfrm>
+            <a:off x="381300" y="685800"/>
+            <a:ext cx="6096000" cy="3429000"/>
+          </a:xfrm>
+          <a:custGeom>
+            <a:pathLst>
+              <a:path extrusionOk="0" h="120000" w="120000">
+                <a:moveTo>
+                  <a:pt x="0" y="0"/>
+                </a:moveTo>
+                <a:lnTo>
+                  <a:pt x="120000" y="0"/>
+                </a:lnTo>
+                <a:lnTo>
+                  <a:pt x="120000" y="120000"/>
+                </a:lnTo>
+                <a:lnTo>
+                  <a:pt x="0" y="120000"/>
+                </a:lnTo>
+                <a:close/>
+              </a:path>
+            </a:pathLst>
+          </a:custGeom>
+        </p:spPr>
+      </p:sp>
+      <p:sp>
+        <p:nvSpPr>
+          <p:cNvPr id="170" name="Shape 170"/>
+          <p:cNvSpPr txBox="1"/>
+          <p:nvPr>
+            <p:ph idx="1" type="body"/>
+          </p:nvPr>
+        </p:nvSpPr>
+        <p:spPr>
+          <a:xfrm>
+            <a:off x="685800" y="4343400"/>
+            <a:ext cx="5486400" cy="4114800"/>
+          </a:xfrm>
+          <a:prstGeom prst="rect">
+            <a:avLst/>
+          </a:prstGeom>
+        </p:spPr>
+        <p:txBody>
+          <a:bodyPr anchorCtr="0" anchor="t" bIns="91425" lIns="91425" rIns="91425" tIns="91425">
+            <a:noAutofit/>
+          </a:bodyPr>
+          <a:lstStyle/>
+          <a:p>
+            <a:pPr lvl="0">
+              <a:spcBef>
+                <a:spcPts val="0"/>
+              </a:spcBef>
+              <a:buNone/>
+            </a:pPr>
+            <a:r>
+              <a:t/>
+            </a:r>
+            <a:endParaRPr/>
+          </a:p>
+        </p:txBody>
+      </p:sp>
+    </p:spTree>
+  </p:cSld>
+  <p:clrMapOvr>
+    <a:masterClrMapping/>
+  </p:clrMapOvr>
+</p:notes>
+</file>
+
+<file path=ppt/notesSlides/notesSlide13.xml><?xml version="1.0" encoding="utf-8"?>
+<p:notes xmlns:a="http://schemas.openxmlformats.org/drawingml/2006/main" xmlns:r="http://schemas.openxmlformats.org/officeDocument/2006/relationships" xmlns:mc="http://schemas.openxmlformats.org/markup-compatibility/2006" xmlns:mv="urn:schemas-microsoft-com:mac:vml" xmlns:p="http://schemas.openxmlformats.org/presentationml/2006/main" xmlns:c="http://schemas.openxmlformats.org/drawingml/2006/chart" xmlns:dgm="http://schemas.openxmlformats.org/drawingml/2006/diagram" xmlns:o="urn:schemas-microsoft-com:office:office" xmlns:v="urn:schemas-microsoft-com:vml" xmlns:pvml="urn:schemas-microsoft-com:office:powerpoint" xmlns:com="http://schemas.openxmlformats.org/drawingml/2006/compatibility" xmlns:p14="http://schemas.microsoft.com/office/powerpoint/2010/main" showMasterPhAnim="0" showMasterSp="0">
+  <p:cSld>
+    <p:spTree>
+      <p:nvGrpSpPr>
+        <p:cNvPr id="176" name="Shape 176"/>
+        <p:cNvGrpSpPr/>
+        <p:nvPr/>
+      </p:nvGrpSpPr>
+      <p:grpSpPr>
+        <a:xfrm>
+          <a:off x="0" y="0"/>
+          <a:ext cx="0" cy="0"/>
+          <a:chOff x="0" y="0"/>
+          <a:chExt cx="0" cy="0"/>
+        </a:xfrm>
+      </p:grpSpPr>
+      <p:sp>
+        <p:nvSpPr>
+          <p:cNvPr id="177" name="Shape 177"/>
+          <p:cNvSpPr/>
+          <p:nvPr>
+            <p:ph idx="2" type="sldImg"/>
+          </p:nvPr>
+        </p:nvSpPr>
+        <p:spPr>
+          <a:xfrm>
+            <a:off x="381300" y="685800"/>
+            <a:ext cx="6096000" cy="3429000"/>
+          </a:xfrm>
+          <a:custGeom>
+            <a:pathLst>
+              <a:path extrusionOk="0" h="120000" w="120000">
+                <a:moveTo>
+                  <a:pt x="0" y="0"/>
+                </a:moveTo>
+                <a:lnTo>
+                  <a:pt x="120000" y="0"/>
+                </a:lnTo>
+                <a:lnTo>
+                  <a:pt x="120000" y="120000"/>
+                </a:lnTo>
+                <a:lnTo>
+                  <a:pt x="0" y="120000"/>
+                </a:lnTo>
+                <a:close/>
+              </a:path>
+            </a:pathLst>
+          </a:custGeom>
+        </p:spPr>
+      </p:sp>
+      <p:sp>
+        <p:nvSpPr>
+          <p:cNvPr id="178" name="Shape 178"/>
           <p:cNvSpPr txBox="1"/>
           <p:nvPr>
             <p:ph idx="1" type="body"/>
@@ -773,7 +965,7 @@
   <p:cSld>
     <p:spTree>
       <p:nvGrpSpPr>
-        <p:cNvPr id="73" name="Shape 73"/>
+        <p:cNvPr id="82" name="Shape 82"/>
         <p:cNvGrpSpPr/>
         <p:nvPr/>
       </p:nvGrpSpPr>
@@ -787,7 +979,7 @@
       </p:grpSpPr>
       <p:sp>
         <p:nvSpPr>
-          <p:cNvPr id="74" name="Shape 74"/>
+          <p:cNvPr id="83" name="Shape 83"/>
           <p:cNvSpPr/>
           <p:nvPr>
             <p:ph idx="2" type="sldImg"/>
@@ -821,7 +1013,7 @@
       </p:sp>
       <p:sp>
         <p:nvSpPr>
-          <p:cNvPr id="75" name="Shape 75"/>
+          <p:cNvPr id="84" name="Shape 84"/>
           <p:cNvSpPr txBox="1"/>
           <p:nvPr>
             <p:ph idx="1" type="body"/>
@@ -868,7 +1060,7 @@
   <p:cSld>
     <p:spTree>
       <p:nvGrpSpPr>
-        <p:cNvPr id="80" name="Shape 80"/>
+        <p:cNvPr id="89" name="Shape 89"/>
         <p:cNvGrpSpPr/>
         <p:nvPr/>
       </p:nvGrpSpPr>
@@ -882,7 +1074,7 @@
       </p:grpSpPr>
       <p:sp>
         <p:nvSpPr>
-          <p:cNvPr id="81" name="Shape 81"/>
+          <p:cNvPr id="90" name="Shape 90"/>
           <p:cNvSpPr/>
           <p:nvPr>
             <p:ph idx="2" type="sldImg"/>
@@ -916,7 +1108,7 @@
       </p:sp>
       <p:sp>
         <p:nvSpPr>
-          <p:cNvPr id="82" name="Shape 82"/>
+          <p:cNvPr id="91" name="Shape 91"/>
           <p:cNvSpPr txBox="1"/>
           <p:nvPr>
             <p:ph idx="1" type="body"/>
@@ -963,7 +1155,7 @@
   <p:cSld>
     <p:spTree>
       <p:nvGrpSpPr>
-        <p:cNvPr id="87" name="Shape 87"/>
+        <p:cNvPr id="95" name="Shape 95"/>
         <p:cNvGrpSpPr/>
         <p:nvPr/>
       </p:nvGrpSpPr>
@@ -977,7 +1169,7 @@
       </p:grpSpPr>
       <p:sp>
         <p:nvSpPr>
-          <p:cNvPr id="88" name="Shape 88"/>
+          <p:cNvPr id="96" name="Shape 96"/>
           <p:cNvSpPr/>
           <p:nvPr>
             <p:ph idx="2" type="sldImg"/>
@@ -1011,7 +1203,7 @@
       </p:sp>
       <p:sp>
         <p:nvSpPr>
-          <p:cNvPr id="89" name="Shape 89"/>
+          <p:cNvPr id="97" name="Shape 97"/>
           <p:cNvSpPr txBox="1"/>
           <p:nvPr>
             <p:ph idx="1" type="body"/>
@@ -1058,7 +1250,7 @@
   <p:cSld>
     <p:spTree>
       <p:nvGrpSpPr>
-        <p:cNvPr id="101" name="Shape 101"/>
+        <p:cNvPr id="102" name="Shape 102"/>
         <p:cNvGrpSpPr/>
         <p:nvPr/>
       </p:nvGrpSpPr>
@@ -1072,7 +1264,7 @@
       </p:grpSpPr>
       <p:sp>
         <p:nvSpPr>
-          <p:cNvPr id="102" name="Shape 102"/>
+          <p:cNvPr id="103" name="Shape 103"/>
           <p:cNvSpPr/>
           <p:nvPr>
             <p:ph idx="2" type="sldImg"/>
@@ -1106,7 +1298,7 @@
       </p:sp>
       <p:sp>
         <p:nvSpPr>
-          <p:cNvPr id="103" name="Shape 103"/>
+          <p:cNvPr id="104" name="Shape 104"/>
           <p:cNvSpPr txBox="1"/>
           <p:nvPr>
             <p:ph idx="1" type="body"/>
@@ -1153,7 +1345,7 @@
   <p:cSld>
     <p:spTree>
       <p:nvGrpSpPr>
-        <p:cNvPr id="126" name="Shape 126"/>
+        <p:cNvPr id="109" name="Shape 109"/>
         <p:cNvGrpSpPr/>
         <p:nvPr/>
       </p:nvGrpSpPr>
@@ -1167,7 +1359,7 @@
       </p:grpSpPr>
       <p:sp>
         <p:nvSpPr>
-          <p:cNvPr id="127" name="Shape 127"/>
+          <p:cNvPr id="110" name="Shape 110"/>
           <p:cNvSpPr/>
           <p:nvPr>
             <p:ph idx="2" type="sldImg"/>
@@ -1201,7 +1393,7 @@
       </p:sp>
       <p:sp>
         <p:nvSpPr>
-          <p:cNvPr id="128" name="Shape 128"/>
+          <p:cNvPr id="111" name="Shape 111"/>
           <p:cNvSpPr txBox="1"/>
           <p:nvPr>
             <p:ph idx="1" type="body"/>
@@ -1248,7 +1440,7 @@
   <p:cSld>
     <p:spTree>
       <p:nvGrpSpPr>
-        <p:cNvPr id="133" name="Shape 133"/>
+        <p:cNvPr id="123" name="Shape 123"/>
         <p:cNvGrpSpPr/>
         <p:nvPr/>
       </p:nvGrpSpPr>
@@ -1262,7 +1454,7 @@
       </p:grpSpPr>
       <p:sp>
         <p:nvSpPr>
-          <p:cNvPr id="134" name="Shape 134"/>
+          <p:cNvPr id="124" name="Shape 124"/>
           <p:cNvSpPr/>
           <p:nvPr>
             <p:ph idx="2" type="sldImg"/>
@@ -1296,7 +1488,7 @@
       </p:sp>
       <p:sp>
         <p:nvSpPr>
-          <p:cNvPr id="135" name="Shape 135"/>
+          <p:cNvPr id="125" name="Shape 125"/>
           <p:cNvSpPr txBox="1"/>
           <p:nvPr>
             <p:ph idx="1" type="body"/>
@@ -1343,7 +1535,7 @@
   <p:cSld>
     <p:spTree>
       <p:nvGrpSpPr>
-        <p:cNvPr id="140" name="Shape 140"/>
+        <p:cNvPr id="148" name="Shape 148"/>
         <p:cNvGrpSpPr/>
         <p:nvPr/>
       </p:nvGrpSpPr>
@@ -1357,7 +1549,7 @@
       </p:grpSpPr>
       <p:sp>
         <p:nvSpPr>
-          <p:cNvPr id="141" name="Shape 141"/>
+          <p:cNvPr id="149" name="Shape 149"/>
           <p:cNvSpPr/>
           <p:nvPr>
             <p:ph idx="2" type="sldImg"/>
@@ -1391,7 +1583,7 @@
       </p:sp>
       <p:sp>
         <p:nvSpPr>
-          <p:cNvPr id="142" name="Shape 142"/>
+          <p:cNvPr id="150" name="Shape 150"/>
           <p:cNvSpPr txBox="1"/>
           <p:nvPr>
             <p:ph idx="1" type="body"/>
@@ -5554,7 +5746,7 @@
   <p:cSld>
     <p:spTree>
       <p:nvGrpSpPr>
-        <p:cNvPr id="149" name="Shape 149"/>
+        <p:cNvPr id="158" name="Shape 158"/>
         <p:cNvGrpSpPr/>
         <p:nvPr/>
       </p:nvGrpSpPr>
@@ -5568,7 +5760,7 @@
       </p:grpSpPr>
       <p:sp>
         <p:nvSpPr>
-          <p:cNvPr id="150" name="Shape 150"/>
+          <p:cNvPr id="159" name="Shape 159"/>
           <p:cNvSpPr txBox="1"/>
           <p:nvPr>
             <p:ph type="title"/>
@@ -5597,14 +5789,14 @@
             </a:pPr>
             <a:r>
               <a:rPr lang="zh-CN"/>
-              <a:t>总结: 整个项目只做三件事</a:t>
+              <a:t>Nodejs:利用formidable上传文件</a:t>
             </a:r>
           </a:p>
         </p:txBody>
       </p:sp>
       <p:sp>
         <p:nvSpPr>
-          <p:cNvPr id="151" name="Shape 151"/>
+          <p:cNvPr id="160" name="Shape 160"/>
           <p:cNvSpPr txBox="1"/>
           <p:nvPr>
             <p:ph idx="1" type="body"/>
@@ -5625,40 +5817,22 @@
           </a:bodyPr>
           <a:lstStyle/>
           <a:p>
-            <a:pPr indent="-228600" lvl="0" marL="457200" rtl="0">
-              <a:lnSpc>
-                <a:spcPct val="150000"/>
-              </a:lnSpc>
-              <a:spcBef>
-                <a:spcPts val="0"/>
-              </a:spcBef>
-              <a:buAutoNum type="arabicPeriod"/>
+            <a:pPr lvl="0">
+              <a:spcBef>
+                <a:spcPts val="0"/>
+              </a:spcBef>
+              <a:buNone/>
             </a:pPr>
             <a:r>
-              <a:rPr lang="zh-CN"/>
-              <a:t>文件获取</a:t>
+              <a:t/>
             </a:r>
-          </a:p>
-          <a:p>
-            <a:pPr indent="-228600" lvl="0" marL="457200" rtl="0">
-              <a:lnSpc>
-                <a:spcPct val="150000"/>
-              </a:lnSpc>
-              <a:spcBef>
-                <a:spcPts val="0"/>
-              </a:spcBef>
-              <a:buAutoNum type="arabicPeriod"/>
-            </a:pPr>
-            <a:r>
-              <a:rPr lang="zh-CN"/>
-              <a:t>上传文件</a:t>
-            </a:r>
+            <a:endParaRPr/>
           </a:p>
         </p:txBody>
       </p:sp>
       <p:pic>
         <p:nvPicPr>
-          <p:cNvPr descr="20110712103406-2036366821.jpg" id="152" name="Shape 152"/>
+          <p:cNvPr descr="5a7f4f70.png" id="161" name="Shape 161"/>
           <p:cNvPicPr preferRelativeResize="0"/>
           <p:nvPr/>
         </p:nvPicPr>
@@ -5672,8 +5846,8 @@
         </p:blipFill>
         <p:spPr>
           <a:xfrm>
-            <a:off x="4999525" y="1106000"/>
-            <a:ext cx="4070900" cy="3207875"/>
+            <a:off x="214325" y="1468812"/>
+            <a:ext cx="8858250" cy="2524125"/>
           </a:xfrm>
           <a:prstGeom prst="rect">
             <a:avLst/>
@@ -5684,48 +5858,6 @@
           </a:ln>
         </p:spPr>
       </p:pic>
-      <p:sp>
-        <p:nvSpPr>
-          <p:cNvPr id="153" name="Shape 153"/>
-          <p:cNvSpPr txBox="1"/>
-          <p:nvPr/>
-        </p:nvSpPr>
-        <p:spPr>
-          <a:xfrm>
-            <a:off x="545650" y="3265000"/>
-            <a:ext cx="4374300" cy="1048800"/>
-          </a:xfrm>
-          <a:prstGeom prst="rect">
-            <a:avLst/>
-          </a:prstGeom>
-          <a:noFill/>
-          <a:ln>
-            <a:noFill/>
-          </a:ln>
-        </p:spPr>
-        <p:txBody>
-          <a:bodyPr anchorCtr="0" anchor="t" bIns="91425" lIns="91425" rIns="91425" tIns="91425">
-            <a:noAutofit/>
-          </a:bodyPr>
-          <a:lstStyle/>
-          <a:p>
-            <a:pPr lvl="0">
-              <a:spcBef>
-                <a:spcPts val="0"/>
-              </a:spcBef>
-              <a:buNone/>
-            </a:pPr>
-            <a:r>
-              <a:rPr lang="zh-CN" sz="2400">
-                <a:solidFill>
-                  <a:schemeClr val="dk1"/>
-                </a:solidFill>
-              </a:rPr>
-              <a:t>3.时时监听“文件获取”和 “上传文件”并把结果时时反馈给用户</a:t>
-            </a:r>
-          </a:p>
-        </p:txBody>
-      </p:sp>
     </p:spTree>
   </p:cSld>
   <p:clrMapOvr>
@@ -5765,7 +5897,7 @@
                                           </p:stCondLst>
                                         </p:cTn>
                                         <p:tgtEl>
-                                          <p:spTgt spid="151"/>
+                                          <p:spTgt spid="161"/>
                                         </p:tgtEl>
                                         <p:attrNameLst>
                                           <p:attrName>style.visibility</p:attrName>
@@ -5779,7 +5911,749 @@
                                       <p:cBhvr>
                                         <p:cTn dur="1000"/>
                                         <p:tgtEl>
-                                          <p:spTgt spid="151"/>
+                                          <p:spTgt spid="161"/>
+                                        </p:tgtEl>
+                                      </p:cBhvr>
+                                    </p:animEffect>
+                                  </p:childTnLst>
+                                </p:cTn>
+                              </p:par>
+                            </p:childTnLst>
+                          </p:cTn>
+                        </p:par>
+                      </p:childTnLst>
+                    </p:cTn>
+                  </p:par>
+                </p:childTnLst>
+              </p:cTn>
+              <p:prevCondLst>
+                <p:cond evt="onPrev">
+                  <p:tgtEl>
+                    <p:sldTgt/>
+                  </p:tgtEl>
+                </p:cond>
+              </p:prevCondLst>
+              <p:nextCondLst>
+                <p:cond evt="onNext">
+                  <p:tgtEl>
+                    <p:sldTgt/>
+                  </p:tgtEl>
+                </p:cond>
+              </p:nextCondLst>
+            </p:seq>
+          </p:childTnLst>
+        </p:cTn>
+      </p:par>
+    </p:tnLst>
+  </p:timing>
+</p:sld>
+</file>
+
+<file path=ppt/slides/slide11.xml><?xml version="1.0" encoding="utf-8"?>
+<p:sld xmlns:a="http://schemas.openxmlformats.org/drawingml/2006/main" xmlns:r="http://schemas.openxmlformats.org/officeDocument/2006/relationships" xmlns:mc="http://schemas.openxmlformats.org/markup-compatibility/2006" xmlns:mv="urn:schemas-microsoft-com:mac:vml" xmlns:p="http://schemas.openxmlformats.org/presentationml/2006/main" xmlns:c="http://schemas.openxmlformats.org/drawingml/2006/chart" xmlns:dgm="http://schemas.openxmlformats.org/drawingml/2006/diagram" xmlns:o="urn:schemas-microsoft-com:office:office" xmlns:v="urn:schemas-microsoft-com:vml" xmlns:pvml="urn:schemas-microsoft-com:office:powerpoint" xmlns:com="http://schemas.openxmlformats.org/drawingml/2006/compatibility" xmlns:p14="http://schemas.microsoft.com/office/powerpoint/2010/main">
+  <p:cSld>
+    <p:spTree>
+      <p:nvGrpSpPr>
+        <p:cNvPr id="165" name="Shape 165"/>
+        <p:cNvGrpSpPr/>
+        <p:nvPr/>
+      </p:nvGrpSpPr>
+      <p:grpSpPr>
+        <a:xfrm>
+          <a:off x="0" y="0"/>
+          <a:ext cx="0" cy="0"/>
+          <a:chOff x="0" y="0"/>
+          <a:chExt cx="0" cy="0"/>
+        </a:xfrm>
+      </p:grpSpPr>
+      <p:sp>
+        <p:nvSpPr>
+          <p:cNvPr id="166" name="Shape 166"/>
+          <p:cNvSpPr txBox="1"/>
+          <p:nvPr>
+            <p:ph type="title"/>
+          </p:nvPr>
+        </p:nvSpPr>
+        <p:spPr>
+          <a:xfrm>
+            <a:off x="311700" y="372500"/>
+            <a:ext cx="8520600" cy="733500"/>
+          </a:xfrm>
+          <a:prstGeom prst="rect">
+            <a:avLst/>
+          </a:prstGeom>
+        </p:spPr>
+        <p:txBody>
+          <a:bodyPr anchorCtr="0" anchor="b" bIns="91425" lIns="91425" rIns="91425" tIns="91425">
+            <a:noAutofit/>
+          </a:bodyPr>
+          <a:lstStyle/>
+          <a:p>
+            <a:pPr lvl="0">
+              <a:spcBef>
+                <a:spcPts val="0"/>
+              </a:spcBef>
+              <a:buNone/>
+            </a:pPr>
+            <a:r>
+              <a:rPr lang="zh-CN"/>
+              <a:t>项目中用到的Linux命令</a:t>
+            </a:r>
+          </a:p>
+        </p:txBody>
+      </p:sp>
+      <p:sp>
+        <p:nvSpPr>
+          <p:cNvPr id="167" name="Shape 167"/>
+          <p:cNvSpPr txBox="1"/>
+          <p:nvPr>
+            <p:ph idx="1" type="body"/>
+          </p:nvPr>
+        </p:nvSpPr>
+        <p:spPr>
+          <a:xfrm>
+            <a:off x="311700" y="1468825"/>
+            <a:ext cx="8520600" cy="3522600"/>
+          </a:xfrm>
+          <a:prstGeom prst="rect">
+            <a:avLst/>
+          </a:prstGeom>
+        </p:spPr>
+        <p:txBody>
+          <a:bodyPr anchorCtr="0" anchor="t" bIns="91425" lIns="91425" rIns="91425" tIns="91425">
+            <a:noAutofit/>
+          </a:bodyPr>
+          <a:lstStyle/>
+          <a:p>
+            <a:pPr lvl="0">
+              <a:lnSpc>
+                <a:spcPct val="142857"/>
+              </a:lnSpc>
+              <a:spcBef>
+                <a:spcPts val="0"/>
+              </a:spcBef>
+              <a:spcAft>
+                <a:spcPts val="0"/>
+              </a:spcAft>
+              <a:buNone/>
+            </a:pPr>
+            <a:r>
+              <a:rPr lang="zh-CN" sz="1200">
+                <a:solidFill>
+                  <a:srgbClr val="58AA00"/>
+                </a:solidFill>
+                <a:highlight>
+                  <a:srgbClr val="FFFFFF"/>
+                </a:highlight>
+                <a:latin typeface="Verdana"/>
+                <a:ea typeface="Verdana"/>
+                <a:cs typeface="Verdana"/>
+                <a:sym typeface="Verdana"/>
+              </a:rPr>
+              <a:t>#!/bin/sh</a:t>
+            </a:r>
+          </a:p>
+          <a:p>
+            <a:pPr lvl="0">
+              <a:lnSpc>
+                <a:spcPct val="142857"/>
+              </a:lnSpc>
+              <a:spcBef>
+                <a:spcPts val="0"/>
+              </a:spcBef>
+              <a:spcAft>
+                <a:spcPts val="0"/>
+              </a:spcAft>
+              <a:buNone/>
+            </a:pPr>
+            <a:r>
+              <a:rPr lang="zh-CN" sz="1200">
+                <a:solidFill>
+                  <a:srgbClr val="58AA00"/>
+                </a:solidFill>
+                <a:highlight>
+                  <a:srgbClr val="FFFFFF"/>
+                </a:highlight>
+                <a:latin typeface="Verdana"/>
+                <a:ea typeface="Verdana"/>
+                <a:cs typeface="Verdana"/>
+                <a:sym typeface="Verdana"/>
+              </a:rPr>
+              <a:t>rm -rf view_build/;</a:t>
+            </a:r>
+          </a:p>
+          <a:p>
+            <a:pPr lvl="0">
+              <a:lnSpc>
+                <a:spcPct val="142857"/>
+              </a:lnSpc>
+              <a:spcBef>
+                <a:spcPts val="0"/>
+              </a:spcBef>
+              <a:spcAft>
+                <a:spcPts val="0"/>
+              </a:spcAft>
+              <a:buNone/>
+            </a:pPr>
+            <a:r>
+              <a:rPr lang="zh-CN" sz="1200">
+                <a:solidFill>
+                  <a:srgbClr val="58AA00"/>
+                </a:solidFill>
+                <a:highlight>
+                  <a:srgbClr val="FFFFFF"/>
+                </a:highlight>
+                <a:latin typeface="Verdana"/>
+                <a:ea typeface="Verdana"/>
+                <a:cs typeface="Verdana"/>
+                <a:sym typeface="Verdana"/>
+              </a:rPr>
+              <a:t>mkdir view_build;</a:t>
+            </a:r>
+          </a:p>
+          <a:p>
+            <a:pPr lvl="0" rtl="0">
+              <a:lnSpc>
+                <a:spcPct val="142857"/>
+              </a:lnSpc>
+              <a:spcBef>
+                <a:spcPts val="0"/>
+              </a:spcBef>
+              <a:spcAft>
+                <a:spcPts val="0"/>
+              </a:spcAft>
+              <a:buNone/>
+            </a:pPr>
+            <a:r>
+              <a:rPr lang="zh-CN" sz="1200">
+                <a:solidFill>
+                  <a:srgbClr val="58AA00"/>
+                </a:solidFill>
+                <a:highlight>
+                  <a:srgbClr val="FFFFFF"/>
+                </a:highlight>
+                <a:latin typeface="Verdana"/>
+                <a:ea typeface="Verdana"/>
+                <a:cs typeface="Verdana"/>
+                <a:sym typeface="Verdana"/>
+              </a:rPr>
+              <a:t>cp -r view/* view_build;</a:t>
+            </a:r>
+          </a:p>
+          <a:p>
+            <a:pPr lvl="0" rtl="0">
+              <a:lnSpc>
+                <a:spcPct val="142857"/>
+              </a:lnSpc>
+              <a:spcBef>
+                <a:spcPts val="0"/>
+              </a:spcBef>
+              <a:spcAft>
+                <a:spcPts val="0"/>
+              </a:spcAft>
+              <a:buNone/>
+            </a:pPr>
+            <a:r>
+              <a:rPr lang="zh-CN" sz="1200">
+                <a:solidFill>
+                  <a:srgbClr val="58AA00"/>
+                </a:solidFill>
+                <a:highlight>
+                  <a:srgbClr val="FFFFFF"/>
+                </a:highlight>
+                <a:latin typeface="Verdana"/>
+                <a:ea typeface="Verdana"/>
+                <a:cs typeface="Verdana"/>
+                <a:sym typeface="Verdana"/>
+              </a:rPr>
+              <a:t>tar zcf ../output.tar.gz *;</a:t>
+            </a:r>
+          </a:p>
+          <a:p>
+            <a:pPr lvl="0" rtl="0">
+              <a:lnSpc>
+                <a:spcPct val="142857"/>
+              </a:lnSpc>
+              <a:spcBef>
+                <a:spcPts val="0"/>
+              </a:spcBef>
+              <a:spcAft>
+                <a:spcPts val="0"/>
+              </a:spcAft>
+              <a:buNone/>
+            </a:pPr>
+            <a:r>
+              <a:rPr lang="zh-CN" sz="1200">
+                <a:solidFill>
+                  <a:srgbClr val="58AA00"/>
+                </a:solidFill>
+                <a:highlight>
+                  <a:srgbClr val="FFFFFF"/>
+                </a:highlight>
+                <a:latin typeface="Verdana"/>
+                <a:ea typeface="Verdana"/>
+                <a:cs typeface="Verdana"/>
+                <a:sym typeface="Verdana"/>
+              </a:rPr>
+              <a:t>netstat -antp;</a:t>
+            </a:r>
+          </a:p>
+          <a:p>
+            <a:pPr lvl="0" rtl="0">
+              <a:lnSpc>
+                <a:spcPct val="142857"/>
+              </a:lnSpc>
+              <a:spcBef>
+                <a:spcPts val="0"/>
+              </a:spcBef>
+              <a:spcAft>
+                <a:spcPts val="0"/>
+              </a:spcAft>
+              <a:buNone/>
+            </a:pPr>
+            <a:r>
+              <a:rPr lang="zh-CN" sz="1200">
+                <a:solidFill>
+                  <a:srgbClr val="58AA00"/>
+                </a:solidFill>
+                <a:highlight>
+                  <a:srgbClr val="FFFFFF"/>
+                </a:highlight>
+                <a:latin typeface="Verdana"/>
+                <a:ea typeface="Verdana"/>
+                <a:cs typeface="Verdana"/>
+                <a:sym typeface="Verdana"/>
+              </a:rPr>
+              <a:t>ps -ef|grep node;</a:t>
+            </a:r>
+          </a:p>
+          <a:p>
+            <a:pPr lvl="0" rtl="0">
+              <a:lnSpc>
+                <a:spcPct val="142857"/>
+              </a:lnSpc>
+              <a:spcBef>
+                <a:spcPts val="0"/>
+              </a:spcBef>
+              <a:spcAft>
+                <a:spcPts val="0"/>
+              </a:spcAft>
+              <a:buNone/>
+            </a:pPr>
+            <a:r>
+              <a:rPr lang="zh-CN" sz="1200">
+                <a:solidFill>
+                  <a:srgbClr val="58AA00"/>
+                </a:solidFill>
+                <a:highlight>
+                  <a:srgbClr val="FFFFFF"/>
+                </a:highlight>
+                <a:latin typeface="Verdana"/>
+                <a:ea typeface="Verdana"/>
+                <a:cs typeface="Verdana"/>
+                <a:sym typeface="Verdana"/>
+              </a:rPr>
+              <a:t>ln -s;</a:t>
+            </a:r>
+          </a:p>
+          <a:p>
+            <a:pPr lvl="0" rtl="0">
+              <a:lnSpc>
+                <a:spcPct val="142857"/>
+              </a:lnSpc>
+              <a:spcBef>
+                <a:spcPts val="0"/>
+              </a:spcBef>
+              <a:spcAft>
+                <a:spcPts val="0"/>
+              </a:spcAft>
+              <a:buNone/>
+            </a:pPr>
+            <a:r>
+              <a:rPr lang="zh-CN" sz="1200">
+                <a:solidFill>
+                  <a:srgbClr val="58AA00"/>
+                </a:solidFill>
+                <a:highlight>
+                  <a:srgbClr val="FFFFFF"/>
+                </a:highlight>
+                <a:latin typeface="Verdana"/>
+                <a:ea typeface="Verdana"/>
+                <a:cs typeface="Verdana"/>
+                <a:sym typeface="Verdana"/>
+              </a:rPr>
+              <a:t>find / -name node*;</a:t>
+            </a:r>
+          </a:p>
+          <a:p>
+            <a:pPr lvl="0" rtl="0">
+              <a:lnSpc>
+                <a:spcPct val="142857"/>
+              </a:lnSpc>
+              <a:spcBef>
+                <a:spcPts val="0"/>
+              </a:spcBef>
+              <a:spcAft>
+                <a:spcPts val="0"/>
+              </a:spcAft>
+              <a:buNone/>
+            </a:pPr>
+            <a:r>
+              <a:rPr lang="zh-CN" sz="1200">
+                <a:solidFill>
+                  <a:srgbClr val="58AA00"/>
+                </a:solidFill>
+                <a:highlight>
+                  <a:srgbClr val="FFFFFF"/>
+                </a:highlight>
+                <a:latin typeface="Verdana"/>
+                <a:ea typeface="Verdana"/>
+                <a:cs typeface="Verdana"/>
+                <a:sym typeface="Verdana"/>
+              </a:rPr>
+              <a:t>kill -2 `pgrep mongod`;</a:t>
+            </a:r>
+          </a:p>
+          <a:p>
+            <a:pPr lvl="0" rtl="0">
+              <a:lnSpc>
+                <a:spcPct val="142857"/>
+              </a:lnSpc>
+              <a:spcBef>
+                <a:spcPts val="0"/>
+              </a:spcBef>
+              <a:spcAft>
+                <a:spcPts val="0"/>
+              </a:spcAft>
+              <a:buNone/>
+            </a:pPr>
+            <a:r>
+              <a:rPr lang="zh-CN" sz="1200">
+                <a:solidFill>
+                  <a:srgbClr val="58AA00"/>
+                </a:solidFill>
+                <a:highlight>
+                  <a:srgbClr val="FFFFFF"/>
+                </a:highlight>
+                <a:latin typeface="Verdana"/>
+                <a:ea typeface="Verdana"/>
+                <a:cs typeface="Verdana"/>
+                <a:sym typeface="Verdana"/>
+              </a:rPr>
+              <a:t>sudo rz -y;</a:t>
+            </a:r>
+          </a:p>
+          <a:p>
+            <a:pPr lvl="0" rtl="0">
+              <a:lnSpc>
+                <a:spcPct val="142857"/>
+              </a:lnSpc>
+              <a:spcBef>
+                <a:spcPts val="0"/>
+              </a:spcBef>
+              <a:spcAft>
+                <a:spcPts val="0"/>
+              </a:spcAft>
+              <a:buNone/>
+            </a:pPr>
+            <a:r>
+              <a:rPr lang="zh-CN" sz="1200">
+                <a:solidFill>
+                  <a:srgbClr val="58AA00"/>
+                </a:solidFill>
+                <a:highlight>
+                  <a:srgbClr val="FFFFFF"/>
+                </a:highlight>
+                <a:latin typeface="Verdana"/>
+                <a:ea typeface="Verdana"/>
+                <a:cs typeface="Verdana"/>
+                <a:sym typeface="Verdana"/>
+              </a:rPr>
+              <a:t>...</a:t>
+            </a:r>
+          </a:p>
+          <a:p>
+            <a:pPr lvl="0">
+              <a:lnSpc>
+                <a:spcPct val="142857"/>
+              </a:lnSpc>
+              <a:spcBef>
+                <a:spcPts val="0"/>
+              </a:spcBef>
+              <a:spcAft>
+                <a:spcPts val="0"/>
+              </a:spcAft>
+              <a:buNone/>
+            </a:pPr>
+            <a:r>
+              <a:rPr b="1" lang="zh-CN" sz="1400">
+                <a:solidFill>
+                  <a:srgbClr val="000000"/>
+                </a:solidFill>
+                <a:highlight>
+                  <a:srgbClr val="FFFFFF"/>
+                </a:highlight>
+                <a:latin typeface="Verdana"/>
+                <a:ea typeface="Verdana"/>
+                <a:cs typeface="Verdana"/>
+                <a:sym typeface="Verdana"/>
+              </a:rPr>
+              <a:t>不会运维的前端开发不是好的架构师</a:t>
+            </a:r>
+          </a:p>
+          <a:p>
+            <a:pPr lvl="0">
+              <a:spcBef>
+                <a:spcPts val="0"/>
+              </a:spcBef>
+              <a:buNone/>
+            </a:pPr>
+            <a:r>
+              <a:t/>
+            </a:r>
+            <a:endParaRPr/>
+          </a:p>
+        </p:txBody>
+      </p:sp>
+    </p:spTree>
+  </p:cSld>
+  <p:clrMapOvr>
+    <a:masterClrMapping/>
+  </p:clrMapOvr>
+</p:sld>
+</file>
+
+<file path=ppt/slides/slide12.xml><?xml version="1.0" encoding="utf-8"?>
+<p:sld xmlns:a="http://schemas.openxmlformats.org/drawingml/2006/main" xmlns:r="http://schemas.openxmlformats.org/officeDocument/2006/relationships" xmlns:mc="http://schemas.openxmlformats.org/markup-compatibility/2006" xmlns:mv="urn:schemas-microsoft-com:mac:vml" xmlns:p="http://schemas.openxmlformats.org/presentationml/2006/main" xmlns:c="http://schemas.openxmlformats.org/drawingml/2006/chart" xmlns:dgm="http://schemas.openxmlformats.org/drawingml/2006/diagram" xmlns:o="urn:schemas-microsoft-com:office:office" xmlns:v="urn:schemas-microsoft-com:vml" xmlns:pvml="urn:schemas-microsoft-com:office:powerpoint" xmlns:com="http://schemas.openxmlformats.org/drawingml/2006/compatibility" xmlns:p14="http://schemas.microsoft.com/office/powerpoint/2010/main">
+  <p:cSld>
+    <p:spTree>
+      <p:nvGrpSpPr>
+        <p:cNvPr id="171" name="Shape 171"/>
+        <p:cNvGrpSpPr/>
+        <p:nvPr/>
+      </p:nvGrpSpPr>
+      <p:grpSpPr>
+        <a:xfrm>
+          <a:off x="0" y="0"/>
+          <a:ext cx="0" cy="0"/>
+          <a:chOff x="0" y="0"/>
+          <a:chExt cx="0" cy="0"/>
+        </a:xfrm>
+      </p:grpSpPr>
+      <p:sp>
+        <p:nvSpPr>
+          <p:cNvPr id="172" name="Shape 172"/>
+          <p:cNvSpPr txBox="1"/>
+          <p:nvPr>
+            <p:ph type="title"/>
+          </p:nvPr>
+        </p:nvSpPr>
+        <p:spPr>
+          <a:xfrm>
+            <a:off x="311700" y="372500"/>
+            <a:ext cx="8520600" cy="733500"/>
+          </a:xfrm>
+          <a:prstGeom prst="rect">
+            <a:avLst/>
+          </a:prstGeom>
+        </p:spPr>
+        <p:txBody>
+          <a:bodyPr anchorCtr="0" anchor="b" bIns="91425" lIns="91425" rIns="91425" tIns="91425">
+            <a:noAutofit/>
+          </a:bodyPr>
+          <a:lstStyle/>
+          <a:p>
+            <a:pPr lvl="0">
+              <a:spcBef>
+                <a:spcPts val="0"/>
+              </a:spcBef>
+              <a:buNone/>
+            </a:pPr>
+            <a:r>
+              <a:rPr lang="zh-CN"/>
+              <a:t>总结: 整个发布流程做三件事</a:t>
+            </a:r>
+          </a:p>
+        </p:txBody>
+      </p:sp>
+      <p:sp>
+        <p:nvSpPr>
+          <p:cNvPr id="173" name="Shape 173"/>
+          <p:cNvSpPr txBox="1"/>
+          <p:nvPr>
+            <p:ph idx="1" type="body"/>
+          </p:nvPr>
+        </p:nvSpPr>
+        <p:spPr>
+          <a:xfrm>
+            <a:off x="311700" y="1468825"/>
+            <a:ext cx="8520600" cy="3099900"/>
+          </a:xfrm>
+          <a:prstGeom prst="rect">
+            <a:avLst/>
+          </a:prstGeom>
+        </p:spPr>
+        <p:txBody>
+          <a:bodyPr anchorCtr="0" anchor="t" bIns="91425" lIns="91425" rIns="91425" tIns="91425">
+            <a:noAutofit/>
+          </a:bodyPr>
+          <a:lstStyle/>
+          <a:p>
+            <a:pPr indent="-228600" lvl="0" marL="457200" rtl="0">
+              <a:lnSpc>
+                <a:spcPct val="150000"/>
+              </a:lnSpc>
+              <a:spcBef>
+                <a:spcPts val="0"/>
+              </a:spcBef>
+              <a:buAutoNum type="arabicPeriod"/>
+            </a:pPr>
+            <a:r>
+              <a:rPr lang="zh-CN"/>
+              <a:t>文件获取</a:t>
+            </a:r>
+          </a:p>
+          <a:p>
+            <a:pPr indent="-228600" lvl="0" marL="457200" rtl="0">
+              <a:lnSpc>
+                <a:spcPct val="150000"/>
+              </a:lnSpc>
+              <a:spcBef>
+                <a:spcPts val="0"/>
+              </a:spcBef>
+              <a:buAutoNum type="arabicPeriod"/>
+            </a:pPr>
+            <a:r>
+              <a:rPr lang="zh-CN"/>
+              <a:t>上传文件</a:t>
+            </a:r>
+          </a:p>
+        </p:txBody>
+      </p:sp>
+      <p:pic>
+        <p:nvPicPr>
+          <p:cNvPr descr="20110712103406-2036366821.jpg" id="174" name="Shape 174"/>
+          <p:cNvPicPr preferRelativeResize="0"/>
+          <p:nvPr/>
+        </p:nvPicPr>
+        <p:blipFill>
+          <a:blip r:embed="rId3">
+            <a:alphaModFix/>
+          </a:blip>
+          <a:stretch>
+            <a:fillRect/>
+          </a:stretch>
+        </p:blipFill>
+        <p:spPr>
+          <a:xfrm>
+            <a:off x="4999525" y="1106000"/>
+            <a:ext cx="4070900" cy="3207875"/>
+          </a:xfrm>
+          <a:prstGeom prst="rect">
+            <a:avLst/>
+          </a:prstGeom>
+          <a:noFill/>
+          <a:ln>
+            <a:noFill/>
+          </a:ln>
+        </p:spPr>
+      </p:pic>
+      <p:sp>
+        <p:nvSpPr>
+          <p:cNvPr id="175" name="Shape 175"/>
+          <p:cNvSpPr txBox="1"/>
+          <p:nvPr/>
+        </p:nvSpPr>
+        <p:spPr>
+          <a:xfrm>
+            <a:off x="545650" y="3265000"/>
+            <a:ext cx="4374300" cy="1048800"/>
+          </a:xfrm>
+          <a:prstGeom prst="rect">
+            <a:avLst/>
+          </a:prstGeom>
+          <a:noFill/>
+          <a:ln>
+            <a:noFill/>
+          </a:ln>
+        </p:spPr>
+        <p:txBody>
+          <a:bodyPr anchorCtr="0" anchor="t" bIns="91425" lIns="91425" rIns="91425" tIns="91425">
+            <a:noAutofit/>
+          </a:bodyPr>
+          <a:lstStyle/>
+          <a:p>
+            <a:pPr lvl="0">
+              <a:spcBef>
+                <a:spcPts val="0"/>
+              </a:spcBef>
+              <a:buNone/>
+            </a:pPr>
+            <a:r>
+              <a:rPr lang="zh-CN" sz="2400">
+                <a:solidFill>
+                  <a:schemeClr val="dk1"/>
+                </a:solidFill>
+              </a:rPr>
+              <a:t>3.实时监听“文件获取”和 “上传文件”并把结果立即反馈给用户</a:t>
+            </a:r>
+          </a:p>
+        </p:txBody>
+      </p:sp>
+    </p:spTree>
+  </p:cSld>
+  <p:clrMapOvr>
+    <a:masterClrMapping/>
+  </p:clrMapOvr>
+  <p:timing>
+    <p:tnLst>
+      <p:par>
+        <p:cTn dur="indefinite" nodeType="tmRoot" restart="never">
+          <p:childTnLst>
+            <p:seq concurrent="1" nextAc="seek">
+              <p:cTn dur="indefinite" id="2" nodeType="mainSeq">
+                <p:childTnLst>
+                  <p:par>
+                    <p:cTn fill="hold">
+                      <p:stCondLst>
+                        <p:cond delay="indefinite"/>
+                      </p:stCondLst>
+                      <p:childTnLst>
+                        <p:par>
+                          <p:cTn fill="hold">
+                            <p:stCondLst>
+                              <p:cond delay="0"/>
+                            </p:stCondLst>
+                            <p:childTnLst>
+                              <p:par>
+                                <p:cTn fill="hold" nodeType="clickEffect" presetClass="entr" presetID="10" presetSubtype="0">
+                                  <p:stCondLst>
+                                    <p:cond delay="0"/>
+                                  </p:stCondLst>
+                                  <p:childTnLst>
+                                    <p:set>
+                                      <p:cBhvr>
+                                        <p:cTn dur="1" fill="hold">
+                                          <p:stCondLst>
+                                            <p:cond delay="0"/>
+                                          </p:stCondLst>
+                                        </p:cTn>
+                                        <p:tgtEl>
+                                          <p:spTgt spid="173"/>
+                                        </p:tgtEl>
+                                        <p:attrNameLst>
+                                          <p:attrName>style.visibility</p:attrName>
+                                        </p:attrNameLst>
+                                      </p:cBhvr>
+                                      <p:to>
+                                        <p:strVal val="visible"/>
+                                      </p:to>
+                                    </p:set>
+                                    <p:animEffect filter="fade" transition="in">
+                                      <p:cBhvr>
+                                        <p:cTn dur="1000"/>
+                                        <p:tgtEl>
+                                          <p:spTgt spid="173"/>
                                         </p:tgtEl>
                                       </p:cBhvr>
                                     </p:animEffect>
@@ -5818,7 +6692,7 @@
                                           </p:stCondLst>
                                         </p:cTn>
                                         <p:tgtEl>
-                                          <p:spTgt spid="152"/>
+                                          <p:spTgt spid="174"/>
                                         </p:tgtEl>
                                         <p:attrNameLst>
                                           <p:attrName>style.visibility</p:attrName>
@@ -5832,7 +6706,7 @@
                                       <p:cBhvr additive="base">
                                         <p:cTn dur="1000"/>
                                         <p:tgtEl>
-                                          <p:spTgt spid="152"/>
+                                          <p:spTgt spid="174"/>
                                         </p:tgtEl>
                                         <p:attrNameLst>
                                           <p:attrName>ppt_x</p:attrName>
@@ -5877,7 +6751,7 @@
                                           </p:stCondLst>
                                         </p:cTn>
                                         <p:tgtEl>
-                                          <p:spTgt spid="153"/>
+                                          <p:spTgt spid="175"/>
                                         </p:tgtEl>
                                         <p:attrNameLst>
                                           <p:attrName>style.visibility</p:attrName>
@@ -5891,7 +6765,7 @@
                                       <p:cBhvr>
                                         <p:cTn dur="1000"/>
                                         <p:tgtEl>
-                                          <p:spTgt spid="153"/>
+                                          <p:spTgt spid="175"/>
                                         </p:tgtEl>
                                       </p:cBhvr>
                                     </p:animEffect>
@@ -5929,12 +6803,12 @@
 </p:sld>
 </file>
 
-<file path=ppt/slides/slide11.xml><?xml version="1.0" encoding="utf-8"?>
+<file path=ppt/slides/slide13.xml><?xml version="1.0" encoding="utf-8"?>
 <p:sld xmlns:a="http://schemas.openxmlformats.org/drawingml/2006/main" xmlns:r="http://schemas.openxmlformats.org/officeDocument/2006/relationships" xmlns:mc="http://schemas.openxmlformats.org/markup-compatibility/2006" xmlns:mv="urn:schemas-microsoft-com:mac:vml" xmlns:p="http://schemas.openxmlformats.org/presentationml/2006/main" xmlns:c="http://schemas.openxmlformats.org/drawingml/2006/chart" xmlns:dgm="http://schemas.openxmlformats.org/drawingml/2006/diagram" xmlns:o="urn:schemas-microsoft-com:office:office" xmlns:v="urn:schemas-microsoft-com:vml" xmlns:pvml="urn:schemas-microsoft-com:office:powerpoint" xmlns:com="http://schemas.openxmlformats.org/drawingml/2006/compatibility" xmlns:p14="http://schemas.microsoft.com/office/powerpoint/2010/main">
   <p:cSld>
     <p:spTree>
       <p:nvGrpSpPr>
-        <p:cNvPr id="157" name="Shape 157"/>
+        <p:cNvPr id="179" name="Shape 179"/>
         <p:cNvGrpSpPr/>
         <p:nvPr/>
       </p:nvGrpSpPr>
@@ -5948,7 +6822,7 @@
       </p:grpSpPr>
       <p:sp>
         <p:nvSpPr>
-          <p:cNvPr id="158" name="Shape 158"/>
+          <p:cNvPr id="180" name="Shape 180"/>
           <p:cNvSpPr txBox="1"/>
           <p:nvPr>
             <p:ph type="ctrTitle"/>
@@ -5977,14 +6851,14 @@
             </a:pPr>
             <a:r>
               <a:rPr lang="zh-CN"/>
-              <a:t>谢谢！</a:t>
+              <a:t>Q&amp;A</a:t>
             </a:r>
           </a:p>
         </p:txBody>
       </p:sp>
       <p:sp>
         <p:nvSpPr>
-          <p:cNvPr id="159" name="Shape 159"/>
+          <p:cNvPr id="181" name="Shape 181"/>
           <p:cNvSpPr txBox="1"/>
           <p:nvPr>
             <p:ph idx="1" type="subTitle"/>
@@ -6012,9 +6886,9 @@
               <a:buNone/>
             </a:pPr>
             <a:r>
-              <a:t/>
+              <a:rPr lang="zh-CN"/>
+              <a:t> </a:t>
             </a:r>
-            <a:endParaRPr/>
           </a:p>
         </p:txBody>
       </p:sp>
@@ -6073,12 +6947,8 @@
               <a:buNone/>
             </a:pPr>
             <a:r>
-              <a:rPr lang="zh-CN">
-                <a:solidFill>
-                  <a:srgbClr val="4A86E8"/>
-                </a:solidFill>
-              </a:rPr>
-              <a:t>提纲</a:t>
+              <a:rPr lang="zh-CN"/>
+              <a:t>起源</a:t>
             </a:r>
           </a:p>
         </p:txBody>
@@ -6110,11 +6980,31 @@
               <a:spcBef>
                 <a:spcPts val="0"/>
               </a:spcBef>
-              <a:buChar char="❏"/>
+              <a:buAutoNum type="arabicPeriod"/>
             </a:pPr>
             <a:r>
               <a:rPr lang="zh-CN"/>
-              <a:t>文件类型、文件管理工具、文件发布流程</a:t>
+              <a:t>发文件过程比较繁琐,得通过</a:t>
+            </a:r>
+            <a:r>
+              <a:rPr lang="zh-CN">
+                <a:solidFill>
+                  <a:srgbClr val="FF0000"/>
+                </a:solidFill>
+              </a:rPr>
+              <a:t>邮件方式传输</a:t>
+            </a:r>
+          </a:p>
+          <a:p>
+            <a:pPr indent="-228600" lvl="0" marL="457200" rtl="0">
+              <a:spcBef>
+                <a:spcPts val="0"/>
+              </a:spcBef>
+              <a:buAutoNum type="arabicPeriod"/>
+            </a:pPr>
+            <a:r>
+              <a:rPr lang="zh-CN"/>
+              <a:t>各个环节响应结果时间较长</a:t>
             </a:r>
           </a:p>
           <a:p>
@@ -6122,59 +7012,44 @@
               <a:spcBef>
                 <a:spcPts val="0"/>
               </a:spcBef>
-              <a:buChar char="❏"/>
+              <a:buAutoNum type="arabicPeriod"/>
             </a:pPr>
             <a:r>
               <a:rPr lang="zh-CN"/>
-              <a:t>技术实现</a:t>
+              <a:t>代码测试不通过又得重复上面流程</a:t>
             </a:r>
           </a:p>
         </p:txBody>
       </p:sp>
-    </p:spTree>
-  </p:cSld>
-  <p:clrMapOvr>
-    <a:masterClrMapping/>
-  </p:clrMapOvr>
-</p:sld>
-</file>
-
-<file path=ppt/slides/slide3.xml><?xml version="1.0" encoding="utf-8"?>
-<p:sld xmlns:a="http://schemas.openxmlformats.org/drawingml/2006/main" xmlns:r="http://schemas.openxmlformats.org/officeDocument/2006/relationships" xmlns:mc="http://schemas.openxmlformats.org/markup-compatibility/2006" xmlns:mv="urn:schemas-microsoft-com:mac:vml" xmlns:p="http://schemas.openxmlformats.org/presentationml/2006/main" xmlns:c="http://schemas.openxmlformats.org/drawingml/2006/chart" xmlns:dgm="http://schemas.openxmlformats.org/drawingml/2006/diagram" xmlns:o="urn:schemas-microsoft-com:office:office" xmlns:v="urn:schemas-microsoft-com:vml" xmlns:pvml="urn:schemas-microsoft-com:office:powerpoint" xmlns:com="http://schemas.openxmlformats.org/drawingml/2006/compatibility" xmlns:p14="http://schemas.microsoft.com/office/powerpoint/2010/main">
-  <p:cSld>
-    <p:spTree>
-      <p:nvGrpSpPr>
-        <p:cNvPr id="76" name="Shape 76"/>
-        <p:cNvGrpSpPr/>
-        <p:nvPr/>
-      </p:nvGrpSpPr>
-      <p:grpSpPr>
-        <a:xfrm>
-          <a:off x="0" y="0"/>
-          <a:ext cx="0" cy="0"/>
-          <a:chOff x="0" y="0"/>
-          <a:chExt cx="0" cy="0"/>
-        </a:xfrm>
-      </p:grpSpPr>
-      <p:sp>
-        <p:nvSpPr>
-          <p:cNvPr id="77" name="Shape 77"/>
-          <p:cNvSpPr txBox="1"/>
-          <p:nvPr>
-            <p:ph type="title"/>
-          </p:nvPr>
-        </p:nvSpPr>
-        <p:spPr>
-          <a:xfrm>
-            <a:off x="311700" y="372500"/>
-            <a:ext cx="8520600" cy="733500"/>
+      <p:sp>
+        <p:nvSpPr>
+          <p:cNvPr id="73" name="Shape 73"/>
+          <p:cNvSpPr/>
+          <p:nvPr/>
+        </p:nvSpPr>
+        <p:spPr>
+          <a:xfrm>
+            <a:off x="445100" y="3185550"/>
+            <a:ext cx="1417800" cy="910800"/>
           </a:xfrm>
           <a:prstGeom prst="rect">
             <a:avLst/>
           </a:prstGeom>
+          <a:solidFill>
+            <a:srgbClr val="6D9EEB"/>
+          </a:solidFill>
+          <a:ln cap="flat" cmpd="sng" w="9525">
+            <a:solidFill>
+              <a:schemeClr val="dk2"/>
+            </a:solidFill>
+            <a:prstDash val="solid"/>
+            <a:round/>
+            <a:headEnd len="med" w="med" type="none"/>
+            <a:tailEnd len="med" w="med" type="none"/>
+          </a:ln>
         </p:spPr>
         <p:txBody>
-          <a:bodyPr anchorCtr="0" anchor="b" bIns="91425" lIns="91425" rIns="91425" tIns="91425">
+          <a:bodyPr anchorCtr="0" anchor="ctr" bIns="91425" lIns="91425" rIns="91425" tIns="91425">
             <a:noAutofit/>
           </a:bodyPr>
           <a:lstStyle/>
@@ -6186,28 +7061,190 @@
               <a:buNone/>
             </a:pPr>
             <a:r>
-              <a:rPr lang="zh-CN"/>
-              <a:t>常见文件类型</a:t>
+              <a:rPr b="1" lang="zh-CN">
+                <a:solidFill>
+                  <a:schemeClr val="lt1"/>
+                </a:solidFill>
+              </a:rPr>
+              <a:t>开发</a:t>
+            </a:r>
+            <a:r>
+              <a:rPr b="1" lang="zh-CN">
+                <a:solidFill>
+                  <a:schemeClr val="lt1"/>
+                </a:solidFill>
+              </a:rPr>
+              <a:t>打包文件发给测试</a:t>
             </a:r>
           </a:p>
         </p:txBody>
       </p:sp>
       <p:sp>
         <p:nvSpPr>
-          <p:cNvPr id="78" name="Shape 78"/>
+          <p:cNvPr id="74" name="Shape 74"/>
+          <p:cNvSpPr/>
+          <p:nvPr/>
+        </p:nvSpPr>
+        <p:spPr>
+          <a:xfrm>
+            <a:off x="1901500" y="3475675"/>
+            <a:ext cx="445200" cy="214200"/>
+          </a:xfrm>
+          <a:prstGeom prst="rightArrow">
+            <a:avLst>
+              <a:gd fmla="val 50000" name="adj1"/>
+              <a:gd fmla="val 50000" name="adj2"/>
+            </a:avLst>
+          </a:prstGeom>
+          <a:solidFill>
+            <a:srgbClr val="F1F3FA"/>
+          </a:solidFill>
+          <a:ln cap="flat" cmpd="sng" w="9525">
+            <a:solidFill>
+              <a:schemeClr val="dk2"/>
+            </a:solidFill>
+            <a:prstDash val="solid"/>
+            <a:round/>
+            <a:headEnd len="med" w="med" type="none"/>
+            <a:tailEnd len="med" w="med" type="none"/>
+          </a:ln>
+        </p:spPr>
+        <p:txBody>
+          <a:bodyPr anchorCtr="0" anchor="ctr" bIns="91425" lIns="91425" rIns="91425" tIns="91425">
+            <a:noAutofit/>
+          </a:bodyPr>
+          <a:lstStyle/>
+          <a:p>
+            <a:pPr lvl="0">
+              <a:spcBef>
+                <a:spcPts val="0"/>
+              </a:spcBef>
+              <a:buNone/>
+            </a:pPr>
+            <a:r>
+              <a:t/>
+            </a:r>
+            <a:endParaRPr/>
+          </a:p>
+        </p:txBody>
+      </p:sp>
+      <p:sp>
+        <p:nvSpPr>
+          <p:cNvPr id="75" name="Shape 75"/>
+          <p:cNvSpPr/>
+          <p:nvPr/>
+        </p:nvSpPr>
+        <p:spPr>
+          <a:xfrm>
+            <a:off x="2385300" y="3185550"/>
+            <a:ext cx="2044200" cy="816050"/>
+          </a:xfrm>
+          <a:prstGeom prst="flowChartDecision">
+            <a:avLst/>
+          </a:prstGeom>
+          <a:solidFill>
+            <a:srgbClr val="D5A6BD"/>
+          </a:solidFill>
+          <a:ln cap="flat" cmpd="sng" w="9525">
+            <a:solidFill>
+              <a:schemeClr val="dk2"/>
+            </a:solidFill>
+            <a:prstDash val="solid"/>
+            <a:round/>
+            <a:headEnd len="med" w="med" type="none"/>
+            <a:tailEnd len="med" w="med" type="none"/>
+          </a:ln>
+        </p:spPr>
+        <p:txBody>
+          <a:bodyPr anchorCtr="0" anchor="ctr" bIns="91425" lIns="91425" rIns="91425" tIns="91425">
+            <a:noAutofit/>
+          </a:bodyPr>
+          <a:lstStyle/>
+          <a:p>
+            <a:pPr lvl="0">
+              <a:spcBef>
+                <a:spcPts val="0"/>
+              </a:spcBef>
+              <a:buNone/>
+            </a:pPr>
+            <a:r>
+              <a:rPr b="1" lang="zh-CN">
+                <a:solidFill>
+                  <a:schemeClr val="lt1"/>
+                </a:solidFill>
+              </a:rPr>
+              <a:t>测试通过?</a:t>
+            </a:r>
+          </a:p>
+        </p:txBody>
+      </p:sp>
+      <p:sp>
+        <p:nvSpPr>
+          <p:cNvPr id="76" name="Shape 76"/>
+          <p:cNvSpPr/>
+          <p:nvPr/>
+        </p:nvSpPr>
+        <p:spPr>
+          <a:xfrm>
+            <a:off x="4468100" y="3489775"/>
+            <a:ext cx="881400" cy="214200"/>
+          </a:xfrm>
+          <a:prstGeom prst="rightArrow">
+            <a:avLst>
+              <a:gd fmla="val 50000" name="adj1"/>
+              <a:gd fmla="val 50000" name="adj2"/>
+            </a:avLst>
+          </a:prstGeom>
+          <a:solidFill>
+            <a:srgbClr val="F1F3FA"/>
+          </a:solidFill>
+          <a:ln cap="flat" cmpd="sng" w="9525">
+            <a:solidFill>
+              <a:schemeClr val="dk2"/>
+            </a:solidFill>
+            <a:prstDash val="solid"/>
+            <a:round/>
+            <a:headEnd len="med" w="med" type="none"/>
+            <a:tailEnd len="med" w="med" type="none"/>
+          </a:ln>
+        </p:spPr>
+        <p:txBody>
+          <a:bodyPr anchorCtr="0" anchor="ctr" bIns="91425" lIns="91425" rIns="91425" tIns="91425">
+            <a:noAutofit/>
+          </a:bodyPr>
+          <a:lstStyle/>
+          <a:p>
+            <a:pPr lvl="0">
+              <a:spcBef>
+                <a:spcPts val="0"/>
+              </a:spcBef>
+              <a:buNone/>
+            </a:pPr>
+            <a:r>
+              <a:t/>
+            </a:r>
+            <a:endParaRPr/>
+          </a:p>
+        </p:txBody>
+      </p:sp>
+      <p:sp>
+        <p:nvSpPr>
+          <p:cNvPr id="77" name="Shape 77"/>
           <p:cNvSpPr txBox="1"/>
-          <p:nvPr>
-            <p:ph idx="1" type="body"/>
-          </p:nvPr>
-        </p:nvSpPr>
-        <p:spPr>
-          <a:xfrm>
-            <a:off x="311700" y="1468825"/>
-            <a:ext cx="8520600" cy="886200"/>
+          <p:nvPr/>
+        </p:nvSpPr>
+        <p:spPr>
+          <a:xfrm>
+            <a:off x="4712675" y="3275575"/>
+            <a:ext cx="626400" cy="214200"/>
           </a:xfrm>
           <a:prstGeom prst="rect">
             <a:avLst/>
           </a:prstGeom>
+          <a:noFill/>
+          <a:ln>
+            <a:noFill/>
+          </a:ln>
         </p:spPr>
         <p:txBody>
           <a:bodyPr anchorCtr="0" anchor="t" bIns="91425" lIns="91425" rIns="91425" tIns="91425">
@@ -6215,32 +7252,6 @@
           </a:bodyPr>
           <a:lstStyle/>
           <a:p>
-            <a:pPr indent="1524000" lvl="0">
-              <a:spcBef>
-                <a:spcPts val="0"/>
-              </a:spcBef>
-              <a:spcAft>
-                <a:spcPts val="0"/>
-              </a:spcAft>
-              <a:buNone/>
-            </a:pPr>
-            <a:r>
-              <a:t/>
-            </a:r>
-            <a:endParaRPr sz="1500">
-              <a:solidFill>
-                <a:srgbClr val="61CE3C"/>
-              </a:solidFill>
-              <a:highlight>
-                <a:srgbClr val="0C1021"/>
-              </a:highlight>
-              <a:latin typeface="Courier New"/>
-              <a:ea typeface="Courier New"/>
-              <a:cs typeface="Courier New"/>
-              <a:sym typeface="Courier New"/>
-            </a:endParaRPr>
-          </a:p>
-          <a:p>
             <a:pPr lvl="0">
               <a:spcBef>
                 <a:spcPts val="0"/>
@@ -6249,17 +7260,96 @@
             </a:pPr>
             <a:r>
               <a:rPr lang="zh-CN"/>
-              <a:t>html、jsp、css、js、</a:t>
+              <a:t>yes</a:t>
+            </a:r>
+          </a:p>
+        </p:txBody>
+      </p:sp>
+      <p:sp>
+        <p:nvSpPr>
+          <p:cNvPr id="78" name="Shape 78"/>
+          <p:cNvSpPr/>
+          <p:nvPr/>
+        </p:nvSpPr>
+        <p:spPr>
+          <a:xfrm>
+            <a:off x="5388100" y="3113400"/>
+            <a:ext cx="1970100" cy="1055100"/>
+          </a:xfrm>
+          <a:prstGeom prst="rect">
+            <a:avLst/>
+          </a:prstGeom>
+          <a:solidFill>
+            <a:srgbClr val="FFD966"/>
+          </a:solidFill>
+          <a:ln cap="flat" cmpd="sng" w="9525">
+            <a:solidFill>
+              <a:schemeClr val="dk2"/>
+            </a:solidFill>
+            <a:prstDash val="solid"/>
+            <a:round/>
+            <a:headEnd len="med" w="med" type="none"/>
+            <a:tailEnd len="med" w="med" type="none"/>
+          </a:ln>
+        </p:spPr>
+        <p:txBody>
+          <a:bodyPr anchorCtr="0" anchor="ctr" bIns="91425" lIns="91425" rIns="91425" tIns="91425">
+            <a:noAutofit/>
+          </a:bodyPr>
+          <a:lstStyle/>
+          <a:p>
+            <a:pPr lvl="0">
+              <a:spcBef>
+                <a:spcPts val="0"/>
+              </a:spcBef>
+              <a:buNone/>
+            </a:pPr>
+            <a:r>
+              <a:rPr b="1" lang="zh-CN"/>
+              <a:t>发送给</a:t>
             </a:r>
             <a:r>
-              <a:rPr lang="zh-CN"/>
-              <a:t>图片、</a:t>
-            </a:r>
-            <a:r>
-              <a:rPr lang="zh-CN"/>
-              <a:t>字体、音视频文件，等等。</a:t>
+              <a:rPr b="1" lang="zh-CN"/>
+              <a:t>服务器管理员,再发布到生产</a:t>
             </a:r>
           </a:p>
+        </p:txBody>
+      </p:sp>
+      <p:sp>
+        <p:nvSpPr>
+          <p:cNvPr id="79" name="Shape 79"/>
+          <p:cNvSpPr/>
+          <p:nvPr/>
+        </p:nvSpPr>
+        <p:spPr>
+          <a:xfrm>
+            <a:off x="1912325" y="3947925"/>
+            <a:ext cx="1302300" cy="214200"/>
+          </a:xfrm>
+          <a:prstGeom prst="leftArrow">
+            <a:avLst>
+              <a:gd fmla="val 50000" name="adj1"/>
+              <a:gd fmla="val 50000" name="adj2"/>
+            </a:avLst>
+          </a:prstGeom>
+          <a:solidFill>
+            <a:schemeClr val="lt1"/>
+          </a:solidFill>
+          <a:ln cap="flat" cmpd="sng" w="9525">
+            <a:solidFill>
+              <a:schemeClr val="dk2"/>
+            </a:solidFill>
+            <a:prstDash val="solid"/>
+            <a:round/>
+            <a:headEnd len="med" w="med" type="none"/>
+            <a:tailEnd len="med" w="med" type="none"/>
+          </a:ln>
+        </p:spPr>
+        <p:txBody>
+          <a:bodyPr anchorCtr="0" anchor="ctr" bIns="91425" lIns="91425" rIns="91425" tIns="91425">
+            <a:noAutofit/>
+          </a:bodyPr>
+          <a:lstStyle/>
           <a:p>
             <a:pPr lvl="0">
               <a:spcBef>
@@ -6272,34 +7362,18 @@
             </a:r>
             <a:endParaRPr/>
           </a:p>
-          <a:p>
-            <a:pPr lvl="0">
-              <a:spcBef>
-                <a:spcPts val="0"/>
-              </a:spcBef>
-              <a:buNone/>
-            </a:pPr>
-            <a:r>
-              <a:t/>
-            </a:r>
-            <a:endParaRPr sz="2400">
-              <a:solidFill>
-                <a:srgbClr val="FF0000"/>
-              </a:solidFill>
-            </a:endParaRPr>
-          </a:p>
         </p:txBody>
       </p:sp>
       <p:sp>
         <p:nvSpPr>
-          <p:cNvPr id="79" name="Shape 79"/>
+          <p:cNvPr id="80" name="Shape 80"/>
           <p:cNvSpPr txBox="1"/>
           <p:nvPr/>
         </p:nvSpPr>
         <p:spPr>
           <a:xfrm>
-            <a:off x="317325" y="2488500"/>
-            <a:ext cx="7323600" cy="968700"/>
+            <a:off x="2347025" y="3731600"/>
+            <a:ext cx="585300" cy="140100"/>
           </a:xfrm>
           <a:prstGeom prst="rect">
             <a:avLst/>
@@ -6315,33 +7389,47 @@
           </a:bodyPr>
           <a:lstStyle/>
           <a:p>
-            <a:pPr lvl="0" rtl="0">
-              <a:lnSpc>
-                <a:spcPct val="115000"/>
-              </a:lnSpc>
-              <a:spcBef>
-                <a:spcPts val="0"/>
-              </a:spcBef>
-              <a:spcAft>
-                <a:spcPts val="1600"/>
-              </a:spcAft>
+            <a:pPr lvl="0">
+              <a:spcBef>
+                <a:spcPts val="0"/>
+              </a:spcBef>
               <a:buNone/>
             </a:pPr>
             <a:r>
-              <a:rPr lang="zh-CN" sz="2400">
-                <a:solidFill>
-                  <a:srgbClr val="FF0000"/>
-                </a:solidFill>
-                <a:latin typeface="Source Code Pro"/>
-                <a:ea typeface="Source Code Pro"/>
-                <a:cs typeface="Source Code Pro"/>
-                <a:sym typeface="Source Code Pro"/>
-              </a:rPr>
-              <a:t>这些文件都不需要编译，直接发布。</a:t>
+              <a:rPr lang="zh-CN"/>
+              <a:t>no</a:t>
             </a:r>
           </a:p>
         </p:txBody>
       </p:sp>
+      <p:pic>
+        <p:nvPicPr>
+          <p:cNvPr descr="wKhTlVeoacuECIFdAAAAAOlEXyA766.jpg" id="81" name="Shape 81"/>
+          <p:cNvPicPr preferRelativeResize="0"/>
+          <p:nvPr/>
+        </p:nvPicPr>
+        <p:blipFill>
+          <a:blip r:embed="rId3">
+            <a:alphaModFix/>
+          </a:blip>
+          <a:stretch>
+            <a:fillRect/>
+          </a:stretch>
+        </p:blipFill>
+        <p:spPr>
+          <a:xfrm>
+            <a:off x="5388087" y="481700"/>
+            <a:ext cx="3209925" cy="2247900"/>
+          </a:xfrm>
+          <a:prstGeom prst="rect">
+            <a:avLst/>
+          </a:prstGeom>
+          <a:noFill/>
+          <a:ln>
+            <a:noFill/>
+          </a:ln>
+        </p:spPr>
+      </p:pic>
     </p:spTree>
   </p:cSld>
   <p:clrMapOvr>
@@ -6355,6 +7443,286 @@
             <p:seq concurrent="1" nextAc="seek">
               <p:cTn dur="indefinite" id="2" nodeType="mainSeq">
                 <p:childTnLst>
+                  <p:par>
+                    <p:cTn fill="hold">
+                      <p:stCondLst>
+                        <p:cond delay="indefinite"/>
+                      </p:stCondLst>
+                      <p:childTnLst>
+                        <p:par>
+                          <p:cTn fill="hold">
+                            <p:stCondLst>
+                              <p:cond delay="0"/>
+                            </p:stCondLst>
+                            <p:childTnLst>
+                              <p:par>
+                                <p:cTn fill="hold" nodeType="clickEffect" presetClass="entr" presetID="2" presetSubtype="1">
+                                  <p:stCondLst>
+                                    <p:cond delay="0"/>
+                                  </p:stCondLst>
+                                  <p:childTnLst>
+                                    <p:set>
+                                      <p:cBhvr>
+                                        <p:cTn dur="1" fill="hold">
+                                          <p:stCondLst>
+                                            <p:cond delay="0"/>
+                                          </p:stCondLst>
+                                        </p:cTn>
+                                        <p:tgtEl>
+                                          <p:spTgt spid="81"/>
+                                        </p:tgtEl>
+                                        <p:attrNameLst>
+                                          <p:attrName>style.visibility</p:attrName>
+                                        </p:attrNameLst>
+                                      </p:cBhvr>
+                                      <p:to>
+                                        <p:strVal val="visible"/>
+                                      </p:to>
+                                    </p:set>
+                                    <p:anim calcmode="lin" valueType="num">
+                                      <p:cBhvr additive="base">
+                                        <p:cTn dur="1000"/>
+                                        <p:tgtEl>
+                                          <p:spTgt spid="81"/>
+                                        </p:tgtEl>
+                                        <p:attrNameLst>
+                                          <p:attrName>ppt_y</p:attrName>
+                                        </p:attrNameLst>
+                                      </p:cBhvr>
+                                      <p:tavLst>
+                                        <p:tav fmla="" tm="0">
+                                          <p:val>
+                                            <p:strVal val="#ppt_y-1"/>
+                                          </p:val>
+                                        </p:tav>
+                                        <p:tav fmla="" tm="100000">
+                                          <p:val>
+                                            <p:strVal val="#ppt_y"/>
+                                          </p:val>
+                                        </p:tav>
+                                      </p:tavLst>
+                                    </p:anim>
+                                  </p:childTnLst>
+                                </p:cTn>
+                              </p:par>
+                            </p:childTnLst>
+                          </p:cTn>
+                        </p:par>
+                      </p:childTnLst>
+                    </p:cTn>
+                  </p:par>
+                  <p:par>
+                    <p:cTn fill="hold">
+                      <p:stCondLst>
+                        <p:cond delay="indefinite"/>
+                      </p:stCondLst>
+                      <p:childTnLst>
+                        <p:par>
+                          <p:cTn fill="hold">
+                            <p:stCondLst>
+                              <p:cond delay="0"/>
+                            </p:stCondLst>
+                            <p:childTnLst>
+                              <p:par>
+                                <p:cTn fill="hold" nodeType="clickEffect" presetClass="entr" presetID="10" presetSubtype="0">
+                                  <p:stCondLst>
+                                    <p:cond delay="0"/>
+                                  </p:stCondLst>
+                                  <p:childTnLst>
+                                    <p:set>
+                                      <p:cBhvr>
+                                        <p:cTn dur="1" fill="hold">
+                                          <p:stCondLst>
+                                            <p:cond delay="0"/>
+                                          </p:stCondLst>
+                                        </p:cTn>
+                                        <p:tgtEl>
+                                          <p:spTgt spid="73"/>
+                                        </p:tgtEl>
+                                        <p:attrNameLst>
+                                          <p:attrName>style.visibility</p:attrName>
+                                        </p:attrNameLst>
+                                      </p:cBhvr>
+                                      <p:to>
+                                        <p:strVal val="visible"/>
+                                      </p:to>
+                                    </p:set>
+                                    <p:animEffect filter="fade" transition="in">
+                                      <p:cBhvr>
+                                        <p:cTn dur="1000"/>
+                                        <p:tgtEl>
+                                          <p:spTgt spid="73"/>
+                                        </p:tgtEl>
+                                      </p:cBhvr>
+                                    </p:animEffect>
+                                  </p:childTnLst>
+                                </p:cTn>
+                              </p:par>
+                            </p:childTnLst>
+                          </p:cTn>
+                        </p:par>
+                      </p:childTnLst>
+                    </p:cTn>
+                  </p:par>
+                  <p:par>
+                    <p:cTn fill="hold">
+                      <p:stCondLst>
+                        <p:cond delay="indefinite"/>
+                      </p:stCondLst>
+                      <p:childTnLst>
+                        <p:par>
+                          <p:cTn fill="hold">
+                            <p:stCondLst>
+                              <p:cond delay="0"/>
+                            </p:stCondLst>
+                            <p:childTnLst>
+                              <p:par>
+                                <p:cTn fill="hold" nodeType="clickEffect" presetClass="entr" presetID="10" presetSubtype="0">
+                                  <p:stCondLst>
+                                    <p:cond delay="0"/>
+                                  </p:stCondLst>
+                                  <p:childTnLst>
+                                    <p:set>
+                                      <p:cBhvr>
+                                        <p:cTn dur="1" fill="hold">
+                                          <p:stCondLst>
+                                            <p:cond delay="0"/>
+                                          </p:stCondLst>
+                                        </p:cTn>
+                                        <p:tgtEl>
+                                          <p:spTgt spid="74"/>
+                                        </p:tgtEl>
+                                        <p:attrNameLst>
+                                          <p:attrName>style.visibility</p:attrName>
+                                        </p:attrNameLst>
+                                      </p:cBhvr>
+                                      <p:to>
+                                        <p:strVal val="visible"/>
+                                      </p:to>
+                                    </p:set>
+                                    <p:animEffect filter="fade" transition="in">
+                                      <p:cBhvr>
+                                        <p:cTn dur="1000"/>
+                                        <p:tgtEl>
+                                          <p:spTgt spid="74"/>
+                                        </p:tgtEl>
+                                      </p:cBhvr>
+                                    </p:animEffect>
+                                  </p:childTnLst>
+                                </p:cTn>
+                              </p:par>
+                            </p:childTnLst>
+                          </p:cTn>
+                        </p:par>
+                      </p:childTnLst>
+                    </p:cTn>
+                  </p:par>
+                  <p:par>
+                    <p:cTn fill="hold">
+                      <p:stCondLst>
+                        <p:cond delay="indefinite"/>
+                      </p:stCondLst>
+                      <p:childTnLst>
+                        <p:par>
+                          <p:cTn fill="hold">
+                            <p:stCondLst>
+                              <p:cond delay="0"/>
+                            </p:stCondLst>
+                            <p:childTnLst>
+                              <p:par>
+                                <p:cTn fill="hold" nodeType="clickEffect" presetClass="entr" presetID="10" presetSubtype="0">
+                                  <p:stCondLst>
+                                    <p:cond delay="0"/>
+                                  </p:stCondLst>
+                                  <p:childTnLst>
+                                    <p:set>
+                                      <p:cBhvr>
+                                        <p:cTn dur="1" fill="hold">
+                                          <p:stCondLst>
+                                            <p:cond delay="0"/>
+                                          </p:stCondLst>
+                                        </p:cTn>
+                                        <p:tgtEl>
+                                          <p:spTgt spid="75"/>
+                                        </p:tgtEl>
+                                        <p:attrNameLst>
+                                          <p:attrName>style.visibility</p:attrName>
+                                        </p:attrNameLst>
+                                      </p:cBhvr>
+                                      <p:to>
+                                        <p:strVal val="visible"/>
+                                      </p:to>
+                                    </p:set>
+                                    <p:animEffect filter="fade" transition="in">
+                                      <p:cBhvr>
+                                        <p:cTn dur="1000"/>
+                                        <p:tgtEl>
+                                          <p:spTgt spid="75"/>
+                                        </p:tgtEl>
+                                      </p:cBhvr>
+                                    </p:animEffect>
+                                  </p:childTnLst>
+                                </p:cTn>
+                              </p:par>
+                            </p:childTnLst>
+                          </p:cTn>
+                        </p:par>
+                      </p:childTnLst>
+                    </p:cTn>
+                  </p:par>
+                  <p:par>
+                    <p:cTn fill="hold">
+                      <p:stCondLst>
+                        <p:cond delay="indefinite"/>
+                      </p:stCondLst>
+                      <p:childTnLst>
+                        <p:par>
+                          <p:cTn fill="hold">
+                            <p:stCondLst>
+                              <p:cond delay="0"/>
+                            </p:stCondLst>
+                            <p:childTnLst>
+                              <p:par>
+                                <p:cTn fill="hold" nodeType="clickEffect" presetClass="entr" presetID="10" presetSubtype="0">
+                                  <p:stCondLst>
+                                    <p:cond delay="0"/>
+                                  </p:stCondLst>
+                                  <p:childTnLst>
+                                    <p:set>
+                                      <p:cBhvr>
+                                        <p:cTn dur="1" fill="hold">
+                                          <p:stCondLst>
+                                            <p:cond delay="0"/>
+                                          </p:stCondLst>
+                                        </p:cTn>
+                                        <p:tgtEl>
+                                          <p:spTgt spid="80"/>
+                                        </p:tgtEl>
+                                        <p:attrNameLst>
+                                          <p:attrName>style.visibility</p:attrName>
+                                        </p:attrNameLst>
+                                      </p:cBhvr>
+                                      <p:to>
+                                        <p:strVal val="visible"/>
+                                      </p:to>
+                                    </p:set>
+                                    <p:animEffect filter="fade" transition="in">
+                                      <p:cBhvr>
+                                        <p:cTn dur="1000"/>
+                                        <p:tgtEl>
+                                          <p:spTgt spid="80"/>
+                                        </p:tgtEl>
+                                      </p:cBhvr>
+                                    </p:animEffect>
+                                  </p:childTnLst>
+                                </p:cTn>
+                              </p:par>
+                            </p:childTnLst>
+                          </p:cTn>
+                        </p:par>
+                      </p:childTnLst>
+                    </p:cTn>
+                  </p:par>
                   <p:par>
                     <p:cTn fill="hold">
                       <p:stCondLst>
@@ -6408,6 +7776,379 @@
                       </p:childTnLst>
                     </p:cTn>
                   </p:par>
+                  <p:par>
+                    <p:cTn fill="hold">
+                      <p:stCondLst>
+                        <p:cond delay="indefinite"/>
+                      </p:stCondLst>
+                      <p:childTnLst>
+                        <p:par>
+                          <p:cTn fill="hold">
+                            <p:stCondLst>
+                              <p:cond delay="0"/>
+                            </p:stCondLst>
+                            <p:childTnLst>
+                              <p:par>
+                                <p:cTn fill="hold" nodeType="clickEffect" presetClass="entr" presetID="10" presetSubtype="0">
+                                  <p:stCondLst>
+                                    <p:cond delay="0"/>
+                                  </p:stCondLst>
+                                  <p:childTnLst>
+                                    <p:set>
+                                      <p:cBhvr>
+                                        <p:cTn dur="1" fill="hold">
+                                          <p:stCondLst>
+                                            <p:cond delay="0"/>
+                                          </p:stCondLst>
+                                        </p:cTn>
+                                        <p:tgtEl>
+                                          <p:spTgt spid="77"/>
+                                        </p:tgtEl>
+                                        <p:attrNameLst>
+                                          <p:attrName>style.visibility</p:attrName>
+                                        </p:attrNameLst>
+                                      </p:cBhvr>
+                                      <p:to>
+                                        <p:strVal val="visible"/>
+                                      </p:to>
+                                    </p:set>
+                                    <p:animEffect filter="fade" transition="in">
+                                      <p:cBhvr>
+                                        <p:cTn dur="1000"/>
+                                        <p:tgtEl>
+                                          <p:spTgt spid="77"/>
+                                        </p:tgtEl>
+                                      </p:cBhvr>
+                                    </p:animEffect>
+                                  </p:childTnLst>
+                                </p:cTn>
+                              </p:par>
+                            </p:childTnLst>
+                          </p:cTn>
+                        </p:par>
+                      </p:childTnLst>
+                    </p:cTn>
+                  </p:par>
+                  <p:par>
+                    <p:cTn fill="hold">
+                      <p:stCondLst>
+                        <p:cond delay="indefinite"/>
+                      </p:stCondLst>
+                      <p:childTnLst>
+                        <p:par>
+                          <p:cTn fill="hold">
+                            <p:stCondLst>
+                              <p:cond delay="0"/>
+                            </p:stCondLst>
+                            <p:childTnLst>
+                              <p:par>
+                                <p:cTn fill="hold" nodeType="clickEffect" presetClass="entr" presetID="10" presetSubtype="0">
+                                  <p:stCondLst>
+                                    <p:cond delay="0"/>
+                                  </p:stCondLst>
+                                  <p:childTnLst>
+                                    <p:set>
+                                      <p:cBhvr>
+                                        <p:cTn dur="1" fill="hold">
+                                          <p:stCondLst>
+                                            <p:cond delay="0"/>
+                                          </p:stCondLst>
+                                        </p:cTn>
+                                        <p:tgtEl>
+                                          <p:spTgt spid="76"/>
+                                        </p:tgtEl>
+                                        <p:attrNameLst>
+                                          <p:attrName>style.visibility</p:attrName>
+                                        </p:attrNameLst>
+                                      </p:cBhvr>
+                                      <p:to>
+                                        <p:strVal val="visible"/>
+                                      </p:to>
+                                    </p:set>
+                                    <p:animEffect filter="fade" transition="in">
+                                      <p:cBhvr>
+                                        <p:cTn dur="1000"/>
+                                        <p:tgtEl>
+                                          <p:spTgt spid="76"/>
+                                        </p:tgtEl>
+                                      </p:cBhvr>
+                                    </p:animEffect>
+                                  </p:childTnLst>
+                                </p:cTn>
+                              </p:par>
+                            </p:childTnLst>
+                          </p:cTn>
+                        </p:par>
+                        <p:par>
+                          <p:cTn fill="hold">
+                            <p:stCondLst>
+                              <p:cond delay="1000"/>
+                            </p:stCondLst>
+                            <p:childTnLst>
+                              <p:par>
+                                <p:cTn fill="hold" nodeType="afterEffect" presetClass="entr" presetID="10" presetSubtype="0">
+                                  <p:stCondLst>
+                                    <p:cond delay="0"/>
+                                  </p:stCondLst>
+                                  <p:childTnLst>
+                                    <p:set>
+                                      <p:cBhvr>
+                                        <p:cTn dur="1" fill="hold">
+                                          <p:stCondLst>
+                                            <p:cond delay="0"/>
+                                          </p:stCondLst>
+                                        </p:cTn>
+                                        <p:tgtEl>
+                                          <p:spTgt spid="78"/>
+                                        </p:tgtEl>
+                                        <p:attrNameLst>
+                                          <p:attrName>style.visibility</p:attrName>
+                                        </p:attrNameLst>
+                                      </p:cBhvr>
+                                      <p:to>
+                                        <p:strVal val="visible"/>
+                                      </p:to>
+                                    </p:set>
+                                    <p:animEffect filter="fade" transition="in">
+                                      <p:cBhvr>
+                                        <p:cTn dur="1000"/>
+                                        <p:tgtEl>
+                                          <p:spTgt spid="78"/>
+                                        </p:tgtEl>
+                                      </p:cBhvr>
+                                    </p:animEffect>
+                                  </p:childTnLst>
+                                </p:cTn>
+                              </p:par>
+                            </p:childTnLst>
+                          </p:cTn>
+                        </p:par>
+                      </p:childTnLst>
+                    </p:cTn>
+                  </p:par>
+                </p:childTnLst>
+              </p:cTn>
+              <p:prevCondLst>
+                <p:cond evt="onPrev">
+                  <p:tgtEl>
+                    <p:sldTgt/>
+                  </p:tgtEl>
+                </p:cond>
+              </p:prevCondLst>
+              <p:nextCondLst>
+                <p:cond evt="onNext">
+                  <p:tgtEl>
+                    <p:sldTgt/>
+                  </p:tgtEl>
+                </p:cond>
+              </p:nextCondLst>
+            </p:seq>
+          </p:childTnLst>
+        </p:cTn>
+      </p:par>
+    </p:tnLst>
+  </p:timing>
+</p:sld>
+</file>
+
+<file path=ppt/slides/slide3.xml><?xml version="1.0" encoding="utf-8"?>
+<p:sld xmlns:a="http://schemas.openxmlformats.org/drawingml/2006/main" xmlns:r="http://schemas.openxmlformats.org/officeDocument/2006/relationships" xmlns:mc="http://schemas.openxmlformats.org/markup-compatibility/2006" xmlns:mv="urn:schemas-microsoft-com:mac:vml" xmlns:p="http://schemas.openxmlformats.org/presentationml/2006/main" xmlns:c="http://schemas.openxmlformats.org/drawingml/2006/chart" xmlns:dgm="http://schemas.openxmlformats.org/drawingml/2006/diagram" xmlns:o="urn:schemas-microsoft-com:office:office" xmlns:v="urn:schemas-microsoft-com:vml" xmlns:pvml="urn:schemas-microsoft-com:office:powerpoint" xmlns:com="http://schemas.openxmlformats.org/drawingml/2006/compatibility" xmlns:p14="http://schemas.microsoft.com/office/powerpoint/2010/main">
+  <p:cSld>
+    <p:spTree>
+      <p:nvGrpSpPr>
+        <p:cNvPr id="85" name="Shape 85"/>
+        <p:cNvGrpSpPr/>
+        <p:nvPr/>
+      </p:nvGrpSpPr>
+      <p:grpSpPr>
+        <a:xfrm>
+          <a:off x="0" y="0"/>
+          <a:ext cx="0" cy="0"/>
+          <a:chOff x="0" y="0"/>
+          <a:chExt cx="0" cy="0"/>
+        </a:xfrm>
+      </p:grpSpPr>
+      <p:sp>
+        <p:nvSpPr>
+          <p:cNvPr id="86" name="Shape 86"/>
+          <p:cNvSpPr txBox="1"/>
+          <p:nvPr>
+            <p:ph type="title"/>
+          </p:nvPr>
+        </p:nvSpPr>
+        <p:spPr>
+          <a:xfrm>
+            <a:off x="311700" y="372500"/>
+            <a:ext cx="8520600" cy="733500"/>
+          </a:xfrm>
+          <a:prstGeom prst="rect">
+            <a:avLst/>
+          </a:prstGeom>
+        </p:spPr>
+        <p:txBody>
+          <a:bodyPr anchorCtr="0" anchor="b" bIns="91425" lIns="91425" rIns="91425" tIns="91425">
+            <a:noAutofit/>
+          </a:bodyPr>
+          <a:lstStyle/>
+          <a:p>
+            <a:pPr lvl="0">
+              <a:spcBef>
+                <a:spcPts val="0"/>
+              </a:spcBef>
+              <a:buNone/>
+            </a:pPr>
+            <a:r>
+              <a:rPr lang="zh-CN"/>
+              <a:t>来点情怀</a:t>
+            </a:r>
+          </a:p>
+        </p:txBody>
+      </p:sp>
+      <p:sp>
+        <p:nvSpPr>
+          <p:cNvPr id="87" name="Shape 87"/>
+          <p:cNvSpPr txBox="1"/>
+          <p:nvPr>
+            <p:ph idx="1" type="body"/>
+          </p:nvPr>
+        </p:nvSpPr>
+        <p:spPr>
+          <a:xfrm>
+            <a:off x="311700" y="1468825"/>
+            <a:ext cx="8520600" cy="3099900"/>
+          </a:xfrm>
+          <a:prstGeom prst="rect">
+            <a:avLst/>
+          </a:prstGeom>
+        </p:spPr>
+        <p:txBody>
+          <a:bodyPr anchorCtr="0" anchor="t" bIns="91425" lIns="91425" rIns="91425" tIns="91425">
+            <a:noAutofit/>
+          </a:bodyPr>
+          <a:lstStyle/>
+          <a:p>
+            <a:pPr lvl="0">
+              <a:spcBef>
+                <a:spcPts val="0"/>
+              </a:spcBef>
+              <a:buNone/>
+            </a:pPr>
+            <a:r>
+              <a:rPr lang="zh-CN"/>
+              <a:t>所有我们有一个小目标...</a:t>
+            </a:r>
+          </a:p>
+        </p:txBody>
+      </p:sp>
+      <p:pic>
+        <p:nvPicPr>
+          <p:cNvPr descr="926db25bcbce9b62908bef6e66bd7ec9_02.jpg" id="88" name="Shape 88"/>
+          <p:cNvPicPr preferRelativeResize="0"/>
+          <p:nvPr/>
+        </p:nvPicPr>
+        <p:blipFill>
+          <a:blip r:embed="rId3">
+            <a:alphaModFix/>
+          </a:blip>
+          <a:stretch>
+            <a:fillRect/>
+          </a:stretch>
+        </p:blipFill>
+        <p:spPr>
+          <a:xfrm>
+            <a:off x="3131800" y="1105999"/>
+            <a:ext cx="5757024" cy="3284950"/>
+          </a:xfrm>
+          <a:prstGeom prst="rect">
+            <a:avLst/>
+          </a:prstGeom>
+          <a:noFill/>
+          <a:ln>
+            <a:noFill/>
+          </a:ln>
+        </p:spPr>
+      </p:pic>
+    </p:spTree>
+  </p:cSld>
+  <p:clrMapOvr>
+    <a:masterClrMapping/>
+  </p:clrMapOvr>
+  <p:timing>
+    <p:tnLst>
+      <p:par>
+        <p:cTn dur="indefinite" nodeType="tmRoot" restart="never">
+          <p:childTnLst>
+            <p:seq concurrent="1" nextAc="seek">
+              <p:cTn dur="indefinite" id="2" nodeType="mainSeq">
+                <p:childTnLst>
+                  <p:par>
+                    <p:cTn fill="hold">
+                      <p:stCondLst>
+                        <p:cond delay="indefinite"/>
+                      </p:stCondLst>
+                      <p:childTnLst>
+                        <p:par>
+                          <p:cTn fill="hold">
+                            <p:stCondLst>
+                              <p:cond delay="0"/>
+                            </p:stCondLst>
+                            <p:childTnLst>
+                              <p:par>
+                                <p:cTn fill="hold" nodeType="clickEffect" presetClass="entr" presetID="2" presetSubtype="2">
+                                  <p:stCondLst>
+                                    <p:cond delay="0"/>
+                                  </p:stCondLst>
+                                  <p:childTnLst>
+                                    <p:set>
+                                      <p:cBhvr>
+                                        <p:cTn dur="1" fill="hold">
+                                          <p:stCondLst>
+                                            <p:cond delay="0"/>
+                                          </p:stCondLst>
+                                        </p:cTn>
+                                        <p:tgtEl>
+                                          <p:spTgt spid="88"/>
+                                        </p:tgtEl>
+                                        <p:attrNameLst>
+                                          <p:attrName>style.visibility</p:attrName>
+                                        </p:attrNameLst>
+                                      </p:cBhvr>
+                                      <p:to>
+                                        <p:strVal val="visible"/>
+                                      </p:to>
+                                    </p:set>
+                                    <p:anim calcmode="lin" valueType="num">
+                                      <p:cBhvr additive="base">
+                                        <p:cTn dur="1000"/>
+                                        <p:tgtEl>
+                                          <p:spTgt spid="88"/>
+                                        </p:tgtEl>
+                                        <p:attrNameLst>
+                                          <p:attrName>ppt_x</p:attrName>
+                                        </p:attrNameLst>
+                                      </p:cBhvr>
+                                      <p:tavLst>
+                                        <p:tav fmla="" tm="0">
+                                          <p:val>
+                                            <p:strVal val="#ppt_x+1"/>
+                                          </p:val>
+                                        </p:tav>
+                                        <p:tav fmla="" tm="100000">
+                                          <p:val>
+                                            <p:strVal val="#ppt_x"/>
+                                          </p:val>
+                                        </p:tav>
+                                      </p:tavLst>
+                                    </p:anim>
+                                  </p:childTnLst>
+                                </p:cTn>
+                              </p:par>
+                            </p:childTnLst>
+                          </p:cTn>
+                        </p:par>
+                      </p:childTnLst>
+                    </p:cTn>
+                  </p:par>
                 </p:childTnLst>
               </p:cTn>
               <p:prevCondLst>
@@ -6438,7 +8179,7 @@
   <p:cSld>
     <p:spTree>
       <p:nvGrpSpPr>
-        <p:cNvPr id="83" name="Shape 83"/>
+        <p:cNvPr id="92" name="Shape 92"/>
         <p:cNvGrpSpPr/>
         <p:nvPr/>
       </p:nvGrpSpPr>
@@ -6452,7 +8193,7 @@
       </p:grpSpPr>
       <p:sp>
         <p:nvSpPr>
-          <p:cNvPr id="84" name="Shape 84"/>
+          <p:cNvPr id="93" name="Shape 93"/>
           <p:cNvSpPr txBox="1"/>
           <p:nvPr>
             <p:ph type="title"/>
@@ -6480,15 +8221,19 @@
               <a:buNone/>
             </a:pPr>
             <a:r>
-              <a:rPr lang="zh-CN"/>
-              <a:t>svn项目管理工具</a:t>
+              <a:rPr lang="zh-CN">
+                <a:solidFill>
+                  <a:srgbClr val="4A86E8"/>
+                </a:solidFill>
+              </a:rPr>
+              <a:t>提纲</a:t>
             </a:r>
           </a:p>
         </p:txBody>
       </p:sp>
       <p:sp>
         <p:nvSpPr>
-          <p:cNvPr id="85" name="Shape 85"/>
+          <p:cNvPr id="94" name="Shape 94"/>
           <p:cNvSpPr txBox="1"/>
           <p:nvPr>
             <p:ph idx="1" type="body"/>
@@ -6509,37 +8254,200 @@
           </a:bodyPr>
           <a:lstStyle/>
           <a:p>
-            <a:pPr lvl="0">
-              <a:spcBef>
-                <a:spcPts val="0"/>
-              </a:spcBef>
-              <a:buNone/>
+            <a:pPr indent="-228600" lvl="0" marL="457200" rtl="0">
+              <a:spcBef>
+                <a:spcPts val="0"/>
+              </a:spcBef>
+              <a:buChar char="❏"/>
             </a:pPr>
             <a:r>
               <a:rPr lang="zh-CN"/>
-              <a:t>利用show log获取文件信息，拿到文件路径。</a:t>
+              <a:t>文件类型、文件管理工具、文件发布流程</a:t>
+            </a:r>
+          </a:p>
+          <a:p>
+            <a:pPr indent="-228600" lvl="0" marL="457200">
+              <a:spcBef>
+                <a:spcPts val="0"/>
+              </a:spcBef>
+              <a:buChar char="❏"/>
+            </a:pPr>
+            <a:r>
+              <a:rPr lang="zh-CN"/>
+              <a:t>技术实现</a:t>
             </a:r>
           </a:p>
         </p:txBody>
       </p:sp>
-      <p:pic>
-        <p:nvPicPr>
-          <p:cNvPr descr="4c222b9b.png" id="86" name="Shape 86"/>
-          <p:cNvPicPr preferRelativeResize="0"/>
+    </p:spTree>
+  </p:cSld>
+  <p:clrMapOvr>
+    <a:masterClrMapping/>
+  </p:clrMapOvr>
+</p:sld>
+</file>
+
+<file path=ppt/slides/slide5.xml><?xml version="1.0" encoding="utf-8"?>
+<p:sld xmlns:a="http://schemas.openxmlformats.org/drawingml/2006/main" xmlns:r="http://schemas.openxmlformats.org/officeDocument/2006/relationships" xmlns:mc="http://schemas.openxmlformats.org/markup-compatibility/2006" xmlns:mv="urn:schemas-microsoft-com:mac:vml" xmlns:p="http://schemas.openxmlformats.org/presentationml/2006/main" xmlns:c="http://schemas.openxmlformats.org/drawingml/2006/chart" xmlns:dgm="http://schemas.openxmlformats.org/drawingml/2006/diagram" xmlns:o="urn:schemas-microsoft-com:office:office" xmlns:v="urn:schemas-microsoft-com:vml" xmlns:pvml="urn:schemas-microsoft-com:office:powerpoint" xmlns:com="http://schemas.openxmlformats.org/drawingml/2006/compatibility" xmlns:p14="http://schemas.microsoft.com/office/powerpoint/2010/main">
+  <p:cSld>
+    <p:spTree>
+      <p:nvGrpSpPr>
+        <p:cNvPr id="98" name="Shape 98"/>
+        <p:cNvGrpSpPr/>
+        <p:nvPr/>
+      </p:nvGrpSpPr>
+      <p:grpSpPr>
+        <a:xfrm>
+          <a:off x="0" y="0"/>
+          <a:ext cx="0" cy="0"/>
+          <a:chOff x="0" y="0"/>
+          <a:chExt cx="0" cy="0"/>
+        </a:xfrm>
+      </p:grpSpPr>
+      <p:sp>
+        <p:nvSpPr>
+          <p:cNvPr id="99" name="Shape 99"/>
+          <p:cNvSpPr txBox="1"/>
+          <p:nvPr>
+            <p:ph type="title"/>
+          </p:nvPr>
+        </p:nvSpPr>
+        <p:spPr>
+          <a:xfrm>
+            <a:off x="311700" y="372500"/>
+            <a:ext cx="8520600" cy="733500"/>
+          </a:xfrm>
+          <a:prstGeom prst="rect">
+            <a:avLst/>
+          </a:prstGeom>
+        </p:spPr>
+        <p:txBody>
+          <a:bodyPr anchorCtr="0" anchor="b" bIns="91425" lIns="91425" rIns="91425" tIns="91425">
+            <a:noAutofit/>
+          </a:bodyPr>
+          <a:lstStyle/>
+          <a:p>
+            <a:pPr lvl="0">
+              <a:spcBef>
+                <a:spcPts val="0"/>
+              </a:spcBef>
+              <a:buNone/>
+            </a:pPr>
+            <a:r>
+              <a:rPr lang="zh-CN"/>
+              <a:t>常见文件类型</a:t>
+            </a:r>
+          </a:p>
+        </p:txBody>
+      </p:sp>
+      <p:sp>
+        <p:nvSpPr>
+          <p:cNvPr id="100" name="Shape 100"/>
+          <p:cNvSpPr txBox="1"/>
+          <p:nvPr>
+            <p:ph idx="1" type="body"/>
+          </p:nvPr>
+        </p:nvSpPr>
+        <p:spPr>
+          <a:xfrm>
+            <a:off x="311700" y="1468825"/>
+            <a:ext cx="8520600" cy="886200"/>
+          </a:xfrm>
+          <a:prstGeom prst="rect">
+            <a:avLst/>
+          </a:prstGeom>
+        </p:spPr>
+        <p:txBody>
+          <a:bodyPr anchorCtr="0" anchor="t" bIns="91425" lIns="91425" rIns="91425" tIns="91425">
+            <a:noAutofit/>
+          </a:bodyPr>
+          <a:lstStyle/>
+          <a:p>
+            <a:pPr indent="1524000" lvl="0">
+              <a:spcBef>
+                <a:spcPts val="0"/>
+              </a:spcBef>
+              <a:spcAft>
+                <a:spcPts val="0"/>
+              </a:spcAft>
+              <a:buNone/>
+            </a:pPr>
+            <a:r>
+              <a:t/>
+            </a:r>
+            <a:endParaRPr sz="1500">
+              <a:solidFill>
+                <a:srgbClr val="61CE3C"/>
+              </a:solidFill>
+              <a:highlight>
+                <a:srgbClr val="0C1021"/>
+              </a:highlight>
+              <a:latin typeface="Courier New"/>
+              <a:ea typeface="Courier New"/>
+              <a:cs typeface="Courier New"/>
+              <a:sym typeface="Courier New"/>
+            </a:endParaRPr>
+          </a:p>
+          <a:p>
+            <a:pPr lvl="0">
+              <a:spcBef>
+                <a:spcPts val="0"/>
+              </a:spcBef>
+              <a:buNone/>
+            </a:pPr>
+            <a:r>
+              <a:rPr lang="zh-CN"/>
+              <a:t>html、jsp、css、js、</a:t>
+            </a:r>
+            <a:r>
+              <a:rPr lang="zh-CN"/>
+              <a:t>图片、</a:t>
+            </a:r>
+            <a:r>
+              <a:rPr lang="zh-CN"/>
+              <a:t>字体、音视频文件，等等。</a:t>
+            </a:r>
+          </a:p>
+          <a:p>
+            <a:pPr lvl="0">
+              <a:spcBef>
+                <a:spcPts val="0"/>
+              </a:spcBef>
+              <a:buNone/>
+            </a:pPr>
+            <a:r>
+              <a:t/>
+            </a:r>
+            <a:endParaRPr/>
+          </a:p>
+          <a:p>
+            <a:pPr lvl="0">
+              <a:spcBef>
+                <a:spcPts val="0"/>
+              </a:spcBef>
+              <a:buNone/>
+            </a:pPr>
+            <a:r>
+              <a:t/>
+            </a:r>
+            <a:endParaRPr sz="2400">
+              <a:solidFill>
+                <a:srgbClr val="FF0000"/>
+              </a:solidFill>
+            </a:endParaRPr>
+          </a:p>
+        </p:txBody>
+      </p:sp>
+      <p:sp>
+        <p:nvSpPr>
+          <p:cNvPr id="101" name="Shape 101"/>
+          <p:cNvSpPr txBox="1"/>
           <p:nvPr/>
-        </p:nvPicPr>
-        <p:blipFill>
-          <a:blip r:embed="rId3">
-            <a:alphaModFix/>
-          </a:blip>
-          <a:stretch>
-            <a:fillRect/>
-          </a:stretch>
-        </p:blipFill>
-        <p:spPr>
-          <a:xfrm>
-            <a:off x="429862" y="1887062"/>
-            <a:ext cx="5895975" cy="2505075"/>
+        </p:nvSpPr>
+        <p:spPr>
+          <a:xfrm>
+            <a:off x="317325" y="2488500"/>
+            <a:ext cx="7323600" cy="968700"/>
           </a:xfrm>
           <a:prstGeom prst="rect">
             <a:avLst/>
@@ -6549,7 +8457,39 @@
             <a:noFill/>
           </a:ln>
         </p:spPr>
-      </p:pic>
+        <p:txBody>
+          <a:bodyPr anchorCtr="0" anchor="t" bIns="91425" lIns="91425" rIns="91425" tIns="91425">
+            <a:noAutofit/>
+          </a:bodyPr>
+          <a:lstStyle/>
+          <a:p>
+            <a:pPr lvl="0" rtl="0">
+              <a:lnSpc>
+                <a:spcPct val="115000"/>
+              </a:lnSpc>
+              <a:spcBef>
+                <a:spcPts val="0"/>
+              </a:spcBef>
+              <a:spcAft>
+                <a:spcPts val="1600"/>
+              </a:spcAft>
+              <a:buNone/>
+            </a:pPr>
+            <a:r>
+              <a:rPr lang="zh-CN" sz="2400">
+                <a:solidFill>
+                  <a:srgbClr val="FF0000"/>
+                </a:solidFill>
+                <a:latin typeface="Source Code Pro"/>
+                <a:ea typeface="Source Code Pro"/>
+                <a:cs typeface="Source Code Pro"/>
+                <a:sym typeface="Source Code Pro"/>
+              </a:rPr>
+              <a:t>这些文件都不需要编译，直接发布。</a:t>
+            </a:r>
+          </a:p>
+        </p:txBody>
+      </p:sp>
     </p:spTree>
   </p:cSld>
   <p:clrMapOvr>
@@ -6589,7 +8529,7 @@
                                           </p:stCondLst>
                                         </p:cTn>
                                         <p:tgtEl>
-                                          <p:spTgt spid="85"/>
+                                          <p:spTgt spid="101"/>
                                         </p:tgtEl>
                                         <p:attrNameLst>
                                           <p:attrName>style.visibility</p:attrName>
@@ -6603,1014 +8543,7 @@
                                       <p:cBhvr>
                                         <p:cTn dur="1000"/>
                                         <p:tgtEl>
-                                          <p:spTgt spid="85"/>
-                                        </p:tgtEl>
-                                      </p:cBhvr>
-                                    </p:animEffect>
-                                  </p:childTnLst>
-                                </p:cTn>
-                              </p:par>
-                            </p:childTnLst>
-                          </p:cTn>
-                        </p:par>
-                      </p:childTnLst>
-                    </p:cTn>
-                  </p:par>
-                  <p:par>
-                    <p:cTn fill="hold">
-                      <p:stCondLst>
-                        <p:cond delay="indefinite"/>
-                      </p:stCondLst>
-                      <p:childTnLst>
-                        <p:par>
-                          <p:cTn fill="hold">
-                            <p:stCondLst>
-                              <p:cond delay="0"/>
-                            </p:stCondLst>
-                            <p:childTnLst>
-                              <p:par>
-                                <p:cTn fill="hold" nodeType="clickEffect" presetClass="entr" presetID="10" presetSubtype="0">
-                                  <p:stCondLst>
-                                    <p:cond delay="0"/>
-                                  </p:stCondLst>
-                                  <p:childTnLst>
-                                    <p:set>
-                                      <p:cBhvr>
-                                        <p:cTn dur="1" fill="hold">
-                                          <p:stCondLst>
-                                            <p:cond delay="0"/>
-                                          </p:stCondLst>
-                                        </p:cTn>
-                                        <p:tgtEl>
-                                          <p:spTgt spid="86"/>
-                                        </p:tgtEl>
-                                        <p:attrNameLst>
-                                          <p:attrName>style.visibility</p:attrName>
-                                        </p:attrNameLst>
-                                      </p:cBhvr>
-                                      <p:to>
-                                        <p:strVal val="visible"/>
-                                      </p:to>
-                                    </p:set>
-                                    <p:animEffect filter="fade" transition="in">
-                                      <p:cBhvr>
-                                        <p:cTn dur="1000"/>
-                                        <p:tgtEl>
-                                          <p:spTgt spid="86"/>
-                                        </p:tgtEl>
-                                      </p:cBhvr>
-                                    </p:animEffect>
-                                  </p:childTnLst>
-                                </p:cTn>
-                              </p:par>
-                            </p:childTnLst>
-                          </p:cTn>
-                        </p:par>
-                      </p:childTnLst>
-                    </p:cTn>
-                  </p:par>
-                </p:childTnLst>
-              </p:cTn>
-              <p:prevCondLst>
-                <p:cond evt="onPrev">
-                  <p:tgtEl>
-                    <p:sldTgt/>
-                  </p:tgtEl>
-                </p:cond>
-              </p:prevCondLst>
-              <p:nextCondLst>
-                <p:cond evt="onNext">
-                  <p:tgtEl>
-                    <p:sldTgt/>
-                  </p:tgtEl>
-                </p:cond>
-              </p:nextCondLst>
-            </p:seq>
-          </p:childTnLst>
-        </p:cTn>
-      </p:par>
-    </p:tnLst>
-  </p:timing>
-</p:sld>
-</file>
-
-<file path=ppt/slides/slide5.xml><?xml version="1.0" encoding="utf-8"?>
-<p:sld xmlns:a="http://schemas.openxmlformats.org/drawingml/2006/main" xmlns:r="http://schemas.openxmlformats.org/officeDocument/2006/relationships" xmlns:mc="http://schemas.openxmlformats.org/markup-compatibility/2006" xmlns:mv="urn:schemas-microsoft-com:mac:vml" xmlns:p="http://schemas.openxmlformats.org/presentationml/2006/main" xmlns:c="http://schemas.openxmlformats.org/drawingml/2006/chart" xmlns:dgm="http://schemas.openxmlformats.org/drawingml/2006/diagram" xmlns:o="urn:schemas-microsoft-com:office:office" xmlns:v="urn:schemas-microsoft-com:vml" xmlns:pvml="urn:schemas-microsoft-com:office:powerpoint" xmlns:com="http://schemas.openxmlformats.org/drawingml/2006/compatibility" xmlns:p14="http://schemas.microsoft.com/office/powerpoint/2010/main">
-  <p:cSld>
-    <p:spTree>
-      <p:nvGrpSpPr>
-        <p:cNvPr id="90" name="Shape 90"/>
-        <p:cNvGrpSpPr/>
-        <p:nvPr/>
-      </p:nvGrpSpPr>
-      <p:grpSpPr>
-        <a:xfrm>
-          <a:off x="0" y="0"/>
-          <a:ext cx="0" cy="0"/>
-          <a:chOff x="0" y="0"/>
-          <a:chExt cx="0" cy="0"/>
-        </a:xfrm>
-      </p:grpSpPr>
-      <p:sp>
-        <p:nvSpPr>
-          <p:cNvPr id="91" name="Shape 91"/>
-          <p:cNvSpPr txBox="1"/>
-          <p:nvPr>
-            <p:ph type="title"/>
-          </p:nvPr>
-        </p:nvSpPr>
-        <p:spPr>
-          <a:xfrm>
-            <a:off x="311700" y="372500"/>
-            <a:ext cx="8520600" cy="733500"/>
-          </a:xfrm>
-          <a:prstGeom prst="rect">
-            <a:avLst/>
-          </a:prstGeom>
-        </p:spPr>
-        <p:txBody>
-          <a:bodyPr anchorCtr="0" anchor="b" bIns="91425" lIns="91425" rIns="91425" tIns="91425">
-            <a:noAutofit/>
-          </a:bodyPr>
-          <a:lstStyle/>
-          <a:p>
-            <a:pPr lvl="0">
-              <a:spcBef>
-                <a:spcPts val="0"/>
-              </a:spcBef>
-              <a:buNone/>
-            </a:pPr>
-            <a:r>
-              <a:rPr lang="zh-CN"/>
-              <a:t>文件发布流程</a:t>
-            </a:r>
-          </a:p>
-        </p:txBody>
-      </p:sp>
-      <p:sp>
-        <p:nvSpPr>
-          <p:cNvPr id="92" name="Shape 92"/>
-          <p:cNvSpPr txBox="1"/>
-          <p:nvPr>
-            <p:ph idx="1" type="body"/>
-          </p:nvPr>
-        </p:nvSpPr>
-        <p:spPr>
-          <a:xfrm>
-            <a:off x="311700" y="1468825"/>
-            <a:ext cx="8520600" cy="3099900"/>
-          </a:xfrm>
-          <a:prstGeom prst="rect">
-            <a:avLst/>
-          </a:prstGeom>
-        </p:spPr>
-        <p:txBody>
-          <a:bodyPr anchorCtr="0" anchor="t" bIns="91425" lIns="91425" rIns="91425" tIns="91425">
-            <a:noAutofit/>
-          </a:bodyPr>
-          <a:lstStyle/>
-          <a:p>
-            <a:pPr lvl="0">
-              <a:spcBef>
-                <a:spcPts val="0"/>
-              </a:spcBef>
-              <a:buNone/>
-            </a:pPr>
-            <a:r>
-              <a:t/>
-            </a:r>
-            <a:endParaRPr/>
-          </a:p>
-        </p:txBody>
-      </p:sp>
-      <p:sp>
-        <p:nvSpPr>
-          <p:cNvPr id="93" name="Shape 93"/>
-          <p:cNvSpPr/>
-          <p:nvPr/>
-        </p:nvSpPr>
-        <p:spPr>
-          <a:xfrm>
-            <a:off x="509400" y="1862200"/>
-            <a:ext cx="1578300" cy="1595100"/>
-          </a:xfrm>
-          <a:prstGeom prst="rect">
-            <a:avLst/>
-          </a:prstGeom>
-          <a:solidFill>
-            <a:srgbClr val="FCE5CD"/>
-          </a:solidFill>
-          <a:ln cap="flat" cmpd="sng" w="9525">
-            <a:solidFill>
-              <a:schemeClr val="dk2"/>
-            </a:solidFill>
-            <a:prstDash val="solid"/>
-            <a:round/>
-            <a:headEnd len="med" w="med" type="none"/>
-            <a:tailEnd len="med" w="med" type="none"/>
-          </a:ln>
-        </p:spPr>
-        <p:txBody>
-          <a:bodyPr anchorCtr="0" anchor="ctr" bIns="91425" lIns="91425" rIns="91425" tIns="91425">
-            <a:noAutofit/>
-          </a:bodyPr>
-          <a:lstStyle/>
-          <a:p>
-            <a:pPr lvl="0" algn="ctr">
-              <a:spcBef>
-                <a:spcPts val="0"/>
-              </a:spcBef>
-              <a:buNone/>
-            </a:pPr>
-            <a:r>
-              <a:rPr lang="zh-CN"/>
-              <a:t>svn:</a:t>
-            </a:r>
-            <a:r>
-              <a:rPr lang="zh-CN"/>
-              <a:t>show log</a:t>
-            </a:r>
-          </a:p>
-        </p:txBody>
-      </p:sp>
-      <p:sp>
-        <p:nvSpPr>
-          <p:cNvPr id="94" name="Shape 94"/>
-          <p:cNvSpPr/>
-          <p:nvPr/>
-        </p:nvSpPr>
-        <p:spPr>
-          <a:xfrm>
-            <a:off x="3657575" y="1862200"/>
-            <a:ext cx="1578300" cy="1595100"/>
-          </a:xfrm>
-          <a:prstGeom prst="rect">
-            <a:avLst/>
-          </a:prstGeom>
-          <a:solidFill>
-            <a:srgbClr val="0074AE"/>
-          </a:solidFill>
-          <a:ln cap="flat" cmpd="sng" w="9525">
-            <a:solidFill>
-              <a:schemeClr val="lt1"/>
-            </a:solidFill>
-            <a:prstDash val="solid"/>
-            <a:round/>
-            <a:headEnd len="med" w="med" type="none"/>
-            <a:tailEnd len="med" w="med" type="none"/>
-          </a:ln>
-        </p:spPr>
-        <p:txBody>
-          <a:bodyPr anchorCtr="0" anchor="ctr" bIns="91425" lIns="91425" rIns="91425" tIns="91425">
-            <a:noAutofit/>
-          </a:bodyPr>
-          <a:lstStyle/>
-          <a:p>
-            <a:pPr lvl="0" algn="ctr">
-              <a:spcBef>
-                <a:spcPts val="0"/>
-              </a:spcBef>
-              <a:buNone/>
-            </a:pPr>
-            <a:r>
-              <a:rPr lang="zh-CN" sz="1800">
-                <a:solidFill>
-                  <a:schemeClr val="lt1"/>
-                </a:solidFill>
-              </a:rPr>
-              <a:t>测试环境</a:t>
-            </a:r>
-          </a:p>
-        </p:txBody>
-      </p:sp>
-      <p:sp>
-        <p:nvSpPr>
-          <p:cNvPr id="95" name="Shape 95"/>
-          <p:cNvSpPr/>
-          <p:nvPr/>
-        </p:nvSpPr>
-        <p:spPr>
-          <a:xfrm>
-            <a:off x="2212925" y="2459350"/>
-            <a:ext cx="1323600" cy="400800"/>
-          </a:xfrm>
-          <a:prstGeom prst="rightArrow">
-            <a:avLst>
-              <a:gd fmla="val 50000" name="adj1"/>
-              <a:gd fmla="val 50000" name="adj2"/>
-            </a:avLst>
-          </a:prstGeom>
-          <a:solidFill>
-            <a:schemeClr val="lt2"/>
-          </a:solidFill>
-          <a:ln cap="flat" cmpd="sng" w="9525">
-            <a:solidFill>
-              <a:schemeClr val="dk2"/>
-            </a:solidFill>
-            <a:prstDash val="solid"/>
-            <a:round/>
-            <a:headEnd len="med" w="med" type="none"/>
-            <a:tailEnd len="med" w="med" type="none"/>
-          </a:ln>
-        </p:spPr>
-        <p:txBody>
-          <a:bodyPr anchorCtr="0" anchor="ctr" bIns="91425" lIns="91425" rIns="91425" tIns="91425">
-            <a:noAutofit/>
-          </a:bodyPr>
-          <a:lstStyle/>
-          <a:p>
-            <a:pPr lvl="0">
-              <a:spcBef>
-                <a:spcPts val="0"/>
-              </a:spcBef>
-              <a:buNone/>
-            </a:pPr>
-            <a:r>
-              <a:rPr lang="zh-CN"/>
-              <a:t>Http上传</a:t>
-            </a:r>
-          </a:p>
-        </p:txBody>
-      </p:sp>
-      <p:sp>
-        <p:nvSpPr>
-          <p:cNvPr id="96" name="Shape 96"/>
-          <p:cNvSpPr/>
-          <p:nvPr/>
-        </p:nvSpPr>
-        <p:spPr>
-          <a:xfrm>
-            <a:off x="5457125" y="2459350"/>
-            <a:ext cx="1085700" cy="400800"/>
-          </a:xfrm>
-          <a:prstGeom prst="rightArrow">
-            <a:avLst>
-              <a:gd fmla="val 50000" name="adj1"/>
-              <a:gd fmla="val 50000" name="adj2"/>
-            </a:avLst>
-          </a:prstGeom>
-          <a:solidFill>
-            <a:schemeClr val="lt2"/>
-          </a:solidFill>
-          <a:ln cap="flat" cmpd="sng" w="9525">
-            <a:solidFill>
-              <a:schemeClr val="dk2"/>
-            </a:solidFill>
-            <a:prstDash val="solid"/>
-            <a:round/>
-            <a:headEnd len="med" w="med" type="none"/>
-            <a:tailEnd len="med" w="med" type="none"/>
-          </a:ln>
-        </p:spPr>
-        <p:txBody>
-          <a:bodyPr anchorCtr="0" anchor="ctr" bIns="91425" lIns="91425" rIns="91425" tIns="91425">
-            <a:noAutofit/>
-          </a:bodyPr>
-          <a:lstStyle/>
-          <a:p>
-            <a:pPr lvl="0">
-              <a:spcBef>
-                <a:spcPts val="0"/>
-              </a:spcBef>
-              <a:buNone/>
-            </a:pPr>
-            <a:r>
-              <a:rPr lang="zh-CN"/>
-              <a:t>Http上传</a:t>
-            </a:r>
-          </a:p>
-        </p:txBody>
-      </p:sp>
-      <p:sp>
-        <p:nvSpPr>
-          <p:cNvPr id="97" name="Shape 97"/>
-          <p:cNvSpPr/>
-          <p:nvPr/>
-        </p:nvSpPr>
-        <p:spPr>
-          <a:xfrm>
-            <a:off x="6764075" y="1887250"/>
-            <a:ext cx="1578300" cy="1545000"/>
-          </a:xfrm>
-          <a:prstGeom prst="rect">
-            <a:avLst/>
-          </a:prstGeom>
-          <a:solidFill>
-            <a:srgbClr val="58AA00"/>
-          </a:solidFill>
-          <a:ln cap="flat" cmpd="sng" w="9525">
-            <a:solidFill>
-              <a:schemeClr val="dk2"/>
-            </a:solidFill>
-            <a:prstDash val="solid"/>
-            <a:round/>
-            <a:headEnd len="med" w="med" type="none"/>
-            <a:tailEnd len="med" w="med" type="none"/>
-          </a:ln>
-        </p:spPr>
-        <p:txBody>
-          <a:bodyPr anchorCtr="0" anchor="ctr" bIns="91425" lIns="91425" rIns="91425" tIns="91425">
-            <a:noAutofit/>
-          </a:bodyPr>
-          <a:lstStyle/>
-          <a:p>
-            <a:pPr lvl="0" algn="ctr">
-              <a:spcBef>
-                <a:spcPts val="0"/>
-              </a:spcBef>
-              <a:buNone/>
-            </a:pPr>
-            <a:r>
-              <a:rPr lang="zh-CN" sz="1800">
-                <a:solidFill>
-                  <a:schemeClr val="lt1"/>
-                </a:solidFill>
-              </a:rPr>
-              <a:t>生产</a:t>
-            </a:r>
-            <a:r>
-              <a:rPr lang="zh-CN" sz="1800">
-                <a:solidFill>
-                  <a:schemeClr val="lt1"/>
-                </a:solidFill>
-              </a:rPr>
-              <a:t>环境</a:t>
-            </a:r>
-          </a:p>
-        </p:txBody>
-      </p:sp>
-      <p:sp>
-        <p:nvSpPr>
-          <p:cNvPr id="98" name="Shape 98"/>
-          <p:cNvSpPr/>
-          <p:nvPr/>
-        </p:nvSpPr>
-        <p:spPr>
-          <a:xfrm>
-            <a:off x="370150" y="3582400"/>
-            <a:ext cx="2889300" cy="801600"/>
-          </a:xfrm>
-          <a:prstGeom prst="bracePair">
-            <a:avLst/>
-          </a:prstGeom>
-          <a:noFill/>
-          <a:ln cap="flat" cmpd="sng" w="9525">
-            <a:solidFill>
-              <a:schemeClr val="dk2"/>
-            </a:solidFill>
-            <a:prstDash val="solid"/>
-            <a:round/>
-            <a:headEnd len="med" w="med" type="none"/>
-            <a:tailEnd len="med" w="med" type="none"/>
-          </a:ln>
-        </p:spPr>
-        <p:txBody>
-          <a:bodyPr anchorCtr="0" anchor="ctr" bIns="91425" lIns="91425" rIns="91425" tIns="91425">
-            <a:noAutofit/>
-          </a:bodyPr>
-          <a:lstStyle/>
-          <a:p>
-            <a:pPr lvl="0">
-              <a:spcBef>
-                <a:spcPts val="0"/>
-              </a:spcBef>
-              <a:buNone/>
-            </a:pPr>
-            <a:r>
-              <a:rPr lang="zh-CN">
-                <a:highlight>
-                  <a:srgbClr val="F1F3FA"/>
-                </a:highlight>
-              </a:rPr>
-              <a:t>/www/static/js/service/reserve.js,/www/static/css/service/outlets.css</a:t>
-            </a:r>
-          </a:p>
-        </p:txBody>
-      </p:sp>
-      <p:sp>
-        <p:nvSpPr>
-          <p:cNvPr id="99" name="Shape 99"/>
-          <p:cNvSpPr/>
-          <p:nvPr/>
-        </p:nvSpPr>
-        <p:spPr>
-          <a:xfrm>
-            <a:off x="7415400" y="3432250"/>
-            <a:ext cx="400800" cy="442500"/>
-          </a:xfrm>
-          <a:prstGeom prst="downArrow">
-            <a:avLst>
-              <a:gd fmla="val 50000" name="adj1"/>
-              <a:gd fmla="val 50000" name="adj2"/>
-            </a:avLst>
-          </a:prstGeom>
-          <a:solidFill>
-            <a:srgbClr val="58AA00"/>
-          </a:solidFill>
-          <a:ln cap="flat" cmpd="sng" w="9525">
-            <a:solidFill>
-              <a:schemeClr val="dk2"/>
-            </a:solidFill>
-            <a:prstDash val="solid"/>
-            <a:round/>
-            <a:headEnd len="med" w="med" type="none"/>
-            <a:tailEnd len="med" w="med" type="none"/>
-          </a:ln>
-        </p:spPr>
-        <p:txBody>
-          <a:bodyPr anchorCtr="0" anchor="ctr" bIns="91425" lIns="91425" rIns="91425" tIns="91425">
-            <a:noAutofit/>
-          </a:bodyPr>
-          <a:lstStyle/>
-          <a:p>
-            <a:pPr lvl="0">
-              <a:spcBef>
-                <a:spcPts val="0"/>
-              </a:spcBef>
-              <a:buNone/>
-            </a:pPr>
-            <a:r>
-              <a:t/>
-            </a:r>
-            <a:endParaRPr/>
-          </a:p>
-        </p:txBody>
-      </p:sp>
-      <p:sp>
-        <p:nvSpPr>
-          <p:cNvPr id="100" name="Shape 100"/>
-          <p:cNvSpPr txBox="1"/>
-          <p:nvPr/>
-        </p:nvSpPr>
-        <p:spPr>
-          <a:xfrm>
-            <a:off x="6822425" y="3841325"/>
-            <a:ext cx="1578300" cy="542700"/>
-          </a:xfrm>
-          <a:prstGeom prst="rect">
-            <a:avLst/>
-          </a:prstGeom>
-          <a:noFill/>
-          <a:ln>
-            <a:noFill/>
-          </a:ln>
-        </p:spPr>
-        <p:txBody>
-          <a:bodyPr anchorCtr="0" anchor="t" bIns="91425" lIns="91425" rIns="91425" tIns="91425">
-            <a:noAutofit/>
-          </a:bodyPr>
-          <a:lstStyle/>
-          <a:p>
-            <a:pPr lvl="0" algn="ctr">
-              <a:spcBef>
-                <a:spcPts val="0"/>
-              </a:spcBef>
-              <a:buNone/>
-            </a:pPr>
-            <a:r>
-              <a:rPr lang="zh-CN"/>
-              <a:t>更新文件CDN</a:t>
-            </a:r>
-          </a:p>
-          <a:p>
-            <a:pPr lvl="0">
-              <a:spcBef>
-                <a:spcPts val="0"/>
-              </a:spcBef>
-              <a:buNone/>
-            </a:pPr>
-            <a:r>
-              <a:t/>
-            </a:r>
-            <a:endParaRPr/>
-          </a:p>
-        </p:txBody>
-      </p:sp>
-    </p:spTree>
-  </p:cSld>
-  <p:clrMapOvr>
-    <a:masterClrMapping/>
-  </p:clrMapOvr>
-  <p:timing>
-    <p:tnLst>
-      <p:par>
-        <p:cTn dur="indefinite" nodeType="tmRoot" restart="never">
-          <p:childTnLst>
-            <p:seq concurrent="1" nextAc="seek">
-              <p:cTn dur="indefinite" id="2" nodeType="mainSeq">
-                <p:childTnLst>
-                  <p:par>
-                    <p:cTn fill="hold">
-                      <p:stCondLst>
-                        <p:cond delay="indefinite"/>
-                      </p:stCondLst>
-                      <p:childTnLst>
-                        <p:par>
-                          <p:cTn fill="hold">
-                            <p:stCondLst>
-                              <p:cond delay="0"/>
-                            </p:stCondLst>
-                            <p:childTnLst>
-                              <p:par>
-                                <p:cTn fill="hold" nodeType="clickEffect" presetClass="entr" presetID="10" presetSubtype="0">
-                                  <p:stCondLst>
-                                    <p:cond delay="0"/>
-                                  </p:stCondLst>
-                                  <p:childTnLst>
-                                    <p:set>
-                                      <p:cBhvr>
-                                        <p:cTn dur="1" fill="hold">
-                                          <p:stCondLst>
-                                            <p:cond delay="0"/>
-                                          </p:stCondLst>
-                                        </p:cTn>
-                                        <p:tgtEl>
-                                          <p:spTgt spid="93"/>
-                                        </p:tgtEl>
-                                        <p:attrNameLst>
-                                          <p:attrName>style.visibility</p:attrName>
-                                        </p:attrNameLst>
-                                      </p:cBhvr>
-                                      <p:to>
-                                        <p:strVal val="visible"/>
-                                      </p:to>
-                                    </p:set>
-                                    <p:animEffect filter="fade" transition="in">
-                                      <p:cBhvr>
-                                        <p:cTn dur="1000"/>
-                                        <p:tgtEl>
-                                          <p:spTgt spid="93"/>
-                                        </p:tgtEl>
-                                      </p:cBhvr>
-                                    </p:animEffect>
-                                  </p:childTnLst>
-                                </p:cTn>
-                              </p:par>
-                            </p:childTnLst>
-                          </p:cTn>
-                        </p:par>
-                      </p:childTnLst>
-                    </p:cTn>
-                  </p:par>
-                  <p:par>
-                    <p:cTn fill="hold">
-                      <p:stCondLst>
-                        <p:cond delay="indefinite"/>
-                      </p:stCondLst>
-                      <p:childTnLst>
-                        <p:par>
-                          <p:cTn fill="hold">
-                            <p:stCondLst>
-                              <p:cond delay="0"/>
-                            </p:stCondLst>
-                            <p:childTnLst>
-                              <p:par>
-                                <p:cTn fill="hold" nodeType="clickEffect" presetClass="entr" presetID="10" presetSubtype="0">
-                                  <p:stCondLst>
-                                    <p:cond delay="0"/>
-                                  </p:stCondLst>
-                                  <p:childTnLst>
-                                    <p:set>
-                                      <p:cBhvr>
-                                        <p:cTn dur="1" fill="hold">
-                                          <p:stCondLst>
-                                            <p:cond delay="0"/>
-                                          </p:stCondLst>
-                                        </p:cTn>
-                                        <p:tgtEl>
-                                          <p:spTgt spid="98"/>
-                                        </p:tgtEl>
-                                        <p:attrNameLst>
-                                          <p:attrName>style.visibility</p:attrName>
-                                        </p:attrNameLst>
-                                      </p:cBhvr>
-                                      <p:to>
-                                        <p:strVal val="visible"/>
-                                      </p:to>
-                                    </p:set>
-                                    <p:animEffect filter="fade" transition="in">
-                                      <p:cBhvr>
-                                        <p:cTn dur="1000"/>
-                                        <p:tgtEl>
-                                          <p:spTgt spid="98"/>
-                                        </p:tgtEl>
-                                      </p:cBhvr>
-                                    </p:animEffect>
-                                  </p:childTnLst>
-                                </p:cTn>
-                              </p:par>
-                            </p:childTnLst>
-                          </p:cTn>
-                        </p:par>
-                      </p:childTnLst>
-                    </p:cTn>
-                  </p:par>
-                  <p:par>
-                    <p:cTn fill="hold">
-                      <p:stCondLst>
-                        <p:cond delay="indefinite"/>
-                      </p:stCondLst>
-                      <p:childTnLst>
-                        <p:par>
-                          <p:cTn fill="hold">
-                            <p:stCondLst>
-                              <p:cond delay="0"/>
-                            </p:stCondLst>
-                            <p:childTnLst>
-                              <p:par>
-                                <p:cTn fill="hold" nodeType="clickEffect" presetClass="entr" presetID="10" presetSubtype="0">
-                                  <p:stCondLst>
-                                    <p:cond delay="0"/>
-                                  </p:stCondLst>
-                                  <p:childTnLst>
-                                    <p:set>
-                                      <p:cBhvr>
-                                        <p:cTn dur="1" fill="hold">
-                                          <p:stCondLst>
-                                            <p:cond delay="0"/>
-                                          </p:stCondLst>
-                                        </p:cTn>
-                                        <p:tgtEl>
-                                          <p:spTgt spid="95"/>
-                                        </p:tgtEl>
-                                        <p:attrNameLst>
-                                          <p:attrName>style.visibility</p:attrName>
-                                        </p:attrNameLst>
-                                      </p:cBhvr>
-                                      <p:to>
-                                        <p:strVal val="visible"/>
-                                      </p:to>
-                                    </p:set>
-                                    <p:animEffect filter="fade" transition="in">
-                                      <p:cBhvr>
-                                        <p:cTn dur="1000"/>
-                                        <p:tgtEl>
-                                          <p:spTgt spid="95"/>
-                                        </p:tgtEl>
-                                      </p:cBhvr>
-                                    </p:animEffect>
-                                  </p:childTnLst>
-                                </p:cTn>
-                              </p:par>
-                            </p:childTnLst>
-                          </p:cTn>
-                        </p:par>
-                      </p:childTnLst>
-                    </p:cTn>
-                  </p:par>
-                  <p:par>
-                    <p:cTn fill="hold">
-                      <p:stCondLst>
-                        <p:cond delay="indefinite"/>
-                      </p:stCondLst>
-                      <p:childTnLst>
-                        <p:par>
-                          <p:cTn fill="hold">
-                            <p:stCondLst>
-                              <p:cond delay="0"/>
-                            </p:stCondLst>
-                            <p:childTnLst>
-                              <p:par>
-                                <p:cTn fill="hold" nodeType="clickEffect" presetClass="entr" presetID="10" presetSubtype="0">
-                                  <p:stCondLst>
-                                    <p:cond delay="0"/>
-                                  </p:stCondLst>
-                                  <p:childTnLst>
-                                    <p:set>
-                                      <p:cBhvr>
-                                        <p:cTn dur="1" fill="hold">
-                                          <p:stCondLst>
-                                            <p:cond delay="0"/>
-                                          </p:stCondLst>
-                                        </p:cTn>
-                                        <p:tgtEl>
-                                          <p:spTgt spid="94"/>
-                                        </p:tgtEl>
-                                        <p:attrNameLst>
-                                          <p:attrName>style.visibility</p:attrName>
-                                        </p:attrNameLst>
-                                      </p:cBhvr>
-                                      <p:to>
-                                        <p:strVal val="visible"/>
-                                      </p:to>
-                                    </p:set>
-                                    <p:animEffect filter="fade" transition="in">
-                                      <p:cBhvr>
-                                        <p:cTn dur="1000"/>
-                                        <p:tgtEl>
-                                          <p:spTgt spid="94"/>
-                                        </p:tgtEl>
-                                      </p:cBhvr>
-                                    </p:animEffect>
-                                  </p:childTnLst>
-                                </p:cTn>
-                              </p:par>
-                            </p:childTnLst>
-                          </p:cTn>
-                        </p:par>
-                      </p:childTnLst>
-                    </p:cTn>
-                  </p:par>
-                  <p:par>
-                    <p:cTn fill="hold">
-                      <p:stCondLst>
-                        <p:cond delay="indefinite"/>
-                      </p:stCondLst>
-                      <p:childTnLst>
-                        <p:par>
-                          <p:cTn fill="hold">
-                            <p:stCondLst>
-                              <p:cond delay="0"/>
-                            </p:stCondLst>
-                            <p:childTnLst>
-                              <p:par>
-                                <p:cTn fill="hold" nodeType="clickEffect" presetClass="entr" presetID="10" presetSubtype="0">
-                                  <p:stCondLst>
-                                    <p:cond delay="0"/>
-                                  </p:stCondLst>
-                                  <p:childTnLst>
-                                    <p:set>
-                                      <p:cBhvr>
-                                        <p:cTn dur="1" fill="hold">
-                                          <p:stCondLst>
-                                            <p:cond delay="0"/>
-                                          </p:stCondLst>
-                                        </p:cTn>
-                                        <p:tgtEl>
-                                          <p:spTgt spid="96"/>
-                                        </p:tgtEl>
-                                        <p:attrNameLst>
-                                          <p:attrName>style.visibility</p:attrName>
-                                        </p:attrNameLst>
-                                      </p:cBhvr>
-                                      <p:to>
-                                        <p:strVal val="visible"/>
-                                      </p:to>
-                                    </p:set>
-                                    <p:animEffect filter="fade" transition="in">
-                                      <p:cBhvr>
-                                        <p:cTn dur="1000"/>
-                                        <p:tgtEl>
-                                          <p:spTgt spid="96"/>
-                                        </p:tgtEl>
-                                      </p:cBhvr>
-                                    </p:animEffect>
-                                  </p:childTnLst>
-                                </p:cTn>
-                              </p:par>
-                            </p:childTnLst>
-                          </p:cTn>
-                        </p:par>
-                      </p:childTnLst>
-                    </p:cTn>
-                  </p:par>
-                  <p:par>
-                    <p:cTn fill="hold">
-                      <p:stCondLst>
-                        <p:cond delay="indefinite"/>
-                      </p:stCondLst>
-                      <p:childTnLst>
-                        <p:par>
-                          <p:cTn fill="hold">
-                            <p:stCondLst>
-                              <p:cond delay="0"/>
-                            </p:stCondLst>
-                            <p:childTnLst>
-                              <p:par>
-                                <p:cTn fill="hold" nodeType="clickEffect" presetClass="entr" presetID="10" presetSubtype="0">
-                                  <p:stCondLst>
-                                    <p:cond delay="0"/>
-                                  </p:stCondLst>
-                                  <p:childTnLst>
-                                    <p:set>
-                                      <p:cBhvr>
-                                        <p:cTn dur="1" fill="hold">
-                                          <p:stCondLst>
-                                            <p:cond delay="0"/>
-                                          </p:stCondLst>
-                                        </p:cTn>
-                                        <p:tgtEl>
-                                          <p:spTgt spid="97"/>
-                                        </p:tgtEl>
-                                        <p:attrNameLst>
-                                          <p:attrName>style.visibility</p:attrName>
-                                        </p:attrNameLst>
-                                      </p:cBhvr>
-                                      <p:to>
-                                        <p:strVal val="visible"/>
-                                      </p:to>
-                                    </p:set>
-                                    <p:animEffect filter="fade" transition="in">
-                                      <p:cBhvr>
-                                        <p:cTn dur="1000"/>
-                                        <p:tgtEl>
-                                          <p:spTgt spid="97"/>
-                                        </p:tgtEl>
-                                      </p:cBhvr>
-                                    </p:animEffect>
-                                  </p:childTnLst>
-                                </p:cTn>
-                              </p:par>
-                            </p:childTnLst>
-                          </p:cTn>
-                        </p:par>
-                      </p:childTnLst>
-                    </p:cTn>
-                  </p:par>
-                  <p:par>
-                    <p:cTn fill="hold">
-                      <p:stCondLst>
-                        <p:cond delay="indefinite"/>
-                      </p:stCondLst>
-                      <p:childTnLst>
-                        <p:par>
-                          <p:cTn fill="hold">
-                            <p:stCondLst>
-                              <p:cond delay="0"/>
-                            </p:stCondLst>
-                            <p:childTnLst>
-                              <p:par>
-                                <p:cTn fill="hold" nodeType="clickEffect" presetClass="entr" presetID="10" presetSubtype="0">
-                                  <p:stCondLst>
-                                    <p:cond delay="0"/>
-                                  </p:stCondLst>
-                                  <p:childTnLst>
-                                    <p:set>
-                                      <p:cBhvr>
-                                        <p:cTn dur="1" fill="hold">
-                                          <p:stCondLst>
-                                            <p:cond delay="0"/>
-                                          </p:stCondLst>
-                                        </p:cTn>
-                                        <p:tgtEl>
-                                          <p:spTgt spid="99"/>
-                                        </p:tgtEl>
-                                        <p:attrNameLst>
-                                          <p:attrName>style.visibility</p:attrName>
-                                        </p:attrNameLst>
-                                      </p:cBhvr>
-                                      <p:to>
-                                        <p:strVal val="visible"/>
-                                      </p:to>
-                                    </p:set>
-                                    <p:animEffect filter="fade" transition="in">
-                                      <p:cBhvr>
-                                        <p:cTn dur="1000"/>
-                                        <p:tgtEl>
-                                          <p:spTgt spid="99"/>
-                                        </p:tgtEl>
-                                      </p:cBhvr>
-                                    </p:animEffect>
-                                  </p:childTnLst>
-                                </p:cTn>
-                              </p:par>
-                            </p:childTnLst>
-                          </p:cTn>
-                        </p:par>
-                      </p:childTnLst>
-                    </p:cTn>
-                  </p:par>
-                  <p:par>
-                    <p:cTn fill="hold">
-                      <p:stCondLst>
-                        <p:cond delay="indefinite"/>
-                      </p:stCondLst>
-                      <p:childTnLst>
-                        <p:par>
-                          <p:cTn fill="hold">
-                            <p:stCondLst>
-                              <p:cond delay="0"/>
-                            </p:stCondLst>
-                            <p:childTnLst>
-                              <p:par>
-                                <p:cTn fill="hold" nodeType="clickEffect" presetClass="entr" presetID="10" presetSubtype="0">
-                                  <p:stCondLst>
-                                    <p:cond delay="0"/>
-                                  </p:stCondLst>
-                                  <p:childTnLst>
-                                    <p:set>
-                                      <p:cBhvr>
-                                        <p:cTn dur="1" fill="hold">
-                                          <p:stCondLst>
-                                            <p:cond delay="0"/>
-                                          </p:stCondLst>
-                                        </p:cTn>
-                                        <p:tgtEl>
-                                          <p:spTgt spid="100"/>
-                                        </p:tgtEl>
-                                        <p:attrNameLst>
-                                          <p:attrName>style.visibility</p:attrName>
-                                        </p:attrNameLst>
-                                      </p:cBhvr>
-                                      <p:to>
-                                        <p:strVal val="visible"/>
-                                      </p:to>
-                                    </p:set>
-                                    <p:animEffect filter="fade" transition="in">
-                                      <p:cBhvr>
-                                        <p:cTn dur="1000"/>
-                                        <p:tgtEl>
-                                          <p:spTgt spid="100"/>
+                                          <p:spTgt spid="101"/>
                                         </p:tgtEl>
                                       </p:cBhvr>
                                     </p:animEffect>
@@ -7653,7 +8586,7 @@
   <p:cSld>
     <p:spTree>
       <p:nvGrpSpPr>
-        <p:cNvPr id="104" name="Shape 104"/>
+        <p:cNvPr id="105" name="Shape 105"/>
         <p:cNvGrpSpPr/>
         <p:nvPr/>
       </p:nvGrpSpPr>
@@ -7667,7 +8600,7 @@
       </p:grpSpPr>
       <p:sp>
         <p:nvSpPr>
-          <p:cNvPr id="105" name="Shape 105"/>
+          <p:cNvPr id="106" name="Shape 106"/>
           <p:cNvSpPr txBox="1"/>
           <p:nvPr>
             <p:ph type="title"/>
@@ -7696,14 +8629,14 @@
             </a:pPr>
             <a:r>
               <a:rPr lang="zh-CN"/>
-              <a:t>技术实现</a:t>
+              <a:t>svn项目管理工具</a:t>
             </a:r>
           </a:p>
         </p:txBody>
       </p:sp>
       <p:sp>
         <p:nvSpPr>
-          <p:cNvPr id="106" name="Shape 106"/>
+          <p:cNvPr id="107" name="Shape 107"/>
           <p:cNvSpPr txBox="1"/>
           <p:nvPr>
             <p:ph idx="1" type="body"/>
@@ -7731,952 +8664,15 @@
               <a:buNone/>
             </a:pPr>
             <a:r>
-              <a:t/>
-            </a:r>
-            <a:endParaRPr/>
-          </a:p>
-        </p:txBody>
-      </p:sp>
-      <p:sp>
-        <p:nvSpPr>
-          <p:cNvPr id="107" name="Shape 107"/>
-          <p:cNvSpPr/>
-          <p:nvPr/>
-        </p:nvSpPr>
-        <p:spPr>
-          <a:xfrm>
-            <a:off x="453350" y="1623825"/>
-            <a:ext cx="1920575" cy="2505800"/>
-          </a:xfrm>
-          <a:prstGeom prst="flowChartProcess">
-            <a:avLst/>
-          </a:prstGeom>
-          <a:solidFill>
-            <a:schemeClr val="lt1"/>
-          </a:solidFill>
-          <a:ln cap="flat" cmpd="sng" w="9525">
-            <a:solidFill>
-              <a:schemeClr val="dk2"/>
-            </a:solidFill>
-            <a:prstDash val="dash"/>
-            <a:round/>
-            <a:headEnd len="med" w="med" type="none"/>
-            <a:tailEnd len="med" w="med" type="none"/>
-          </a:ln>
-        </p:spPr>
-        <p:txBody>
-          <a:bodyPr anchorCtr="0" anchor="ctr" bIns="91425" lIns="91425" rIns="91425" tIns="91425">
-            <a:noAutofit/>
-          </a:bodyPr>
-          <a:lstStyle/>
-          <a:p>
-            <a:pPr lvl="0">
-              <a:spcBef>
-                <a:spcPts val="0"/>
-              </a:spcBef>
-              <a:buNone/>
-            </a:pPr>
-            <a:r>
-              <a:t/>
-            </a:r>
-            <a:endParaRPr/>
-          </a:p>
-        </p:txBody>
-      </p:sp>
-      <p:sp>
-        <p:nvSpPr>
-          <p:cNvPr id="108" name="Shape 108"/>
-          <p:cNvSpPr txBox="1"/>
-          <p:nvPr/>
-        </p:nvSpPr>
-        <p:spPr>
-          <a:xfrm>
-            <a:off x="890225" y="1772200"/>
-            <a:ext cx="1096200" cy="305100"/>
-          </a:xfrm>
-          <a:prstGeom prst="rect">
-            <a:avLst/>
-          </a:prstGeom>
-          <a:noFill/>
-          <a:ln>
-            <a:noFill/>
-          </a:ln>
-        </p:spPr>
-        <p:txBody>
-          <a:bodyPr anchorCtr="0" anchor="t" bIns="91425" lIns="91425" rIns="91425" tIns="91425">
-            <a:noAutofit/>
-          </a:bodyPr>
-          <a:lstStyle/>
-          <a:p>
-            <a:pPr lvl="0">
-              <a:spcBef>
-                <a:spcPts val="0"/>
-              </a:spcBef>
-              <a:buNone/>
-            </a:pPr>
-            <a:r>
-              <a:rPr lang="zh-CN">
-                <a:solidFill>
-                  <a:schemeClr val="dk1"/>
-                </a:solidFill>
-              </a:rPr>
-              <a:t>Ul Views</a:t>
+              <a:rPr lang="zh-CN"/>
+              <a:t>利用show log获取文件信息，拿到文件路径。</a:t>
             </a:r>
           </a:p>
         </p:txBody>
       </p:sp>
-      <p:sp>
-        <p:nvSpPr>
-          <p:cNvPr id="109" name="Shape 109"/>
-          <p:cNvSpPr/>
-          <p:nvPr/>
-        </p:nvSpPr>
-        <p:spPr>
-          <a:xfrm>
-            <a:off x="770750" y="2268625"/>
-            <a:ext cx="1285800" cy="1457100"/>
-          </a:xfrm>
-          <a:prstGeom prst="rect">
-            <a:avLst/>
-          </a:prstGeom>
-          <a:solidFill>
-            <a:schemeClr val="lt1"/>
-          </a:solidFill>
-          <a:ln cap="flat" cmpd="sng" w="19050">
-            <a:solidFill>
-              <a:srgbClr val="F6B26B"/>
-            </a:solidFill>
-            <a:prstDash val="lgDashDot"/>
-            <a:round/>
-            <a:headEnd len="med" w="med" type="none"/>
-            <a:tailEnd len="med" w="med" type="none"/>
-          </a:ln>
-        </p:spPr>
-        <p:txBody>
-          <a:bodyPr anchorCtr="0" anchor="ctr" bIns="91425" lIns="91425" rIns="91425" tIns="91425">
-            <a:noAutofit/>
-          </a:bodyPr>
-          <a:lstStyle/>
-          <a:p>
-            <a:pPr lvl="0">
-              <a:spcBef>
-                <a:spcPts val="0"/>
-              </a:spcBef>
-              <a:buNone/>
-            </a:pPr>
-            <a:r>
-              <a:t/>
-            </a:r>
-            <a:endParaRPr b="1"/>
-          </a:p>
-        </p:txBody>
-      </p:sp>
-      <p:sp>
-        <p:nvSpPr>
-          <p:cNvPr id="110" name="Shape 110"/>
-          <p:cNvSpPr/>
-          <p:nvPr/>
-        </p:nvSpPr>
-        <p:spPr>
-          <a:xfrm>
-            <a:off x="1145750" y="2446100"/>
-            <a:ext cx="568800" cy="511200"/>
-          </a:xfrm>
-          <a:prstGeom prst="smileyFace">
-            <a:avLst>
-              <a:gd fmla="val 4653" name="adj"/>
-            </a:avLst>
-          </a:prstGeom>
-          <a:solidFill>
-            <a:srgbClr val="4A86E8"/>
-          </a:solidFill>
-          <a:ln cap="flat" cmpd="sng" w="9525">
-            <a:solidFill>
-              <a:schemeClr val="dk2"/>
-            </a:solidFill>
-            <a:prstDash val="solid"/>
-            <a:round/>
-            <a:headEnd len="med" w="med" type="none"/>
-            <a:tailEnd len="med" w="med" type="none"/>
-          </a:ln>
-        </p:spPr>
-        <p:txBody>
-          <a:bodyPr anchorCtr="0" anchor="ctr" bIns="91425" lIns="91425" rIns="91425" tIns="91425">
-            <a:noAutofit/>
-          </a:bodyPr>
-          <a:lstStyle/>
-          <a:p>
-            <a:pPr lvl="0">
-              <a:spcBef>
-                <a:spcPts val="0"/>
-              </a:spcBef>
-              <a:buNone/>
-            </a:pPr>
-            <a:r>
-              <a:t/>
-            </a:r>
-            <a:endParaRPr/>
-          </a:p>
-        </p:txBody>
-      </p:sp>
-      <p:sp>
-        <p:nvSpPr>
-          <p:cNvPr id="111" name="Shape 111"/>
-          <p:cNvSpPr txBox="1"/>
-          <p:nvPr/>
-        </p:nvSpPr>
-        <p:spPr>
-          <a:xfrm>
-            <a:off x="1055075" y="3072550"/>
-            <a:ext cx="807900" cy="486300"/>
-          </a:xfrm>
-          <a:prstGeom prst="rect">
-            <a:avLst/>
-          </a:prstGeom>
-          <a:noFill/>
-          <a:ln>
-            <a:noFill/>
-          </a:ln>
-        </p:spPr>
-        <p:txBody>
-          <a:bodyPr anchorCtr="0" anchor="t" bIns="91425" lIns="91425" rIns="91425" tIns="91425">
-            <a:noAutofit/>
-          </a:bodyPr>
-          <a:lstStyle/>
-          <a:p>
-            <a:pPr lvl="0">
-              <a:spcBef>
-                <a:spcPts val="0"/>
-              </a:spcBef>
-              <a:buNone/>
-            </a:pPr>
-            <a:r>
-              <a:rPr lang="zh-CN">
-                <a:solidFill>
-                  <a:srgbClr val="E69138"/>
-                </a:solidFill>
-              </a:rPr>
-              <a:t>浏览器</a:t>
-            </a:r>
-          </a:p>
-          <a:p>
-            <a:pPr lvl="0">
-              <a:spcBef>
-                <a:spcPts val="0"/>
-              </a:spcBef>
-              <a:buNone/>
-            </a:pPr>
-            <a:r>
-              <a:rPr lang="zh-CN">
-                <a:solidFill>
-                  <a:srgbClr val="E69138"/>
-                </a:solidFill>
-              </a:rPr>
-              <a:t>  视图</a:t>
-            </a:r>
-          </a:p>
-        </p:txBody>
-      </p:sp>
-      <p:sp>
-        <p:nvSpPr>
-          <p:cNvPr id="112" name="Shape 112"/>
-          <p:cNvSpPr/>
-          <p:nvPr/>
-        </p:nvSpPr>
-        <p:spPr>
-          <a:xfrm>
-            <a:off x="3123825" y="1615575"/>
-            <a:ext cx="1961700" cy="2505900"/>
-          </a:xfrm>
-          <a:prstGeom prst="rect">
-            <a:avLst/>
-          </a:prstGeom>
-          <a:solidFill>
-            <a:schemeClr val="lt1"/>
-          </a:solidFill>
-          <a:ln cap="flat" cmpd="sng" w="9525">
-            <a:solidFill>
-              <a:schemeClr val="dk2"/>
-            </a:solidFill>
-            <a:prstDash val="dash"/>
-            <a:round/>
-            <a:headEnd len="med" w="med" type="none"/>
-            <a:tailEnd len="med" w="med" type="none"/>
-          </a:ln>
-        </p:spPr>
-        <p:txBody>
-          <a:bodyPr anchorCtr="0" anchor="ctr" bIns="91425" lIns="91425" rIns="91425" tIns="91425">
-            <a:noAutofit/>
-          </a:bodyPr>
-          <a:lstStyle/>
-          <a:p>
-            <a:pPr lvl="0">
-              <a:spcBef>
-                <a:spcPts val="0"/>
-              </a:spcBef>
-              <a:buNone/>
-            </a:pPr>
-            <a:r>
-              <a:t/>
-            </a:r>
-            <a:endParaRPr/>
-          </a:p>
-        </p:txBody>
-      </p:sp>
-      <p:sp>
-        <p:nvSpPr>
-          <p:cNvPr id="113" name="Shape 113"/>
-          <p:cNvSpPr txBox="1"/>
-          <p:nvPr/>
-        </p:nvSpPr>
-        <p:spPr>
-          <a:xfrm>
-            <a:off x="3123725" y="1772200"/>
-            <a:ext cx="1920600" cy="346200"/>
-          </a:xfrm>
-          <a:prstGeom prst="rect">
-            <a:avLst/>
-          </a:prstGeom>
-          <a:noFill/>
-          <a:ln>
-            <a:noFill/>
-          </a:ln>
-        </p:spPr>
-        <p:txBody>
-          <a:bodyPr anchorCtr="0" anchor="t" bIns="91425" lIns="91425" rIns="91425" tIns="91425">
-            <a:noAutofit/>
-          </a:bodyPr>
-          <a:lstStyle/>
-          <a:p>
-            <a:pPr lvl="0">
-              <a:spcBef>
-                <a:spcPts val="0"/>
-              </a:spcBef>
-              <a:buNone/>
-            </a:pPr>
-            <a:r>
-              <a:rPr lang="zh-CN"/>
-              <a:t>  </a:t>
-            </a:r>
-            <a:r>
-              <a:rPr lang="zh-CN">
-                <a:solidFill>
-                  <a:schemeClr val="dk1"/>
-                </a:solidFill>
-              </a:rPr>
-              <a:t> Views Controllers</a:t>
-            </a:r>
-          </a:p>
-        </p:txBody>
-      </p:sp>
-      <p:sp>
-        <p:nvSpPr>
-          <p:cNvPr id="114" name="Shape 114"/>
-          <p:cNvSpPr/>
-          <p:nvPr/>
-        </p:nvSpPr>
-        <p:spPr>
-          <a:xfrm>
-            <a:off x="3595700" y="2307975"/>
-            <a:ext cx="1055052" cy="1327050"/>
-          </a:xfrm>
-          <a:prstGeom prst="flowChartMultidocument">
-            <a:avLst/>
-          </a:prstGeom>
-          <a:solidFill>
-            <a:srgbClr val="E69138"/>
-          </a:solidFill>
-          <a:ln cap="flat" cmpd="sng" w="19050">
-            <a:solidFill>
-              <a:schemeClr val="lt1"/>
-            </a:solidFill>
-            <a:prstDash val="solid"/>
-            <a:round/>
-            <a:headEnd len="med" w="med" type="none"/>
-            <a:tailEnd len="med" w="med" type="none"/>
-          </a:ln>
-        </p:spPr>
-        <p:txBody>
-          <a:bodyPr anchorCtr="0" anchor="ctr" bIns="91425" lIns="91425" rIns="91425" tIns="91425">
-            <a:noAutofit/>
-          </a:bodyPr>
-          <a:lstStyle/>
-          <a:p>
-            <a:pPr lvl="0">
-              <a:spcBef>
-                <a:spcPts val="0"/>
-              </a:spcBef>
-              <a:buNone/>
-            </a:pPr>
-            <a:r>
-              <a:t/>
-            </a:r>
-            <a:endParaRPr/>
-          </a:p>
-        </p:txBody>
-      </p:sp>
-      <p:sp>
-        <p:nvSpPr>
-          <p:cNvPr id="115" name="Shape 115"/>
-          <p:cNvSpPr txBox="1"/>
-          <p:nvPr/>
-        </p:nvSpPr>
-        <p:spPr>
-          <a:xfrm>
-            <a:off x="3505025" y="3725750"/>
-            <a:ext cx="1425900" cy="305100"/>
-          </a:xfrm>
-          <a:prstGeom prst="rect">
-            <a:avLst/>
-          </a:prstGeom>
-          <a:noFill/>
-          <a:ln>
-            <a:noFill/>
-          </a:ln>
-        </p:spPr>
-        <p:txBody>
-          <a:bodyPr anchorCtr="0" anchor="t" bIns="91425" lIns="91425" rIns="91425" tIns="91425">
-            <a:noAutofit/>
-          </a:bodyPr>
-          <a:lstStyle/>
-          <a:p>
-            <a:pPr lvl="0">
-              <a:spcBef>
-                <a:spcPts val="0"/>
-              </a:spcBef>
-              <a:buNone/>
-            </a:pPr>
-            <a:r>
-              <a:rPr lang="zh-CN"/>
-              <a:t>Node </a:t>
-            </a:r>
-            <a:r>
-              <a:rPr lang="zh-CN"/>
-              <a:t>服务器</a:t>
-            </a:r>
-          </a:p>
-        </p:txBody>
-      </p:sp>
-      <p:sp>
-        <p:nvSpPr>
-          <p:cNvPr id="116" name="Shape 116"/>
-          <p:cNvSpPr/>
-          <p:nvPr/>
-        </p:nvSpPr>
-        <p:spPr>
-          <a:xfrm>
-            <a:off x="5916100" y="1615575"/>
-            <a:ext cx="1920600" cy="2505900"/>
-          </a:xfrm>
-          <a:prstGeom prst="rect">
-            <a:avLst/>
-          </a:prstGeom>
-          <a:solidFill>
-            <a:schemeClr val="lt1"/>
-          </a:solidFill>
-          <a:ln cap="flat" cmpd="sng" w="9525">
-            <a:solidFill>
-              <a:schemeClr val="dk2"/>
-            </a:solidFill>
-            <a:prstDash val="dash"/>
-            <a:round/>
-            <a:headEnd len="med" w="med" type="none"/>
-            <a:tailEnd len="med" w="med" type="none"/>
-          </a:ln>
-        </p:spPr>
-        <p:txBody>
-          <a:bodyPr anchorCtr="0" anchor="ctr" bIns="91425" lIns="91425" rIns="91425" tIns="91425">
-            <a:noAutofit/>
-          </a:bodyPr>
-          <a:lstStyle/>
-          <a:p>
-            <a:pPr lvl="0">
-              <a:spcBef>
-                <a:spcPts val="0"/>
-              </a:spcBef>
-              <a:buNone/>
-            </a:pPr>
-            <a:r>
-              <a:t/>
-            </a:r>
-            <a:endParaRPr/>
-          </a:p>
-        </p:txBody>
-      </p:sp>
-      <p:sp>
-        <p:nvSpPr>
-          <p:cNvPr id="117" name="Shape 117"/>
-          <p:cNvSpPr txBox="1"/>
-          <p:nvPr/>
-        </p:nvSpPr>
-        <p:spPr>
-          <a:xfrm>
-            <a:off x="6167600" y="1813300"/>
-            <a:ext cx="1500300" cy="305100"/>
-          </a:xfrm>
-          <a:prstGeom prst="rect">
-            <a:avLst/>
-          </a:prstGeom>
-          <a:noFill/>
-          <a:ln>
-            <a:noFill/>
-          </a:ln>
-        </p:spPr>
-        <p:txBody>
-          <a:bodyPr anchorCtr="0" anchor="t" bIns="91425" lIns="91425" rIns="91425" tIns="91425">
-            <a:noAutofit/>
-          </a:bodyPr>
-          <a:lstStyle/>
-          <a:p>
-            <a:pPr lvl="0" algn="ctr">
-              <a:spcBef>
-                <a:spcPts val="0"/>
-              </a:spcBef>
-              <a:buNone/>
-            </a:pPr>
-            <a:r>
-              <a:rPr lang="zh-CN">
-                <a:solidFill>
-                  <a:schemeClr val="dk1"/>
-                </a:solidFill>
-              </a:rPr>
-              <a:t>Models</a:t>
-            </a:r>
-          </a:p>
-        </p:txBody>
-      </p:sp>
-      <p:sp>
-        <p:nvSpPr>
-          <p:cNvPr id="118" name="Shape 118"/>
-          <p:cNvSpPr/>
-          <p:nvPr/>
-        </p:nvSpPr>
-        <p:spPr>
-          <a:xfrm>
-            <a:off x="6346375" y="2406900"/>
-            <a:ext cx="1055100" cy="1228200"/>
-          </a:xfrm>
-          <a:prstGeom prst="rect">
-            <a:avLst/>
-          </a:prstGeom>
-          <a:solidFill>
-            <a:srgbClr val="4C1130"/>
-          </a:solidFill>
-          <a:ln cap="flat" cmpd="sng" w="9525">
-            <a:solidFill>
-              <a:schemeClr val="dk2"/>
-            </a:solidFill>
-            <a:prstDash val="solid"/>
-            <a:round/>
-            <a:headEnd len="med" w="med" type="none"/>
-            <a:tailEnd len="med" w="med" type="none"/>
-          </a:ln>
-        </p:spPr>
-        <p:txBody>
-          <a:bodyPr anchorCtr="0" anchor="ctr" bIns="91425" lIns="91425" rIns="91425" tIns="91425">
-            <a:noAutofit/>
-          </a:bodyPr>
-          <a:lstStyle/>
-          <a:p>
-            <a:pPr lvl="0">
-              <a:spcBef>
-                <a:spcPts val="0"/>
-              </a:spcBef>
-              <a:buNone/>
-            </a:pPr>
-            <a:r>
-              <a:t/>
-            </a:r>
-            <a:endParaRPr/>
-          </a:p>
-        </p:txBody>
-      </p:sp>
-      <p:sp>
-        <p:nvSpPr>
-          <p:cNvPr id="119" name="Shape 119"/>
-          <p:cNvSpPr txBox="1"/>
-          <p:nvPr/>
-        </p:nvSpPr>
-        <p:spPr>
-          <a:xfrm>
-            <a:off x="6346375" y="2505800"/>
-            <a:ext cx="1055100" cy="222600"/>
-          </a:xfrm>
-          <a:prstGeom prst="rect">
-            <a:avLst/>
-          </a:prstGeom>
-          <a:noFill/>
-          <a:ln>
-            <a:noFill/>
-          </a:ln>
-        </p:spPr>
-        <p:txBody>
-          <a:bodyPr anchorCtr="0" anchor="t" bIns="91425" lIns="91425" rIns="91425" tIns="91425">
-            <a:noAutofit/>
-          </a:bodyPr>
-          <a:lstStyle/>
-          <a:p>
-            <a:pPr lvl="0">
-              <a:spcBef>
-                <a:spcPts val="0"/>
-              </a:spcBef>
-              <a:buNone/>
-            </a:pPr>
-            <a:r>
-              <a:rPr lang="zh-CN">
-                <a:solidFill>
-                  <a:schemeClr val="lt1"/>
-                </a:solidFill>
-              </a:rPr>
-              <a:t>MongoDB</a:t>
-            </a:r>
-          </a:p>
-        </p:txBody>
-      </p:sp>
-      <p:sp>
-        <p:nvSpPr>
-          <p:cNvPr id="120" name="Shape 120"/>
-          <p:cNvSpPr/>
-          <p:nvPr/>
-        </p:nvSpPr>
-        <p:spPr>
-          <a:xfrm>
-            <a:off x="7047575" y="2975650"/>
-            <a:ext cx="445125" cy="667800"/>
-          </a:xfrm>
-          <a:prstGeom prst="flowChartMagneticDisk">
-            <a:avLst/>
-          </a:prstGeom>
-          <a:solidFill>
-            <a:srgbClr val="4C1130"/>
-          </a:solidFill>
-          <a:ln cap="flat" cmpd="sng" w="9525">
-            <a:solidFill>
-              <a:schemeClr val="lt1"/>
-            </a:solidFill>
-            <a:prstDash val="solid"/>
-            <a:round/>
-            <a:headEnd len="med" w="med" type="none"/>
-            <a:tailEnd len="med" w="med" type="none"/>
-          </a:ln>
-        </p:spPr>
-        <p:txBody>
-          <a:bodyPr anchorCtr="0" anchor="ctr" bIns="91425" lIns="91425" rIns="91425" tIns="91425">
-            <a:noAutofit/>
-          </a:bodyPr>
-          <a:lstStyle/>
-          <a:p>
-            <a:pPr lvl="0">
-              <a:spcBef>
-                <a:spcPts val="0"/>
-              </a:spcBef>
-              <a:buNone/>
-            </a:pPr>
-            <a:r>
-              <a:t/>
-            </a:r>
-            <a:endParaRPr/>
-          </a:p>
-        </p:txBody>
-      </p:sp>
-      <p:sp>
-        <p:nvSpPr>
-          <p:cNvPr id="121" name="Shape 121"/>
-          <p:cNvSpPr txBox="1"/>
-          <p:nvPr/>
-        </p:nvSpPr>
-        <p:spPr>
-          <a:xfrm>
-            <a:off x="7088900" y="3165250"/>
-            <a:ext cx="403800" cy="453300"/>
-          </a:xfrm>
-          <a:prstGeom prst="rect">
-            <a:avLst/>
-          </a:prstGeom>
-          <a:noFill/>
-          <a:ln>
-            <a:noFill/>
-          </a:ln>
-        </p:spPr>
-        <p:txBody>
-          <a:bodyPr anchorCtr="0" anchor="t" bIns="91425" lIns="91425" rIns="91425" tIns="91425">
-            <a:noAutofit/>
-          </a:bodyPr>
-          <a:lstStyle/>
-          <a:p>
-            <a:pPr lvl="0">
-              <a:spcBef>
-                <a:spcPts val="0"/>
-              </a:spcBef>
-              <a:buNone/>
-            </a:pPr>
-            <a:r>
-              <a:rPr lang="zh-CN" sz="1800">
-                <a:solidFill>
-                  <a:schemeClr val="lt1"/>
-                </a:solidFill>
-                <a:latin typeface="Impact"/>
-                <a:ea typeface="Impact"/>
-                <a:cs typeface="Impact"/>
-                <a:sym typeface="Impact"/>
-              </a:rPr>
-              <a:t>m</a:t>
-            </a:r>
-          </a:p>
-        </p:txBody>
-      </p:sp>
-      <p:sp>
-        <p:nvSpPr>
-          <p:cNvPr id="122" name="Shape 122"/>
-          <p:cNvSpPr txBox="1"/>
-          <p:nvPr/>
-        </p:nvSpPr>
-        <p:spPr>
-          <a:xfrm>
-            <a:off x="6418900" y="3767000"/>
-            <a:ext cx="915000" cy="222600"/>
-          </a:xfrm>
-          <a:prstGeom prst="rect">
-            <a:avLst/>
-          </a:prstGeom>
-          <a:noFill/>
-          <a:ln>
-            <a:noFill/>
-          </a:ln>
-        </p:spPr>
-        <p:txBody>
-          <a:bodyPr anchorCtr="0" anchor="t" bIns="91425" lIns="91425" rIns="91425" tIns="91425">
-            <a:noAutofit/>
-          </a:bodyPr>
-          <a:lstStyle/>
-          <a:p>
-            <a:pPr lvl="0" algn="ctr">
-              <a:spcBef>
-                <a:spcPts val="0"/>
-              </a:spcBef>
-              <a:buNone/>
-            </a:pPr>
-            <a:r>
-              <a:rPr lang="zh-CN"/>
-              <a:t>数据库</a:t>
-            </a:r>
-          </a:p>
-        </p:txBody>
-      </p:sp>
-      <p:sp>
-        <p:nvSpPr>
-          <p:cNvPr id="123" name="Shape 123"/>
-          <p:cNvSpPr txBox="1"/>
-          <p:nvPr/>
-        </p:nvSpPr>
-        <p:spPr>
-          <a:xfrm>
-            <a:off x="1903950" y="4250500"/>
-            <a:ext cx="1519800" cy="275700"/>
-          </a:xfrm>
-          <a:prstGeom prst="rect">
-            <a:avLst/>
-          </a:prstGeom>
-          <a:noFill/>
-          <a:ln>
-            <a:noFill/>
-          </a:ln>
-        </p:spPr>
-        <p:txBody>
-          <a:bodyPr anchorCtr="0" anchor="t" bIns="91425" lIns="91425" rIns="91425" tIns="91425">
-            <a:noAutofit/>
-          </a:bodyPr>
-          <a:lstStyle/>
-          <a:p>
-            <a:pPr lvl="0" algn="ctr">
-              <a:spcBef>
-                <a:spcPts val="0"/>
-              </a:spcBef>
-              <a:buNone/>
-            </a:pPr>
-            <a:r>
-              <a:rPr lang="zh-CN"/>
-              <a:t>Front-End</a:t>
-            </a:r>
-          </a:p>
-        </p:txBody>
-      </p:sp>
-      <p:sp>
-        <p:nvSpPr>
-          <p:cNvPr id="124" name="Shape 124"/>
-          <p:cNvSpPr txBox="1"/>
-          <p:nvPr/>
-        </p:nvSpPr>
-        <p:spPr>
-          <a:xfrm>
-            <a:off x="4784875" y="4235800"/>
-            <a:ext cx="1561500" cy="305100"/>
-          </a:xfrm>
-          <a:prstGeom prst="rect">
-            <a:avLst/>
-          </a:prstGeom>
-          <a:noFill/>
-          <a:ln>
-            <a:noFill/>
-          </a:ln>
-        </p:spPr>
-        <p:txBody>
-          <a:bodyPr anchorCtr="0" anchor="t" bIns="91425" lIns="91425" rIns="91425" tIns="91425">
-            <a:noAutofit/>
-          </a:bodyPr>
-          <a:lstStyle/>
-          <a:p>
-            <a:pPr lvl="0" algn="ctr">
-              <a:spcBef>
-                <a:spcPts val="0"/>
-              </a:spcBef>
-              <a:buNone/>
-            </a:pPr>
-            <a:r>
-              <a:rPr lang="zh-CN"/>
-              <a:t>Back-End</a:t>
-            </a:r>
-          </a:p>
-        </p:txBody>
-      </p:sp>
-      <p:sp>
-        <p:nvSpPr>
-          <p:cNvPr id="125" name="Shape 125"/>
-          <p:cNvSpPr txBox="1"/>
-          <p:nvPr/>
-        </p:nvSpPr>
-        <p:spPr>
-          <a:xfrm>
-            <a:off x="751550" y="3755175"/>
-            <a:ext cx="1305000" cy="275700"/>
-          </a:xfrm>
-          <a:prstGeom prst="rect">
-            <a:avLst/>
-          </a:prstGeom>
-          <a:noFill/>
-          <a:ln>
-            <a:noFill/>
-          </a:ln>
-        </p:spPr>
-        <p:txBody>
-          <a:bodyPr anchorCtr="0" anchor="t" bIns="91425" lIns="91425" rIns="91425" tIns="91425">
-            <a:noAutofit/>
-          </a:bodyPr>
-          <a:lstStyle/>
-          <a:p>
-            <a:pPr lvl="0" algn="ctr">
-              <a:spcBef>
-                <a:spcPts val="0"/>
-              </a:spcBef>
-              <a:buNone/>
-            </a:pPr>
-            <a:r>
-              <a:rPr lang="zh-CN"/>
-              <a:t>前端展示</a:t>
-            </a:r>
-          </a:p>
-        </p:txBody>
-      </p:sp>
-    </p:spTree>
-  </p:cSld>
-  <p:clrMapOvr>
-    <a:masterClrMapping/>
-  </p:clrMapOvr>
-</p:sld>
-</file>
-
-<file path=ppt/slides/slide7.xml><?xml version="1.0" encoding="utf-8"?>
-<p:sld xmlns:a="http://schemas.openxmlformats.org/drawingml/2006/main" xmlns:r="http://schemas.openxmlformats.org/officeDocument/2006/relationships" xmlns:mc="http://schemas.openxmlformats.org/markup-compatibility/2006" xmlns:mv="urn:schemas-microsoft-com:mac:vml" xmlns:p="http://schemas.openxmlformats.org/presentationml/2006/main" xmlns:c="http://schemas.openxmlformats.org/drawingml/2006/chart" xmlns:dgm="http://schemas.openxmlformats.org/drawingml/2006/diagram" xmlns:o="urn:schemas-microsoft-com:office:office" xmlns:v="urn:schemas-microsoft-com:vml" xmlns:pvml="urn:schemas-microsoft-com:office:powerpoint" xmlns:com="http://schemas.openxmlformats.org/drawingml/2006/compatibility" xmlns:p14="http://schemas.microsoft.com/office/powerpoint/2010/main">
-  <p:cSld>
-    <p:spTree>
-      <p:nvGrpSpPr>
-        <p:cNvPr id="129" name="Shape 129"/>
-        <p:cNvGrpSpPr/>
-        <p:nvPr/>
-      </p:nvGrpSpPr>
-      <p:grpSpPr>
-        <a:xfrm>
-          <a:off x="0" y="0"/>
-          <a:ext cx="0" cy="0"/>
-          <a:chOff x="0" y="0"/>
-          <a:chExt cx="0" cy="0"/>
-        </a:xfrm>
-      </p:grpSpPr>
-      <p:sp>
-        <p:nvSpPr>
-          <p:cNvPr id="130" name="Shape 130"/>
-          <p:cNvSpPr txBox="1"/>
-          <p:nvPr>
-            <p:ph type="title"/>
-          </p:nvPr>
-        </p:nvSpPr>
-        <p:spPr>
-          <a:xfrm>
-            <a:off x="311700" y="372500"/>
-            <a:ext cx="8520600" cy="733500"/>
-          </a:xfrm>
-          <a:prstGeom prst="rect">
-            <a:avLst/>
-          </a:prstGeom>
-        </p:spPr>
-        <p:txBody>
-          <a:bodyPr anchorCtr="0" anchor="b" bIns="91425" lIns="91425" rIns="91425" tIns="91425">
-            <a:noAutofit/>
-          </a:bodyPr>
-          <a:lstStyle/>
-          <a:p>
-            <a:pPr lvl="0">
-              <a:spcBef>
-                <a:spcPts val="0"/>
-              </a:spcBef>
-              <a:buNone/>
-            </a:pPr>
-            <a:r>
-              <a:rPr lang="zh-CN"/>
-              <a:t>Nodejs:利用 Child Process获取文件信息</a:t>
-            </a:r>
-          </a:p>
-        </p:txBody>
-      </p:sp>
-      <p:sp>
-        <p:nvSpPr>
-          <p:cNvPr id="131" name="Shape 131"/>
-          <p:cNvSpPr txBox="1"/>
-          <p:nvPr>
-            <p:ph idx="1" type="body"/>
-          </p:nvPr>
-        </p:nvSpPr>
-        <p:spPr>
-          <a:xfrm>
-            <a:off x="311700" y="1468825"/>
-            <a:ext cx="8520600" cy="3099900"/>
-          </a:xfrm>
-          <a:prstGeom prst="rect">
-            <a:avLst/>
-          </a:prstGeom>
-        </p:spPr>
-        <p:txBody>
-          <a:bodyPr anchorCtr="0" anchor="t" bIns="91425" lIns="91425" rIns="91425" tIns="91425">
-            <a:noAutofit/>
-          </a:bodyPr>
-          <a:lstStyle/>
-          <a:p>
-            <a:pPr lvl="0">
-              <a:spcBef>
-                <a:spcPts val="0"/>
-              </a:spcBef>
-              <a:buNone/>
-            </a:pPr>
-            <a:r>
-              <a:t/>
-            </a:r>
-            <a:endParaRPr/>
-          </a:p>
-        </p:txBody>
-      </p:sp>
       <p:pic>
         <p:nvPicPr>
-          <p:cNvPr descr="5a7f4f70.png" id="132" name="Shape 132"/>
+          <p:cNvPr descr="4c222b9b.png" id="108" name="Shape 108"/>
           <p:cNvPicPr preferRelativeResize="0"/>
           <p:nvPr/>
         </p:nvPicPr>
@@ -8690,8 +8686,8 @@
         </p:blipFill>
         <p:spPr>
           <a:xfrm>
-            <a:off x="394562" y="1246512"/>
-            <a:ext cx="6772275" cy="3248025"/>
+            <a:off x="429862" y="1887062"/>
+            <a:ext cx="5895975" cy="2505075"/>
           </a:xfrm>
           <a:prstGeom prst="rect">
             <a:avLst/>
@@ -8741,7 +8737,7 @@
                                           </p:stCondLst>
                                         </p:cTn>
                                         <p:tgtEl>
-                                          <p:spTgt spid="132"/>
+                                          <p:spTgt spid="107"/>
                                         </p:tgtEl>
                                         <p:attrNameLst>
                                           <p:attrName>style.visibility</p:attrName>
@@ -8755,7 +8751,1014 @@
                                       <p:cBhvr>
                                         <p:cTn dur="1000"/>
                                         <p:tgtEl>
-                                          <p:spTgt spid="132"/>
+                                          <p:spTgt spid="107"/>
+                                        </p:tgtEl>
+                                      </p:cBhvr>
+                                    </p:animEffect>
+                                  </p:childTnLst>
+                                </p:cTn>
+                              </p:par>
+                            </p:childTnLst>
+                          </p:cTn>
+                        </p:par>
+                      </p:childTnLst>
+                    </p:cTn>
+                  </p:par>
+                  <p:par>
+                    <p:cTn fill="hold">
+                      <p:stCondLst>
+                        <p:cond delay="indefinite"/>
+                      </p:stCondLst>
+                      <p:childTnLst>
+                        <p:par>
+                          <p:cTn fill="hold">
+                            <p:stCondLst>
+                              <p:cond delay="0"/>
+                            </p:stCondLst>
+                            <p:childTnLst>
+                              <p:par>
+                                <p:cTn fill="hold" nodeType="clickEffect" presetClass="entr" presetID="10" presetSubtype="0">
+                                  <p:stCondLst>
+                                    <p:cond delay="0"/>
+                                  </p:stCondLst>
+                                  <p:childTnLst>
+                                    <p:set>
+                                      <p:cBhvr>
+                                        <p:cTn dur="1" fill="hold">
+                                          <p:stCondLst>
+                                            <p:cond delay="0"/>
+                                          </p:stCondLst>
+                                        </p:cTn>
+                                        <p:tgtEl>
+                                          <p:spTgt spid="108"/>
+                                        </p:tgtEl>
+                                        <p:attrNameLst>
+                                          <p:attrName>style.visibility</p:attrName>
+                                        </p:attrNameLst>
+                                      </p:cBhvr>
+                                      <p:to>
+                                        <p:strVal val="visible"/>
+                                      </p:to>
+                                    </p:set>
+                                    <p:animEffect filter="fade" transition="in">
+                                      <p:cBhvr>
+                                        <p:cTn dur="1000"/>
+                                        <p:tgtEl>
+                                          <p:spTgt spid="108"/>
+                                        </p:tgtEl>
+                                      </p:cBhvr>
+                                    </p:animEffect>
+                                  </p:childTnLst>
+                                </p:cTn>
+                              </p:par>
+                            </p:childTnLst>
+                          </p:cTn>
+                        </p:par>
+                      </p:childTnLst>
+                    </p:cTn>
+                  </p:par>
+                </p:childTnLst>
+              </p:cTn>
+              <p:prevCondLst>
+                <p:cond evt="onPrev">
+                  <p:tgtEl>
+                    <p:sldTgt/>
+                  </p:tgtEl>
+                </p:cond>
+              </p:prevCondLst>
+              <p:nextCondLst>
+                <p:cond evt="onNext">
+                  <p:tgtEl>
+                    <p:sldTgt/>
+                  </p:tgtEl>
+                </p:cond>
+              </p:nextCondLst>
+            </p:seq>
+          </p:childTnLst>
+        </p:cTn>
+      </p:par>
+    </p:tnLst>
+  </p:timing>
+</p:sld>
+</file>
+
+<file path=ppt/slides/slide7.xml><?xml version="1.0" encoding="utf-8"?>
+<p:sld xmlns:a="http://schemas.openxmlformats.org/drawingml/2006/main" xmlns:r="http://schemas.openxmlformats.org/officeDocument/2006/relationships" xmlns:mc="http://schemas.openxmlformats.org/markup-compatibility/2006" xmlns:mv="urn:schemas-microsoft-com:mac:vml" xmlns:p="http://schemas.openxmlformats.org/presentationml/2006/main" xmlns:c="http://schemas.openxmlformats.org/drawingml/2006/chart" xmlns:dgm="http://schemas.openxmlformats.org/drawingml/2006/diagram" xmlns:o="urn:schemas-microsoft-com:office:office" xmlns:v="urn:schemas-microsoft-com:vml" xmlns:pvml="urn:schemas-microsoft-com:office:powerpoint" xmlns:com="http://schemas.openxmlformats.org/drawingml/2006/compatibility" xmlns:p14="http://schemas.microsoft.com/office/powerpoint/2010/main">
+  <p:cSld>
+    <p:spTree>
+      <p:nvGrpSpPr>
+        <p:cNvPr id="112" name="Shape 112"/>
+        <p:cNvGrpSpPr/>
+        <p:nvPr/>
+      </p:nvGrpSpPr>
+      <p:grpSpPr>
+        <a:xfrm>
+          <a:off x="0" y="0"/>
+          <a:ext cx="0" cy="0"/>
+          <a:chOff x="0" y="0"/>
+          <a:chExt cx="0" cy="0"/>
+        </a:xfrm>
+      </p:grpSpPr>
+      <p:sp>
+        <p:nvSpPr>
+          <p:cNvPr id="113" name="Shape 113"/>
+          <p:cNvSpPr txBox="1"/>
+          <p:nvPr>
+            <p:ph type="title"/>
+          </p:nvPr>
+        </p:nvSpPr>
+        <p:spPr>
+          <a:xfrm>
+            <a:off x="311700" y="372500"/>
+            <a:ext cx="8520600" cy="733500"/>
+          </a:xfrm>
+          <a:prstGeom prst="rect">
+            <a:avLst/>
+          </a:prstGeom>
+        </p:spPr>
+        <p:txBody>
+          <a:bodyPr anchorCtr="0" anchor="b" bIns="91425" lIns="91425" rIns="91425" tIns="91425">
+            <a:noAutofit/>
+          </a:bodyPr>
+          <a:lstStyle/>
+          <a:p>
+            <a:pPr lvl="0">
+              <a:spcBef>
+                <a:spcPts val="0"/>
+              </a:spcBef>
+              <a:buNone/>
+            </a:pPr>
+            <a:r>
+              <a:rPr lang="zh-CN"/>
+              <a:t>文件发布流程</a:t>
+            </a:r>
+          </a:p>
+        </p:txBody>
+      </p:sp>
+      <p:sp>
+        <p:nvSpPr>
+          <p:cNvPr id="114" name="Shape 114"/>
+          <p:cNvSpPr txBox="1"/>
+          <p:nvPr>
+            <p:ph idx="1" type="body"/>
+          </p:nvPr>
+        </p:nvSpPr>
+        <p:spPr>
+          <a:xfrm>
+            <a:off x="311700" y="1468825"/>
+            <a:ext cx="8520600" cy="3099900"/>
+          </a:xfrm>
+          <a:prstGeom prst="rect">
+            <a:avLst/>
+          </a:prstGeom>
+        </p:spPr>
+        <p:txBody>
+          <a:bodyPr anchorCtr="0" anchor="t" bIns="91425" lIns="91425" rIns="91425" tIns="91425">
+            <a:noAutofit/>
+          </a:bodyPr>
+          <a:lstStyle/>
+          <a:p>
+            <a:pPr lvl="0">
+              <a:spcBef>
+                <a:spcPts val="0"/>
+              </a:spcBef>
+              <a:buNone/>
+            </a:pPr>
+            <a:r>
+              <a:t/>
+            </a:r>
+            <a:endParaRPr/>
+          </a:p>
+        </p:txBody>
+      </p:sp>
+      <p:sp>
+        <p:nvSpPr>
+          <p:cNvPr id="115" name="Shape 115"/>
+          <p:cNvSpPr/>
+          <p:nvPr/>
+        </p:nvSpPr>
+        <p:spPr>
+          <a:xfrm>
+            <a:off x="509400" y="1862200"/>
+            <a:ext cx="1578300" cy="1595100"/>
+          </a:xfrm>
+          <a:prstGeom prst="rect">
+            <a:avLst/>
+          </a:prstGeom>
+          <a:solidFill>
+            <a:srgbClr val="FCE5CD"/>
+          </a:solidFill>
+          <a:ln cap="flat" cmpd="sng" w="9525">
+            <a:solidFill>
+              <a:schemeClr val="dk2"/>
+            </a:solidFill>
+            <a:prstDash val="solid"/>
+            <a:round/>
+            <a:headEnd len="med" w="med" type="none"/>
+            <a:tailEnd len="med" w="med" type="none"/>
+          </a:ln>
+        </p:spPr>
+        <p:txBody>
+          <a:bodyPr anchorCtr="0" anchor="ctr" bIns="91425" lIns="91425" rIns="91425" tIns="91425">
+            <a:noAutofit/>
+          </a:bodyPr>
+          <a:lstStyle/>
+          <a:p>
+            <a:pPr lvl="0" algn="ctr">
+              <a:spcBef>
+                <a:spcPts val="0"/>
+              </a:spcBef>
+              <a:buNone/>
+            </a:pPr>
+            <a:r>
+              <a:rPr lang="zh-CN"/>
+              <a:t>svn:</a:t>
+            </a:r>
+            <a:r>
+              <a:rPr lang="zh-CN"/>
+              <a:t>show log</a:t>
+            </a:r>
+          </a:p>
+        </p:txBody>
+      </p:sp>
+      <p:sp>
+        <p:nvSpPr>
+          <p:cNvPr id="116" name="Shape 116"/>
+          <p:cNvSpPr/>
+          <p:nvPr/>
+        </p:nvSpPr>
+        <p:spPr>
+          <a:xfrm>
+            <a:off x="3657575" y="1862200"/>
+            <a:ext cx="1578300" cy="1595100"/>
+          </a:xfrm>
+          <a:prstGeom prst="rect">
+            <a:avLst/>
+          </a:prstGeom>
+          <a:solidFill>
+            <a:srgbClr val="0074AE"/>
+          </a:solidFill>
+          <a:ln cap="flat" cmpd="sng" w="9525">
+            <a:solidFill>
+              <a:schemeClr val="lt1"/>
+            </a:solidFill>
+            <a:prstDash val="solid"/>
+            <a:round/>
+            <a:headEnd len="med" w="med" type="none"/>
+            <a:tailEnd len="med" w="med" type="none"/>
+          </a:ln>
+        </p:spPr>
+        <p:txBody>
+          <a:bodyPr anchorCtr="0" anchor="ctr" bIns="91425" lIns="91425" rIns="91425" tIns="91425">
+            <a:noAutofit/>
+          </a:bodyPr>
+          <a:lstStyle/>
+          <a:p>
+            <a:pPr lvl="0" algn="ctr">
+              <a:spcBef>
+                <a:spcPts val="0"/>
+              </a:spcBef>
+              <a:buNone/>
+            </a:pPr>
+            <a:r>
+              <a:rPr lang="zh-CN" sz="1800">
+                <a:solidFill>
+                  <a:schemeClr val="lt1"/>
+                </a:solidFill>
+              </a:rPr>
+              <a:t>测试环境</a:t>
+            </a:r>
+          </a:p>
+        </p:txBody>
+      </p:sp>
+      <p:sp>
+        <p:nvSpPr>
+          <p:cNvPr id="117" name="Shape 117"/>
+          <p:cNvSpPr/>
+          <p:nvPr/>
+        </p:nvSpPr>
+        <p:spPr>
+          <a:xfrm>
+            <a:off x="2212925" y="2459350"/>
+            <a:ext cx="1323600" cy="400800"/>
+          </a:xfrm>
+          <a:prstGeom prst="rightArrow">
+            <a:avLst>
+              <a:gd fmla="val 50000" name="adj1"/>
+              <a:gd fmla="val 50000" name="adj2"/>
+            </a:avLst>
+          </a:prstGeom>
+          <a:solidFill>
+            <a:schemeClr val="lt2"/>
+          </a:solidFill>
+          <a:ln cap="flat" cmpd="sng" w="9525">
+            <a:solidFill>
+              <a:schemeClr val="dk2"/>
+            </a:solidFill>
+            <a:prstDash val="solid"/>
+            <a:round/>
+            <a:headEnd len="med" w="med" type="none"/>
+            <a:tailEnd len="med" w="med" type="none"/>
+          </a:ln>
+        </p:spPr>
+        <p:txBody>
+          <a:bodyPr anchorCtr="0" anchor="ctr" bIns="91425" lIns="91425" rIns="91425" tIns="91425">
+            <a:noAutofit/>
+          </a:bodyPr>
+          <a:lstStyle/>
+          <a:p>
+            <a:pPr lvl="0">
+              <a:spcBef>
+                <a:spcPts val="0"/>
+              </a:spcBef>
+              <a:buNone/>
+            </a:pPr>
+            <a:r>
+              <a:rPr lang="zh-CN"/>
+              <a:t>Http上传</a:t>
+            </a:r>
+          </a:p>
+        </p:txBody>
+      </p:sp>
+      <p:sp>
+        <p:nvSpPr>
+          <p:cNvPr id="118" name="Shape 118"/>
+          <p:cNvSpPr/>
+          <p:nvPr/>
+        </p:nvSpPr>
+        <p:spPr>
+          <a:xfrm>
+            <a:off x="5457125" y="2459350"/>
+            <a:ext cx="1085700" cy="400800"/>
+          </a:xfrm>
+          <a:prstGeom prst="rightArrow">
+            <a:avLst>
+              <a:gd fmla="val 50000" name="adj1"/>
+              <a:gd fmla="val 50000" name="adj2"/>
+            </a:avLst>
+          </a:prstGeom>
+          <a:solidFill>
+            <a:schemeClr val="lt2"/>
+          </a:solidFill>
+          <a:ln cap="flat" cmpd="sng" w="9525">
+            <a:solidFill>
+              <a:schemeClr val="dk2"/>
+            </a:solidFill>
+            <a:prstDash val="solid"/>
+            <a:round/>
+            <a:headEnd len="med" w="med" type="none"/>
+            <a:tailEnd len="med" w="med" type="none"/>
+          </a:ln>
+        </p:spPr>
+        <p:txBody>
+          <a:bodyPr anchorCtr="0" anchor="ctr" bIns="91425" lIns="91425" rIns="91425" tIns="91425">
+            <a:noAutofit/>
+          </a:bodyPr>
+          <a:lstStyle/>
+          <a:p>
+            <a:pPr lvl="0">
+              <a:spcBef>
+                <a:spcPts val="0"/>
+              </a:spcBef>
+              <a:buNone/>
+            </a:pPr>
+            <a:r>
+              <a:rPr lang="zh-CN"/>
+              <a:t>Http上传</a:t>
+            </a:r>
+          </a:p>
+        </p:txBody>
+      </p:sp>
+      <p:sp>
+        <p:nvSpPr>
+          <p:cNvPr id="119" name="Shape 119"/>
+          <p:cNvSpPr/>
+          <p:nvPr/>
+        </p:nvSpPr>
+        <p:spPr>
+          <a:xfrm>
+            <a:off x="6764075" y="1887250"/>
+            <a:ext cx="1578300" cy="1545000"/>
+          </a:xfrm>
+          <a:prstGeom prst="rect">
+            <a:avLst/>
+          </a:prstGeom>
+          <a:solidFill>
+            <a:srgbClr val="58AA00"/>
+          </a:solidFill>
+          <a:ln cap="flat" cmpd="sng" w="9525">
+            <a:solidFill>
+              <a:schemeClr val="dk2"/>
+            </a:solidFill>
+            <a:prstDash val="solid"/>
+            <a:round/>
+            <a:headEnd len="med" w="med" type="none"/>
+            <a:tailEnd len="med" w="med" type="none"/>
+          </a:ln>
+        </p:spPr>
+        <p:txBody>
+          <a:bodyPr anchorCtr="0" anchor="ctr" bIns="91425" lIns="91425" rIns="91425" tIns="91425">
+            <a:noAutofit/>
+          </a:bodyPr>
+          <a:lstStyle/>
+          <a:p>
+            <a:pPr lvl="0" algn="ctr">
+              <a:spcBef>
+                <a:spcPts val="0"/>
+              </a:spcBef>
+              <a:buNone/>
+            </a:pPr>
+            <a:r>
+              <a:rPr lang="zh-CN" sz="1800">
+                <a:solidFill>
+                  <a:schemeClr val="lt1"/>
+                </a:solidFill>
+              </a:rPr>
+              <a:t>生产</a:t>
+            </a:r>
+            <a:r>
+              <a:rPr lang="zh-CN" sz="1800">
+                <a:solidFill>
+                  <a:schemeClr val="lt1"/>
+                </a:solidFill>
+              </a:rPr>
+              <a:t>环境</a:t>
+            </a:r>
+          </a:p>
+        </p:txBody>
+      </p:sp>
+      <p:sp>
+        <p:nvSpPr>
+          <p:cNvPr id="120" name="Shape 120"/>
+          <p:cNvSpPr/>
+          <p:nvPr/>
+        </p:nvSpPr>
+        <p:spPr>
+          <a:xfrm>
+            <a:off x="370150" y="3582400"/>
+            <a:ext cx="2889300" cy="801600"/>
+          </a:xfrm>
+          <a:prstGeom prst="bracePair">
+            <a:avLst/>
+          </a:prstGeom>
+          <a:noFill/>
+          <a:ln cap="flat" cmpd="sng" w="9525">
+            <a:solidFill>
+              <a:schemeClr val="dk2"/>
+            </a:solidFill>
+            <a:prstDash val="solid"/>
+            <a:round/>
+            <a:headEnd len="med" w="med" type="none"/>
+            <a:tailEnd len="med" w="med" type="none"/>
+          </a:ln>
+        </p:spPr>
+        <p:txBody>
+          <a:bodyPr anchorCtr="0" anchor="ctr" bIns="91425" lIns="91425" rIns="91425" tIns="91425">
+            <a:noAutofit/>
+          </a:bodyPr>
+          <a:lstStyle/>
+          <a:p>
+            <a:pPr lvl="0">
+              <a:spcBef>
+                <a:spcPts val="0"/>
+              </a:spcBef>
+              <a:buNone/>
+            </a:pPr>
+            <a:r>
+              <a:rPr lang="zh-CN">
+                <a:highlight>
+                  <a:srgbClr val="F1F3FA"/>
+                </a:highlight>
+              </a:rPr>
+              <a:t>/www/static/js/service/reserve.js,/www/static/css/service/outlets.css</a:t>
+            </a:r>
+          </a:p>
+        </p:txBody>
+      </p:sp>
+      <p:sp>
+        <p:nvSpPr>
+          <p:cNvPr id="121" name="Shape 121"/>
+          <p:cNvSpPr/>
+          <p:nvPr/>
+        </p:nvSpPr>
+        <p:spPr>
+          <a:xfrm>
+            <a:off x="7415400" y="3432250"/>
+            <a:ext cx="400800" cy="442500"/>
+          </a:xfrm>
+          <a:prstGeom prst="downArrow">
+            <a:avLst>
+              <a:gd fmla="val 50000" name="adj1"/>
+              <a:gd fmla="val 50000" name="adj2"/>
+            </a:avLst>
+          </a:prstGeom>
+          <a:solidFill>
+            <a:srgbClr val="58AA00"/>
+          </a:solidFill>
+          <a:ln cap="flat" cmpd="sng" w="9525">
+            <a:solidFill>
+              <a:schemeClr val="dk2"/>
+            </a:solidFill>
+            <a:prstDash val="solid"/>
+            <a:round/>
+            <a:headEnd len="med" w="med" type="none"/>
+            <a:tailEnd len="med" w="med" type="none"/>
+          </a:ln>
+        </p:spPr>
+        <p:txBody>
+          <a:bodyPr anchorCtr="0" anchor="ctr" bIns="91425" lIns="91425" rIns="91425" tIns="91425">
+            <a:noAutofit/>
+          </a:bodyPr>
+          <a:lstStyle/>
+          <a:p>
+            <a:pPr lvl="0">
+              <a:spcBef>
+                <a:spcPts val="0"/>
+              </a:spcBef>
+              <a:buNone/>
+            </a:pPr>
+            <a:r>
+              <a:t/>
+            </a:r>
+            <a:endParaRPr/>
+          </a:p>
+        </p:txBody>
+      </p:sp>
+      <p:sp>
+        <p:nvSpPr>
+          <p:cNvPr id="122" name="Shape 122"/>
+          <p:cNvSpPr txBox="1"/>
+          <p:nvPr/>
+        </p:nvSpPr>
+        <p:spPr>
+          <a:xfrm>
+            <a:off x="6822425" y="3841325"/>
+            <a:ext cx="1578300" cy="542700"/>
+          </a:xfrm>
+          <a:prstGeom prst="rect">
+            <a:avLst/>
+          </a:prstGeom>
+          <a:noFill/>
+          <a:ln>
+            <a:noFill/>
+          </a:ln>
+        </p:spPr>
+        <p:txBody>
+          <a:bodyPr anchorCtr="0" anchor="t" bIns="91425" lIns="91425" rIns="91425" tIns="91425">
+            <a:noAutofit/>
+          </a:bodyPr>
+          <a:lstStyle/>
+          <a:p>
+            <a:pPr lvl="0" algn="ctr">
+              <a:spcBef>
+                <a:spcPts val="0"/>
+              </a:spcBef>
+              <a:buNone/>
+            </a:pPr>
+            <a:r>
+              <a:rPr lang="zh-CN"/>
+              <a:t>更新文件CDN</a:t>
+            </a:r>
+          </a:p>
+          <a:p>
+            <a:pPr lvl="0">
+              <a:spcBef>
+                <a:spcPts val="0"/>
+              </a:spcBef>
+              <a:buNone/>
+            </a:pPr>
+            <a:r>
+              <a:t/>
+            </a:r>
+            <a:endParaRPr/>
+          </a:p>
+        </p:txBody>
+      </p:sp>
+    </p:spTree>
+  </p:cSld>
+  <p:clrMapOvr>
+    <a:masterClrMapping/>
+  </p:clrMapOvr>
+  <p:timing>
+    <p:tnLst>
+      <p:par>
+        <p:cTn dur="indefinite" nodeType="tmRoot" restart="never">
+          <p:childTnLst>
+            <p:seq concurrent="1" nextAc="seek">
+              <p:cTn dur="indefinite" id="2" nodeType="mainSeq">
+                <p:childTnLst>
+                  <p:par>
+                    <p:cTn fill="hold">
+                      <p:stCondLst>
+                        <p:cond delay="indefinite"/>
+                      </p:stCondLst>
+                      <p:childTnLst>
+                        <p:par>
+                          <p:cTn fill="hold">
+                            <p:stCondLst>
+                              <p:cond delay="0"/>
+                            </p:stCondLst>
+                            <p:childTnLst>
+                              <p:par>
+                                <p:cTn fill="hold" nodeType="clickEffect" presetClass="entr" presetID="10" presetSubtype="0">
+                                  <p:stCondLst>
+                                    <p:cond delay="0"/>
+                                  </p:stCondLst>
+                                  <p:childTnLst>
+                                    <p:set>
+                                      <p:cBhvr>
+                                        <p:cTn dur="1" fill="hold">
+                                          <p:stCondLst>
+                                            <p:cond delay="0"/>
+                                          </p:stCondLst>
+                                        </p:cTn>
+                                        <p:tgtEl>
+                                          <p:spTgt spid="115"/>
+                                        </p:tgtEl>
+                                        <p:attrNameLst>
+                                          <p:attrName>style.visibility</p:attrName>
+                                        </p:attrNameLst>
+                                      </p:cBhvr>
+                                      <p:to>
+                                        <p:strVal val="visible"/>
+                                      </p:to>
+                                    </p:set>
+                                    <p:animEffect filter="fade" transition="in">
+                                      <p:cBhvr>
+                                        <p:cTn dur="1000"/>
+                                        <p:tgtEl>
+                                          <p:spTgt spid="115"/>
+                                        </p:tgtEl>
+                                      </p:cBhvr>
+                                    </p:animEffect>
+                                  </p:childTnLst>
+                                </p:cTn>
+                              </p:par>
+                            </p:childTnLst>
+                          </p:cTn>
+                        </p:par>
+                      </p:childTnLst>
+                    </p:cTn>
+                  </p:par>
+                  <p:par>
+                    <p:cTn fill="hold">
+                      <p:stCondLst>
+                        <p:cond delay="indefinite"/>
+                      </p:stCondLst>
+                      <p:childTnLst>
+                        <p:par>
+                          <p:cTn fill="hold">
+                            <p:stCondLst>
+                              <p:cond delay="0"/>
+                            </p:stCondLst>
+                            <p:childTnLst>
+                              <p:par>
+                                <p:cTn fill="hold" nodeType="clickEffect" presetClass="entr" presetID="10" presetSubtype="0">
+                                  <p:stCondLst>
+                                    <p:cond delay="0"/>
+                                  </p:stCondLst>
+                                  <p:childTnLst>
+                                    <p:set>
+                                      <p:cBhvr>
+                                        <p:cTn dur="1" fill="hold">
+                                          <p:stCondLst>
+                                            <p:cond delay="0"/>
+                                          </p:stCondLst>
+                                        </p:cTn>
+                                        <p:tgtEl>
+                                          <p:spTgt spid="120"/>
+                                        </p:tgtEl>
+                                        <p:attrNameLst>
+                                          <p:attrName>style.visibility</p:attrName>
+                                        </p:attrNameLst>
+                                      </p:cBhvr>
+                                      <p:to>
+                                        <p:strVal val="visible"/>
+                                      </p:to>
+                                    </p:set>
+                                    <p:animEffect filter="fade" transition="in">
+                                      <p:cBhvr>
+                                        <p:cTn dur="1000"/>
+                                        <p:tgtEl>
+                                          <p:spTgt spid="120"/>
+                                        </p:tgtEl>
+                                      </p:cBhvr>
+                                    </p:animEffect>
+                                  </p:childTnLst>
+                                </p:cTn>
+                              </p:par>
+                            </p:childTnLst>
+                          </p:cTn>
+                        </p:par>
+                      </p:childTnLst>
+                    </p:cTn>
+                  </p:par>
+                  <p:par>
+                    <p:cTn fill="hold">
+                      <p:stCondLst>
+                        <p:cond delay="indefinite"/>
+                      </p:stCondLst>
+                      <p:childTnLst>
+                        <p:par>
+                          <p:cTn fill="hold">
+                            <p:stCondLst>
+                              <p:cond delay="0"/>
+                            </p:stCondLst>
+                            <p:childTnLst>
+                              <p:par>
+                                <p:cTn fill="hold" nodeType="clickEffect" presetClass="entr" presetID="10" presetSubtype="0">
+                                  <p:stCondLst>
+                                    <p:cond delay="0"/>
+                                  </p:stCondLst>
+                                  <p:childTnLst>
+                                    <p:set>
+                                      <p:cBhvr>
+                                        <p:cTn dur="1" fill="hold">
+                                          <p:stCondLst>
+                                            <p:cond delay="0"/>
+                                          </p:stCondLst>
+                                        </p:cTn>
+                                        <p:tgtEl>
+                                          <p:spTgt spid="117"/>
+                                        </p:tgtEl>
+                                        <p:attrNameLst>
+                                          <p:attrName>style.visibility</p:attrName>
+                                        </p:attrNameLst>
+                                      </p:cBhvr>
+                                      <p:to>
+                                        <p:strVal val="visible"/>
+                                      </p:to>
+                                    </p:set>
+                                    <p:animEffect filter="fade" transition="in">
+                                      <p:cBhvr>
+                                        <p:cTn dur="1000"/>
+                                        <p:tgtEl>
+                                          <p:spTgt spid="117"/>
+                                        </p:tgtEl>
+                                      </p:cBhvr>
+                                    </p:animEffect>
+                                  </p:childTnLst>
+                                </p:cTn>
+                              </p:par>
+                            </p:childTnLst>
+                          </p:cTn>
+                        </p:par>
+                      </p:childTnLst>
+                    </p:cTn>
+                  </p:par>
+                  <p:par>
+                    <p:cTn fill="hold">
+                      <p:stCondLst>
+                        <p:cond delay="indefinite"/>
+                      </p:stCondLst>
+                      <p:childTnLst>
+                        <p:par>
+                          <p:cTn fill="hold">
+                            <p:stCondLst>
+                              <p:cond delay="0"/>
+                            </p:stCondLst>
+                            <p:childTnLst>
+                              <p:par>
+                                <p:cTn fill="hold" nodeType="clickEffect" presetClass="entr" presetID="10" presetSubtype="0">
+                                  <p:stCondLst>
+                                    <p:cond delay="0"/>
+                                  </p:stCondLst>
+                                  <p:childTnLst>
+                                    <p:set>
+                                      <p:cBhvr>
+                                        <p:cTn dur="1" fill="hold">
+                                          <p:stCondLst>
+                                            <p:cond delay="0"/>
+                                          </p:stCondLst>
+                                        </p:cTn>
+                                        <p:tgtEl>
+                                          <p:spTgt spid="116"/>
+                                        </p:tgtEl>
+                                        <p:attrNameLst>
+                                          <p:attrName>style.visibility</p:attrName>
+                                        </p:attrNameLst>
+                                      </p:cBhvr>
+                                      <p:to>
+                                        <p:strVal val="visible"/>
+                                      </p:to>
+                                    </p:set>
+                                    <p:animEffect filter="fade" transition="in">
+                                      <p:cBhvr>
+                                        <p:cTn dur="1000"/>
+                                        <p:tgtEl>
+                                          <p:spTgt spid="116"/>
+                                        </p:tgtEl>
+                                      </p:cBhvr>
+                                    </p:animEffect>
+                                  </p:childTnLst>
+                                </p:cTn>
+                              </p:par>
+                            </p:childTnLst>
+                          </p:cTn>
+                        </p:par>
+                      </p:childTnLst>
+                    </p:cTn>
+                  </p:par>
+                  <p:par>
+                    <p:cTn fill="hold">
+                      <p:stCondLst>
+                        <p:cond delay="indefinite"/>
+                      </p:stCondLst>
+                      <p:childTnLst>
+                        <p:par>
+                          <p:cTn fill="hold">
+                            <p:stCondLst>
+                              <p:cond delay="0"/>
+                            </p:stCondLst>
+                            <p:childTnLst>
+                              <p:par>
+                                <p:cTn fill="hold" nodeType="clickEffect" presetClass="entr" presetID="10" presetSubtype="0">
+                                  <p:stCondLst>
+                                    <p:cond delay="0"/>
+                                  </p:stCondLst>
+                                  <p:childTnLst>
+                                    <p:set>
+                                      <p:cBhvr>
+                                        <p:cTn dur="1" fill="hold">
+                                          <p:stCondLst>
+                                            <p:cond delay="0"/>
+                                          </p:stCondLst>
+                                        </p:cTn>
+                                        <p:tgtEl>
+                                          <p:spTgt spid="118"/>
+                                        </p:tgtEl>
+                                        <p:attrNameLst>
+                                          <p:attrName>style.visibility</p:attrName>
+                                        </p:attrNameLst>
+                                      </p:cBhvr>
+                                      <p:to>
+                                        <p:strVal val="visible"/>
+                                      </p:to>
+                                    </p:set>
+                                    <p:animEffect filter="fade" transition="in">
+                                      <p:cBhvr>
+                                        <p:cTn dur="1000"/>
+                                        <p:tgtEl>
+                                          <p:spTgt spid="118"/>
+                                        </p:tgtEl>
+                                      </p:cBhvr>
+                                    </p:animEffect>
+                                  </p:childTnLst>
+                                </p:cTn>
+                              </p:par>
+                            </p:childTnLst>
+                          </p:cTn>
+                        </p:par>
+                      </p:childTnLst>
+                    </p:cTn>
+                  </p:par>
+                  <p:par>
+                    <p:cTn fill="hold">
+                      <p:stCondLst>
+                        <p:cond delay="indefinite"/>
+                      </p:stCondLst>
+                      <p:childTnLst>
+                        <p:par>
+                          <p:cTn fill="hold">
+                            <p:stCondLst>
+                              <p:cond delay="0"/>
+                            </p:stCondLst>
+                            <p:childTnLst>
+                              <p:par>
+                                <p:cTn fill="hold" nodeType="clickEffect" presetClass="entr" presetID="10" presetSubtype="0">
+                                  <p:stCondLst>
+                                    <p:cond delay="0"/>
+                                  </p:stCondLst>
+                                  <p:childTnLst>
+                                    <p:set>
+                                      <p:cBhvr>
+                                        <p:cTn dur="1" fill="hold">
+                                          <p:stCondLst>
+                                            <p:cond delay="0"/>
+                                          </p:stCondLst>
+                                        </p:cTn>
+                                        <p:tgtEl>
+                                          <p:spTgt spid="119"/>
+                                        </p:tgtEl>
+                                        <p:attrNameLst>
+                                          <p:attrName>style.visibility</p:attrName>
+                                        </p:attrNameLst>
+                                      </p:cBhvr>
+                                      <p:to>
+                                        <p:strVal val="visible"/>
+                                      </p:to>
+                                    </p:set>
+                                    <p:animEffect filter="fade" transition="in">
+                                      <p:cBhvr>
+                                        <p:cTn dur="1000"/>
+                                        <p:tgtEl>
+                                          <p:spTgt spid="119"/>
+                                        </p:tgtEl>
+                                      </p:cBhvr>
+                                    </p:animEffect>
+                                  </p:childTnLst>
+                                </p:cTn>
+                              </p:par>
+                            </p:childTnLst>
+                          </p:cTn>
+                        </p:par>
+                      </p:childTnLst>
+                    </p:cTn>
+                  </p:par>
+                  <p:par>
+                    <p:cTn fill="hold">
+                      <p:stCondLst>
+                        <p:cond delay="indefinite"/>
+                      </p:stCondLst>
+                      <p:childTnLst>
+                        <p:par>
+                          <p:cTn fill="hold">
+                            <p:stCondLst>
+                              <p:cond delay="0"/>
+                            </p:stCondLst>
+                            <p:childTnLst>
+                              <p:par>
+                                <p:cTn fill="hold" nodeType="clickEffect" presetClass="entr" presetID="10" presetSubtype="0">
+                                  <p:stCondLst>
+                                    <p:cond delay="0"/>
+                                  </p:stCondLst>
+                                  <p:childTnLst>
+                                    <p:set>
+                                      <p:cBhvr>
+                                        <p:cTn dur="1" fill="hold">
+                                          <p:stCondLst>
+                                            <p:cond delay="0"/>
+                                          </p:stCondLst>
+                                        </p:cTn>
+                                        <p:tgtEl>
+                                          <p:spTgt spid="121"/>
+                                        </p:tgtEl>
+                                        <p:attrNameLst>
+                                          <p:attrName>style.visibility</p:attrName>
+                                        </p:attrNameLst>
+                                      </p:cBhvr>
+                                      <p:to>
+                                        <p:strVal val="visible"/>
+                                      </p:to>
+                                    </p:set>
+                                    <p:animEffect filter="fade" transition="in">
+                                      <p:cBhvr>
+                                        <p:cTn dur="1000"/>
+                                        <p:tgtEl>
+                                          <p:spTgt spid="121"/>
+                                        </p:tgtEl>
+                                      </p:cBhvr>
+                                    </p:animEffect>
+                                  </p:childTnLst>
+                                </p:cTn>
+                              </p:par>
+                            </p:childTnLst>
+                          </p:cTn>
+                        </p:par>
+                      </p:childTnLst>
+                    </p:cTn>
+                  </p:par>
+                  <p:par>
+                    <p:cTn fill="hold">
+                      <p:stCondLst>
+                        <p:cond delay="indefinite"/>
+                      </p:stCondLst>
+                      <p:childTnLst>
+                        <p:par>
+                          <p:cTn fill="hold">
+                            <p:stCondLst>
+                              <p:cond delay="0"/>
+                            </p:stCondLst>
+                            <p:childTnLst>
+                              <p:par>
+                                <p:cTn fill="hold" nodeType="clickEffect" presetClass="entr" presetID="10" presetSubtype="0">
+                                  <p:stCondLst>
+                                    <p:cond delay="0"/>
+                                  </p:stCondLst>
+                                  <p:childTnLst>
+                                    <p:set>
+                                      <p:cBhvr>
+                                        <p:cTn dur="1" fill="hold">
+                                          <p:stCondLst>
+                                            <p:cond delay="0"/>
+                                          </p:stCondLst>
+                                        </p:cTn>
+                                        <p:tgtEl>
+                                          <p:spTgt spid="122"/>
+                                        </p:tgtEl>
+                                        <p:attrNameLst>
+                                          <p:attrName>style.visibility</p:attrName>
+                                        </p:attrNameLst>
+                                      </p:cBhvr>
+                                      <p:to>
+                                        <p:strVal val="visible"/>
+                                      </p:to>
+                                    </p:set>
+                                    <p:animEffect filter="fade" transition="in">
+                                      <p:cBhvr>
+                                        <p:cTn dur="1000"/>
+                                        <p:tgtEl>
+                                          <p:spTgt spid="122"/>
                                         </p:tgtEl>
                                       </p:cBhvr>
                                     </p:animEffect>
@@ -8798,7 +9801,7 @@
   <p:cSld>
     <p:spTree>
       <p:nvGrpSpPr>
-        <p:cNvPr id="136" name="Shape 136"/>
+        <p:cNvPr id="126" name="Shape 126"/>
         <p:cNvGrpSpPr/>
         <p:nvPr/>
       </p:nvGrpSpPr>
@@ -8812,7 +9815,7 @@
       </p:grpSpPr>
       <p:sp>
         <p:nvSpPr>
-          <p:cNvPr id="137" name="Shape 137"/>
+          <p:cNvPr id="127" name="Shape 127"/>
           <p:cNvSpPr txBox="1"/>
           <p:nvPr>
             <p:ph type="title"/>
@@ -8841,14 +9844,14 @@
             </a:pPr>
             <a:r>
               <a:rPr lang="zh-CN"/>
-              <a:t>Nodejs:利用formidable上传文件</a:t>
+              <a:t>技术实现</a:t>
             </a:r>
           </a:p>
         </p:txBody>
       </p:sp>
       <p:sp>
         <p:nvSpPr>
-          <p:cNvPr id="138" name="Shape 138"/>
+          <p:cNvPr id="128" name="Shape 128"/>
           <p:cNvSpPr txBox="1"/>
           <p:nvPr>
             <p:ph idx="1" type="body"/>
@@ -8882,9 +9885,946 @@
           </a:p>
         </p:txBody>
       </p:sp>
+      <p:sp>
+        <p:nvSpPr>
+          <p:cNvPr id="129" name="Shape 129"/>
+          <p:cNvSpPr/>
+          <p:nvPr/>
+        </p:nvSpPr>
+        <p:spPr>
+          <a:xfrm>
+            <a:off x="453350" y="1623825"/>
+            <a:ext cx="1920575" cy="2505800"/>
+          </a:xfrm>
+          <a:prstGeom prst="flowChartProcess">
+            <a:avLst/>
+          </a:prstGeom>
+          <a:solidFill>
+            <a:schemeClr val="lt1"/>
+          </a:solidFill>
+          <a:ln cap="flat" cmpd="sng" w="9525">
+            <a:solidFill>
+              <a:schemeClr val="dk2"/>
+            </a:solidFill>
+            <a:prstDash val="dash"/>
+            <a:round/>
+            <a:headEnd len="med" w="med" type="none"/>
+            <a:tailEnd len="med" w="med" type="none"/>
+          </a:ln>
+        </p:spPr>
+        <p:txBody>
+          <a:bodyPr anchorCtr="0" anchor="ctr" bIns="91425" lIns="91425" rIns="91425" tIns="91425">
+            <a:noAutofit/>
+          </a:bodyPr>
+          <a:lstStyle/>
+          <a:p>
+            <a:pPr lvl="0">
+              <a:spcBef>
+                <a:spcPts val="0"/>
+              </a:spcBef>
+              <a:buNone/>
+            </a:pPr>
+            <a:r>
+              <a:t/>
+            </a:r>
+            <a:endParaRPr/>
+          </a:p>
+        </p:txBody>
+      </p:sp>
+      <p:sp>
+        <p:nvSpPr>
+          <p:cNvPr id="130" name="Shape 130"/>
+          <p:cNvSpPr txBox="1"/>
+          <p:nvPr/>
+        </p:nvSpPr>
+        <p:spPr>
+          <a:xfrm>
+            <a:off x="890225" y="1772200"/>
+            <a:ext cx="1096200" cy="305100"/>
+          </a:xfrm>
+          <a:prstGeom prst="rect">
+            <a:avLst/>
+          </a:prstGeom>
+          <a:noFill/>
+          <a:ln>
+            <a:noFill/>
+          </a:ln>
+        </p:spPr>
+        <p:txBody>
+          <a:bodyPr anchorCtr="0" anchor="t" bIns="91425" lIns="91425" rIns="91425" tIns="91425">
+            <a:noAutofit/>
+          </a:bodyPr>
+          <a:lstStyle/>
+          <a:p>
+            <a:pPr lvl="0">
+              <a:spcBef>
+                <a:spcPts val="0"/>
+              </a:spcBef>
+              <a:buNone/>
+            </a:pPr>
+            <a:r>
+              <a:rPr lang="zh-CN">
+                <a:solidFill>
+                  <a:schemeClr val="dk1"/>
+                </a:solidFill>
+              </a:rPr>
+              <a:t>Ul Views</a:t>
+            </a:r>
+          </a:p>
+        </p:txBody>
+      </p:sp>
+      <p:sp>
+        <p:nvSpPr>
+          <p:cNvPr id="131" name="Shape 131"/>
+          <p:cNvSpPr/>
+          <p:nvPr/>
+        </p:nvSpPr>
+        <p:spPr>
+          <a:xfrm>
+            <a:off x="770750" y="2268625"/>
+            <a:ext cx="1285800" cy="1457100"/>
+          </a:xfrm>
+          <a:prstGeom prst="rect">
+            <a:avLst/>
+          </a:prstGeom>
+          <a:solidFill>
+            <a:schemeClr val="lt1"/>
+          </a:solidFill>
+          <a:ln cap="flat" cmpd="sng" w="19050">
+            <a:solidFill>
+              <a:srgbClr val="F6B26B"/>
+            </a:solidFill>
+            <a:prstDash val="lgDashDot"/>
+            <a:round/>
+            <a:headEnd len="med" w="med" type="none"/>
+            <a:tailEnd len="med" w="med" type="none"/>
+          </a:ln>
+        </p:spPr>
+        <p:txBody>
+          <a:bodyPr anchorCtr="0" anchor="ctr" bIns="91425" lIns="91425" rIns="91425" tIns="91425">
+            <a:noAutofit/>
+          </a:bodyPr>
+          <a:lstStyle/>
+          <a:p>
+            <a:pPr lvl="0">
+              <a:spcBef>
+                <a:spcPts val="0"/>
+              </a:spcBef>
+              <a:buNone/>
+            </a:pPr>
+            <a:r>
+              <a:t/>
+            </a:r>
+            <a:endParaRPr b="1"/>
+          </a:p>
+        </p:txBody>
+      </p:sp>
+      <p:sp>
+        <p:nvSpPr>
+          <p:cNvPr id="132" name="Shape 132"/>
+          <p:cNvSpPr/>
+          <p:nvPr/>
+        </p:nvSpPr>
+        <p:spPr>
+          <a:xfrm>
+            <a:off x="1145750" y="2446100"/>
+            <a:ext cx="568800" cy="511200"/>
+          </a:xfrm>
+          <a:prstGeom prst="smileyFace">
+            <a:avLst>
+              <a:gd fmla="val 4653" name="adj"/>
+            </a:avLst>
+          </a:prstGeom>
+          <a:solidFill>
+            <a:srgbClr val="4A86E8"/>
+          </a:solidFill>
+          <a:ln cap="flat" cmpd="sng" w="9525">
+            <a:solidFill>
+              <a:schemeClr val="dk2"/>
+            </a:solidFill>
+            <a:prstDash val="solid"/>
+            <a:round/>
+            <a:headEnd len="med" w="med" type="none"/>
+            <a:tailEnd len="med" w="med" type="none"/>
+          </a:ln>
+        </p:spPr>
+        <p:txBody>
+          <a:bodyPr anchorCtr="0" anchor="ctr" bIns="91425" lIns="91425" rIns="91425" tIns="91425">
+            <a:noAutofit/>
+          </a:bodyPr>
+          <a:lstStyle/>
+          <a:p>
+            <a:pPr lvl="0">
+              <a:spcBef>
+                <a:spcPts val="0"/>
+              </a:spcBef>
+              <a:buNone/>
+            </a:pPr>
+            <a:r>
+              <a:t/>
+            </a:r>
+            <a:endParaRPr/>
+          </a:p>
+        </p:txBody>
+      </p:sp>
+      <p:sp>
+        <p:nvSpPr>
+          <p:cNvPr id="133" name="Shape 133"/>
+          <p:cNvSpPr txBox="1"/>
+          <p:nvPr/>
+        </p:nvSpPr>
+        <p:spPr>
+          <a:xfrm>
+            <a:off x="1055075" y="3072550"/>
+            <a:ext cx="807900" cy="486300"/>
+          </a:xfrm>
+          <a:prstGeom prst="rect">
+            <a:avLst/>
+          </a:prstGeom>
+          <a:noFill/>
+          <a:ln>
+            <a:noFill/>
+          </a:ln>
+        </p:spPr>
+        <p:txBody>
+          <a:bodyPr anchorCtr="0" anchor="t" bIns="91425" lIns="91425" rIns="91425" tIns="91425">
+            <a:noAutofit/>
+          </a:bodyPr>
+          <a:lstStyle/>
+          <a:p>
+            <a:pPr lvl="0">
+              <a:spcBef>
+                <a:spcPts val="0"/>
+              </a:spcBef>
+              <a:buNone/>
+            </a:pPr>
+            <a:r>
+              <a:rPr lang="zh-CN">
+                <a:solidFill>
+                  <a:srgbClr val="E69138"/>
+                </a:solidFill>
+              </a:rPr>
+              <a:t>浏览器</a:t>
+            </a:r>
+          </a:p>
+          <a:p>
+            <a:pPr lvl="0">
+              <a:spcBef>
+                <a:spcPts val="0"/>
+              </a:spcBef>
+              <a:buNone/>
+            </a:pPr>
+            <a:r>
+              <a:rPr lang="zh-CN">
+                <a:solidFill>
+                  <a:srgbClr val="E69138"/>
+                </a:solidFill>
+              </a:rPr>
+              <a:t>  视图</a:t>
+            </a:r>
+          </a:p>
+        </p:txBody>
+      </p:sp>
+      <p:sp>
+        <p:nvSpPr>
+          <p:cNvPr id="134" name="Shape 134"/>
+          <p:cNvSpPr/>
+          <p:nvPr/>
+        </p:nvSpPr>
+        <p:spPr>
+          <a:xfrm>
+            <a:off x="3123825" y="1615575"/>
+            <a:ext cx="1961700" cy="2505900"/>
+          </a:xfrm>
+          <a:prstGeom prst="rect">
+            <a:avLst/>
+          </a:prstGeom>
+          <a:solidFill>
+            <a:schemeClr val="lt1"/>
+          </a:solidFill>
+          <a:ln cap="flat" cmpd="sng" w="9525">
+            <a:solidFill>
+              <a:schemeClr val="dk2"/>
+            </a:solidFill>
+            <a:prstDash val="dash"/>
+            <a:round/>
+            <a:headEnd len="med" w="med" type="none"/>
+            <a:tailEnd len="med" w="med" type="none"/>
+          </a:ln>
+        </p:spPr>
+        <p:txBody>
+          <a:bodyPr anchorCtr="0" anchor="ctr" bIns="91425" lIns="91425" rIns="91425" tIns="91425">
+            <a:noAutofit/>
+          </a:bodyPr>
+          <a:lstStyle/>
+          <a:p>
+            <a:pPr lvl="0">
+              <a:spcBef>
+                <a:spcPts val="0"/>
+              </a:spcBef>
+              <a:buNone/>
+            </a:pPr>
+            <a:r>
+              <a:t/>
+            </a:r>
+            <a:endParaRPr/>
+          </a:p>
+        </p:txBody>
+      </p:sp>
+      <p:sp>
+        <p:nvSpPr>
+          <p:cNvPr id="135" name="Shape 135"/>
+          <p:cNvSpPr txBox="1"/>
+          <p:nvPr/>
+        </p:nvSpPr>
+        <p:spPr>
+          <a:xfrm>
+            <a:off x="3123725" y="1772200"/>
+            <a:ext cx="1920600" cy="346200"/>
+          </a:xfrm>
+          <a:prstGeom prst="rect">
+            <a:avLst/>
+          </a:prstGeom>
+          <a:noFill/>
+          <a:ln>
+            <a:noFill/>
+          </a:ln>
+        </p:spPr>
+        <p:txBody>
+          <a:bodyPr anchorCtr="0" anchor="t" bIns="91425" lIns="91425" rIns="91425" tIns="91425">
+            <a:noAutofit/>
+          </a:bodyPr>
+          <a:lstStyle/>
+          <a:p>
+            <a:pPr lvl="0">
+              <a:spcBef>
+                <a:spcPts val="0"/>
+              </a:spcBef>
+              <a:buNone/>
+            </a:pPr>
+            <a:r>
+              <a:rPr lang="zh-CN"/>
+              <a:t>  </a:t>
+            </a:r>
+            <a:r>
+              <a:rPr lang="zh-CN">
+                <a:solidFill>
+                  <a:schemeClr val="dk1"/>
+                </a:solidFill>
+              </a:rPr>
+              <a:t> Views Controllers</a:t>
+            </a:r>
+          </a:p>
+        </p:txBody>
+      </p:sp>
+      <p:sp>
+        <p:nvSpPr>
+          <p:cNvPr id="136" name="Shape 136"/>
+          <p:cNvSpPr/>
+          <p:nvPr/>
+        </p:nvSpPr>
+        <p:spPr>
+          <a:xfrm>
+            <a:off x="3595700" y="2307975"/>
+            <a:ext cx="1055052" cy="1327050"/>
+          </a:xfrm>
+          <a:prstGeom prst="flowChartMultidocument">
+            <a:avLst/>
+          </a:prstGeom>
+          <a:solidFill>
+            <a:srgbClr val="E69138"/>
+          </a:solidFill>
+          <a:ln cap="flat" cmpd="sng" w="19050">
+            <a:solidFill>
+              <a:schemeClr val="lt1"/>
+            </a:solidFill>
+            <a:prstDash val="solid"/>
+            <a:round/>
+            <a:headEnd len="med" w="med" type="none"/>
+            <a:tailEnd len="med" w="med" type="none"/>
+          </a:ln>
+        </p:spPr>
+        <p:txBody>
+          <a:bodyPr anchorCtr="0" anchor="ctr" bIns="91425" lIns="91425" rIns="91425" tIns="91425">
+            <a:noAutofit/>
+          </a:bodyPr>
+          <a:lstStyle/>
+          <a:p>
+            <a:pPr lvl="0">
+              <a:spcBef>
+                <a:spcPts val="0"/>
+              </a:spcBef>
+              <a:buNone/>
+            </a:pPr>
+            <a:r>
+              <a:t/>
+            </a:r>
+            <a:endParaRPr/>
+          </a:p>
+        </p:txBody>
+      </p:sp>
+      <p:sp>
+        <p:nvSpPr>
+          <p:cNvPr id="137" name="Shape 137"/>
+          <p:cNvSpPr txBox="1"/>
+          <p:nvPr/>
+        </p:nvSpPr>
+        <p:spPr>
+          <a:xfrm>
+            <a:off x="3505025" y="3725750"/>
+            <a:ext cx="1425900" cy="305100"/>
+          </a:xfrm>
+          <a:prstGeom prst="rect">
+            <a:avLst/>
+          </a:prstGeom>
+          <a:noFill/>
+          <a:ln>
+            <a:noFill/>
+          </a:ln>
+        </p:spPr>
+        <p:txBody>
+          <a:bodyPr anchorCtr="0" anchor="t" bIns="91425" lIns="91425" rIns="91425" tIns="91425">
+            <a:noAutofit/>
+          </a:bodyPr>
+          <a:lstStyle/>
+          <a:p>
+            <a:pPr lvl="0">
+              <a:spcBef>
+                <a:spcPts val="0"/>
+              </a:spcBef>
+              <a:buNone/>
+            </a:pPr>
+            <a:r>
+              <a:rPr lang="zh-CN"/>
+              <a:t>Node </a:t>
+            </a:r>
+            <a:r>
+              <a:rPr lang="zh-CN"/>
+              <a:t>服务器</a:t>
+            </a:r>
+          </a:p>
+        </p:txBody>
+      </p:sp>
+      <p:sp>
+        <p:nvSpPr>
+          <p:cNvPr id="138" name="Shape 138"/>
+          <p:cNvSpPr/>
+          <p:nvPr/>
+        </p:nvSpPr>
+        <p:spPr>
+          <a:xfrm>
+            <a:off x="5916100" y="1615575"/>
+            <a:ext cx="1920600" cy="2505900"/>
+          </a:xfrm>
+          <a:prstGeom prst="rect">
+            <a:avLst/>
+          </a:prstGeom>
+          <a:solidFill>
+            <a:schemeClr val="lt1"/>
+          </a:solidFill>
+          <a:ln cap="flat" cmpd="sng" w="9525">
+            <a:solidFill>
+              <a:schemeClr val="dk2"/>
+            </a:solidFill>
+            <a:prstDash val="dash"/>
+            <a:round/>
+            <a:headEnd len="med" w="med" type="none"/>
+            <a:tailEnd len="med" w="med" type="none"/>
+          </a:ln>
+        </p:spPr>
+        <p:txBody>
+          <a:bodyPr anchorCtr="0" anchor="ctr" bIns="91425" lIns="91425" rIns="91425" tIns="91425">
+            <a:noAutofit/>
+          </a:bodyPr>
+          <a:lstStyle/>
+          <a:p>
+            <a:pPr lvl="0">
+              <a:spcBef>
+                <a:spcPts val="0"/>
+              </a:spcBef>
+              <a:buNone/>
+            </a:pPr>
+            <a:r>
+              <a:t/>
+            </a:r>
+            <a:endParaRPr/>
+          </a:p>
+        </p:txBody>
+      </p:sp>
+      <p:sp>
+        <p:nvSpPr>
+          <p:cNvPr id="139" name="Shape 139"/>
+          <p:cNvSpPr txBox="1"/>
+          <p:nvPr/>
+        </p:nvSpPr>
+        <p:spPr>
+          <a:xfrm>
+            <a:off x="6167600" y="1813300"/>
+            <a:ext cx="1500300" cy="305100"/>
+          </a:xfrm>
+          <a:prstGeom prst="rect">
+            <a:avLst/>
+          </a:prstGeom>
+          <a:noFill/>
+          <a:ln>
+            <a:noFill/>
+          </a:ln>
+        </p:spPr>
+        <p:txBody>
+          <a:bodyPr anchorCtr="0" anchor="t" bIns="91425" lIns="91425" rIns="91425" tIns="91425">
+            <a:noAutofit/>
+          </a:bodyPr>
+          <a:lstStyle/>
+          <a:p>
+            <a:pPr lvl="0" algn="ctr">
+              <a:spcBef>
+                <a:spcPts val="0"/>
+              </a:spcBef>
+              <a:buNone/>
+            </a:pPr>
+            <a:r>
+              <a:rPr lang="zh-CN">
+                <a:solidFill>
+                  <a:schemeClr val="dk1"/>
+                </a:solidFill>
+              </a:rPr>
+              <a:t>Models</a:t>
+            </a:r>
+          </a:p>
+        </p:txBody>
+      </p:sp>
+      <p:sp>
+        <p:nvSpPr>
+          <p:cNvPr id="140" name="Shape 140"/>
+          <p:cNvSpPr/>
+          <p:nvPr/>
+        </p:nvSpPr>
+        <p:spPr>
+          <a:xfrm>
+            <a:off x="6346375" y="2406900"/>
+            <a:ext cx="1055100" cy="1228200"/>
+          </a:xfrm>
+          <a:prstGeom prst="rect">
+            <a:avLst/>
+          </a:prstGeom>
+          <a:solidFill>
+            <a:srgbClr val="4C1130"/>
+          </a:solidFill>
+          <a:ln cap="flat" cmpd="sng" w="9525">
+            <a:solidFill>
+              <a:schemeClr val="dk2"/>
+            </a:solidFill>
+            <a:prstDash val="solid"/>
+            <a:round/>
+            <a:headEnd len="med" w="med" type="none"/>
+            <a:tailEnd len="med" w="med" type="none"/>
+          </a:ln>
+        </p:spPr>
+        <p:txBody>
+          <a:bodyPr anchorCtr="0" anchor="ctr" bIns="91425" lIns="91425" rIns="91425" tIns="91425">
+            <a:noAutofit/>
+          </a:bodyPr>
+          <a:lstStyle/>
+          <a:p>
+            <a:pPr lvl="0">
+              <a:spcBef>
+                <a:spcPts val="0"/>
+              </a:spcBef>
+              <a:buNone/>
+            </a:pPr>
+            <a:r>
+              <a:t/>
+            </a:r>
+            <a:endParaRPr/>
+          </a:p>
+        </p:txBody>
+      </p:sp>
+      <p:sp>
+        <p:nvSpPr>
+          <p:cNvPr id="141" name="Shape 141"/>
+          <p:cNvSpPr txBox="1"/>
+          <p:nvPr/>
+        </p:nvSpPr>
+        <p:spPr>
+          <a:xfrm>
+            <a:off x="6346375" y="2505800"/>
+            <a:ext cx="1055100" cy="222600"/>
+          </a:xfrm>
+          <a:prstGeom prst="rect">
+            <a:avLst/>
+          </a:prstGeom>
+          <a:noFill/>
+          <a:ln>
+            <a:noFill/>
+          </a:ln>
+        </p:spPr>
+        <p:txBody>
+          <a:bodyPr anchorCtr="0" anchor="t" bIns="91425" lIns="91425" rIns="91425" tIns="91425">
+            <a:noAutofit/>
+          </a:bodyPr>
+          <a:lstStyle/>
+          <a:p>
+            <a:pPr lvl="0">
+              <a:spcBef>
+                <a:spcPts val="0"/>
+              </a:spcBef>
+              <a:buNone/>
+            </a:pPr>
+            <a:r>
+              <a:rPr lang="zh-CN">
+                <a:solidFill>
+                  <a:schemeClr val="lt1"/>
+                </a:solidFill>
+              </a:rPr>
+              <a:t>MongoDB</a:t>
+            </a:r>
+          </a:p>
+        </p:txBody>
+      </p:sp>
+      <p:sp>
+        <p:nvSpPr>
+          <p:cNvPr id="142" name="Shape 142"/>
+          <p:cNvSpPr/>
+          <p:nvPr/>
+        </p:nvSpPr>
+        <p:spPr>
+          <a:xfrm>
+            <a:off x="7047575" y="2975650"/>
+            <a:ext cx="445125" cy="667800"/>
+          </a:xfrm>
+          <a:prstGeom prst="flowChartMagneticDisk">
+            <a:avLst/>
+          </a:prstGeom>
+          <a:solidFill>
+            <a:srgbClr val="4C1130"/>
+          </a:solidFill>
+          <a:ln cap="flat" cmpd="sng" w="9525">
+            <a:solidFill>
+              <a:schemeClr val="lt1"/>
+            </a:solidFill>
+            <a:prstDash val="solid"/>
+            <a:round/>
+            <a:headEnd len="med" w="med" type="none"/>
+            <a:tailEnd len="med" w="med" type="none"/>
+          </a:ln>
+        </p:spPr>
+        <p:txBody>
+          <a:bodyPr anchorCtr="0" anchor="ctr" bIns="91425" lIns="91425" rIns="91425" tIns="91425">
+            <a:noAutofit/>
+          </a:bodyPr>
+          <a:lstStyle/>
+          <a:p>
+            <a:pPr lvl="0">
+              <a:spcBef>
+                <a:spcPts val="0"/>
+              </a:spcBef>
+              <a:buNone/>
+            </a:pPr>
+            <a:r>
+              <a:t/>
+            </a:r>
+            <a:endParaRPr/>
+          </a:p>
+        </p:txBody>
+      </p:sp>
+      <p:sp>
+        <p:nvSpPr>
+          <p:cNvPr id="143" name="Shape 143"/>
+          <p:cNvSpPr txBox="1"/>
+          <p:nvPr/>
+        </p:nvSpPr>
+        <p:spPr>
+          <a:xfrm>
+            <a:off x="7088900" y="3165250"/>
+            <a:ext cx="403800" cy="453300"/>
+          </a:xfrm>
+          <a:prstGeom prst="rect">
+            <a:avLst/>
+          </a:prstGeom>
+          <a:noFill/>
+          <a:ln>
+            <a:noFill/>
+          </a:ln>
+        </p:spPr>
+        <p:txBody>
+          <a:bodyPr anchorCtr="0" anchor="t" bIns="91425" lIns="91425" rIns="91425" tIns="91425">
+            <a:noAutofit/>
+          </a:bodyPr>
+          <a:lstStyle/>
+          <a:p>
+            <a:pPr lvl="0">
+              <a:spcBef>
+                <a:spcPts val="0"/>
+              </a:spcBef>
+              <a:buNone/>
+            </a:pPr>
+            <a:r>
+              <a:rPr lang="zh-CN" sz="1800">
+                <a:solidFill>
+                  <a:schemeClr val="lt1"/>
+                </a:solidFill>
+                <a:latin typeface="Impact"/>
+                <a:ea typeface="Impact"/>
+                <a:cs typeface="Impact"/>
+                <a:sym typeface="Impact"/>
+              </a:rPr>
+              <a:t>m</a:t>
+            </a:r>
+          </a:p>
+        </p:txBody>
+      </p:sp>
+      <p:sp>
+        <p:nvSpPr>
+          <p:cNvPr id="144" name="Shape 144"/>
+          <p:cNvSpPr txBox="1"/>
+          <p:nvPr/>
+        </p:nvSpPr>
+        <p:spPr>
+          <a:xfrm>
+            <a:off x="6418900" y="3767000"/>
+            <a:ext cx="915000" cy="222600"/>
+          </a:xfrm>
+          <a:prstGeom prst="rect">
+            <a:avLst/>
+          </a:prstGeom>
+          <a:noFill/>
+          <a:ln>
+            <a:noFill/>
+          </a:ln>
+        </p:spPr>
+        <p:txBody>
+          <a:bodyPr anchorCtr="0" anchor="t" bIns="91425" lIns="91425" rIns="91425" tIns="91425">
+            <a:noAutofit/>
+          </a:bodyPr>
+          <a:lstStyle/>
+          <a:p>
+            <a:pPr lvl="0" algn="ctr">
+              <a:spcBef>
+                <a:spcPts val="0"/>
+              </a:spcBef>
+              <a:buNone/>
+            </a:pPr>
+            <a:r>
+              <a:rPr lang="zh-CN"/>
+              <a:t>数据库</a:t>
+            </a:r>
+          </a:p>
+        </p:txBody>
+      </p:sp>
+      <p:sp>
+        <p:nvSpPr>
+          <p:cNvPr id="145" name="Shape 145"/>
+          <p:cNvSpPr txBox="1"/>
+          <p:nvPr/>
+        </p:nvSpPr>
+        <p:spPr>
+          <a:xfrm>
+            <a:off x="1903950" y="4250500"/>
+            <a:ext cx="1519800" cy="275700"/>
+          </a:xfrm>
+          <a:prstGeom prst="rect">
+            <a:avLst/>
+          </a:prstGeom>
+          <a:noFill/>
+          <a:ln>
+            <a:noFill/>
+          </a:ln>
+        </p:spPr>
+        <p:txBody>
+          <a:bodyPr anchorCtr="0" anchor="t" bIns="91425" lIns="91425" rIns="91425" tIns="91425">
+            <a:noAutofit/>
+          </a:bodyPr>
+          <a:lstStyle/>
+          <a:p>
+            <a:pPr lvl="0" algn="ctr">
+              <a:spcBef>
+                <a:spcPts val="0"/>
+              </a:spcBef>
+              <a:buNone/>
+            </a:pPr>
+            <a:r>
+              <a:rPr lang="zh-CN"/>
+              <a:t>Front-End</a:t>
+            </a:r>
+          </a:p>
+        </p:txBody>
+      </p:sp>
+      <p:sp>
+        <p:nvSpPr>
+          <p:cNvPr id="146" name="Shape 146"/>
+          <p:cNvSpPr txBox="1"/>
+          <p:nvPr/>
+        </p:nvSpPr>
+        <p:spPr>
+          <a:xfrm>
+            <a:off x="4784875" y="4235800"/>
+            <a:ext cx="1561500" cy="305100"/>
+          </a:xfrm>
+          <a:prstGeom prst="rect">
+            <a:avLst/>
+          </a:prstGeom>
+          <a:noFill/>
+          <a:ln>
+            <a:noFill/>
+          </a:ln>
+        </p:spPr>
+        <p:txBody>
+          <a:bodyPr anchorCtr="0" anchor="t" bIns="91425" lIns="91425" rIns="91425" tIns="91425">
+            <a:noAutofit/>
+          </a:bodyPr>
+          <a:lstStyle/>
+          <a:p>
+            <a:pPr lvl="0" algn="ctr">
+              <a:spcBef>
+                <a:spcPts val="0"/>
+              </a:spcBef>
+              <a:buNone/>
+            </a:pPr>
+            <a:r>
+              <a:rPr lang="zh-CN"/>
+              <a:t>Back-End</a:t>
+            </a:r>
+          </a:p>
+        </p:txBody>
+      </p:sp>
+      <p:sp>
+        <p:nvSpPr>
+          <p:cNvPr id="147" name="Shape 147"/>
+          <p:cNvSpPr txBox="1"/>
+          <p:nvPr/>
+        </p:nvSpPr>
+        <p:spPr>
+          <a:xfrm>
+            <a:off x="751550" y="3755175"/>
+            <a:ext cx="1305000" cy="275700"/>
+          </a:xfrm>
+          <a:prstGeom prst="rect">
+            <a:avLst/>
+          </a:prstGeom>
+          <a:noFill/>
+          <a:ln>
+            <a:noFill/>
+          </a:ln>
+        </p:spPr>
+        <p:txBody>
+          <a:bodyPr anchorCtr="0" anchor="t" bIns="91425" lIns="91425" rIns="91425" tIns="91425">
+            <a:noAutofit/>
+          </a:bodyPr>
+          <a:lstStyle/>
+          <a:p>
+            <a:pPr lvl="0" algn="ctr">
+              <a:spcBef>
+                <a:spcPts val="0"/>
+              </a:spcBef>
+              <a:buNone/>
+            </a:pPr>
+            <a:r>
+              <a:rPr lang="zh-CN"/>
+              <a:t>前端展示</a:t>
+            </a:r>
+          </a:p>
+        </p:txBody>
+      </p:sp>
+    </p:spTree>
+  </p:cSld>
+  <p:clrMapOvr>
+    <a:masterClrMapping/>
+  </p:clrMapOvr>
+</p:sld>
+</file>
+
+<file path=ppt/slides/slide9.xml><?xml version="1.0" encoding="utf-8"?>
+<p:sld xmlns:a="http://schemas.openxmlformats.org/drawingml/2006/main" xmlns:r="http://schemas.openxmlformats.org/officeDocument/2006/relationships" xmlns:mc="http://schemas.openxmlformats.org/markup-compatibility/2006" xmlns:mv="urn:schemas-microsoft-com:mac:vml" xmlns:p="http://schemas.openxmlformats.org/presentationml/2006/main" xmlns:c="http://schemas.openxmlformats.org/drawingml/2006/chart" xmlns:dgm="http://schemas.openxmlformats.org/drawingml/2006/diagram" xmlns:o="urn:schemas-microsoft-com:office:office" xmlns:v="urn:schemas-microsoft-com:vml" xmlns:pvml="urn:schemas-microsoft-com:office:powerpoint" xmlns:com="http://schemas.openxmlformats.org/drawingml/2006/compatibility" xmlns:p14="http://schemas.microsoft.com/office/powerpoint/2010/main">
+  <p:cSld>
+    <p:spTree>
+      <p:nvGrpSpPr>
+        <p:cNvPr id="151" name="Shape 151"/>
+        <p:cNvGrpSpPr/>
+        <p:nvPr/>
+      </p:nvGrpSpPr>
+      <p:grpSpPr>
+        <a:xfrm>
+          <a:off x="0" y="0"/>
+          <a:ext cx="0" cy="0"/>
+          <a:chOff x="0" y="0"/>
+          <a:chExt cx="0" cy="0"/>
+        </a:xfrm>
+      </p:grpSpPr>
+      <p:sp>
+        <p:nvSpPr>
+          <p:cNvPr id="152" name="Shape 152"/>
+          <p:cNvSpPr txBox="1"/>
+          <p:nvPr>
+            <p:ph type="title"/>
+          </p:nvPr>
+        </p:nvSpPr>
+        <p:spPr>
+          <a:xfrm>
+            <a:off x="311700" y="372500"/>
+            <a:ext cx="8520600" cy="733500"/>
+          </a:xfrm>
+          <a:prstGeom prst="rect">
+            <a:avLst/>
+          </a:prstGeom>
+        </p:spPr>
+        <p:txBody>
+          <a:bodyPr anchorCtr="0" anchor="b" bIns="91425" lIns="91425" rIns="91425" tIns="91425">
+            <a:noAutofit/>
+          </a:bodyPr>
+          <a:lstStyle/>
+          <a:p>
+            <a:pPr lvl="0">
+              <a:spcBef>
+                <a:spcPts val="0"/>
+              </a:spcBef>
+              <a:buNone/>
+            </a:pPr>
+            <a:r>
+              <a:rPr lang="zh-CN"/>
+              <a:t>Nodejs:利用 Child Process获取文件信息</a:t>
+            </a:r>
+          </a:p>
+        </p:txBody>
+      </p:sp>
+      <p:sp>
+        <p:nvSpPr>
+          <p:cNvPr id="153" name="Shape 153"/>
+          <p:cNvSpPr txBox="1"/>
+          <p:nvPr>
+            <p:ph idx="1" type="body"/>
+          </p:nvPr>
+        </p:nvSpPr>
+        <p:spPr>
+          <a:xfrm>
+            <a:off x="311700" y="1468825"/>
+            <a:ext cx="8520600" cy="3099900"/>
+          </a:xfrm>
+          <a:prstGeom prst="rect">
+            <a:avLst/>
+          </a:prstGeom>
+        </p:spPr>
+        <p:txBody>
+          <a:bodyPr anchorCtr="0" anchor="t" bIns="91425" lIns="91425" rIns="91425" tIns="91425">
+            <a:noAutofit/>
+          </a:bodyPr>
+          <a:lstStyle/>
+          <a:p>
+            <a:pPr lvl="0">
+              <a:spcBef>
+                <a:spcPts val="0"/>
+              </a:spcBef>
+              <a:buNone/>
+            </a:pPr>
+            <a:r>
+              <a:t/>
+            </a:r>
+            <a:endParaRPr/>
+          </a:p>
+        </p:txBody>
+      </p:sp>
       <p:pic>
         <p:nvPicPr>
-          <p:cNvPr descr="5a7f4f70.png" id="139" name="Shape 139"/>
+          <p:cNvPr descr="5a7f4f70.png" id="154" name="Shape 154"/>
           <p:cNvPicPr preferRelativeResize="0"/>
           <p:nvPr/>
         </p:nvPicPr>
@@ -8898,8 +10838,8 @@
         </p:blipFill>
         <p:spPr>
           <a:xfrm>
-            <a:off x="214325" y="1468812"/>
-            <a:ext cx="8858250" cy="2524125"/>
+            <a:off x="394562" y="1246512"/>
+            <a:ext cx="6772275" cy="3248025"/>
           </a:xfrm>
           <a:prstGeom prst="rect">
             <a:avLst/>
@@ -8949,7 +10889,7 @@
                                           </p:stCondLst>
                                         </p:cTn>
                                         <p:tgtEl>
-                                          <p:spTgt spid="139"/>
+                                          <p:spTgt spid="154"/>
                                         </p:tgtEl>
                                         <p:attrNameLst>
                                           <p:attrName>style.visibility</p:attrName>
@@ -8963,7 +10903,7 @@
                                       <p:cBhvr>
                                         <p:cTn dur="1000"/>
                                         <p:tgtEl>
-                                          <p:spTgt spid="139"/>
+                                          <p:spTgt spid="154"/>
                                         </p:tgtEl>
                                       </p:cBhvr>
                                     </p:animEffect>
@@ -9001,481 +10941,286 @@
 </p:sld>
 </file>
 
-<file path=ppt/slides/slide9.xml><?xml version="1.0" encoding="utf-8"?>
-<p:sld xmlns:a="http://schemas.openxmlformats.org/drawingml/2006/main" xmlns:r="http://schemas.openxmlformats.org/officeDocument/2006/relationships" xmlns:mc="http://schemas.openxmlformats.org/markup-compatibility/2006" xmlns:mv="urn:schemas-microsoft-com:mac:vml" xmlns:p="http://schemas.openxmlformats.org/presentationml/2006/main" xmlns:c="http://schemas.openxmlformats.org/drawingml/2006/chart" xmlns:dgm="http://schemas.openxmlformats.org/drawingml/2006/diagram" xmlns:o="urn:schemas-microsoft-com:office:office" xmlns:v="urn:schemas-microsoft-com:vml" xmlns:pvml="urn:schemas-microsoft-com:office:powerpoint" xmlns:com="http://schemas.openxmlformats.org/drawingml/2006/compatibility" xmlns:p14="http://schemas.microsoft.com/office/powerpoint/2010/main">
-  <p:cSld>
-    <p:spTree>
-      <p:nvGrpSpPr>
-        <p:cNvPr id="143" name="Shape 143"/>
-        <p:cNvGrpSpPr/>
-        <p:nvPr/>
-      </p:nvGrpSpPr>
-      <p:grpSpPr>
-        <a:xfrm>
-          <a:off x="0" y="0"/>
-          <a:ext cx="0" cy="0"/>
-          <a:chOff x="0" y="0"/>
-          <a:chExt cx="0" cy="0"/>
-        </a:xfrm>
-      </p:grpSpPr>
-      <p:sp>
-        <p:nvSpPr>
-          <p:cNvPr id="144" name="Shape 144"/>
-          <p:cNvSpPr txBox="1"/>
-          <p:nvPr>
-            <p:ph type="title"/>
-          </p:nvPr>
-        </p:nvSpPr>
-        <p:spPr>
-          <a:xfrm>
-            <a:off x="311700" y="372500"/>
-            <a:ext cx="8520600" cy="733500"/>
-          </a:xfrm>
-          <a:prstGeom prst="rect">
-            <a:avLst/>
-          </a:prstGeom>
-        </p:spPr>
-        <p:txBody>
-          <a:bodyPr anchorCtr="0" anchor="b" bIns="91425" lIns="91425" rIns="91425" tIns="91425">
-            <a:noAutofit/>
-          </a:bodyPr>
-          <a:lstStyle/>
-          <a:p>
-            <a:pPr lvl="0">
-              <a:spcBef>
-                <a:spcPts val="0"/>
-              </a:spcBef>
-              <a:buNone/>
-            </a:pPr>
-            <a:r>
-              <a:rPr lang="zh-CN"/>
-              <a:t>项目中用到的Linux命令</a:t>
-            </a:r>
-          </a:p>
-        </p:txBody>
-      </p:sp>
-      <p:sp>
-        <p:nvSpPr>
-          <p:cNvPr id="145" name="Shape 145"/>
-          <p:cNvSpPr txBox="1"/>
-          <p:nvPr>
-            <p:ph idx="1" type="body"/>
-          </p:nvPr>
-        </p:nvSpPr>
-        <p:spPr>
-          <a:xfrm>
-            <a:off x="311700" y="1468825"/>
-            <a:ext cx="8520600" cy="3099900"/>
-          </a:xfrm>
-          <a:prstGeom prst="rect">
-            <a:avLst/>
-          </a:prstGeom>
-        </p:spPr>
-        <p:txBody>
-          <a:bodyPr anchorCtr="0" anchor="t" bIns="91425" lIns="91425" rIns="91425" tIns="91425">
-            <a:noAutofit/>
-          </a:bodyPr>
-          <a:lstStyle/>
-          <a:p>
-            <a:pPr lvl="0">
-              <a:lnSpc>
-                <a:spcPct val="142857"/>
-              </a:lnSpc>
-              <a:spcBef>
-                <a:spcPts val="0"/>
-              </a:spcBef>
-              <a:spcAft>
-                <a:spcPts val="0"/>
-              </a:spcAft>
-              <a:buNone/>
-            </a:pPr>
-            <a:r>
-              <a:rPr lang="zh-CN" sz="1200">
-                <a:solidFill>
-                  <a:srgbClr val="58AA00"/>
-                </a:solidFill>
-                <a:highlight>
-                  <a:srgbClr val="FFFFFF"/>
-                </a:highlight>
-                <a:latin typeface="Verdana"/>
-                <a:ea typeface="Verdana"/>
-                <a:cs typeface="Verdana"/>
-                <a:sym typeface="Verdana"/>
-              </a:rPr>
-              <a:t>#!/bin/sh</a:t>
-            </a:r>
-          </a:p>
-          <a:p>
-            <a:pPr lvl="0">
-              <a:lnSpc>
-                <a:spcPct val="142857"/>
-              </a:lnSpc>
-              <a:spcBef>
-                <a:spcPts val="0"/>
-              </a:spcBef>
-              <a:spcAft>
-                <a:spcPts val="0"/>
-              </a:spcAft>
-              <a:buNone/>
-            </a:pPr>
-            <a:r>
-              <a:rPr lang="zh-CN" sz="1200">
-                <a:solidFill>
-                  <a:srgbClr val="58AA00"/>
-                </a:solidFill>
-                <a:highlight>
-                  <a:srgbClr val="FFFFFF"/>
-                </a:highlight>
-                <a:latin typeface="Verdana"/>
-                <a:ea typeface="Verdana"/>
-                <a:cs typeface="Verdana"/>
-                <a:sym typeface="Verdana"/>
-              </a:rPr>
-              <a:t>rm -rf view_build/;</a:t>
-            </a:r>
-          </a:p>
-          <a:p>
-            <a:pPr lvl="0">
-              <a:lnSpc>
-                <a:spcPct val="142857"/>
-              </a:lnSpc>
-              <a:spcBef>
-                <a:spcPts val="0"/>
-              </a:spcBef>
-              <a:spcAft>
-                <a:spcPts val="0"/>
-              </a:spcAft>
-              <a:buNone/>
-            </a:pPr>
-            <a:r>
-              <a:rPr lang="zh-CN" sz="1200">
-                <a:solidFill>
-                  <a:srgbClr val="58AA00"/>
-                </a:solidFill>
-                <a:highlight>
-                  <a:srgbClr val="FFFFFF"/>
-                </a:highlight>
-                <a:latin typeface="Verdana"/>
-                <a:ea typeface="Verdana"/>
-                <a:cs typeface="Verdana"/>
-                <a:sym typeface="Verdana"/>
-              </a:rPr>
-              <a:t>mkdir view_build;</a:t>
-            </a:r>
-          </a:p>
-          <a:p>
-            <a:pPr lvl="0" rtl="0">
-              <a:lnSpc>
-                <a:spcPct val="142857"/>
-              </a:lnSpc>
-              <a:spcBef>
-                <a:spcPts val="0"/>
-              </a:spcBef>
-              <a:spcAft>
-                <a:spcPts val="0"/>
-              </a:spcAft>
-              <a:buNone/>
-            </a:pPr>
-            <a:r>
-              <a:rPr lang="zh-CN" sz="1200">
-                <a:solidFill>
-                  <a:srgbClr val="58AA00"/>
-                </a:solidFill>
-                <a:highlight>
-                  <a:srgbClr val="FFFFFF"/>
-                </a:highlight>
-                <a:latin typeface="Verdana"/>
-                <a:ea typeface="Verdana"/>
-                <a:cs typeface="Verdana"/>
-                <a:sym typeface="Verdana"/>
-              </a:rPr>
-              <a:t>cp -r view/* view_build;</a:t>
-            </a:r>
-          </a:p>
-          <a:p>
-            <a:pPr lvl="0" rtl="0">
-              <a:lnSpc>
-                <a:spcPct val="142857"/>
-              </a:lnSpc>
-              <a:spcBef>
-                <a:spcPts val="0"/>
-              </a:spcBef>
-              <a:spcAft>
-                <a:spcPts val="0"/>
-              </a:spcAft>
-              <a:buNone/>
-            </a:pPr>
-            <a:r>
-              <a:rPr lang="zh-CN" sz="1200">
-                <a:solidFill>
-                  <a:srgbClr val="58AA00"/>
-                </a:solidFill>
-                <a:highlight>
-                  <a:srgbClr val="FFFFFF"/>
-                </a:highlight>
-                <a:latin typeface="Verdana"/>
-                <a:ea typeface="Verdana"/>
-                <a:cs typeface="Verdana"/>
-                <a:sym typeface="Verdana"/>
-              </a:rPr>
-              <a:t>tar zcf ../output.tar.gz *;</a:t>
-            </a:r>
-          </a:p>
-          <a:p>
-            <a:pPr lvl="0" rtl="0">
-              <a:lnSpc>
-                <a:spcPct val="142857"/>
-              </a:lnSpc>
-              <a:spcBef>
-                <a:spcPts val="0"/>
-              </a:spcBef>
-              <a:spcAft>
-                <a:spcPts val="0"/>
-              </a:spcAft>
-              <a:buNone/>
-            </a:pPr>
-            <a:r>
-              <a:rPr lang="zh-CN" sz="1200">
-                <a:solidFill>
-                  <a:srgbClr val="58AA00"/>
-                </a:solidFill>
-                <a:highlight>
-                  <a:srgbClr val="FFFFFF"/>
-                </a:highlight>
-                <a:latin typeface="Verdana"/>
-                <a:ea typeface="Verdana"/>
-                <a:cs typeface="Verdana"/>
-                <a:sym typeface="Verdana"/>
-              </a:rPr>
-              <a:t>netstat -antp;</a:t>
-            </a:r>
-          </a:p>
-          <a:p>
-            <a:pPr lvl="0" rtl="0">
-              <a:lnSpc>
-                <a:spcPct val="142857"/>
-              </a:lnSpc>
-              <a:spcBef>
-                <a:spcPts val="0"/>
-              </a:spcBef>
-              <a:spcAft>
-                <a:spcPts val="0"/>
-              </a:spcAft>
-              <a:buNone/>
-            </a:pPr>
-            <a:r>
-              <a:rPr lang="zh-CN" sz="1200">
-                <a:solidFill>
-                  <a:srgbClr val="58AA00"/>
-                </a:solidFill>
-                <a:highlight>
-                  <a:srgbClr val="FFFFFF"/>
-                </a:highlight>
-                <a:latin typeface="Verdana"/>
-                <a:ea typeface="Verdana"/>
-                <a:cs typeface="Verdana"/>
-                <a:sym typeface="Verdana"/>
-              </a:rPr>
-              <a:t>ps -ef|grep node;</a:t>
-            </a:r>
-          </a:p>
-          <a:p>
-            <a:pPr lvl="0" rtl="0">
-              <a:lnSpc>
-                <a:spcPct val="142857"/>
-              </a:lnSpc>
-              <a:spcBef>
-                <a:spcPts val="0"/>
-              </a:spcBef>
-              <a:spcAft>
-                <a:spcPts val="0"/>
-              </a:spcAft>
-              <a:buNone/>
-            </a:pPr>
-            <a:r>
-              <a:rPr lang="zh-CN" sz="1200">
-                <a:solidFill>
-                  <a:srgbClr val="58AA00"/>
-                </a:solidFill>
-                <a:highlight>
-                  <a:srgbClr val="FFFFFF"/>
-                </a:highlight>
-                <a:latin typeface="Verdana"/>
-                <a:ea typeface="Verdana"/>
-                <a:cs typeface="Verdana"/>
-                <a:sym typeface="Verdana"/>
-              </a:rPr>
-              <a:t>ln -s;</a:t>
-            </a:r>
-          </a:p>
-          <a:p>
-            <a:pPr lvl="0" rtl="0">
-              <a:lnSpc>
-                <a:spcPct val="142857"/>
-              </a:lnSpc>
-              <a:spcBef>
-                <a:spcPts val="0"/>
-              </a:spcBef>
-              <a:spcAft>
-                <a:spcPts val="0"/>
-              </a:spcAft>
-              <a:buNone/>
-            </a:pPr>
-            <a:r>
-              <a:rPr lang="zh-CN" sz="1200">
-                <a:solidFill>
-                  <a:srgbClr val="58AA00"/>
-                </a:solidFill>
-                <a:highlight>
-                  <a:srgbClr val="FFFFFF"/>
-                </a:highlight>
-                <a:latin typeface="Verdana"/>
-                <a:ea typeface="Verdana"/>
-                <a:cs typeface="Verdana"/>
-                <a:sym typeface="Verdana"/>
-              </a:rPr>
-              <a:t>find / -name node*;</a:t>
-            </a:r>
-          </a:p>
-          <a:p>
-            <a:pPr lvl="0" rtl="0">
-              <a:lnSpc>
-                <a:spcPct val="142857"/>
-              </a:lnSpc>
-              <a:spcBef>
-                <a:spcPts val="0"/>
-              </a:spcBef>
-              <a:spcAft>
-                <a:spcPts val="0"/>
-              </a:spcAft>
-              <a:buNone/>
-            </a:pPr>
-            <a:r>
-              <a:rPr lang="zh-CN" sz="1200">
-                <a:solidFill>
-                  <a:srgbClr val="58AA00"/>
-                </a:solidFill>
-                <a:highlight>
-                  <a:srgbClr val="FFFFFF"/>
-                </a:highlight>
-                <a:latin typeface="Verdana"/>
-                <a:ea typeface="Verdana"/>
-                <a:cs typeface="Verdana"/>
-                <a:sym typeface="Verdana"/>
-              </a:rPr>
-              <a:t>kill -2 `pgrep mongod`;</a:t>
-            </a:r>
-          </a:p>
-          <a:p>
-            <a:pPr lvl="0" rtl="0">
-              <a:lnSpc>
-                <a:spcPct val="142857"/>
-              </a:lnSpc>
-              <a:spcBef>
-                <a:spcPts val="0"/>
-              </a:spcBef>
-              <a:spcAft>
-                <a:spcPts val="0"/>
-              </a:spcAft>
-              <a:buNone/>
-            </a:pPr>
-            <a:r>
-              <a:rPr lang="zh-CN" sz="1200">
-                <a:solidFill>
-                  <a:srgbClr val="58AA00"/>
-                </a:solidFill>
-                <a:highlight>
-                  <a:srgbClr val="FFFFFF"/>
-                </a:highlight>
-                <a:latin typeface="Verdana"/>
-                <a:ea typeface="Verdana"/>
-                <a:cs typeface="Verdana"/>
-                <a:sym typeface="Verdana"/>
-              </a:rPr>
-              <a:t>sudo rz -y;</a:t>
-            </a:r>
-          </a:p>
-          <a:p>
-            <a:pPr lvl="0" rtl="0">
-              <a:lnSpc>
-                <a:spcPct val="142857"/>
-              </a:lnSpc>
-              <a:spcBef>
-                <a:spcPts val="0"/>
-              </a:spcBef>
-              <a:spcAft>
-                <a:spcPts val="0"/>
-              </a:spcAft>
-              <a:buNone/>
-            </a:pPr>
-            <a:r>
-              <a:rPr lang="zh-CN" sz="1200">
-                <a:solidFill>
-                  <a:srgbClr val="58AA00"/>
-                </a:solidFill>
-                <a:highlight>
-                  <a:srgbClr val="FFFFFF"/>
-                </a:highlight>
-                <a:latin typeface="Verdana"/>
-                <a:ea typeface="Verdana"/>
-                <a:cs typeface="Verdana"/>
-                <a:sym typeface="Verdana"/>
-              </a:rPr>
-              <a:t>...</a:t>
-            </a:r>
-          </a:p>
-          <a:p>
-            <a:pPr lvl="0">
-              <a:lnSpc>
-                <a:spcPct val="142857"/>
-              </a:lnSpc>
-              <a:spcBef>
-                <a:spcPts val="0"/>
-              </a:spcBef>
-              <a:spcAft>
-                <a:spcPts val="0"/>
-              </a:spcAft>
-              <a:buNone/>
-            </a:pPr>
-            <a:r>
-              <a:t/>
-            </a:r>
-            <a:endParaRPr sz="900">
-              <a:solidFill>
-                <a:srgbClr val="A71D5D"/>
-              </a:solidFill>
-              <a:highlight>
-                <a:srgbClr val="FFFFFF"/>
-              </a:highlight>
-              <a:latin typeface="Verdana"/>
-              <a:ea typeface="Verdana"/>
-              <a:cs typeface="Verdana"/>
-              <a:sym typeface="Verdana"/>
-            </a:endParaRPr>
-          </a:p>
-          <a:p>
-            <a:pPr lvl="0">
-              <a:spcBef>
-                <a:spcPts val="0"/>
-              </a:spcBef>
-              <a:buNone/>
-            </a:pPr>
-            <a:r>
-              <a:t/>
-            </a:r>
-            <a:endParaRPr/>
-          </a:p>
-        </p:txBody>
-      </p:sp>
-    </p:spTree>
-  </p:cSld>
-  <p:clrMapOvr>
-    <a:masterClrMapping/>
-  </p:clrMapOvr>
-</p:sld>
+<file path=ppt/theme/theme1.xml><?xml version="1.0" encoding="utf-8"?>
+<a:theme xmlns:a="http://schemas.openxmlformats.org/drawingml/2006/main" xmlns:r="http://schemas.openxmlformats.org/officeDocument/2006/relationships" name="Custom Theme">
+  <a:themeElements>
+    <a:clrScheme name="Default">
+      <a:dk1>
+        <a:srgbClr val="000000"/>
+      </a:dk1>
+      <a:lt1>
+        <a:srgbClr val="FFFFFF"/>
+      </a:lt1>
+      <a:dk2>
+        <a:srgbClr val="158158"/>
+      </a:dk2>
+      <a:lt2>
+        <a:srgbClr val="F3F3F3"/>
+      </a:lt2>
+      <a:accent1>
+        <a:srgbClr val="058DC7"/>
+      </a:accent1>
+      <a:accent2>
+        <a:srgbClr val="50B432"/>
+      </a:accent2>
+      <a:accent3>
+        <a:srgbClr val="ED561B"/>
+      </a:accent3>
+      <a:accent4>
+        <a:srgbClr val="EDEF00"/>
+      </a:accent4>
+      <a:accent5>
+        <a:srgbClr val="24CBE5"/>
+      </a:accent5>
+      <a:accent6>
+        <a:srgbClr val="64E572"/>
+      </a:accent6>
+      <a:hlink>
+        <a:srgbClr val="2200CC"/>
+      </a:hlink>
+      <a:folHlink>
+        <a:srgbClr val="551A8B"/>
+      </a:folHlink>
+    </a:clrScheme>
+    <a:fontScheme name="Office">
+      <a:majorFont>
+        <a:latin typeface="Arial"/>
+        <a:ea typeface=""/>
+        <a:cs typeface=""/>
+        <a:font script="Jpan" typeface="ＭＳ Ｐゴシック"/>
+        <a:font script="Hang" typeface="맑은 고딕"/>
+        <a:font script="Hans" typeface="宋体"/>
+        <a:font script="Hant" typeface="新細明體"/>
+        <a:font script="Arab" typeface="Times New Roman"/>
+        <a:font script="Hebr" typeface="Times New Roman"/>
+        <a:font script="Thai" typeface="Angsana New"/>
+        <a:font script="Ethi" typeface="Nyala"/>
+        <a:font script="Beng" typeface="Vrinda"/>
+        <a:font script="Gujr" typeface="Shruti"/>
+        <a:font script="Khmr" typeface="MoolBoran"/>
+        <a:font script="Knda" typeface="Tunga"/>
+        <a:font script="Guru" typeface="Raavi"/>
+        <a:font script="Cans" typeface="Euphemia"/>
+        <a:font script="Cher" typeface="Plantagenet Cherokee"/>
+        <a:font script="Yiii" typeface="Microsoft Yi Baiti"/>
+        <a:font script="Tibt" typeface="Microsoft Himalaya"/>
+        <a:font script="Thaa" typeface="MV Boli"/>
+        <a:font script="Deva" typeface="Mangal"/>
+        <a:font script="Telu" typeface="Gautami"/>
+        <a:font script="Taml" typeface="Latha"/>
+        <a:font script="Syrc" typeface="Estrangelo Edessa"/>
+        <a:font script="Orya" typeface="Kalinga"/>
+        <a:font script="Mlym" typeface="Kartika"/>
+        <a:font script="Laoo" typeface="DokChampa"/>
+        <a:font script="Sinh" typeface="Iskoola Pota"/>
+        <a:font script="Mong" typeface="Mongolian Baiti"/>
+        <a:font script="Viet" typeface="Times New Roman"/>
+        <a:font script="Uigh" typeface="Microsoft Uighur"/>
+        <a:font script="Geor" typeface="Sylfaen"/>
+      </a:majorFont>
+      <a:minorFont>
+        <a:latin typeface="Arial"/>
+        <a:ea typeface=""/>
+        <a:cs typeface=""/>
+        <a:font script="Jpan" typeface="ＭＳ Ｐゴシック"/>
+        <a:font script="Hang" typeface="맑은 고딕"/>
+        <a:font script="Hans" typeface="宋体"/>
+        <a:font script="Hant" typeface="新細明體"/>
+        <a:font script="Arab" typeface="Arial"/>
+        <a:font script="Hebr" typeface="Arial"/>
+        <a:font script="Thai" typeface="Cordia New"/>
+        <a:font script="Ethi" typeface="Nyala"/>
+        <a:font script="Beng" typeface="Vrinda"/>
+        <a:font script="Gujr" typeface="Shruti"/>
+        <a:font script="Khmr" typeface="DaunPenh"/>
+        <a:font script="Knda" typeface="Tunga"/>
+        <a:font script="Guru" typeface="Raavi"/>
+        <a:font script="Cans" typeface="Euphemia"/>
+        <a:font script="Cher" typeface="Plantagenet Cherokee"/>
+        <a:font script="Yiii" typeface="Microsoft Yi Baiti"/>
+        <a:font script="Tibt" typeface="Microsoft Himalaya"/>
+        <a:font script="Thaa" typeface="MV Boli"/>
+        <a:font script="Deva" typeface="Mangal"/>
+        <a:font script="Telu" typeface="Gautami"/>
+        <a:font script="Taml" typeface="Latha"/>
+        <a:font script="Syrc" typeface="Estrangelo Edessa"/>
+        <a:font script="Orya" typeface="Kalinga"/>
+        <a:font script="Mlym" typeface="Kartika"/>
+        <a:font script="Laoo" typeface="DokChampa"/>
+        <a:font script="Sinh" typeface="Iskoola Pota"/>
+        <a:font script="Mong" typeface="Mongolian Baiti"/>
+        <a:font script="Viet" typeface="Arial"/>
+        <a:font script="Uigh" typeface="Microsoft Uighur"/>
+        <a:font script="Geor" typeface="Sylfaen"/>
+      </a:minorFont>
+    </a:fontScheme>
+    <a:fmtScheme name="Office">
+      <a:fillStyleLst>
+        <a:solidFill>
+          <a:schemeClr val="phClr"/>
+        </a:solidFill>
+        <a:gradFill rotWithShape="1">
+          <a:gsLst>
+            <a:gs pos="0">
+              <a:schemeClr val="phClr">
+                <a:tint val="50000"/>
+                <a:satMod val="300000"/>
+              </a:schemeClr>
+            </a:gs>
+            <a:gs pos="35000">
+              <a:schemeClr val="phClr">
+                <a:tint val="37000"/>
+                <a:satMod val="300000"/>
+              </a:schemeClr>
+            </a:gs>
+            <a:gs pos="100000">
+              <a:schemeClr val="phClr">
+                <a:tint val="15000"/>
+                <a:satMod val="350000"/>
+              </a:schemeClr>
+            </a:gs>
+          </a:gsLst>
+          <a:lin ang="16200000" scaled="1"/>
+        </a:gradFill>
+        <a:gradFill rotWithShape="1">
+          <a:gsLst>
+            <a:gs pos="0">
+              <a:schemeClr val="phClr">
+                <a:tint val="100000"/>
+                <a:shade val="100000"/>
+                <a:satMod val="130000"/>
+              </a:schemeClr>
+            </a:gs>
+            <a:gs pos="100000">
+              <a:schemeClr val="phClr">
+                <a:tint val="50000"/>
+                <a:shade val="100000"/>
+                <a:satMod val="350000"/>
+              </a:schemeClr>
+            </a:gs>
+          </a:gsLst>
+          <a:lin ang="16200000" scaled="0"/>
+        </a:gradFill>
+      </a:fillStyleLst>
+      <a:lnStyleLst>
+        <a:ln w="9525" cap="flat" cmpd="sng" algn="ctr">
+          <a:solidFill>
+            <a:schemeClr val="phClr">
+              <a:shade val="95000"/>
+              <a:satMod val="105000"/>
+            </a:schemeClr>
+          </a:solidFill>
+          <a:prstDash val="solid"/>
+        </a:ln>
+        <a:ln w="25400" cap="flat" cmpd="sng" algn="ctr">
+          <a:solidFill>
+            <a:schemeClr val="phClr"/>
+          </a:solidFill>
+          <a:prstDash val="solid"/>
+        </a:ln>
+        <a:ln w="38100" cap="flat" cmpd="sng" algn="ctr">
+          <a:solidFill>
+            <a:schemeClr val="phClr"/>
+          </a:solidFill>
+          <a:prstDash val="solid"/>
+        </a:ln>
+      </a:lnStyleLst>
+      <a:effectStyleLst>
+        <a:effectStyle>
+          <a:effectLst>
+            <a:outerShdw blurRad="40000" dist="20000" dir="5400000" rotWithShape="0">
+              <a:srgbClr val="000000">
+                <a:alpha val="38000"/>
+              </a:srgbClr>
+            </a:outerShdw>
+          </a:effectLst>
+        </a:effectStyle>
+        <a:effectStyle>
+          <a:effectLst>
+            <a:outerShdw blurRad="40000" dist="23000" dir="5400000" rotWithShape="0">
+              <a:srgbClr val="000000">
+                <a:alpha val="35000"/>
+              </a:srgbClr>
+            </a:outerShdw>
+          </a:effectLst>
+        </a:effectStyle>
+        <a:effectStyle>
+          <a:effectLst>
+            <a:outerShdw blurRad="40000" dist="23000" dir="5400000" rotWithShape="0">
+              <a:srgbClr val="000000">
+                <a:alpha val="35000"/>
+              </a:srgbClr>
+            </a:outerShdw>
+          </a:effectLst>
+          <a:scene3d>
+            <a:camera prst="orthographicFront">
+              <a:rot lat="0" lon="0" rev="0"/>
+            </a:camera>
+            <a:lightRig rig="threePt" dir="t">
+              <a:rot lat="0" lon="0" rev="1200000"/>
+            </a:lightRig>
+          </a:scene3d>
+          <a:sp3d>
+            <a:bevelT w="63500" h="25400"/>
+          </a:sp3d>
+        </a:effectStyle>
+      </a:effectStyleLst>
+      <a:bgFillStyleLst>
+        <a:solidFill>
+          <a:schemeClr val="phClr"/>
+        </a:solidFill>
+        <a:gradFill rotWithShape="1">
+          <a:gsLst>
+            <a:gs pos="0">
+              <a:schemeClr val="phClr">
+                <a:tint val="40000"/>
+                <a:satMod val="350000"/>
+              </a:schemeClr>
+            </a:gs>
+            <a:gs pos="40000">
+              <a:schemeClr val="phClr">
+                <a:tint val="45000"/>
+                <a:shade val="99000"/>
+                <a:satMod val="350000"/>
+              </a:schemeClr>
+            </a:gs>
+            <a:gs pos="100000">
+              <a:schemeClr val="phClr">
+                <a:shade val="20000"/>
+                <a:satMod val="255000"/>
+              </a:schemeClr>
+            </a:gs>
+          </a:gsLst>
+          <a:path path="circle">
+            <a:fillToRect l="50000" t="-80000" r="50000" b="180000"/>
+          </a:path>
+        </a:gradFill>
+        <a:gradFill rotWithShape="1">
+          <a:gsLst>
+            <a:gs pos="0">
+              <a:schemeClr val="phClr">
+                <a:tint val="80000"/>
+                <a:satMod val="300000"/>
+              </a:schemeClr>
+            </a:gs>
+            <a:gs pos="100000">
+              <a:schemeClr val="phClr">
+                <a:shade val="30000"/>
+                <a:satMod val="200000"/>
+              </a:schemeClr>
+            </a:gs>
+          </a:gsLst>
+          <a:path path="circle">
+            <a:fillToRect l="50000" t="50000" r="50000" b="50000"/>
+          </a:path>
+        </a:gradFill>
+      </a:bgFillStyleLst>
+    </a:fmtScheme>
+  </a:themeElements>
+</a:theme>
 </file>
 
-<file path=ppt/theme/theme1.xml><?xml version="1.0" encoding="utf-8"?>
+<file path=ppt/theme/theme2.xml><?xml version="1.0" encoding="utf-8"?>
 <a:theme xmlns:a="http://schemas.openxmlformats.org/drawingml/2006/main" xmlns:r="http://schemas.openxmlformats.org/officeDocument/2006/relationships" name="modern-writer">
   <a:themeElements>
     <a:clrScheme name="Modern Writer">
@@ -9752,283 +11497,4 @@
     </a:fmtScheme>
   </a:themeElements>
 </a:theme>
-</file>
-
-<file path=ppt/theme/theme2.xml><?xml version="1.0" encoding="utf-8"?>
-<a:theme xmlns:a="http://schemas.openxmlformats.org/drawingml/2006/main" xmlns:r="http://schemas.openxmlformats.org/officeDocument/2006/relationships" name="Custom Theme">
-  <a:themeElements>
-    <a:clrScheme name="Default">
-      <a:dk1>
-        <a:srgbClr val="000000"/>
-      </a:dk1>
-      <a:lt1>
-        <a:srgbClr val="FFFFFF"/>
-      </a:lt1>
-      <a:dk2>
-        <a:srgbClr val="158158"/>
-      </a:dk2>
-      <a:lt2>
-        <a:srgbClr val="F3F3F3"/>
-      </a:lt2>
-      <a:accent1>
-        <a:srgbClr val="058DC7"/>
-      </a:accent1>
-      <a:accent2>
-        <a:srgbClr val="50B432"/>
-      </a:accent2>
-      <a:accent3>
-        <a:srgbClr val="ED561B"/>
-      </a:accent3>
-      <a:accent4>
-        <a:srgbClr val="EDEF00"/>
-      </a:accent4>
-      <a:accent5>
-        <a:srgbClr val="24CBE5"/>
-      </a:accent5>
-      <a:accent6>
-        <a:srgbClr val="64E572"/>
-      </a:accent6>
-      <a:hlink>
-        <a:srgbClr val="2200CC"/>
-      </a:hlink>
-      <a:folHlink>
-        <a:srgbClr val="551A8B"/>
-      </a:folHlink>
-    </a:clrScheme>
-    <a:fontScheme name="Office">
-      <a:majorFont>
-        <a:latin typeface="Arial"/>
-        <a:ea typeface=""/>
-        <a:cs typeface=""/>
-        <a:font script="Jpan" typeface="ＭＳ Ｐゴシック"/>
-        <a:font script="Hang" typeface="맑은 고딕"/>
-        <a:font script="Hans" typeface="宋体"/>
-        <a:font script="Hant" typeface="新細明體"/>
-        <a:font script="Arab" typeface="Times New Roman"/>
-        <a:font script="Hebr" typeface="Times New Roman"/>
-        <a:font script="Thai" typeface="Angsana New"/>
-        <a:font script="Ethi" typeface="Nyala"/>
-        <a:font script="Beng" typeface="Vrinda"/>
-        <a:font script="Gujr" typeface="Shruti"/>
-        <a:font script="Khmr" typeface="MoolBoran"/>
-        <a:font script="Knda" typeface="Tunga"/>
-        <a:font script="Guru" typeface="Raavi"/>
-        <a:font script="Cans" typeface="Euphemia"/>
-        <a:font script="Cher" typeface="Plantagenet Cherokee"/>
-        <a:font script="Yiii" typeface="Microsoft Yi Baiti"/>
-        <a:font script="Tibt" typeface="Microsoft Himalaya"/>
-        <a:font script="Thaa" typeface="MV Boli"/>
-        <a:font script="Deva" typeface="Mangal"/>
-        <a:font script="Telu" typeface="Gautami"/>
-        <a:font script="Taml" typeface="Latha"/>
-        <a:font script="Syrc" typeface="Estrangelo Edessa"/>
-        <a:font script="Orya" typeface="Kalinga"/>
-        <a:font script="Mlym" typeface="Kartika"/>
-        <a:font script="Laoo" typeface="DokChampa"/>
-        <a:font script="Sinh" typeface="Iskoola Pota"/>
-        <a:font script="Mong" typeface="Mongolian Baiti"/>
-        <a:font script="Viet" typeface="Times New Roman"/>
-        <a:font script="Uigh" typeface="Microsoft Uighur"/>
-        <a:font script="Geor" typeface="Sylfaen"/>
-      </a:majorFont>
-      <a:minorFont>
-        <a:latin typeface="Arial"/>
-        <a:ea typeface=""/>
-        <a:cs typeface=""/>
-        <a:font script="Jpan" typeface="ＭＳ Ｐゴシック"/>
-        <a:font script="Hang" typeface="맑은 고딕"/>
-        <a:font script="Hans" typeface="宋体"/>
-        <a:font script="Hant" typeface="新細明體"/>
-        <a:font script="Arab" typeface="Arial"/>
-        <a:font script="Hebr" typeface="Arial"/>
-        <a:font script="Thai" typeface="Cordia New"/>
-        <a:font script="Ethi" typeface="Nyala"/>
-        <a:font script="Beng" typeface="Vrinda"/>
-        <a:font script="Gujr" typeface="Shruti"/>
-        <a:font script="Khmr" typeface="DaunPenh"/>
-        <a:font script="Knda" typeface="Tunga"/>
-        <a:font script="Guru" typeface="Raavi"/>
-        <a:font script="Cans" typeface="Euphemia"/>
-        <a:font script="Cher" typeface="Plantagenet Cherokee"/>
-        <a:font script="Yiii" typeface="Microsoft Yi Baiti"/>
-        <a:font script="Tibt" typeface="Microsoft Himalaya"/>
-        <a:font script="Thaa" typeface="MV Boli"/>
-        <a:font script="Deva" typeface="Mangal"/>
-        <a:font script="Telu" typeface="Gautami"/>
-        <a:font script="Taml" typeface="Latha"/>
-        <a:font script="Syrc" typeface="Estrangelo Edessa"/>
-        <a:font script="Orya" typeface="Kalinga"/>
-        <a:font script="Mlym" typeface="Kartika"/>
-        <a:font script="Laoo" typeface="DokChampa"/>
-        <a:font script="Sinh" typeface="Iskoola Pota"/>
-        <a:font script="Mong" typeface="Mongolian Baiti"/>
-        <a:font script="Viet" typeface="Arial"/>
-        <a:font script="Uigh" typeface="Microsoft Uighur"/>
-        <a:font script="Geor" typeface="Sylfaen"/>
-      </a:minorFont>
-    </a:fontScheme>
-    <a:fmtScheme name="Office">
-      <a:fillStyleLst>
-        <a:solidFill>
-          <a:schemeClr val="phClr"/>
-        </a:solidFill>
-        <a:gradFill rotWithShape="1">
-          <a:gsLst>
-            <a:gs pos="0">
-              <a:schemeClr val="phClr">
-                <a:tint val="50000"/>
-                <a:satMod val="300000"/>
-              </a:schemeClr>
-            </a:gs>
-            <a:gs pos="35000">
-              <a:schemeClr val="phClr">
-                <a:tint val="37000"/>
-                <a:satMod val="300000"/>
-              </a:schemeClr>
-            </a:gs>
-            <a:gs pos="100000">
-              <a:schemeClr val="phClr">
-                <a:tint val="15000"/>
-                <a:satMod val="350000"/>
-              </a:schemeClr>
-            </a:gs>
-          </a:gsLst>
-          <a:lin ang="16200000" scaled="1"/>
-        </a:gradFill>
-        <a:gradFill rotWithShape="1">
-          <a:gsLst>
-            <a:gs pos="0">
-              <a:schemeClr val="phClr">
-                <a:tint val="100000"/>
-                <a:shade val="100000"/>
-                <a:satMod val="130000"/>
-              </a:schemeClr>
-            </a:gs>
-            <a:gs pos="100000">
-              <a:schemeClr val="phClr">
-                <a:tint val="50000"/>
-                <a:shade val="100000"/>
-                <a:satMod val="350000"/>
-              </a:schemeClr>
-            </a:gs>
-          </a:gsLst>
-          <a:lin ang="16200000" scaled="0"/>
-        </a:gradFill>
-      </a:fillStyleLst>
-      <a:lnStyleLst>
-        <a:ln w="9525" cap="flat" cmpd="sng" algn="ctr">
-          <a:solidFill>
-            <a:schemeClr val="phClr">
-              <a:shade val="95000"/>
-              <a:satMod val="105000"/>
-            </a:schemeClr>
-          </a:solidFill>
-          <a:prstDash val="solid"/>
-        </a:ln>
-        <a:ln w="25400" cap="flat" cmpd="sng" algn="ctr">
-          <a:solidFill>
-            <a:schemeClr val="phClr"/>
-          </a:solidFill>
-          <a:prstDash val="solid"/>
-        </a:ln>
-        <a:ln w="38100" cap="flat" cmpd="sng" algn="ctr">
-          <a:solidFill>
-            <a:schemeClr val="phClr"/>
-          </a:solidFill>
-          <a:prstDash val="solid"/>
-        </a:ln>
-      </a:lnStyleLst>
-      <a:effectStyleLst>
-        <a:effectStyle>
-          <a:effectLst>
-            <a:outerShdw blurRad="40000" dist="20000" dir="5400000" rotWithShape="0">
-              <a:srgbClr val="000000">
-                <a:alpha val="38000"/>
-              </a:srgbClr>
-            </a:outerShdw>
-          </a:effectLst>
-        </a:effectStyle>
-        <a:effectStyle>
-          <a:effectLst>
-            <a:outerShdw blurRad="40000" dist="23000" dir="5400000" rotWithShape="0">
-              <a:srgbClr val="000000">
-                <a:alpha val="35000"/>
-              </a:srgbClr>
-            </a:outerShdw>
-          </a:effectLst>
-        </a:effectStyle>
-        <a:effectStyle>
-          <a:effectLst>
-            <a:outerShdw blurRad="40000" dist="23000" dir="5400000" rotWithShape="0">
-              <a:srgbClr val="000000">
-                <a:alpha val="35000"/>
-              </a:srgbClr>
-            </a:outerShdw>
-          </a:effectLst>
-          <a:scene3d>
-            <a:camera prst="orthographicFront">
-              <a:rot lat="0" lon="0" rev="0"/>
-            </a:camera>
-            <a:lightRig rig="threePt" dir="t">
-              <a:rot lat="0" lon="0" rev="1200000"/>
-            </a:lightRig>
-          </a:scene3d>
-          <a:sp3d>
-            <a:bevelT w="63500" h="25400"/>
-          </a:sp3d>
-        </a:effectStyle>
-      </a:effectStyleLst>
-      <a:bgFillStyleLst>
-        <a:solidFill>
-          <a:schemeClr val="phClr"/>
-        </a:solidFill>
-        <a:gradFill rotWithShape="1">
-          <a:gsLst>
-            <a:gs pos="0">
-              <a:schemeClr val="phClr">
-                <a:tint val="40000"/>
-                <a:satMod val="350000"/>
-              </a:schemeClr>
-            </a:gs>
-            <a:gs pos="40000">
-              <a:schemeClr val="phClr">
-                <a:tint val="45000"/>
-                <a:shade val="99000"/>
-                <a:satMod val="350000"/>
-              </a:schemeClr>
-            </a:gs>
-            <a:gs pos="100000">
-              <a:schemeClr val="phClr">
-                <a:shade val="20000"/>
-                <a:satMod val="255000"/>
-              </a:schemeClr>
-            </a:gs>
-          </a:gsLst>
-          <a:path path="circle">
-            <a:fillToRect l="50000" t="-80000" r="50000" b="180000"/>
-          </a:path>
-        </a:gradFill>
-        <a:gradFill rotWithShape="1">
-          <a:gsLst>
-            <a:gs pos="0">
-              <a:schemeClr val="phClr">
-                <a:tint val="80000"/>
-                <a:satMod val="300000"/>
-              </a:schemeClr>
-            </a:gs>
-            <a:gs pos="100000">
-              <a:schemeClr val="phClr">
-                <a:shade val="30000"/>
-                <a:satMod val="200000"/>
-              </a:schemeClr>
-            </a:gs>
-          </a:gsLst>
-          <a:path path="circle">
-            <a:fillToRect l="50000" t="50000" r="50000" b="50000"/>
-          </a:path>
-        </a:gradFill>
-      </a:bgFillStyleLst>
-    </a:fmtScheme>
-  </a:themeElements>
-</a:theme>
 </file>
--- a/文件发布管理.pptx
+++ b/文件发布管理.pptx
@@ -8925,9 +8925,9 @@
               <a:buNone/>
             </a:pPr>
             <a:r>
-              <a:t/>
+              <a:rPr lang="zh-CN"/>
+              <a:t> </a:t>
             </a:r>
-            <a:endParaRPr/>
           </a:p>
         </p:txBody>
       </p:sp>
@@ -9879,9 +9879,9 @@
               <a:buNone/>
             </a:pPr>
             <a:r>
-              <a:t/>
+              <a:rPr lang="zh-CN"/>
+              <a:t> </a:t>
             </a:r>
-            <a:endParaRPr/>
           </a:p>
         </p:txBody>
       </p:sp>
@@ -10942,6 +10942,285 @@
 </file>
 
 <file path=ppt/theme/theme1.xml><?xml version="1.0" encoding="utf-8"?>
+<a:theme xmlns:a="http://schemas.openxmlformats.org/drawingml/2006/main" xmlns:r="http://schemas.openxmlformats.org/officeDocument/2006/relationships" name="modern-writer">
+  <a:themeElements>
+    <a:clrScheme name="Modern Writer">
+      <a:dk1>
+        <a:srgbClr val="E91D63"/>
+      </a:dk1>
+      <a:lt1>
+        <a:srgbClr val="FFFFFF"/>
+      </a:lt1>
+      <a:dk2>
+        <a:srgbClr val="424242"/>
+      </a:dk2>
+      <a:lt2>
+        <a:srgbClr val="999999"/>
+      </a:lt2>
+      <a:accent1>
+        <a:srgbClr val="607D8B"/>
+      </a:accent1>
+      <a:accent2>
+        <a:srgbClr val="673AB7"/>
+      </a:accent2>
+      <a:accent3>
+        <a:srgbClr val="9C26B0"/>
+      </a:accent3>
+      <a:accent4>
+        <a:srgbClr val="0090AC"/>
+      </a:accent4>
+      <a:accent5>
+        <a:srgbClr val="01AFD1"/>
+      </a:accent5>
+      <a:accent6>
+        <a:srgbClr val="F8E71C"/>
+      </a:accent6>
+      <a:hlink>
+        <a:srgbClr val="01AFD1"/>
+      </a:hlink>
+      <a:folHlink>
+        <a:srgbClr val="01AFD1"/>
+      </a:folHlink>
+    </a:clrScheme>
+    <a:fontScheme name="Office">
+      <a:majorFont>
+        <a:latin typeface="Arial"/>
+        <a:ea typeface=""/>
+        <a:cs typeface=""/>
+        <a:font script="Jpan" typeface="ＭＳ Ｐゴシック"/>
+        <a:font script="Hang" typeface="맑은 고딕"/>
+        <a:font script="Hans" typeface="宋体"/>
+        <a:font script="Hant" typeface="新細明體"/>
+        <a:font script="Arab" typeface="Times New Roman"/>
+        <a:font script="Hebr" typeface="Times New Roman"/>
+        <a:font script="Thai" typeface="Angsana New"/>
+        <a:font script="Ethi" typeface="Nyala"/>
+        <a:font script="Beng" typeface="Vrinda"/>
+        <a:font script="Gujr" typeface="Shruti"/>
+        <a:font script="Khmr" typeface="MoolBoran"/>
+        <a:font script="Knda" typeface="Tunga"/>
+        <a:font script="Guru" typeface="Raavi"/>
+        <a:font script="Cans" typeface="Euphemia"/>
+        <a:font script="Cher" typeface="Plantagenet Cherokee"/>
+        <a:font script="Yiii" typeface="Microsoft Yi Baiti"/>
+        <a:font script="Tibt" typeface="Microsoft Himalaya"/>
+        <a:font script="Thaa" typeface="MV Boli"/>
+        <a:font script="Deva" typeface="Mangal"/>
+        <a:font script="Telu" typeface="Gautami"/>
+        <a:font script="Taml" typeface="Latha"/>
+        <a:font script="Syrc" typeface="Estrangelo Edessa"/>
+        <a:font script="Orya" typeface="Kalinga"/>
+        <a:font script="Mlym" typeface="Kartika"/>
+        <a:font script="Laoo" typeface="DokChampa"/>
+        <a:font script="Sinh" typeface="Iskoola Pota"/>
+        <a:font script="Mong" typeface="Mongolian Baiti"/>
+        <a:font script="Viet" typeface="Times New Roman"/>
+        <a:font script="Uigh" typeface="Microsoft Uighur"/>
+        <a:font script="Geor" typeface="Sylfaen"/>
+      </a:majorFont>
+      <a:minorFont>
+        <a:latin typeface="Arial"/>
+        <a:ea typeface=""/>
+        <a:cs typeface=""/>
+        <a:font script="Jpan" typeface="ＭＳ Ｐゴシック"/>
+        <a:font script="Hang" typeface="맑은 고딕"/>
+        <a:font script="Hans" typeface="宋体"/>
+        <a:font script="Hant" typeface="新細明體"/>
+        <a:font script="Arab" typeface="Arial"/>
+        <a:font script="Hebr" typeface="Arial"/>
+        <a:font script="Thai" typeface="Cordia New"/>
+        <a:font script="Ethi" typeface="Nyala"/>
+        <a:font script="Beng" typeface="Vrinda"/>
+        <a:font script="Gujr" typeface="Shruti"/>
+        <a:font script="Khmr" typeface="DaunPenh"/>
+        <a:font script="Knda" typeface="Tunga"/>
+        <a:font script="Guru" typeface="Raavi"/>
+        <a:font script="Cans" typeface="Euphemia"/>
+        <a:font script="Cher" typeface="Plantagenet Cherokee"/>
+        <a:font script="Yiii" typeface="Microsoft Yi Baiti"/>
+        <a:font script="Tibt" typeface="Microsoft Himalaya"/>
+        <a:font script="Thaa" typeface="MV Boli"/>
+        <a:font script="Deva" typeface="Mangal"/>
+        <a:font script="Telu" typeface="Gautami"/>
+        <a:font script="Taml" typeface="Latha"/>
+        <a:font script="Syrc" typeface="Estrangelo Edessa"/>
+        <a:font script="Orya" typeface="Kalinga"/>
+        <a:font script="Mlym" typeface="Kartika"/>
+        <a:font script="Laoo" typeface="DokChampa"/>
+        <a:font script="Sinh" typeface="Iskoola Pota"/>
+        <a:font script="Mong" typeface="Mongolian Baiti"/>
+        <a:font script="Viet" typeface="Arial"/>
+        <a:font script="Uigh" typeface="Microsoft Uighur"/>
+        <a:font script="Geor" typeface="Sylfaen"/>
+      </a:minorFont>
+    </a:fontScheme>
+    <a:fmtScheme name="Office">
+      <a:fillStyleLst>
+        <a:solidFill>
+          <a:schemeClr val="phClr"/>
+        </a:solidFill>
+        <a:gradFill rotWithShape="1">
+          <a:gsLst>
+            <a:gs pos="0">
+              <a:schemeClr val="phClr">
+                <a:tint val="50000"/>
+                <a:satMod val="300000"/>
+              </a:schemeClr>
+            </a:gs>
+            <a:gs pos="35000">
+              <a:schemeClr val="phClr">
+                <a:tint val="37000"/>
+                <a:satMod val="300000"/>
+              </a:schemeClr>
+            </a:gs>
+            <a:gs pos="100000">
+              <a:schemeClr val="phClr">
+                <a:tint val="15000"/>
+                <a:satMod val="350000"/>
+              </a:schemeClr>
+            </a:gs>
+          </a:gsLst>
+          <a:lin ang="16200000" scaled="1"/>
+        </a:gradFill>
+        <a:gradFill rotWithShape="1">
+          <a:gsLst>
+            <a:gs pos="0">
+              <a:schemeClr val="phClr">
+                <a:tint val="100000"/>
+                <a:shade val="100000"/>
+                <a:satMod val="130000"/>
+              </a:schemeClr>
+            </a:gs>
+            <a:gs pos="100000">
+              <a:schemeClr val="phClr">
+                <a:tint val="50000"/>
+                <a:shade val="100000"/>
+                <a:satMod val="350000"/>
+              </a:schemeClr>
+            </a:gs>
+          </a:gsLst>
+          <a:lin ang="16200000" scaled="0"/>
+        </a:gradFill>
+      </a:fillStyleLst>
+      <a:lnStyleLst>
+        <a:ln w="9525" cap="flat" cmpd="sng" algn="ctr">
+          <a:solidFill>
+            <a:schemeClr val="phClr">
+              <a:shade val="95000"/>
+              <a:satMod val="105000"/>
+            </a:schemeClr>
+          </a:solidFill>
+          <a:prstDash val="solid"/>
+        </a:ln>
+        <a:ln w="25400" cap="flat" cmpd="sng" algn="ctr">
+          <a:solidFill>
+            <a:schemeClr val="phClr"/>
+          </a:solidFill>
+          <a:prstDash val="solid"/>
+        </a:ln>
+        <a:ln w="38100" cap="flat" cmpd="sng" algn="ctr">
+          <a:solidFill>
+            <a:schemeClr val="phClr"/>
+          </a:solidFill>
+          <a:prstDash val="solid"/>
+        </a:ln>
+      </a:lnStyleLst>
+      <a:effectStyleLst>
+        <a:effectStyle>
+          <a:effectLst>
+            <a:outerShdw blurRad="40000" dist="20000" dir="5400000" rotWithShape="0">
+              <a:srgbClr val="000000">
+                <a:alpha val="38000"/>
+              </a:srgbClr>
+            </a:outerShdw>
+          </a:effectLst>
+        </a:effectStyle>
+        <a:effectStyle>
+          <a:effectLst>
+            <a:outerShdw blurRad="40000" dist="23000" dir="5400000" rotWithShape="0">
+              <a:srgbClr val="000000">
+                <a:alpha val="35000"/>
+              </a:srgbClr>
+            </a:outerShdw>
+          </a:effectLst>
+        </a:effectStyle>
+        <a:effectStyle>
+          <a:effectLst>
+            <a:outerShdw blurRad="40000" dist="23000" dir="5400000" rotWithShape="0">
+              <a:srgbClr val="000000">
+                <a:alpha val="35000"/>
+              </a:srgbClr>
+            </a:outerShdw>
+          </a:effectLst>
+          <a:scene3d>
+            <a:camera prst="orthographicFront">
+              <a:rot lat="0" lon="0" rev="0"/>
+            </a:camera>
+            <a:lightRig rig="threePt" dir="t">
+              <a:rot lat="0" lon="0" rev="1200000"/>
+            </a:lightRig>
+          </a:scene3d>
+          <a:sp3d>
+            <a:bevelT w="63500" h="25400"/>
+          </a:sp3d>
+        </a:effectStyle>
+      </a:effectStyleLst>
+      <a:bgFillStyleLst>
+        <a:solidFill>
+          <a:schemeClr val="phClr"/>
+        </a:solidFill>
+        <a:gradFill rotWithShape="1">
+          <a:gsLst>
+            <a:gs pos="0">
+              <a:schemeClr val="phClr">
+                <a:tint val="40000"/>
+                <a:satMod val="350000"/>
+              </a:schemeClr>
+            </a:gs>
+            <a:gs pos="40000">
+              <a:schemeClr val="phClr">
+                <a:tint val="45000"/>
+                <a:shade val="99000"/>
+                <a:satMod val="350000"/>
+              </a:schemeClr>
+            </a:gs>
+            <a:gs pos="100000">
+              <a:schemeClr val="phClr">
+                <a:shade val="20000"/>
+                <a:satMod val="255000"/>
+              </a:schemeClr>
+            </a:gs>
+          </a:gsLst>
+          <a:path path="circle">
+            <a:fillToRect l="50000" t="-80000" r="50000" b="180000"/>
+          </a:path>
+        </a:gradFill>
+        <a:gradFill rotWithShape="1">
+          <a:gsLst>
+            <a:gs pos="0">
+              <a:schemeClr val="phClr">
+                <a:tint val="80000"/>
+                <a:satMod val="300000"/>
+              </a:schemeClr>
+            </a:gs>
+            <a:gs pos="100000">
+              <a:schemeClr val="phClr">
+                <a:shade val="30000"/>
+                <a:satMod val="200000"/>
+              </a:schemeClr>
+            </a:gs>
+          </a:gsLst>
+          <a:path path="circle">
+            <a:fillToRect l="50000" t="50000" r="50000" b="50000"/>
+          </a:path>
+        </a:gradFill>
+      </a:bgFillStyleLst>
+    </a:fmtScheme>
+  </a:themeElements>
+</a:theme>
+</file>
+
+<file path=ppt/theme/theme2.xml><?xml version="1.0" encoding="utf-8"?>
 <a:theme xmlns:a="http://schemas.openxmlformats.org/drawingml/2006/main" xmlns:r="http://schemas.openxmlformats.org/officeDocument/2006/relationships" name="Custom Theme">
   <a:themeElements>
     <a:clrScheme name="Default">
@@ -11218,283 +11497,4 @@
     </a:fmtScheme>
   </a:themeElements>
 </a:theme>
-</file>
-
-<file path=ppt/theme/theme2.xml><?xml version="1.0" encoding="utf-8"?>
-<a:theme xmlns:a="http://schemas.openxmlformats.org/drawingml/2006/main" xmlns:r="http://schemas.openxmlformats.org/officeDocument/2006/relationships" name="modern-writer">
-  <a:themeElements>
-    <a:clrScheme name="Modern Writer">
-      <a:dk1>
-        <a:srgbClr val="E91D63"/>
-      </a:dk1>
-      <a:lt1>
-        <a:srgbClr val="FFFFFF"/>
-      </a:lt1>
-      <a:dk2>
-        <a:srgbClr val="424242"/>
-      </a:dk2>
-      <a:lt2>
-        <a:srgbClr val="999999"/>
-      </a:lt2>
-      <a:accent1>
-        <a:srgbClr val="607D8B"/>
-      </a:accent1>
-      <a:accent2>
-        <a:srgbClr val="673AB7"/>
-      </a:accent2>
-      <a:accent3>
-        <a:srgbClr val="9C26B0"/>
-      </a:accent3>
-      <a:accent4>
-        <a:srgbClr val="0090AC"/>
-      </a:accent4>
-      <a:accent5>
-        <a:srgbClr val="01AFD1"/>
-      </a:accent5>
-      <a:accent6>
-        <a:srgbClr val="F8E71C"/>
-      </a:accent6>
-      <a:hlink>
-        <a:srgbClr val="01AFD1"/>
-      </a:hlink>
-      <a:folHlink>
-        <a:srgbClr val="01AFD1"/>
-      </a:folHlink>
-    </a:clrScheme>
-    <a:fontScheme name="Office">
-      <a:majorFont>
-        <a:latin typeface="Arial"/>
-        <a:ea typeface=""/>
-        <a:cs typeface=""/>
-        <a:font script="Jpan" typeface="ＭＳ Ｐゴシック"/>
-        <a:font script="Hang" typeface="맑은 고딕"/>
-        <a:font script="Hans" typeface="宋体"/>
-        <a:font script="Hant" typeface="新細明體"/>
-        <a:font script="Arab" typeface="Times New Roman"/>
-        <a:font script="Hebr" typeface="Times New Roman"/>
-        <a:font script="Thai" typeface="Angsana New"/>
-        <a:font script="Ethi" typeface="Nyala"/>
-        <a:font script="Beng" typeface="Vrinda"/>
-        <a:font script="Gujr" typeface="Shruti"/>
-        <a:font script="Khmr" typeface="MoolBoran"/>
-        <a:font script="Knda" typeface="Tunga"/>
-        <a:font script="Guru" typeface="Raavi"/>
-        <a:font script="Cans" typeface="Euphemia"/>
-        <a:font script="Cher" typeface="Plantagenet Cherokee"/>
-        <a:font script="Yiii" typeface="Microsoft Yi Baiti"/>
-        <a:font script="Tibt" typeface="Microsoft Himalaya"/>
-        <a:font script="Thaa" typeface="MV Boli"/>
-        <a:font script="Deva" typeface="Mangal"/>
-        <a:font script="Telu" typeface="Gautami"/>
-        <a:font script="Taml" typeface="Latha"/>
-        <a:font script="Syrc" typeface="Estrangelo Edessa"/>
-        <a:font script="Orya" typeface="Kalinga"/>
-        <a:font script="Mlym" typeface="Kartika"/>
-        <a:font script="Laoo" typeface="DokChampa"/>
-        <a:font script="Sinh" typeface="Iskoola Pota"/>
-        <a:font script="Mong" typeface="Mongolian Baiti"/>
-        <a:font script="Viet" typeface="Times New Roman"/>
-        <a:font script="Uigh" typeface="Microsoft Uighur"/>
-        <a:font script="Geor" typeface="Sylfaen"/>
-      </a:majorFont>
-      <a:minorFont>
-        <a:latin typeface="Arial"/>
-        <a:ea typeface=""/>
-        <a:cs typeface=""/>
-        <a:font script="Jpan" typeface="ＭＳ Ｐゴシック"/>
-        <a:font script="Hang" typeface="맑은 고딕"/>
-        <a:font script="Hans" typeface="宋体"/>
-        <a:font script="Hant" typeface="新細明體"/>
-        <a:font script="Arab" typeface="Arial"/>
-        <a:font script="Hebr" typeface="Arial"/>
-        <a:font script="Thai" typeface="Cordia New"/>
-        <a:font script="Ethi" typeface="Nyala"/>
-        <a:font script="Beng" typeface="Vrinda"/>
-        <a:font script="Gujr" typeface="Shruti"/>
-        <a:font script="Khmr" typeface="DaunPenh"/>
-        <a:font script="Knda" typeface="Tunga"/>
-        <a:font script="Guru" typeface="Raavi"/>
-        <a:font script="Cans" typeface="Euphemia"/>
-        <a:font script="Cher" typeface="Plantagenet Cherokee"/>
-        <a:font script="Yiii" typeface="Microsoft Yi Baiti"/>
-        <a:font script="Tibt" typeface="Microsoft Himalaya"/>
-        <a:font script="Thaa" typeface="MV Boli"/>
-        <a:font script="Deva" typeface="Mangal"/>
-        <a:font script="Telu" typeface="Gautami"/>
-        <a:font script="Taml" typeface="Latha"/>
-        <a:font script="Syrc" typeface="Estrangelo Edessa"/>
-        <a:font script="Orya" typeface="Kalinga"/>
-        <a:font script="Mlym" typeface="Kartika"/>
-        <a:font script="Laoo" typeface="DokChampa"/>
-        <a:font script="Sinh" typeface="Iskoola Pota"/>
-        <a:font script="Mong" typeface="Mongolian Baiti"/>
-        <a:font script="Viet" typeface="Arial"/>
-        <a:font script="Uigh" typeface="Microsoft Uighur"/>
-        <a:font script="Geor" typeface="Sylfaen"/>
-      </a:minorFont>
-    </a:fontScheme>
-    <a:fmtScheme name="Office">
-      <a:fillStyleLst>
-        <a:solidFill>
-          <a:schemeClr val="phClr"/>
-        </a:solidFill>
-        <a:gradFill rotWithShape="1">
-          <a:gsLst>
-            <a:gs pos="0">
-              <a:schemeClr val="phClr">
-                <a:tint val="50000"/>
-                <a:satMod val="300000"/>
-              </a:schemeClr>
-            </a:gs>
-            <a:gs pos="35000">
-              <a:schemeClr val="phClr">
-                <a:tint val="37000"/>
-                <a:satMod val="300000"/>
-              </a:schemeClr>
-            </a:gs>
-            <a:gs pos="100000">
-              <a:schemeClr val="phClr">
-                <a:tint val="15000"/>
-                <a:satMod val="350000"/>
-              </a:schemeClr>
-            </a:gs>
-          </a:gsLst>
-          <a:lin ang="16200000" scaled="1"/>
-        </a:gradFill>
-        <a:gradFill rotWithShape="1">
-          <a:gsLst>
-            <a:gs pos="0">
-              <a:schemeClr val="phClr">
-                <a:tint val="100000"/>
-                <a:shade val="100000"/>
-                <a:satMod val="130000"/>
-              </a:schemeClr>
-            </a:gs>
-            <a:gs pos="100000">
-              <a:schemeClr val="phClr">
-                <a:tint val="50000"/>
-                <a:shade val="100000"/>
-                <a:satMod val="350000"/>
-              </a:schemeClr>
-            </a:gs>
-          </a:gsLst>
-          <a:lin ang="16200000" scaled="0"/>
-        </a:gradFill>
-      </a:fillStyleLst>
-      <a:lnStyleLst>
-        <a:ln w="9525" cap="flat" cmpd="sng" algn="ctr">
-          <a:solidFill>
-            <a:schemeClr val="phClr">
-              <a:shade val="95000"/>
-              <a:satMod val="105000"/>
-            </a:schemeClr>
-          </a:solidFill>
-          <a:prstDash val="solid"/>
-        </a:ln>
-        <a:ln w="25400" cap="flat" cmpd="sng" algn="ctr">
-          <a:solidFill>
-            <a:schemeClr val="phClr"/>
-          </a:solidFill>
-          <a:prstDash val="solid"/>
-        </a:ln>
-        <a:ln w="38100" cap="flat" cmpd="sng" algn="ctr">
-          <a:solidFill>
-            <a:schemeClr val="phClr"/>
-          </a:solidFill>
-          <a:prstDash val="solid"/>
-        </a:ln>
-      </a:lnStyleLst>
-      <a:effectStyleLst>
-        <a:effectStyle>
-          <a:effectLst>
-            <a:outerShdw blurRad="40000" dist="20000" dir="5400000" rotWithShape="0">
-              <a:srgbClr val="000000">
-                <a:alpha val="38000"/>
-              </a:srgbClr>
-            </a:outerShdw>
-          </a:effectLst>
-        </a:effectStyle>
-        <a:effectStyle>
-          <a:effectLst>
-            <a:outerShdw blurRad="40000" dist="23000" dir="5400000" rotWithShape="0">
-              <a:srgbClr val="000000">
-                <a:alpha val="35000"/>
-              </a:srgbClr>
-            </a:outerShdw>
-          </a:effectLst>
-        </a:effectStyle>
-        <a:effectStyle>
-          <a:effectLst>
-            <a:outerShdw blurRad="40000" dist="23000" dir="5400000" rotWithShape="0">
-              <a:srgbClr val="000000">
-                <a:alpha val="35000"/>
-              </a:srgbClr>
-            </a:outerShdw>
-          </a:effectLst>
-          <a:scene3d>
-            <a:camera prst="orthographicFront">
-              <a:rot lat="0" lon="0" rev="0"/>
-            </a:camera>
-            <a:lightRig rig="threePt" dir="t">
-              <a:rot lat="0" lon="0" rev="1200000"/>
-            </a:lightRig>
-          </a:scene3d>
-          <a:sp3d>
-            <a:bevelT w="63500" h="25400"/>
-          </a:sp3d>
-        </a:effectStyle>
-      </a:effectStyleLst>
-      <a:bgFillStyleLst>
-        <a:solidFill>
-          <a:schemeClr val="phClr"/>
-        </a:solidFill>
-        <a:gradFill rotWithShape="1">
-          <a:gsLst>
-            <a:gs pos="0">
-              <a:schemeClr val="phClr">
-                <a:tint val="40000"/>
-                <a:satMod val="350000"/>
-              </a:schemeClr>
-            </a:gs>
-            <a:gs pos="40000">
-              <a:schemeClr val="phClr">
-                <a:tint val="45000"/>
-                <a:shade val="99000"/>
-                <a:satMod val="350000"/>
-              </a:schemeClr>
-            </a:gs>
-            <a:gs pos="100000">
-              <a:schemeClr val="phClr">
-                <a:shade val="20000"/>
-                <a:satMod val="255000"/>
-              </a:schemeClr>
-            </a:gs>
-          </a:gsLst>
-          <a:path path="circle">
-            <a:fillToRect l="50000" t="-80000" r="50000" b="180000"/>
-          </a:path>
-        </a:gradFill>
-        <a:gradFill rotWithShape="1">
-          <a:gsLst>
-            <a:gs pos="0">
-              <a:schemeClr val="phClr">
-                <a:tint val="80000"/>
-                <a:satMod val="300000"/>
-              </a:schemeClr>
-            </a:gs>
-            <a:gs pos="100000">
-              <a:schemeClr val="phClr">
-                <a:shade val="30000"/>
-                <a:satMod val="200000"/>
-              </a:schemeClr>
-            </a:gs>
-          </a:gsLst>
-          <a:path path="circle">
-            <a:fillToRect l="50000" t="50000" r="50000" b="50000"/>
-          </a:path>
-        </a:gradFill>
-      </a:bgFillStyleLst>
-    </a:fmtScheme>
-  </a:themeElements>
-</a:theme>
 </file>
--- a/文件发布管理.pptx
+++ b/文件发布管理.pptx
@@ -21,19 +21,20 @@
     <p:sldId id="266" r:id="rId15"/>
     <p:sldId id="267" r:id="rId16"/>
     <p:sldId id="268" r:id="rId17"/>
+    <p:sldId id="269" r:id="rId18"/>
   </p:sldIdLst>
   <p:sldSz cy="5143500" cx="9144000"/>
   <p:notesSz cx="6858000" cy="9144000"/>
   <p:embeddedFontLst>
     <p:embeddedFont>
       <p:font typeface="Source Code Pro"/>
-      <p:regular r:id="rId18"/>
-      <p:bold r:id="rId19"/>
+      <p:regular r:id="rId19"/>
+      <p:bold r:id="rId20"/>
     </p:embeddedFont>
     <p:embeddedFont>
       <p:font typeface="Oswald"/>
-      <p:regular r:id="rId20"/>
-      <p:bold r:id="rId21"/>
+      <p:regular r:id="rId21"/>
+      <p:bold r:id="rId22"/>
     </p:embeddedFont>
   </p:embeddedFontLst>
   <p:defaultTextStyle>
@@ -680,7 +681,7 @@
   <p:cSld>
     <p:spTree>
       <p:nvGrpSpPr>
-        <p:cNvPr id="168" name="Shape 168"/>
+        <p:cNvPr id="169" name="Shape 169"/>
         <p:cNvGrpSpPr/>
         <p:nvPr/>
       </p:nvGrpSpPr>
@@ -694,7 +695,7 @@
       </p:grpSpPr>
       <p:sp>
         <p:nvSpPr>
-          <p:cNvPr id="169" name="Shape 169"/>
+          <p:cNvPr id="170" name="Shape 170"/>
           <p:cNvSpPr/>
           <p:nvPr>
             <p:ph idx="2" type="sldImg"/>
@@ -728,7 +729,7 @@
       </p:sp>
       <p:sp>
         <p:nvSpPr>
-          <p:cNvPr id="170" name="Shape 170"/>
+          <p:cNvPr id="171" name="Shape 171"/>
           <p:cNvSpPr txBox="1"/>
           <p:nvPr>
             <p:ph idx="1" type="body"/>
@@ -775,7 +776,7 @@
   <p:cSld>
     <p:spTree>
       <p:nvGrpSpPr>
-        <p:cNvPr id="176" name="Shape 176"/>
+        <p:cNvPr id="175" name="Shape 175"/>
         <p:cNvGrpSpPr/>
         <p:nvPr/>
       </p:nvGrpSpPr>
@@ -789,7 +790,7 @@
       </p:grpSpPr>
       <p:sp>
         <p:nvSpPr>
-          <p:cNvPr id="177" name="Shape 177"/>
+          <p:cNvPr id="176" name="Shape 176"/>
           <p:cNvSpPr/>
           <p:nvPr>
             <p:ph idx="2" type="sldImg"/>
@@ -823,7 +824,102 @@
       </p:sp>
       <p:sp>
         <p:nvSpPr>
-          <p:cNvPr id="178" name="Shape 178"/>
+          <p:cNvPr id="177" name="Shape 177"/>
+          <p:cNvSpPr txBox="1"/>
+          <p:nvPr>
+            <p:ph idx="1" type="body"/>
+          </p:nvPr>
+        </p:nvSpPr>
+        <p:spPr>
+          <a:xfrm>
+            <a:off x="685800" y="4343400"/>
+            <a:ext cx="5486400" cy="4114800"/>
+          </a:xfrm>
+          <a:prstGeom prst="rect">
+            <a:avLst/>
+          </a:prstGeom>
+        </p:spPr>
+        <p:txBody>
+          <a:bodyPr anchorCtr="0" anchor="t" bIns="91425" lIns="91425" rIns="91425" tIns="91425">
+            <a:noAutofit/>
+          </a:bodyPr>
+          <a:lstStyle/>
+          <a:p>
+            <a:pPr lvl="0">
+              <a:spcBef>
+                <a:spcPts val="0"/>
+              </a:spcBef>
+              <a:buNone/>
+            </a:pPr>
+            <a:r>
+              <a:t/>
+            </a:r>
+            <a:endParaRPr/>
+          </a:p>
+        </p:txBody>
+      </p:sp>
+    </p:spTree>
+  </p:cSld>
+  <p:clrMapOvr>
+    <a:masterClrMapping/>
+  </p:clrMapOvr>
+</p:notes>
+</file>
+
+<file path=ppt/notesSlides/notesSlide14.xml><?xml version="1.0" encoding="utf-8"?>
+<p:notes xmlns:a="http://schemas.openxmlformats.org/drawingml/2006/main" xmlns:r="http://schemas.openxmlformats.org/officeDocument/2006/relationships" xmlns:mc="http://schemas.openxmlformats.org/markup-compatibility/2006" xmlns:mv="urn:schemas-microsoft-com:mac:vml" xmlns:p="http://schemas.openxmlformats.org/presentationml/2006/main" xmlns:c="http://schemas.openxmlformats.org/drawingml/2006/chart" xmlns:dgm="http://schemas.openxmlformats.org/drawingml/2006/diagram" xmlns:o="urn:schemas-microsoft-com:office:office" xmlns:v="urn:schemas-microsoft-com:vml" xmlns:pvml="urn:schemas-microsoft-com:office:powerpoint" xmlns:com="http://schemas.openxmlformats.org/drawingml/2006/compatibility" xmlns:p14="http://schemas.microsoft.com/office/powerpoint/2010/main" showMasterPhAnim="0" showMasterSp="0">
+  <p:cSld>
+    <p:spTree>
+      <p:nvGrpSpPr>
+        <p:cNvPr id="183" name="Shape 183"/>
+        <p:cNvGrpSpPr/>
+        <p:nvPr/>
+      </p:nvGrpSpPr>
+      <p:grpSpPr>
+        <a:xfrm>
+          <a:off x="0" y="0"/>
+          <a:ext cx="0" cy="0"/>
+          <a:chOff x="0" y="0"/>
+          <a:chExt cx="0" cy="0"/>
+        </a:xfrm>
+      </p:grpSpPr>
+      <p:sp>
+        <p:nvSpPr>
+          <p:cNvPr id="184" name="Shape 184"/>
+          <p:cNvSpPr/>
+          <p:nvPr>
+            <p:ph idx="2" type="sldImg"/>
+          </p:nvPr>
+        </p:nvSpPr>
+        <p:spPr>
+          <a:xfrm>
+            <a:off x="381300" y="685800"/>
+            <a:ext cx="6096000" cy="3429000"/>
+          </a:xfrm>
+          <a:custGeom>
+            <a:pathLst>
+              <a:path extrusionOk="0" h="120000" w="120000">
+                <a:moveTo>
+                  <a:pt x="0" y="0"/>
+                </a:moveTo>
+                <a:lnTo>
+                  <a:pt x="120000" y="0"/>
+                </a:lnTo>
+                <a:lnTo>
+                  <a:pt x="120000" y="120000"/>
+                </a:lnTo>
+                <a:lnTo>
+                  <a:pt x="0" y="120000"/>
+                </a:lnTo>
+                <a:close/>
+              </a:path>
+            </a:pathLst>
+          </a:custGeom>
+        </p:spPr>
+      </p:sp>
+      <p:sp>
+        <p:nvSpPr>
+          <p:cNvPr id="185" name="Shape 185"/>
           <p:cNvSpPr txBox="1"/>
           <p:nvPr>
             <p:ph idx="1" type="body"/>
@@ -1250,7 +1346,7 @@
   <p:cSld>
     <p:spTree>
       <p:nvGrpSpPr>
-        <p:cNvPr id="102" name="Shape 102"/>
+        <p:cNvPr id="101" name="Shape 101"/>
         <p:cNvGrpSpPr/>
         <p:nvPr/>
       </p:nvGrpSpPr>
@@ -1264,7 +1360,7 @@
       </p:grpSpPr>
       <p:sp>
         <p:nvSpPr>
-          <p:cNvPr id="103" name="Shape 103"/>
+          <p:cNvPr id="102" name="Shape 102"/>
           <p:cNvSpPr/>
           <p:nvPr>
             <p:ph idx="2" type="sldImg"/>
@@ -1298,7 +1394,7 @@
       </p:sp>
       <p:sp>
         <p:nvSpPr>
-          <p:cNvPr id="104" name="Shape 104"/>
+          <p:cNvPr id="103" name="Shape 103"/>
           <p:cNvSpPr txBox="1"/>
           <p:nvPr>
             <p:ph idx="1" type="body"/>
@@ -1345,7 +1441,7 @@
   <p:cSld>
     <p:spTree>
       <p:nvGrpSpPr>
-        <p:cNvPr id="109" name="Shape 109"/>
+        <p:cNvPr id="108" name="Shape 108"/>
         <p:cNvGrpSpPr/>
         <p:nvPr/>
       </p:nvGrpSpPr>
@@ -1359,7 +1455,7 @@
       </p:grpSpPr>
       <p:sp>
         <p:nvSpPr>
-          <p:cNvPr id="110" name="Shape 110"/>
+          <p:cNvPr id="109" name="Shape 109"/>
           <p:cNvSpPr/>
           <p:nvPr>
             <p:ph idx="2" type="sldImg"/>
@@ -1393,7 +1489,7 @@
       </p:sp>
       <p:sp>
         <p:nvSpPr>
-          <p:cNvPr id="111" name="Shape 111"/>
+          <p:cNvPr id="110" name="Shape 110"/>
           <p:cNvSpPr txBox="1"/>
           <p:nvPr>
             <p:ph idx="1" type="body"/>
@@ -1440,7 +1536,7 @@
   <p:cSld>
     <p:spTree>
       <p:nvGrpSpPr>
-        <p:cNvPr id="123" name="Shape 123"/>
+        <p:cNvPr id="115" name="Shape 115"/>
         <p:cNvGrpSpPr/>
         <p:nvPr/>
       </p:nvGrpSpPr>
@@ -1454,7 +1550,7 @@
       </p:grpSpPr>
       <p:sp>
         <p:nvSpPr>
-          <p:cNvPr id="124" name="Shape 124"/>
+          <p:cNvPr id="116" name="Shape 116"/>
           <p:cNvSpPr/>
           <p:nvPr>
             <p:ph idx="2" type="sldImg"/>
@@ -1488,7 +1584,7 @@
       </p:sp>
       <p:sp>
         <p:nvSpPr>
-          <p:cNvPr id="125" name="Shape 125"/>
+          <p:cNvPr id="117" name="Shape 117"/>
           <p:cNvSpPr txBox="1"/>
           <p:nvPr>
             <p:ph idx="1" type="body"/>
@@ -1535,7 +1631,7 @@
   <p:cSld>
     <p:spTree>
       <p:nvGrpSpPr>
-        <p:cNvPr id="148" name="Shape 148"/>
+        <p:cNvPr id="129" name="Shape 129"/>
         <p:cNvGrpSpPr/>
         <p:nvPr/>
       </p:nvGrpSpPr>
@@ -1549,7 +1645,7 @@
       </p:grpSpPr>
       <p:sp>
         <p:nvSpPr>
-          <p:cNvPr id="149" name="Shape 149"/>
+          <p:cNvPr id="130" name="Shape 130"/>
           <p:cNvSpPr/>
           <p:nvPr>
             <p:ph idx="2" type="sldImg"/>
@@ -1583,7 +1679,7 @@
       </p:sp>
       <p:sp>
         <p:nvSpPr>
-          <p:cNvPr id="150" name="Shape 150"/>
+          <p:cNvPr id="131" name="Shape 131"/>
           <p:cNvSpPr txBox="1"/>
           <p:nvPr>
             <p:ph idx="1" type="body"/>
@@ -5789,7 +5885,7 @@
             </a:pPr>
             <a:r>
               <a:rPr lang="zh-CN"/>
-              <a:t>Nodejs:利用formidable上传文件</a:t>
+              <a:t>Nodejs:利用 Child Process获取文件信息</a:t>
             </a:r>
           </a:p>
         </p:txBody>
@@ -5846,8 +5942,8 @@
         </p:blipFill>
         <p:spPr>
           <a:xfrm>
-            <a:off x="214325" y="1468812"/>
-            <a:ext cx="8858250" cy="2524125"/>
+            <a:off x="394562" y="1246512"/>
+            <a:ext cx="6772275" cy="3248025"/>
           </a:xfrm>
           <a:prstGeom prst="rect">
             <a:avLst/>
@@ -5997,7 +6093,7 @@
             </a:pPr>
             <a:r>
               <a:rPr lang="zh-CN"/>
-              <a:t>项目中用到的Linux命令</a:t>
+              <a:t>Nodejs:利用formidable上传文件</a:t>
             </a:r>
           </a:p>
         </p:txBody>
@@ -6013,7 +6109,7 @@
         <p:spPr>
           <a:xfrm>
             <a:off x="311700" y="1468825"/>
-            <a:ext cx="8520600" cy="3522600"/>
+            <a:ext cx="8520600" cy="3099900"/>
           </a:xfrm>
           <a:prstGeom prst="rect">
             <a:avLst/>
@@ -6026,383 +6122,6 @@
           <a:lstStyle/>
           <a:p>
             <a:pPr lvl="0">
-              <a:lnSpc>
-                <a:spcPct val="142857"/>
-              </a:lnSpc>
-              <a:spcBef>
-                <a:spcPts val="0"/>
-              </a:spcBef>
-              <a:spcAft>
-                <a:spcPts val="0"/>
-              </a:spcAft>
-              <a:buNone/>
-            </a:pPr>
-            <a:r>
-              <a:rPr lang="zh-CN" sz="1200">
-                <a:solidFill>
-                  <a:srgbClr val="58AA00"/>
-                </a:solidFill>
-                <a:highlight>
-                  <a:srgbClr val="FFFFFF"/>
-                </a:highlight>
-                <a:latin typeface="Verdana"/>
-                <a:ea typeface="Verdana"/>
-                <a:cs typeface="Verdana"/>
-                <a:sym typeface="Verdana"/>
-              </a:rPr>
-              <a:t>#!/bin/sh</a:t>
-            </a:r>
-          </a:p>
-          <a:p>
-            <a:pPr lvl="0">
-              <a:lnSpc>
-                <a:spcPct val="142857"/>
-              </a:lnSpc>
-              <a:spcBef>
-                <a:spcPts val="0"/>
-              </a:spcBef>
-              <a:spcAft>
-                <a:spcPts val="0"/>
-              </a:spcAft>
-              <a:buNone/>
-            </a:pPr>
-            <a:r>
-              <a:rPr lang="zh-CN" sz="1200">
-                <a:solidFill>
-                  <a:srgbClr val="58AA00"/>
-                </a:solidFill>
-                <a:highlight>
-                  <a:srgbClr val="FFFFFF"/>
-                </a:highlight>
-                <a:latin typeface="Verdana"/>
-                <a:ea typeface="Verdana"/>
-                <a:cs typeface="Verdana"/>
-                <a:sym typeface="Verdana"/>
-              </a:rPr>
-              <a:t>rm -rf view_build/;</a:t>
-            </a:r>
-          </a:p>
-          <a:p>
-            <a:pPr lvl="0">
-              <a:lnSpc>
-                <a:spcPct val="142857"/>
-              </a:lnSpc>
-              <a:spcBef>
-                <a:spcPts val="0"/>
-              </a:spcBef>
-              <a:spcAft>
-                <a:spcPts val="0"/>
-              </a:spcAft>
-              <a:buNone/>
-            </a:pPr>
-            <a:r>
-              <a:rPr lang="zh-CN" sz="1200">
-                <a:solidFill>
-                  <a:srgbClr val="58AA00"/>
-                </a:solidFill>
-                <a:highlight>
-                  <a:srgbClr val="FFFFFF"/>
-                </a:highlight>
-                <a:latin typeface="Verdana"/>
-                <a:ea typeface="Verdana"/>
-                <a:cs typeface="Verdana"/>
-                <a:sym typeface="Verdana"/>
-              </a:rPr>
-              <a:t>mkdir view_build;</a:t>
-            </a:r>
-          </a:p>
-          <a:p>
-            <a:pPr lvl="0" rtl="0">
-              <a:lnSpc>
-                <a:spcPct val="142857"/>
-              </a:lnSpc>
-              <a:spcBef>
-                <a:spcPts val="0"/>
-              </a:spcBef>
-              <a:spcAft>
-                <a:spcPts val="0"/>
-              </a:spcAft>
-              <a:buNone/>
-            </a:pPr>
-            <a:r>
-              <a:rPr lang="zh-CN" sz="1200">
-                <a:solidFill>
-                  <a:srgbClr val="58AA00"/>
-                </a:solidFill>
-                <a:highlight>
-                  <a:srgbClr val="FFFFFF"/>
-                </a:highlight>
-                <a:latin typeface="Verdana"/>
-                <a:ea typeface="Verdana"/>
-                <a:cs typeface="Verdana"/>
-                <a:sym typeface="Verdana"/>
-              </a:rPr>
-              <a:t>cp -r view/* view_build;</a:t>
-            </a:r>
-          </a:p>
-          <a:p>
-            <a:pPr lvl="0" rtl="0">
-              <a:lnSpc>
-                <a:spcPct val="142857"/>
-              </a:lnSpc>
-              <a:spcBef>
-                <a:spcPts val="0"/>
-              </a:spcBef>
-              <a:spcAft>
-                <a:spcPts val="0"/>
-              </a:spcAft>
-              <a:buNone/>
-            </a:pPr>
-            <a:r>
-              <a:rPr lang="zh-CN" sz="1200">
-                <a:solidFill>
-                  <a:srgbClr val="58AA00"/>
-                </a:solidFill>
-                <a:highlight>
-                  <a:srgbClr val="FFFFFF"/>
-                </a:highlight>
-                <a:latin typeface="Verdana"/>
-                <a:ea typeface="Verdana"/>
-                <a:cs typeface="Verdana"/>
-                <a:sym typeface="Verdana"/>
-              </a:rPr>
-              <a:t>tar zcf ../output.tar.gz *;</a:t>
-            </a:r>
-          </a:p>
-          <a:p>
-            <a:pPr lvl="0" rtl="0">
-              <a:lnSpc>
-                <a:spcPct val="142857"/>
-              </a:lnSpc>
-              <a:spcBef>
-                <a:spcPts val="0"/>
-              </a:spcBef>
-              <a:spcAft>
-                <a:spcPts val="0"/>
-              </a:spcAft>
-              <a:buNone/>
-            </a:pPr>
-            <a:r>
-              <a:rPr lang="zh-CN" sz="1200">
-                <a:solidFill>
-                  <a:srgbClr val="58AA00"/>
-                </a:solidFill>
-                <a:highlight>
-                  <a:srgbClr val="FFFFFF"/>
-                </a:highlight>
-                <a:latin typeface="Verdana"/>
-                <a:ea typeface="Verdana"/>
-                <a:cs typeface="Verdana"/>
-                <a:sym typeface="Verdana"/>
-              </a:rPr>
-              <a:t>netstat -antp;</a:t>
-            </a:r>
-          </a:p>
-          <a:p>
-            <a:pPr lvl="0" rtl="0">
-              <a:lnSpc>
-                <a:spcPct val="142857"/>
-              </a:lnSpc>
-              <a:spcBef>
-                <a:spcPts val="0"/>
-              </a:spcBef>
-              <a:spcAft>
-                <a:spcPts val="0"/>
-              </a:spcAft>
-              <a:buNone/>
-            </a:pPr>
-            <a:r>
-              <a:rPr lang="zh-CN" sz="1200">
-                <a:solidFill>
-                  <a:srgbClr val="58AA00"/>
-                </a:solidFill>
-                <a:highlight>
-                  <a:srgbClr val="FFFFFF"/>
-                </a:highlight>
-                <a:latin typeface="Verdana"/>
-                <a:ea typeface="Verdana"/>
-                <a:cs typeface="Verdana"/>
-                <a:sym typeface="Verdana"/>
-              </a:rPr>
-              <a:t>ps -ef|grep node;</a:t>
-            </a:r>
-          </a:p>
-          <a:p>
-            <a:pPr lvl="0" rtl="0">
-              <a:lnSpc>
-                <a:spcPct val="142857"/>
-              </a:lnSpc>
-              <a:spcBef>
-                <a:spcPts val="0"/>
-              </a:spcBef>
-              <a:spcAft>
-                <a:spcPts val="0"/>
-              </a:spcAft>
-              <a:buNone/>
-            </a:pPr>
-            <a:r>
-              <a:rPr lang="zh-CN" sz="1200">
-                <a:solidFill>
-                  <a:srgbClr val="58AA00"/>
-                </a:solidFill>
-                <a:highlight>
-                  <a:srgbClr val="FFFFFF"/>
-                </a:highlight>
-                <a:latin typeface="Verdana"/>
-                <a:ea typeface="Verdana"/>
-                <a:cs typeface="Verdana"/>
-                <a:sym typeface="Verdana"/>
-              </a:rPr>
-              <a:t>ln -s;</a:t>
-            </a:r>
-          </a:p>
-          <a:p>
-            <a:pPr lvl="0" rtl="0">
-              <a:lnSpc>
-                <a:spcPct val="142857"/>
-              </a:lnSpc>
-              <a:spcBef>
-                <a:spcPts val="0"/>
-              </a:spcBef>
-              <a:spcAft>
-                <a:spcPts val="0"/>
-              </a:spcAft>
-              <a:buNone/>
-            </a:pPr>
-            <a:r>
-              <a:rPr lang="zh-CN" sz="1200">
-                <a:solidFill>
-                  <a:srgbClr val="58AA00"/>
-                </a:solidFill>
-                <a:highlight>
-                  <a:srgbClr val="FFFFFF"/>
-                </a:highlight>
-                <a:latin typeface="Verdana"/>
-                <a:ea typeface="Verdana"/>
-                <a:cs typeface="Verdana"/>
-                <a:sym typeface="Verdana"/>
-              </a:rPr>
-              <a:t>find / -name node*;</a:t>
-            </a:r>
-          </a:p>
-          <a:p>
-            <a:pPr lvl="0" rtl="0">
-              <a:lnSpc>
-                <a:spcPct val="142857"/>
-              </a:lnSpc>
-              <a:spcBef>
-                <a:spcPts val="0"/>
-              </a:spcBef>
-              <a:spcAft>
-                <a:spcPts val="0"/>
-              </a:spcAft>
-              <a:buNone/>
-            </a:pPr>
-            <a:r>
-              <a:rPr lang="zh-CN" sz="1200">
-                <a:solidFill>
-                  <a:srgbClr val="58AA00"/>
-                </a:solidFill>
-                <a:highlight>
-                  <a:srgbClr val="FFFFFF"/>
-                </a:highlight>
-                <a:latin typeface="Verdana"/>
-                <a:ea typeface="Verdana"/>
-                <a:cs typeface="Verdana"/>
-                <a:sym typeface="Verdana"/>
-              </a:rPr>
-              <a:t>kill -2 `pgrep mongod`;</a:t>
-            </a:r>
-          </a:p>
-          <a:p>
-            <a:pPr lvl="0" rtl="0">
-              <a:lnSpc>
-                <a:spcPct val="142857"/>
-              </a:lnSpc>
-              <a:spcBef>
-                <a:spcPts val="0"/>
-              </a:spcBef>
-              <a:spcAft>
-                <a:spcPts val="0"/>
-              </a:spcAft>
-              <a:buNone/>
-            </a:pPr>
-            <a:r>
-              <a:rPr lang="zh-CN" sz="1200">
-                <a:solidFill>
-                  <a:srgbClr val="58AA00"/>
-                </a:solidFill>
-                <a:highlight>
-                  <a:srgbClr val="FFFFFF"/>
-                </a:highlight>
-                <a:latin typeface="Verdana"/>
-                <a:ea typeface="Verdana"/>
-                <a:cs typeface="Verdana"/>
-                <a:sym typeface="Verdana"/>
-              </a:rPr>
-              <a:t>sudo rz -y;</a:t>
-            </a:r>
-          </a:p>
-          <a:p>
-            <a:pPr lvl="0" rtl="0">
-              <a:lnSpc>
-                <a:spcPct val="142857"/>
-              </a:lnSpc>
-              <a:spcBef>
-                <a:spcPts val="0"/>
-              </a:spcBef>
-              <a:spcAft>
-                <a:spcPts val="0"/>
-              </a:spcAft>
-              <a:buNone/>
-            </a:pPr>
-            <a:r>
-              <a:rPr lang="zh-CN" sz="1200">
-                <a:solidFill>
-                  <a:srgbClr val="58AA00"/>
-                </a:solidFill>
-                <a:highlight>
-                  <a:srgbClr val="FFFFFF"/>
-                </a:highlight>
-                <a:latin typeface="Verdana"/>
-                <a:ea typeface="Verdana"/>
-                <a:cs typeface="Verdana"/>
-                <a:sym typeface="Verdana"/>
-              </a:rPr>
-              <a:t>...</a:t>
-            </a:r>
-          </a:p>
-          <a:p>
-            <a:pPr lvl="0">
-              <a:lnSpc>
-                <a:spcPct val="142857"/>
-              </a:lnSpc>
-              <a:spcBef>
-                <a:spcPts val="0"/>
-              </a:spcBef>
-              <a:spcAft>
-                <a:spcPts val="0"/>
-              </a:spcAft>
-              <a:buNone/>
-            </a:pPr>
-            <a:r>
-              <a:rPr b="1" lang="zh-CN" sz="1400">
-                <a:solidFill>
-                  <a:srgbClr val="000000"/>
-                </a:solidFill>
-                <a:highlight>
-                  <a:srgbClr val="FFFFFF"/>
-                </a:highlight>
-                <a:latin typeface="Verdana"/>
-                <a:ea typeface="Verdana"/>
-                <a:cs typeface="Verdana"/>
-                <a:sym typeface="Verdana"/>
-              </a:rPr>
-              <a:t>不会运维的前端开发不是好的架构师</a:t>
-            </a:r>
-          </a:p>
-          <a:p>
-            <a:pPr lvl="0">
               <a:spcBef>
                 <a:spcPts val="0"/>
               </a:spcBef>
@@ -6412,127 +6131,12 @@
               <a:t/>
             </a:r>
             <a:endParaRPr/>
-          </a:p>
-        </p:txBody>
-      </p:sp>
-    </p:spTree>
-  </p:cSld>
-  <p:clrMapOvr>
-    <a:masterClrMapping/>
-  </p:clrMapOvr>
-</p:sld>
-</file>
-
-<file path=ppt/slides/slide12.xml><?xml version="1.0" encoding="utf-8"?>
-<p:sld xmlns:a="http://schemas.openxmlformats.org/drawingml/2006/main" xmlns:r="http://schemas.openxmlformats.org/officeDocument/2006/relationships" xmlns:mc="http://schemas.openxmlformats.org/markup-compatibility/2006" xmlns:mv="urn:schemas-microsoft-com:mac:vml" xmlns:p="http://schemas.openxmlformats.org/presentationml/2006/main" xmlns:c="http://schemas.openxmlformats.org/drawingml/2006/chart" xmlns:dgm="http://schemas.openxmlformats.org/drawingml/2006/diagram" xmlns:o="urn:schemas-microsoft-com:office:office" xmlns:v="urn:schemas-microsoft-com:vml" xmlns:pvml="urn:schemas-microsoft-com:office:powerpoint" xmlns:com="http://schemas.openxmlformats.org/drawingml/2006/compatibility" xmlns:p14="http://schemas.microsoft.com/office/powerpoint/2010/main">
-  <p:cSld>
-    <p:spTree>
-      <p:nvGrpSpPr>
-        <p:cNvPr id="171" name="Shape 171"/>
-        <p:cNvGrpSpPr/>
-        <p:nvPr/>
-      </p:nvGrpSpPr>
-      <p:grpSpPr>
-        <a:xfrm>
-          <a:off x="0" y="0"/>
-          <a:ext cx="0" cy="0"/>
-          <a:chOff x="0" y="0"/>
-          <a:chExt cx="0" cy="0"/>
-        </a:xfrm>
-      </p:grpSpPr>
-      <p:sp>
-        <p:nvSpPr>
-          <p:cNvPr id="172" name="Shape 172"/>
-          <p:cNvSpPr txBox="1"/>
-          <p:nvPr>
-            <p:ph type="title"/>
-          </p:nvPr>
-        </p:nvSpPr>
-        <p:spPr>
-          <a:xfrm>
-            <a:off x="311700" y="372500"/>
-            <a:ext cx="8520600" cy="733500"/>
-          </a:xfrm>
-          <a:prstGeom prst="rect">
-            <a:avLst/>
-          </a:prstGeom>
-        </p:spPr>
-        <p:txBody>
-          <a:bodyPr anchorCtr="0" anchor="b" bIns="91425" lIns="91425" rIns="91425" tIns="91425">
-            <a:noAutofit/>
-          </a:bodyPr>
-          <a:lstStyle/>
-          <a:p>
-            <a:pPr lvl="0">
-              <a:spcBef>
-                <a:spcPts val="0"/>
-              </a:spcBef>
-              <a:buNone/>
-            </a:pPr>
-            <a:r>
-              <a:rPr lang="zh-CN"/>
-              <a:t>总结: 整个发布流程做三件事</a:t>
-            </a:r>
-          </a:p>
-        </p:txBody>
-      </p:sp>
-      <p:sp>
-        <p:nvSpPr>
-          <p:cNvPr id="173" name="Shape 173"/>
-          <p:cNvSpPr txBox="1"/>
-          <p:nvPr>
-            <p:ph idx="1" type="body"/>
-          </p:nvPr>
-        </p:nvSpPr>
-        <p:spPr>
-          <a:xfrm>
-            <a:off x="311700" y="1468825"/>
-            <a:ext cx="8520600" cy="3099900"/>
-          </a:xfrm>
-          <a:prstGeom prst="rect">
-            <a:avLst/>
-          </a:prstGeom>
-        </p:spPr>
-        <p:txBody>
-          <a:bodyPr anchorCtr="0" anchor="t" bIns="91425" lIns="91425" rIns="91425" tIns="91425">
-            <a:noAutofit/>
-          </a:bodyPr>
-          <a:lstStyle/>
-          <a:p>
-            <a:pPr indent="-228600" lvl="0" marL="457200" rtl="0">
-              <a:lnSpc>
-                <a:spcPct val="150000"/>
-              </a:lnSpc>
-              <a:spcBef>
-                <a:spcPts val="0"/>
-              </a:spcBef>
-              <a:buAutoNum type="arabicPeriod"/>
-            </a:pPr>
-            <a:r>
-              <a:rPr lang="zh-CN"/>
-              <a:t>文件获取</a:t>
-            </a:r>
-          </a:p>
-          <a:p>
-            <a:pPr indent="-228600" lvl="0" marL="457200" rtl="0">
-              <a:lnSpc>
-                <a:spcPct val="150000"/>
-              </a:lnSpc>
-              <a:spcBef>
-                <a:spcPts val="0"/>
-              </a:spcBef>
-              <a:buAutoNum type="arabicPeriod"/>
-            </a:pPr>
-            <a:r>
-              <a:rPr lang="zh-CN"/>
-              <a:t>上传文件</a:t>
-            </a:r>
           </a:p>
         </p:txBody>
       </p:sp>
       <p:pic>
         <p:nvPicPr>
-          <p:cNvPr descr="20110712103406-2036366821.jpg" id="174" name="Shape 174"/>
+          <p:cNvPr descr="5a7f4f70.png" id="168" name="Shape 168"/>
           <p:cNvPicPr preferRelativeResize="0"/>
           <p:nvPr/>
         </p:nvPicPr>
@@ -6546,8 +6150,8 @@
         </p:blipFill>
         <p:spPr>
           <a:xfrm>
-            <a:off x="4999525" y="1106000"/>
-            <a:ext cx="4070900" cy="3207875"/>
+            <a:off x="214325" y="1468812"/>
+            <a:ext cx="8858250" cy="2524125"/>
           </a:xfrm>
           <a:prstGeom prst="rect">
             <a:avLst/>
@@ -6558,48 +6162,6 @@
           </a:ln>
         </p:spPr>
       </p:pic>
-      <p:sp>
-        <p:nvSpPr>
-          <p:cNvPr id="175" name="Shape 175"/>
-          <p:cNvSpPr txBox="1"/>
-          <p:nvPr/>
-        </p:nvSpPr>
-        <p:spPr>
-          <a:xfrm>
-            <a:off x="545650" y="3265000"/>
-            <a:ext cx="4374300" cy="1048800"/>
-          </a:xfrm>
-          <a:prstGeom prst="rect">
-            <a:avLst/>
-          </a:prstGeom>
-          <a:noFill/>
-          <a:ln>
-            <a:noFill/>
-          </a:ln>
-        </p:spPr>
-        <p:txBody>
-          <a:bodyPr anchorCtr="0" anchor="t" bIns="91425" lIns="91425" rIns="91425" tIns="91425">
-            <a:noAutofit/>
-          </a:bodyPr>
-          <a:lstStyle/>
-          <a:p>
-            <a:pPr lvl="0">
-              <a:spcBef>
-                <a:spcPts val="0"/>
-              </a:spcBef>
-              <a:buNone/>
-            </a:pPr>
-            <a:r>
-              <a:rPr lang="zh-CN" sz="2400">
-                <a:solidFill>
-                  <a:schemeClr val="dk1"/>
-                </a:solidFill>
-              </a:rPr>
-              <a:t>3.实时监听“文件获取”和 “上传文件”并把结果立即反馈给用户</a:t>
-            </a:r>
-          </a:p>
-        </p:txBody>
-      </p:sp>
     </p:spTree>
   </p:cSld>
   <p:clrMapOvr>
@@ -6639,7 +6201,7 @@
                                           </p:stCondLst>
                                         </p:cTn>
                                         <p:tgtEl>
-                                          <p:spTgt spid="173"/>
+                                          <p:spTgt spid="168"/>
                                         </p:tgtEl>
                                         <p:attrNameLst>
                                           <p:attrName>style.visibility</p:attrName>
@@ -6653,7 +6215,749 @@
                                       <p:cBhvr>
                                         <p:cTn dur="1000"/>
                                         <p:tgtEl>
-                                          <p:spTgt spid="173"/>
+                                          <p:spTgt spid="168"/>
+                                        </p:tgtEl>
+                                      </p:cBhvr>
+                                    </p:animEffect>
+                                  </p:childTnLst>
+                                </p:cTn>
+                              </p:par>
+                            </p:childTnLst>
+                          </p:cTn>
+                        </p:par>
+                      </p:childTnLst>
+                    </p:cTn>
+                  </p:par>
+                </p:childTnLst>
+              </p:cTn>
+              <p:prevCondLst>
+                <p:cond evt="onPrev">
+                  <p:tgtEl>
+                    <p:sldTgt/>
+                  </p:tgtEl>
+                </p:cond>
+              </p:prevCondLst>
+              <p:nextCondLst>
+                <p:cond evt="onNext">
+                  <p:tgtEl>
+                    <p:sldTgt/>
+                  </p:tgtEl>
+                </p:cond>
+              </p:nextCondLst>
+            </p:seq>
+          </p:childTnLst>
+        </p:cTn>
+      </p:par>
+    </p:tnLst>
+  </p:timing>
+</p:sld>
+</file>
+
+<file path=ppt/slides/slide12.xml><?xml version="1.0" encoding="utf-8"?>
+<p:sld xmlns:a="http://schemas.openxmlformats.org/drawingml/2006/main" xmlns:r="http://schemas.openxmlformats.org/officeDocument/2006/relationships" xmlns:mc="http://schemas.openxmlformats.org/markup-compatibility/2006" xmlns:mv="urn:schemas-microsoft-com:mac:vml" xmlns:p="http://schemas.openxmlformats.org/presentationml/2006/main" xmlns:c="http://schemas.openxmlformats.org/drawingml/2006/chart" xmlns:dgm="http://schemas.openxmlformats.org/drawingml/2006/diagram" xmlns:o="urn:schemas-microsoft-com:office:office" xmlns:v="urn:schemas-microsoft-com:vml" xmlns:pvml="urn:schemas-microsoft-com:office:powerpoint" xmlns:com="http://schemas.openxmlformats.org/drawingml/2006/compatibility" xmlns:p14="http://schemas.microsoft.com/office/powerpoint/2010/main">
+  <p:cSld>
+    <p:spTree>
+      <p:nvGrpSpPr>
+        <p:cNvPr id="172" name="Shape 172"/>
+        <p:cNvGrpSpPr/>
+        <p:nvPr/>
+      </p:nvGrpSpPr>
+      <p:grpSpPr>
+        <a:xfrm>
+          <a:off x="0" y="0"/>
+          <a:ext cx="0" cy="0"/>
+          <a:chOff x="0" y="0"/>
+          <a:chExt cx="0" cy="0"/>
+        </a:xfrm>
+      </p:grpSpPr>
+      <p:sp>
+        <p:nvSpPr>
+          <p:cNvPr id="173" name="Shape 173"/>
+          <p:cNvSpPr txBox="1"/>
+          <p:nvPr>
+            <p:ph type="title"/>
+          </p:nvPr>
+        </p:nvSpPr>
+        <p:spPr>
+          <a:xfrm>
+            <a:off x="311700" y="372500"/>
+            <a:ext cx="8520600" cy="733500"/>
+          </a:xfrm>
+          <a:prstGeom prst="rect">
+            <a:avLst/>
+          </a:prstGeom>
+        </p:spPr>
+        <p:txBody>
+          <a:bodyPr anchorCtr="0" anchor="b" bIns="91425" lIns="91425" rIns="91425" tIns="91425">
+            <a:noAutofit/>
+          </a:bodyPr>
+          <a:lstStyle/>
+          <a:p>
+            <a:pPr lvl="0">
+              <a:spcBef>
+                <a:spcPts val="0"/>
+              </a:spcBef>
+              <a:buNone/>
+            </a:pPr>
+            <a:r>
+              <a:rPr lang="zh-CN"/>
+              <a:t>项目中用到的Linux命令</a:t>
+            </a:r>
+          </a:p>
+        </p:txBody>
+      </p:sp>
+      <p:sp>
+        <p:nvSpPr>
+          <p:cNvPr id="174" name="Shape 174"/>
+          <p:cNvSpPr txBox="1"/>
+          <p:nvPr>
+            <p:ph idx="1" type="body"/>
+          </p:nvPr>
+        </p:nvSpPr>
+        <p:spPr>
+          <a:xfrm>
+            <a:off x="311700" y="1468825"/>
+            <a:ext cx="8520600" cy="3522600"/>
+          </a:xfrm>
+          <a:prstGeom prst="rect">
+            <a:avLst/>
+          </a:prstGeom>
+        </p:spPr>
+        <p:txBody>
+          <a:bodyPr anchorCtr="0" anchor="t" bIns="91425" lIns="91425" rIns="91425" tIns="91425">
+            <a:noAutofit/>
+          </a:bodyPr>
+          <a:lstStyle/>
+          <a:p>
+            <a:pPr lvl="0">
+              <a:lnSpc>
+                <a:spcPct val="142857"/>
+              </a:lnSpc>
+              <a:spcBef>
+                <a:spcPts val="0"/>
+              </a:spcBef>
+              <a:spcAft>
+                <a:spcPts val="0"/>
+              </a:spcAft>
+              <a:buNone/>
+            </a:pPr>
+            <a:r>
+              <a:rPr lang="zh-CN" sz="1200">
+                <a:solidFill>
+                  <a:srgbClr val="58AA00"/>
+                </a:solidFill>
+                <a:highlight>
+                  <a:srgbClr val="FFFFFF"/>
+                </a:highlight>
+                <a:latin typeface="Verdana"/>
+                <a:ea typeface="Verdana"/>
+                <a:cs typeface="Verdana"/>
+                <a:sym typeface="Verdana"/>
+              </a:rPr>
+              <a:t>#!/bin/sh</a:t>
+            </a:r>
+          </a:p>
+          <a:p>
+            <a:pPr lvl="0">
+              <a:lnSpc>
+                <a:spcPct val="142857"/>
+              </a:lnSpc>
+              <a:spcBef>
+                <a:spcPts val="0"/>
+              </a:spcBef>
+              <a:spcAft>
+                <a:spcPts val="0"/>
+              </a:spcAft>
+              <a:buNone/>
+            </a:pPr>
+            <a:r>
+              <a:rPr lang="zh-CN" sz="1200">
+                <a:solidFill>
+                  <a:srgbClr val="58AA00"/>
+                </a:solidFill>
+                <a:highlight>
+                  <a:srgbClr val="FFFFFF"/>
+                </a:highlight>
+                <a:latin typeface="Verdana"/>
+                <a:ea typeface="Verdana"/>
+                <a:cs typeface="Verdana"/>
+                <a:sym typeface="Verdana"/>
+              </a:rPr>
+              <a:t>rm -rf view_build/;</a:t>
+            </a:r>
+          </a:p>
+          <a:p>
+            <a:pPr lvl="0">
+              <a:lnSpc>
+                <a:spcPct val="142857"/>
+              </a:lnSpc>
+              <a:spcBef>
+                <a:spcPts val="0"/>
+              </a:spcBef>
+              <a:spcAft>
+                <a:spcPts val="0"/>
+              </a:spcAft>
+              <a:buNone/>
+            </a:pPr>
+            <a:r>
+              <a:rPr lang="zh-CN" sz="1200">
+                <a:solidFill>
+                  <a:srgbClr val="58AA00"/>
+                </a:solidFill>
+                <a:highlight>
+                  <a:srgbClr val="FFFFFF"/>
+                </a:highlight>
+                <a:latin typeface="Verdana"/>
+                <a:ea typeface="Verdana"/>
+                <a:cs typeface="Verdana"/>
+                <a:sym typeface="Verdana"/>
+              </a:rPr>
+              <a:t>mkdir view_build;</a:t>
+            </a:r>
+          </a:p>
+          <a:p>
+            <a:pPr lvl="0" rtl="0">
+              <a:lnSpc>
+                <a:spcPct val="142857"/>
+              </a:lnSpc>
+              <a:spcBef>
+                <a:spcPts val="0"/>
+              </a:spcBef>
+              <a:spcAft>
+                <a:spcPts val="0"/>
+              </a:spcAft>
+              <a:buNone/>
+            </a:pPr>
+            <a:r>
+              <a:rPr lang="zh-CN" sz="1200">
+                <a:solidFill>
+                  <a:srgbClr val="58AA00"/>
+                </a:solidFill>
+                <a:highlight>
+                  <a:srgbClr val="FFFFFF"/>
+                </a:highlight>
+                <a:latin typeface="Verdana"/>
+                <a:ea typeface="Verdana"/>
+                <a:cs typeface="Verdana"/>
+                <a:sym typeface="Verdana"/>
+              </a:rPr>
+              <a:t>cp -r view/* view_build;</a:t>
+            </a:r>
+          </a:p>
+          <a:p>
+            <a:pPr lvl="0" rtl="0">
+              <a:lnSpc>
+                <a:spcPct val="142857"/>
+              </a:lnSpc>
+              <a:spcBef>
+                <a:spcPts val="0"/>
+              </a:spcBef>
+              <a:spcAft>
+                <a:spcPts val="0"/>
+              </a:spcAft>
+              <a:buNone/>
+            </a:pPr>
+            <a:r>
+              <a:rPr lang="zh-CN" sz="1200">
+                <a:solidFill>
+                  <a:srgbClr val="58AA00"/>
+                </a:solidFill>
+                <a:highlight>
+                  <a:srgbClr val="FFFFFF"/>
+                </a:highlight>
+                <a:latin typeface="Verdana"/>
+                <a:ea typeface="Verdana"/>
+                <a:cs typeface="Verdana"/>
+                <a:sym typeface="Verdana"/>
+              </a:rPr>
+              <a:t>tar zcf ../output.tar.gz *;</a:t>
+            </a:r>
+          </a:p>
+          <a:p>
+            <a:pPr lvl="0" rtl="0">
+              <a:lnSpc>
+                <a:spcPct val="142857"/>
+              </a:lnSpc>
+              <a:spcBef>
+                <a:spcPts val="0"/>
+              </a:spcBef>
+              <a:spcAft>
+                <a:spcPts val="0"/>
+              </a:spcAft>
+              <a:buNone/>
+            </a:pPr>
+            <a:r>
+              <a:rPr lang="zh-CN" sz="1200">
+                <a:solidFill>
+                  <a:srgbClr val="58AA00"/>
+                </a:solidFill>
+                <a:highlight>
+                  <a:srgbClr val="FFFFFF"/>
+                </a:highlight>
+                <a:latin typeface="Verdana"/>
+                <a:ea typeface="Verdana"/>
+                <a:cs typeface="Verdana"/>
+                <a:sym typeface="Verdana"/>
+              </a:rPr>
+              <a:t>netstat -antp;</a:t>
+            </a:r>
+          </a:p>
+          <a:p>
+            <a:pPr lvl="0" rtl="0">
+              <a:lnSpc>
+                <a:spcPct val="142857"/>
+              </a:lnSpc>
+              <a:spcBef>
+                <a:spcPts val="0"/>
+              </a:spcBef>
+              <a:spcAft>
+                <a:spcPts val="0"/>
+              </a:spcAft>
+              <a:buNone/>
+            </a:pPr>
+            <a:r>
+              <a:rPr lang="zh-CN" sz="1200">
+                <a:solidFill>
+                  <a:srgbClr val="58AA00"/>
+                </a:solidFill>
+                <a:highlight>
+                  <a:srgbClr val="FFFFFF"/>
+                </a:highlight>
+                <a:latin typeface="Verdana"/>
+                <a:ea typeface="Verdana"/>
+                <a:cs typeface="Verdana"/>
+                <a:sym typeface="Verdana"/>
+              </a:rPr>
+              <a:t>ps -ef|grep node;</a:t>
+            </a:r>
+          </a:p>
+          <a:p>
+            <a:pPr lvl="0" rtl="0">
+              <a:lnSpc>
+                <a:spcPct val="142857"/>
+              </a:lnSpc>
+              <a:spcBef>
+                <a:spcPts val="0"/>
+              </a:spcBef>
+              <a:spcAft>
+                <a:spcPts val="0"/>
+              </a:spcAft>
+              <a:buNone/>
+            </a:pPr>
+            <a:r>
+              <a:rPr lang="zh-CN" sz="1200">
+                <a:solidFill>
+                  <a:srgbClr val="58AA00"/>
+                </a:solidFill>
+                <a:highlight>
+                  <a:srgbClr val="FFFFFF"/>
+                </a:highlight>
+                <a:latin typeface="Verdana"/>
+                <a:ea typeface="Verdana"/>
+                <a:cs typeface="Verdana"/>
+                <a:sym typeface="Verdana"/>
+              </a:rPr>
+              <a:t>ln -s;</a:t>
+            </a:r>
+          </a:p>
+          <a:p>
+            <a:pPr lvl="0" rtl="0">
+              <a:lnSpc>
+                <a:spcPct val="142857"/>
+              </a:lnSpc>
+              <a:spcBef>
+                <a:spcPts val="0"/>
+              </a:spcBef>
+              <a:spcAft>
+                <a:spcPts val="0"/>
+              </a:spcAft>
+              <a:buNone/>
+            </a:pPr>
+            <a:r>
+              <a:rPr lang="zh-CN" sz="1200">
+                <a:solidFill>
+                  <a:srgbClr val="58AA00"/>
+                </a:solidFill>
+                <a:highlight>
+                  <a:srgbClr val="FFFFFF"/>
+                </a:highlight>
+                <a:latin typeface="Verdana"/>
+                <a:ea typeface="Verdana"/>
+                <a:cs typeface="Verdana"/>
+                <a:sym typeface="Verdana"/>
+              </a:rPr>
+              <a:t>find / -name node*;</a:t>
+            </a:r>
+          </a:p>
+          <a:p>
+            <a:pPr lvl="0" rtl="0">
+              <a:lnSpc>
+                <a:spcPct val="142857"/>
+              </a:lnSpc>
+              <a:spcBef>
+                <a:spcPts val="0"/>
+              </a:spcBef>
+              <a:spcAft>
+                <a:spcPts val="0"/>
+              </a:spcAft>
+              <a:buNone/>
+            </a:pPr>
+            <a:r>
+              <a:rPr lang="zh-CN" sz="1200">
+                <a:solidFill>
+                  <a:srgbClr val="58AA00"/>
+                </a:solidFill>
+                <a:highlight>
+                  <a:srgbClr val="FFFFFF"/>
+                </a:highlight>
+                <a:latin typeface="Verdana"/>
+                <a:ea typeface="Verdana"/>
+                <a:cs typeface="Verdana"/>
+                <a:sym typeface="Verdana"/>
+              </a:rPr>
+              <a:t>kill -2 `pgrep mongod`;</a:t>
+            </a:r>
+          </a:p>
+          <a:p>
+            <a:pPr lvl="0" rtl="0">
+              <a:lnSpc>
+                <a:spcPct val="142857"/>
+              </a:lnSpc>
+              <a:spcBef>
+                <a:spcPts val="0"/>
+              </a:spcBef>
+              <a:spcAft>
+                <a:spcPts val="0"/>
+              </a:spcAft>
+              <a:buNone/>
+            </a:pPr>
+            <a:r>
+              <a:rPr lang="zh-CN" sz="1200">
+                <a:solidFill>
+                  <a:srgbClr val="58AA00"/>
+                </a:solidFill>
+                <a:highlight>
+                  <a:srgbClr val="FFFFFF"/>
+                </a:highlight>
+                <a:latin typeface="Verdana"/>
+                <a:ea typeface="Verdana"/>
+                <a:cs typeface="Verdana"/>
+                <a:sym typeface="Verdana"/>
+              </a:rPr>
+              <a:t>sudo rz -y;</a:t>
+            </a:r>
+          </a:p>
+          <a:p>
+            <a:pPr lvl="0" rtl="0">
+              <a:lnSpc>
+                <a:spcPct val="142857"/>
+              </a:lnSpc>
+              <a:spcBef>
+                <a:spcPts val="0"/>
+              </a:spcBef>
+              <a:spcAft>
+                <a:spcPts val="0"/>
+              </a:spcAft>
+              <a:buNone/>
+            </a:pPr>
+            <a:r>
+              <a:rPr lang="zh-CN" sz="1200">
+                <a:solidFill>
+                  <a:srgbClr val="58AA00"/>
+                </a:solidFill>
+                <a:highlight>
+                  <a:srgbClr val="FFFFFF"/>
+                </a:highlight>
+                <a:latin typeface="Verdana"/>
+                <a:ea typeface="Verdana"/>
+                <a:cs typeface="Verdana"/>
+                <a:sym typeface="Verdana"/>
+              </a:rPr>
+              <a:t>...</a:t>
+            </a:r>
+          </a:p>
+          <a:p>
+            <a:pPr lvl="0">
+              <a:lnSpc>
+                <a:spcPct val="142857"/>
+              </a:lnSpc>
+              <a:spcBef>
+                <a:spcPts val="0"/>
+              </a:spcBef>
+              <a:spcAft>
+                <a:spcPts val="0"/>
+              </a:spcAft>
+              <a:buNone/>
+            </a:pPr>
+            <a:r>
+              <a:rPr b="1" lang="zh-CN" sz="1400">
+                <a:solidFill>
+                  <a:srgbClr val="000000"/>
+                </a:solidFill>
+                <a:highlight>
+                  <a:srgbClr val="FFFFFF"/>
+                </a:highlight>
+                <a:latin typeface="Verdana"/>
+                <a:ea typeface="Verdana"/>
+                <a:cs typeface="Verdana"/>
+                <a:sym typeface="Verdana"/>
+              </a:rPr>
+              <a:t>不会运维的前端开发不是好的架构师</a:t>
+            </a:r>
+          </a:p>
+          <a:p>
+            <a:pPr lvl="0">
+              <a:spcBef>
+                <a:spcPts val="0"/>
+              </a:spcBef>
+              <a:buNone/>
+            </a:pPr>
+            <a:r>
+              <a:t/>
+            </a:r>
+            <a:endParaRPr/>
+          </a:p>
+        </p:txBody>
+      </p:sp>
+    </p:spTree>
+  </p:cSld>
+  <p:clrMapOvr>
+    <a:masterClrMapping/>
+  </p:clrMapOvr>
+</p:sld>
+</file>
+
+<file path=ppt/slides/slide13.xml><?xml version="1.0" encoding="utf-8"?>
+<p:sld xmlns:a="http://schemas.openxmlformats.org/drawingml/2006/main" xmlns:r="http://schemas.openxmlformats.org/officeDocument/2006/relationships" xmlns:mc="http://schemas.openxmlformats.org/markup-compatibility/2006" xmlns:mv="urn:schemas-microsoft-com:mac:vml" xmlns:p="http://schemas.openxmlformats.org/presentationml/2006/main" xmlns:c="http://schemas.openxmlformats.org/drawingml/2006/chart" xmlns:dgm="http://schemas.openxmlformats.org/drawingml/2006/diagram" xmlns:o="urn:schemas-microsoft-com:office:office" xmlns:v="urn:schemas-microsoft-com:vml" xmlns:pvml="urn:schemas-microsoft-com:office:powerpoint" xmlns:com="http://schemas.openxmlformats.org/drawingml/2006/compatibility" xmlns:p14="http://schemas.microsoft.com/office/powerpoint/2010/main">
+  <p:cSld>
+    <p:spTree>
+      <p:nvGrpSpPr>
+        <p:cNvPr id="178" name="Shape 178"/>
+        <p:cNvGrpSpPr/>
+        <p:nvPr/>
+      </p:nvGrpSpPr>
+      <p:grpSpPr>
+        <a:xfrm>
+          <a:off x="0" y="0"/>
+          <a:ext cx="0" cy="0"/>
+          <a:chOff x="0" y="0"/>
+          <a:chExt cx="0" cy="0"/>
+        </a:xfrm>
+      </p:grpSpPr>
+      <p:sp>
+        <p:nvSpPr>
+          <p:cNvPr id="179" name="Shape 179"/>
+          <p:cNvSpPr txBox="1"/>
+          <p:nvPr>
+            <p:ph type="title"/>
+          </p:nvPr>
+        </p:nvSpPr>
+        <p:spPr>
+          <a:xfrm>
+            <a:off x="311700" y="372500"/>
+            <a:ext cx="8520600" cy="733500"/>
+          </a:xfrm>
+          <a:prstGeom prst="rect">
+            <a:avLst/>
+          </a:prstGeom>
+        </p:spPr>
+        <p:txBody>
+          <a:bodyPr anchorCtr="0" anchor="b" bIns="91425" lIns="91425" rIns="91425" tIns="91425">
+            <a:noAutofit/>
+          </a:bodyPr>
+          <a:lstStyle/>
+          <a:p>
+            <a:pPr lvl="0">
+              <a:spcBef>
+                <a:spcPts val="0"/>
+              </a:spcBef>
+              <a:buNone/>
+            </a:pPr>
+            <a:r>
+              <a:rPr lang="zh-CN"/>
+              <a:t>总结: 整个发布流程做三件事</a:t>
+            </a:r>
+          </a:p>
+        </p:txBody>
+      </p:sp>
+      <p:sp>
+        <p:nvSpPr>
+          <p:cNvPr id="180" name="Shape 180"/>
+          <p:cNvSpPr txBox="1"/>
+          <p:nvPr>
+            <p:ph idx="1" type="body"/>
+          </p:nvPr>
+        </p:nvSpPr>
+        <p:spPr>
+          <a:xfrm>
+            <a:off x="311700" y="1468825"/>
+            <a:ext cx="8520600" cy="3099900"/>
+          </a:xfrm>
+          <a:prstGeom prst="rect">
+            <a:avLst/>
+          </a:prstGeom>
+        </p:spPr>
+        <p:txBody>
+          <a:bodyPr anchorCtr="0" anchor="t" bIns="91425" lIns="91425" rIns="91425" tIns="91425">
+            <a:noAutofit/>
+          </a:bodyPr>
+          <a:lstStyle/>
+          <a:p>
+            <a:pPr indent="-228600" lvl="0" marL="457200" rtl="0">
+              <a:lnSpc>
+                <a:spcPct val="150000"/>
+              </a:lnSpc>
+              <a:spcBef>
+                <a:spcPts val="0"/>
+              </a:spcBef>
+              <a:buAutoNum type="arabicPeriod"/>
+            </a:pPr>
+            <a:r>
+              <a:rPr lang="zh-CN"/>
+              <a:t>文件获取</a:t>
+            </a:r>
+          </a:p>
+          <a:p>
+            <a:pPr indent="-228600" lvl="0" marL="457200" rtl="0">
+              <a:lnSpc>
+                <a:spcPct val="150000"/>
+              </a:lnSpc>
+              <a:spcBef>
+                <a:spcPts val="0"/>
+              </a:spcBef>
+              <a:buAutoNum type="arabicPeriod"/>
+            </a:pPr>
+            <a:r>
+              <a:rPr lang="zh-CN"/>
+              <a:t>上传文件</a:t>
+            </a:r>
+          </a:p>
+        </p:txBody>
+      </p:sp>
+      <p:pic>
+        <p:nvPicPr>
+          <p:cNvPr descr="20110712103406-2036366821.jpg" id="181" name="Shape 181"/>
+          <p:cNvPicPr preferRelativeResize="0"/>
+          <p:nvPr/>
+        </p:nvPicPr>
+        <p:blipFill>
+          <a:blip r:embed="rId3">
+            <a:alphaModFix/>
+          </a:blip>
+          <a:stretch>
+            <a:fillRect/>
+          </a:stretch>
+        </p:blipFill>
+        <p:spPr>
+          <a:xfrm>
+            <a:off x="4999525" y="1106000"/>
+            <a:ext cx="4070900" cy="3207875"/>
+          </a:xfrm>
+          <a:prstGeom prst="rect">
+            <a:avLst/>
+          </a:prstGeom>
+          <a:noFill/>
+          <a:ln>
+            <a:noFill/>
+          </a:ln>
+        </p:spPr>
+      </p:pic>
+      <p:sp>
+        <p:nvSpPr>
+          <p:cNvPr id="182" name="Shape 182"/>
+          <p:cNvSpPr txBox="1"/>
+          <p:nvPr/>
+        </p:nvSpPr>
+        <p:spPr>
+          <a:xfrm>
+            <a:off x="545650" y="3265000"/>
+            <a:ext cx="4374300" cy="1048800"/>
+          </a:xfrm>
+          <a:prstGeom prst="rect">
+            <a:avLst/>
+          </a:prstGeom>
+          <a:noFill/>
+          <a:ln>
+            <a:noFill/>
+          </a:ln>
+        </p:spPr>
+        <p:txBody>
+          <a:bodyPr anchorCtr="0" anchor="t" bIns="91425" lIns="91425" rIns="91425" tIns="91425">
+            <a:noAutofit/>
+          </a:bodyPr>
+          <a:lstStyle/>
+          <a:p>
+            <a:pPr lvl="0">
+              <a:spcBef>
+                <a:spcPts val="0"/>
+              </a:spcBef>
+              <a:buNone/>
+            </a:pPr>
+            <a:r>
+              <a:rPr lang="zh-CN" sz="2400">
+                <a:solidFill>
+                  <a:schemeClr val="dk1"/>
+                </a:solidFill>
+              </a:rPr>
+              <a:t>3.实时监听“文件获取”和 “上传文件”并把结果立即反馈给用户</a:t>
+            </a:r>
+          </a:p>
+        </p:txBody>
+      </p:sp>
+    </p:spTree>
+  </p:cSld>
+  <p:clrMapOvr>
+    <a:masterClrMapping/>
+  </p:clrMapOvr>
+  <p:timing>
+    <p:tnLst>
+      <p:par>
+        <p:cTn dur="indefinite" nodeType="tmRoot" restart="never">
+          <p:childTnLst>
+            <p:seq concurrent="1" nextAc="seek">
+              <p:cTn dur="indefinite" id="2" nodeType="mainSeq">
+                <p:childTnLst>
+                  <p:par>
+                    <p:cTn fill="hold">
+                      <p:stCondLst>
+                        <p:cond delay="indefinite"/>
+                      </p:stCondLst>
+                      <p:childTnLst>
+                        <p:par>
+                          <p:cTn fill="hold">
+                            <p:stCondLst>
+                              <p:cond delay="0"/>
+                            </p:stCondLst>
+                            <p:childTnLst>
+                              <p:par>
+                                <p:cTn fill="hold" nodeType="clickEffect" presetClass="entr" presetID="10" presetSubtype="0">
+                                  <p:stCondLst>
+                                    <p:cond delay="0"/>
+                                  </p:stCondLst>
+                                  <p:childTnLst>
+                                    <p:set>
+                                      <p:cBhvr>
+                                        <p:cTn dur="1" fill="hold">
+                                          <p:stCondLst>
+                                            <p:cond delay="0"/>
+                                          </p:stCondLst>
+                                        </p:cTn>
+                                        <p:tgtEl>
+                                          <p:spTgt spid="180"/>
+                                        </p:tgtEl>
+                                        <p:attrNameLst>
+                                          <p:attrName>style.visibility</p:attrName>
+                                        </p:attrNameLst>
+                                      </p:cBhvr>
+                                      <p:to>
+                                        <p:strVal val="visible"/>
+                                      </p:to>
+                                    </p:set>
+                                    <p:animEffect filter="fade" transition="in">
+                                      <p:cBhvr>
+                                        <p:cTn dur="1000"/>
+                                        <p:tgtEl>
+                                          <p:spTgt spid="180"/>
                                         </p:tgtEl>
                                       </p:cBhvr>
                                     </p:animEffect>
@@ -6692,7 +6996,7 @@
                                           </p:stCondLst>
                                         </p:cTn>
                                         <p:tgtEl>
-                                          <p:spTgt spid="174"/>
+                                          <p:spTgt spid="181"/>
                                         </p:tgtEl>
                                         <p:attrNameLst>
                                           <p:attrName>style.visibility</p:attrName>
@@ -6706,7 +7010,7 @@
                                       <p:cBhvr additive="base">
                                         <p:cTn dur="1000"/>
                                         <p:tgtEl>
-                                          <p:spTgt spid="174"/>
+                                          <p:spTgt spid="181"/>
                                         </p:tgtEl>
                                         <p:attrNameLst>
                                           <p:attrName>ppt_x</p:attrName>
@@ -6751,7 +7055,7 @@
                                           </p:stCondLst>
                                         </p:cTn>
                                         <p:tgtEl>
-                                          <p:spTgt spid="175"/>
+                                          <p:spTgt spid="182"/>
                                         </p:tgtEl>
                                         <p:attrNameLst>
                                           <p:attrName>style.visibility</p:attrName>
@@ -6765,7 +7069,7 @@
                                       <p:cBhvr>
                                         <p:cTn dur="1000"/>
                                         <p:tgtEl>
-                                          <p:spTgt spid="175"/>
+                                          <p:spTgt spid="182"/>
                                         </p:tgtEl>
                                       </p:cBhvr>
                                     </p:animEffect>
@@ -6803,12 +7107,12 @@
 </p:sld>
 </file>
 
-<file path=ppt/slides/slide13.xml><?xml version="1.0" encoding="utf-8"?>
+<file path=ppt/slides/slide14.xml><?xml version="1.0" encoding="utf-8"?>
 <p:sld xmlns:a="http://schemas.openxmlformats.org/drawingml/2006/main" xmlns:r="http://schemas.openxmlformats.org/officeDocument/2006/relationships" xmlns:mc="http://schemas.openxmlformats.org/markup-compatibility/2006" xmlns:mv="urn:schemas-microsoft-com:mac:vml" xmlns:p="http://schemas.openxmlformats.org/presentationml/2006/main" xmlns:c="http://schemas.openxmlformats.org/drawingml/2006/chart" xmlns:dgm="http://schemas.openxmlformats.org/drawingml/2006/diagram" xmlns:o="urn:schemas-microsoft-com:office:office" xmlns:v="urn:schemas-microsoft-com:vml" xmlns:pvml="urn:schemas-microsoft-com:office:powerpoint" xmlns:com="http://schemas.openxmlformats.org/drawingml/2006/compatibility" xmlns:p14="http://schemas.microsoft.com/office/powerpoint/2010/main">
   <p:cSld>
     <p:spTree>
       <p:nvGrpSpPr>
-        <p:cNvPr id="179" name="Shape 179"/>
+        <p:cNvPr id="186" name="Shape 186"/>
         <p:cNvGrpSpPr/>
         <p:nvPr/>
       </p:nvGrpSpPr>
@@ -6822,7 +7126,7 @@
       </p:grpSpPr>
       <p:sp>
         <p:nvSpPr>
-          <p:cNvPr id="180" name="Shape 180"/>
+          <p:cNvPr id="187" name="Shape 187"/>
           <p:cNvSpPr txBox="1"/>
           <p:nvPr>
             <p:ph type="ctrTitle"/>
@@ -6858,7 +7162,7 @@
       </p:sp>
       <p:sp>
         <p:nvSpPr>
-          <p:cNvPr id="181" name="Shape 181"/>
+          <p:cNvPr id="188" name="Shape 188"/>
           <p:cNvSpPr txBox="1"/>
           <p:nvPr>
             <p:ph idx="1" type="subTitle"/>
@@ -8046,13 +8350,12 @@
           <p:cNvPicPr preferRelativeResize="0"/>
           <p:nvPr/>
         </p:nvPicPr>
-        <p:blipFill>
+        <p:blipFill rotWithShape="1">
           <a:blip r:embed="rId3">
             <a:alphaModFix/>
           </a:blip>
-          <a:stretch>
-            <a:fillRect/>
-          </a:stretch>
+          <a:srcRect b="0" l="0" r="0" t="0"/>
+          <a:stretch/>
         </p:blipFill>
         <p:spPr>
           <a:xfrm>
@@ -8221,12 +8524,8 @@
               <a:buNone/>
             </a:pPr>
             <a:r>
-              <a:rPr lang="zh-CN">
-                <a:solidFill>
-                  <a:srgbClr val="4A86E8"/>
-                </a:solidFill>
-              </a:rPr>
-              <a:t>提纲</a:t>
+              <a:rPr lang="zh-CN"/>
+              <a:t>自动化部署</a:t>
             </a:r>
           </a:p>
         </p:txBody>
@@ -8258,234 +8557,78 @@
               <a:spcBef>
                 <a:spcPts val="0"/>
               </a:spcBef>
-              <a:buChar char="❏"/>
-            </a:pPr>
-            <a:r>
-              <a:rPr lang="zh-CN"/>
-              <a:t>文件类型、文件管理工具、文件发布流程</a:t>
-            </a:r>
-          </a:p>
-          <a:p>
-            <a:pPr indent="-228600" lvl="0" marL="457200">
-              <a:spcBef>
-                <a:spcPts val="0"/>
-              </a:spcBef>
-              <a:buChar char="❏"/>
-            </a:pPr>
-            <a:r>
-              <a:rPr lang="zh-CN"/>
-              <a:t>技术实现</a:t>
-            </a:r>
-          </a:p>
-        </p:txBody>
-      </p:sp>
-    </p:spTree>
-  </p:cSld>
-  <p:clrMapOvr>
-    <a:masterClrMapping/>
-  </p:clrMapOvr>
-</p:sld>
-</file>
-
-<file path=ppt/slides/slide5.xml><?xml version="1.0" encoding="utf-8"?>
-<p:sld xmlns:a="http://schemas.openxmlformats.org/drawingml/2006/main" xmlns:r="http://schemas.openxmlformats.org/officeDocument/2006/relationships" xmlns:mc="http://schemas.openxmlformats.org/markup-compatibility/2006" xmlns:mv="urn:schemas-microsoft-com:mac:vml" xmlns:p="http://schemas.openxmlformats.org/presentationml/2006/main" xmlns:c="http://schemas.openxmlformats.org/drawingml/2006/chart" xmlns:dgm="http://schemas.openxmlformats.org/drawingml/2006/diagram" xmlns:o="urn:schemas-microsoft-com:office:office" xmlns:v="urn:schemas-microsoft-com:vml" xmlns:pvml="urn:schemas-microsoft-com:office:powerpoint" xmlns:com="http://schemas.openxmlformats.org/drawingml/2006/compatibility" xmlns:p14="http://schemas.microsoft.com/office/powerpoint/2010/main">
-  <p:cSld>
-    <p:spTree>
-      <p:nvGrpSpPr>
-        <p:cNvPr id="98" name="Shape 98"/>
-        <p:cNvGrpSpPr/>
-        <p:nvPr/>
-      </p:nvGrpSpPr>
-      <p:grpSpPr>
-        <a:xfrm>
-          <a:off x="0" y="0"/>
-          <a:ext cx="0" cy="0"/>
-          <a:chOff x="0" y="0"/>
-          <a:chExt cx="0" cy="0"/>
-        </a:xfrm>
-      </p:grpSpPr>
-      <p:sp>
-        <p:nvSpPr>
-          <p:cNvPr id="99" name="Shape 99"/>
-          <p:cNvSpPr txBox="1"/>
-          <p:nvPr>
-            <p:ph type="title"/>
-          </p:nvPr>
-        </p:nvSpPr>
-        <p:spPr>
-          <a:xfrm>
-            <a:off x="311700" y="372500"/>
-            <a:ext cx="8520600" cy="733500"/>
-          </a:xfrm>
-          <a:prstGeom prst="rect">
-            <a:avLst/>
-          </a:prstGeom>
-        </p:spPr>
-        <p:txBody>
-          <a:bodyPr anchorCtr="0" anchor="b" bIns="91425" lIns="91425" rIns="91425" tIns="91425">
-            <a:noAutofit/>
-          </a:bodyPr>
-          <a:lstStyle/>
-          <a:p>
-            <a:pPr lvl="0">
-              <a:spcBef>
-                <a:spcPts val="0"/>
-              </a:spcBef>
-              <a:buNone/>
-            </a:pPr>
-            <a:r>
-              <a:rPr lang="zh-CN"/>
-              <a:t>常见文件类型</a:t>
-            </a:r>
-          </a:p>
-        </p:txBody>
-      </p:sp>
-      <p:sp>
-        <p:nvSpPr>
-          <p:cNvPr id="100" name="Shape 100"/>
-          <p:cNvSpPr txBox="1"/>
-          <p:nvPr>
-            <p:ph idx="1" type="body"/>
-          </p:nvPr>
-        </p:nvSpPr>
-        <p:spPr>
-          <a:xfrm>
-            <a:off x="311700" y="1468825"/>
-            <a:ext cx="8520600" cy="886200"/>
-          </a:xfrm>
-          <a:prstGeom prst="rect">
-            <a:avLst/>
-          </a:prstGeom>
-        </p:spPr>
-        <p:txBody>
-          <a:bodyPr anchorCtr="0" anchor="t" bIns="91425" lIns="91425" rIns="91425" tIns="91425">
-            <a:noAutofit/>
-          </a:bodyPr>
-          <a:lstStyle/>
-          <a:p>
-            <a:pPr indent="1524000" lvl="0">
-              <a:spcBef>
-                <a:spcPts val="0"/>
-              </a:spcBef>
-              <a:spcAft>
-                <a:spcPts val="0"/>
-              </a:spcAft>
-              <a:buNone/>
-            </a:pPr>
-            <a:r>
-              <a:t/>
-            </a:r>
-            <a:endParaRPr sz="1500">
-              <a:solidFill>
-                <a:srgbClr val="61CE3C"/>
-              </a:solidFill>
-              <a:highlight>
-                <a:srgbClr val="0C1021"/>
-              </a:highlight>
-              <a:latin typeface="Courier New"/>
-              <a:ea typeface="Courier New"/>
-              <a:cs typeface="Courier New"/>
-              <a:sym typeface="Courier New"/>
-            </a:endParaRPr>
-          </a:p>
-          <a:p>
-            <a:pPr lvl="0">
-              <a:spcBef>
-                <a:spcPts val="0"/>
-              </a:spcBef>
-              <a:buNone/>
-            </a:pPr>
-            <a:r>
-              <a:rPr lang="zh-CN"/>
-              <a:t>html、jsp、css、js、</a:t>
-            </a:r>
-            <a:r>
-              <a:rPr lang="zh-CN"/>
-              <a:t>图片、</a:t>
-            </a:r>
-            <a:r>
-              <a:rPr lang="zh-CN"/>
-              <a:t>字体、音视频文件，等等。</a:t>
-            </a:r>
-          </a:p>
-          <a:p>
-            <a:pPr lvl="0">
-              <a:spcBef>
-                <a:spcPts val="0"/>
-              </a:spcBef>
-              <a:buNone/>
-            </a:pPr>
-            <a:r>
-              <a:t/>
-            </a:r>
-            <a:endParaRPr/>
-          </a:p>
-          <a:p>
-            <a:pPr lvl="0">
-              <a:spcBef>
-                <a:spcPts val="0"/>
-              </a:spcBef>
-              <a:buNone/>
-            </a:pPr>
-            <a:r>
-              <a:t/>
-            </a:r>
-            <a:endParaRPr sz="2400">
-              <a:solidFill>
+              <a:buClr>
                 <a:srgbClr val="FF0000"/>
-              </a:solidFill>
-            </a:endParaRPr>
-          </a:p>
-        </p:txBody>
-      </p:sp>
-      <p:sp>
-        <p:nvSpPr>
-          <p:cNvPr id="101" name="Shape 101"/>
-          <p:cNvSpPr txBox="1"/>
-          <p:nvPr/>
-        </p:nvSpPr>
-        <p:spPr>
-          <a:xfrm>
-            <a:off x="317325" y="2488500"/>
-            <a:ext cx="7323600" cy="968700"/>
-          </a:xfrm>
-          <a:prstGeom prst="rect">
-            <a:avLst/>
-          </a:prstGeom>
-          <a:noFill/>
-          <a:ln>
-            <a:noFill/>
-          </a:ln>
-        </p:spPr>
-        <p:txBody>
-          <a:bodyPr anchorCtr="0" anchor="t" bIns="91425" lIns="91425" rIns="91425" tIns="91425">
-            <a:noAutofit/>
-          </a:bodyPr>
-          <a:lstStyle/>
-          <a:p>
-            <a:pPr lvl="0" rtl="0">
-              <a:lnSpc>
-                <a:spcPct val="115000"/>
-              </a:lnSpc>
-              <a:spcBef>
-                <a:spcPts val="0"/>
-              </a:spcBef>
-              <a:spcAft>
-                <a:spcPts val="1600"/>
-              </a:spcAft>
-              <a:buNone/>
-            </a:pPr>
-            <a:r>
-              <a:rPr lang="zh-CN" sz="2400">
+              </a:buClr>
+              <a:buAutoNum type="arabicPeriod"/>
+            </a:pPr>
+            <a:r>
+              <a:rPr lang="zh-CN">
                 <a:solidFill>
                   <a:srgbClr val="FF0000"/>
                 </a:solidFill>
-                <a:latin typeface="Source Code Pro"/>
-                <a:ea typeface="Source Code Pro"/>
-                <a:cs typeface="Source Code Pro"/>
-                <a:sym typeface="Source Code Pro"/>
               </a:rPr>
-              <a:t>这些文件都不需要编译，直接发布。</a:t>
+              <a:t>获取源码</a:t>
+            </a:r>
+          </a:p>
+          <a:p>
+            <a:pPr indent="-228600" lvl="0" marL="457200" rtl="0">
+              <a:spcBef>
+                <a:spcPts val="0"/>
+              </a:spcBef>
+              <a:buAutoNum type="arabicPeriod"/>
+            </a:pPr>
+            <a:r>
+              <a:rPr lang="zh-CN"/>
+              <a:t>获取依赖</a:t>
+            </a:r>
+          </a:p>
+          <a:p>
+            <a:pPr indent="-228600" lvl="0" marL="457200" rtl="0">
+              <a:spcBef>
+                <a:spcPts val="0"/>
+              </a:spcBef>
+              <a:buAutoNum type="arabicPeriod"/>
+            </a:pPr>
+            <a:r>
+              <a:rPr lang="zh-CN"/>
+              <a:t>构建软件包</a:t>
+            </a:r>
+          </a:p>
+          <a:p>
+            <a:pPr indent="-228600" lvl="0" marL="457200" rtl="0">
+              <a:spcBef>
+                <a:spcPts val="0"/>
+              </a:spcBef>
+              <a:buAutoNum type="arabicPeriod"/>
+            </a:pPr>
+            <a:r>
+              <a:rPr lang="zh-CN"/>
+              <a:t>生成/</a:t>
+            </a:r>
+            <a:r>
+              <a:rPr lang="zh-CN">
+                <a:solidFill>
+                  <a:srgbClr val="FF0000"/>
+                </a:solidFill>
+              </a:rPr>
+              <a:t>上传</a:t>
+            </a:r>
+            <a:r>
+              <a:rPr lang="zh-CN"/>
+              <a:t>安装包</a:t>
+            </a:r>
+          </a:p>
+          <a:p>
+            <a:pPr indent="-228600" lvl="0" marL="457200">
+              <a:spcBef>
+                <a:spcPts val="0"/>
+              </a:spcBef>
+              <a:buAutoNum type="arabicPeriod"/>
+            </a:pPr>
+            <a:r>
+              <a:rPr lang="zh-CN"/>
+              <a:t>目标平台安装/配置</a:t>
             </a:r>
           </a:p>
         </p:txBody>
@@ -8529,7 +8672,7 @@
                                           </p:stCondLst>
                                         </p:cTn>
                                         <p:tgtEl>
-                                          <p:spTgt spid="101"/>
+                                          <p:spTgt spid="94"/>
                                         </p:tgtEl>
                                         <p:attrNameLst>
                                           <p:attrName>style.visibility</p:attrName>
@@ -8543,7 +8686,7 @@
                                       <p:cBhvr>
                                         <p:cTn dur="1000"/>
                                         <p:tgtEl>
-                                          <p:spTgt spid="101"/>
+                                          <p:spTgt spid="94"/>
                                         </p:tgtEl>
                                       </p:cBhvr>
                                     </p:animEffect>
@@ -8581,12 +8724,12 @@
 </p:sld>
 </file>
 
-<file path=ppt/slides/slide6.xml><?xml version="1.0" encoding="utf-8"?>
+<file path=ppt/slides/slide5.xml><?xml version="1.0" encoding="utf-8"?>
 <p:sld xmlns:a="http://schemas.openxmlformats.org/drawingml/2006/main" xmlns:r="http://schemas.openxmlformats.org/officeDocument/2006/relationships" xmlns:mc="http://schemas.openxmlformats.org/markup-compatibility/2006" xmlns:mv="urn:schemas-microsoft-com:mac:vml" xmlns:p="http://schemas.openxmlformats.org/presentationml/2006/main" xmlns:c="http://schemas.openxmlformats.org/drawingml/2006/chart" xmlns:dgm="http://schemas.openxmlformats.org/drawingml/2006/diagram" xmlns:o="urn:schemas-microsoft-com:office:office" xmlns:v="urn:schemas-microsoft-com:vml" xmlns:pvml="urn:schemas-microsoft-com:office:powerpoint" xmlns:com="http://schemas.openxmlformats.org/drawingml/2006/compatibility" xmlns:p14="http://schemas.microsoft.com/office/powerpoint/2010/main">
   <p:cSld>
     <p:spTree>
       <p:nvGrpSpPr>
-        <p:cNvPr id="105" name="Shape 105"/>
+        <p:cNvPr id="98" name="Shape 98"/>
         <p:cNvGrpSpPr/>
         <p:nvPr/>
       </p:nvGrpSpPr>
@@ -8600,7 +8743,7 @@
       </p:grpSpPr>
       <p:sp>
         <p:nvSpPr>
-          <p:cNvPr id="106" name="Shape 106"/>
+          <p:cNvPr id="99" name="Shape 99"/>
           <p:cNvSpPr txBox="1"/>
           <p:nvPr>
             <p:ph type="title"/>
@@ -8628,15 +8771,19 @@
               <a:buNone/>
             </a:pPr>
             <a:r>
-              <a:rPr lang="zh-CN"/>
-              <a:t>svn项目管理工具</a:t>
+              <a:rPr lang="zh-CN">
+                <a:solidFill>
+                  <a:srgbClr val="4A86E8"/>
+                </a:solidFill>
+              </a:rPr>
+              <a:t>提纲</a:t>
             </a:r>
           </a:p>
         </p:txBody>
       </p:sp>
       <p:sp>
         <p:nvSpPr>
-          <p:cNvPr id="107" name="Shape 107"/>
+          <p:cNvPr id="100" name="Shape 100"/>
           <p:cNvSpPr txBox="1"/>
           <p:nvPr>
             <p:ph idx="1" type="body"/>
@@ -8657,6 +8804,79 @@
           </a:bodyPr>
           <a:lstStyle/>
           <a:p>
+            <a:pPr indent="-228600" lvl="0" marL="457200" rtl="0">
+              <a:spcBef>
+                <a:spcPts val="0"/>
+              </a:spcBef>
+              <a:buChar char="❏"/>
+            </a:pPr>
+            <a:r>
+              <a:rPr lang="zh-CN"/>
+              <a:t>文件类型、文件管理工具、文件发布流程</a:t>
+            </a:r>
+          </a:p>
+          <a:p>
+            <a:pPr indent="-228600" lvl="0" marL="457200">
+              <a:spcBef>
+                <a:spcPts val="0"/>
+              </a:spcBef>
+              <a:buChar char="❏"/>
+            </a:pPr>
+            <a:r>
+              <a:rPr lang="zh-CN"/>
+              <a:t>技术实现</a:t>
+            </a:r>
+          </a:p>
+        </p:txBody>
+      </p:sp>
+    </p:spTree>
+  </p:cSld>
+  <p:clrMapOvr>
+    <a:masterClrMapping/>
+  </p:clrMapOvr>
+</p:sld>
+</file>
+
+<file path=ppt/slides/slide6.xml><?xml version="1.0" encoding="utf-8"?>
+<p:sld xmlns:a="http://schemas.openxmlformats.org/drawingml/2006/main" xmlns:r="http://schemas.openxmlformats.org/officeDocument/2006/relationships" xmlns:mc="http://schemas.openxmlformats.org/markup-compatibility/2006" xmlns:mv="urn:schemas-microsoft-com:mac:vml" xmlns:p="http://schemas.openxmlformats.org/presentationml/2006/main" xmlns:c="http://schemas.openxmlformats.org/drawingml/2006/chart" xmlns:dgm="http://schemas.openxmlformats.org/drawingml/2006/diagram" xmlns:o="urn:schemas-microsoft-com:office:office" xmlns:v="urn:schemas-microsoft-com:vml" xmlns:pvml="urn:schemas-microsoft-com:office:powerpoint" xmlns:com="http://schemas.openxmlformats.org/drawingml/2006/compatibility" xmlns:p14="http://schemas.microsoft.com/office/powerpoint/2010/main">
+  <p:cSld>
+    <p:spTree>
+      <p:nvGrpSpPr>
+        <p:cNvPr id="104" name="Shape 104"/>
+        <p:cNvGrpSpPr/>
+        <p:nvPr/>
+      </p:nvGrpSpPr>
+      <p:grpSpPr>
+        <a:xfrm>
+          <a:off x="0" y="0"/>
+          <a:ext cx="0" cy="0"/>
+          <a:chOff x="0" y="0"/>
+          <a:chExt cx="0" cy="0"/>
+        </a:xfrm>
+      </p:grpSpPr>
+      <p:sp>
+        <p:nvSpPr>
+          <p:cNvPr id="105" name="Shape 105"/>
+          <p:cNvSpPr txBox="1"/>
+          <p:nvPr>
+            <p:ph type="title"/>
+          </p:nvPr>
+        </p:nvSpPr>
+        <p:spPr>
+          <a:xfrm>
+            <a:off x="311700" y="372500"/>
+            <a:ext cx="8520600" cy="733500"/>
+          </a:xfrm>
+          <a:prstGeom prst="rect">
+            <a:avLst/>
+          </a:prstGeom>
+        </p:spPr>
+        <p:txBody>
+          <a:bodyPr anchorCtr="0" anchor="b" bIns="91425" lIns="91425" rIns="91425" tIns="91425">
+            <a:noAutofit/>
+          </a:bodyPr>
+          <a:lstStyle/>
+          <a:p>
             <a:pPr lvl="0">
               <a:spcBef>
                 <a:spcPts val="0"/>
@@ -8665,29 +8885,119 @@
             </a:pPr>
             <a:r>
               <a:rPr lang="zh-CN"/>
-              <a:t>利用show log获取文件信息，拿到文件路径。</a:t>
+              <a:t>常见文件类型</a:t>
             </a:r>
           </a:p>
         </p:txBody>
       </p:sp>
-      <p:pic>
-        <p:nvPicPr>
-          <p:cNvPr descr="4c222b9b.png" id="108" name="Shape 108"/>
-          <p:cNvPicPr preferRelativeResize="0"/>
+      <p:sp>
+        <p:nvSpPr>
+          <p:cNvPr id="106" name="Shape 106"/>
+          <p:cNvSpPr txBox="1"/>
+          <p:nvPr>
+            <p:ph idx="1" type="body"/>
+          </p:nvPr>
+        </p:nvSpPr>
+        <p:spPr>
+          <a:xfrm>
+            <a:off x="311700" y="1468825"/>
+            <a:ext cx="8520600" cy="886200"/>
+          </a:xfrm>
+          <a:prstGeom prst="rect">
+            <a:avLst/>
+          </a:prstGeom>
+        </p:spPr>
+        <p:txBody>
+          <a:bodyPr anchorCtr="0" anchor="t" bIns="91425" lIns="91425" rIns="91425" tIns="91425">
+            <a:noAutofit/>
+          </a:bodyPr>
+          <a:lstStyle/>
+          <a:p>
+            <a:pPr indent="1524000" lvl="0">
+              <a:spcBef>
+                <a:spcPts val="0"/>
+              </a:spcBef>
+              <a:spcAft>
+                <a:spcPts val="0"/>
+              </a:spcAft>
+              <a:buNone/>
+            </a:pPr>
+            <a:r>
+              <a:t/>
+            </a:r>
+            <a:endParaRPr sz="1500">
+              <a:solidFill>
+                <a:srgbClr val="61CE3C"/>
+              </a:solidFill>
+              <a:highlight>
+                <a:srgbClr val="0C1021"/>
+              </a:highlight>
+              <a:latin typeface="Courier New"/>
+              <a:ea typeface="Courier New"/>
+              <a:cs typeface="Courier New"/>
+              <a:sym typeface="Courier New"/>
+            </a:endParaRPr>
+          </a:p>
+          <a:p>
+            <a:pPr lvl="0">
+              <a:spcBef>
+                <a:spcPts val="0"/>
+              </a:spcBef>
+              <a:buNone/>
+            </a:pPr>
+            <a:r>
+              <a:rPr lang="zh-CN"/>
+              <a:t>html、jsp、css、js、</a:t>
+            </a:r>
+            <a:r>
+              <a:rPr lang="zh-CN"/>
+              <a:t>图片、</a:t>
+            </a:r>
+            <a:r>
+              <a:rPr lang="zh-CN"/>
+              <a:t>字体、音视频文件，等等。</a:t>
+            </a:r>
+          </a:p>
+          <a:p>
+            <a:pPr lvl="0">
+              <a:spcBef>
+                <a:spcPts val="0"/>
+              </a:spcBef>
+              <a:buNone/>
+            </a:pPr>
+            <a:r>
+              <a:t/>
+            </a:r>
+            <a:endParaRPr/>
+          </a:p>
+          <a:p>
+            <a:pPr lvl="0">
+              <a:spcBef>
+                <a:spcPts val="0"/>
+              </a:spcBef>
+              <a:buNone/>
+            </a:pPr>
+            <a:r>
+              <a:t/>
+            </a:r>
+            <a:endParaRPr sz="2400">
+              <a:solidFill>
+                <a:srgbClr val="FF0000"/>
+              </a:solidFill>
+            </a:endParaRPr>
+          </a:p>
+        </p:txBody>
+      </p:sp>
+      <p:sp>
+        <p:nvSpPr>
+          <p:cNvPr id="107" name="Shape 107"/>
+          <p:cNvSpPr txBox="1"/>
           <p:nvPr/>
-        </p:nvPicPr>
-        <p:blipFill>
-          <a:blip r:embed="rId3">
-            <a:alphaModFix/>
-          </a:blip>
-          <a:stretch>
-            <a:fillRect/>
-          </a:stretch>
-        </p:blipFill>
-        <p:spPr>
-          <a:xfrm>
-            <a:off x="429862" y="1887062"/>
-            <a:ext cx="5895975" cy="2505075"/>
+        </p:nvSpPr>
+        <p:spPr>
+          <a:xfrm>
+            <a:off x="317325" y="2488500"/>
+            <a:ext cx="7323600" cy="968700"/>
           </a:xfrm>
           <a:prstGeom prst="rect">
             <a:avLst/>
@@ -8697,7 +9007,39 @@
             <a:noFill/>
           </a:ln>
         </p:spPr>
-      </p:pic>
+        <p:txBody>
+          <a:bodyPr anchorCtr="0" anchor="t" bIns="91425" lIns="91425" rIns="91425" tIns="91425">
+            <a:noAutofit/>
+          </a:bodyPr>
+          <a:lstStyle/>
+          <a:p>
+            <a:pPr lvl="0" rtl="0">
+              <a:lnSpc>
+                <a:spcPct val="115000"/>
+              </a:lnSpc>
+              <a:spcBef>
+                <a:spcPts val="0"/>
+              </a:spcBef>
+              <a:spcAft>
+                <a:spcPts val="1600"/>
+              </a:spcAft>
+              <a:buNone/>
+            </a:pPr>
+            <a:r>
+              <a:rPr lang="zh-CN" sz="2400">
+                <a:solidFill>
+                  <a:srgbClr val="FF0000"/>
+                </a:solidFill>
+                <a:latin typeface="Source Code Pro"/>
+                <a:ea typeface="Source Code Pro"/>
+                <a:cs typeface="Source Code Pro"/>
+                <a:sym typeface="Source Code Pro"/>
+              </a:rPr>
+              <a:t>这些文件都不需要编译，直接发布。</a:t>
+            </a:r>
+          </a:p>
+        </p:txBody>
+      </p:sp>
     </p:spTree>
   </p:cSld>
   <p:clrMapOvr>
@@ -8764,59 +9106,6 @@
                       </p:childTnLst>
                     </p:cTn>
                   </p:par>
-                  <p:par>
-                    <p:cTn fill="hold">
-                      <p:stCondLst>
-                        <p:cond delay="indefinite"/>
-                      </p:stCondLst>
-                      <p:childTnLst>
-                        <p:par>
-                          <p:cTn fill="hold">
-                            <p:stCondLst>
-                              <p:cond delay="0"/>
-                            </p:stCondLst>
-                            <p:childTnLst>
-                              <p:par>
-                                <p:cTn fill="hold" nodeType="clickEffect" presetClass="entr" presetID="10" presetSubtype="0">
-                                  <p:stCondLst>
-                                    <p:cond delay="0"/>
-                                  </p:stCondLst>
-                                  <p:childTnLst>
-                                    <p:set>
-                                      <p:cBhvr>
-                                        <p:cTn dur="1" fill="hold">
-                                          <p:stCondLst>
-                                            <p:cond delay="0"/>
-                                          </p:stCondLst>
-                                        </p:cTn>
-                                        <p:tgtEl>
-                                          <p:spTgt spid="108"/>
-                                        </p:tgtEl>
-                                        <p:attrNameLst>
-                                          <p:attrName>style.visibility</p:attrName>
-                                        </p:attrNameLst>
-                                      </p:cBhvr>
-                                      <p:to>
-                                        <p:strVal val="visible"/>
-                                      </p:to>
-                                    </p:set>
-                                    <p:animEffect filter="fade" transition="in">
-                                      <p:cBhvr>
-                                        <p:cTn dur="1000"/>
-                                        <p:tgtEl>
-                                          <p:spTgt spid="108"/>
-                                        </p:tgtEl>
-                                      </p:cBhvr>
-                                    </p:animEffect>
-                                  </p:childTnLst>
-                                </p:cTn>
-                              </p:par>
-                            </p:childTnLst>
-                          </p:cTn>
-                        </p:par>
-                      </p:childTnLst>
-                    </p:cTn>
-                  </p:par>
                 </p:childTnLst>
               </p:cTn>
               <p:prevCondLst>
@@ -8847,7 +9136,7 @@
   <p:cSld>
     <p:spTree>
       <p:nvGrpSpPr>
-        <p:cNvPr id="112" name="Shape 112"/>
+        <p:cNvPr id="111" name="Shape 111"/>
         <p:cNvGrpSpPr/>
         <p:nvPr/>
       </p:nvGrpSpPr>
@@ -8861,7 +9150,7 @@
       </p:grpSpPr>
       <p:sp>
         <p:nvSpPr>
-          <p:cNvPr id="113" name="Shape 113"/>
+          <p:cNvPr id="112" name="Shape 112"/>
           <p:cNvSpPr txBox="1"/>
           <p:nvPr>
             <p:ph type="title"/>
@@ -8890,14 +9179,14 @@
             </a:pPr>
             <a:r>
               <a:rPr lang="zh-CN"/>
-              <a:t>文件发布流程</a:t>
+              <a:t>svn项目管理工具</a:t>
             </a:r>
           </a:p>
         </p:txBody>
       </p:sp>
       <p:sp>
         <p:nvSpPr>
-          <p:cNvPr id="114" name="Shape 114"/>
+          <p:cNvPr id="113" name="Shape 113"/>
           <p:cNvSpPr txBox="1"/>
           <p:nvPr>
             <p:ph idx="1" type="body"/>
@@ -8926,374 +9215,29 @@
             </a:pPr>
             <a:r>
               <a:rPr lang="zh-CN"/>
-              <a:t> </a:t>
+              <a:t>利用show log获取文件信息，拿到文件路径。</a:t>
             </a:r>
           </a:p>
         </p:txBody>
       </p:sp>
-      <p:sp>
-        <p:nvSpPr>
-          <p:cNvPr id="115" name="Shape 115"/>
-          <p:cNvSpPr/>
+      <p:pic>
+        <p:nvPicPr>
+          <p:cNvPr descr="4c222b9b.png" id="114" name="Shape 114"/>
+          <p:cNvPicPr preferRelativeResize="0"/>
           <p:nvPr/>
-        </p:nvSpPr>
-        <p:spPr>
-          <a:xfrm>
-            <a:off x="509400" y="1862200"/>
-            <a:ext cx="1578300" cy="1595100"/>
-          </a:xfrm>
-          <a:prstGeom prst="rect">
-            <a:avLst/>
-          </a:prstGeom>
-          <a:solidFill>
-            <a:srgbClr val="FCE5CD"/>
-          </a:solidFill>
-          <a:ln cap="flat" cmpd="sng" w="9525">
-            <a:solidFill>
-              <a:schemeClr val="dk2"/>
-            </a:solidFill>
-            <a:prstDash val="solid"/>
-            <a:round/>
-            <a:headEnd len="med" w="med" type="none"/>
-            <a:tailEnd len="med" w="med" type="none"/>
-          </a:ln>
-        </p:spPr>
-        <p:txBody>
-          <a:bodyPr anchorCtr="0" anchor="ctr" bIns="91425" lIns="91425" rIns="91425" tIns="91425">
-            <a:noAutofit/>
-          </a:bodyPr>
-          <a:lstStyle/>
-          <a:p>
-            <a:pPr lvl="0" algn="ctr">
-              <a:spcBef>
-                <a:spcPts val="0"/>
-              </a:spcBef>
-              <a:buNone/>
-            </a:pPr>
-            <a:r>
-              <a:rPr lang="zh-CN"/>
-              <a:t>svn:</a:t>
-            </a:r>
-            <a:r>
-              <a:rPr lang="zh-CN"/>
-              <a:t>show log</a:t>
-            </a:r>
-          </a:p>
-        </p:txBody>
-      </p:sp>
-      <p:sp>
-        <p:nvSpPr>
-          <p:cNvPr id="116" name="Shape 116"/>
-          <p:cNvSpPr/>
-          <p:nvPr/>
-        </p:nvSpPr>
-        <p:spPr>
-          <a:xfrm>
-            <a:off x="3657575" y="1862200"/>
-            <a:ext cx="1578300" cy="1595100"/>
-          </a:xfrm>
-          <a:prstGeom prst="rect">
-            <a:avLst/>
-          </a:prstGeom>
-          <a:solidFill>
-            <a:srgbClr val="0074AE"/>
-          </a:solidFill>
-          <a:ln cap="flat" cmpd="sng" w="9525">
-            <a:solidFill>
-              <a:schemeClr val="lt1"/>
-            </a:solidFill>
-            <a:prstDash val="solid"/>
-            <a:round/>
-            <a:headEnd len="med" w="med" type="none"/>
-            <a:tailEnd len="med" w="med" type="none"/>
-          </a:ln>
-        </p:spPr>
-        <p:txBody>
-          <a:bodyPr anchorCtr="0" anchor="ctr" bIns="91425" lIns="91425" rIns="91425" tIns="91425">
-            <a:noAutofit/>
-          </a:bodyPr>
-          <a:lstStyle/>
-          <a:p>
-            <a:pPr lvl="0" algn="ctr">
-              <a:spcBef>
-                <a:spcPts val="0"/>
-              </a:spcBef>
-              <a:buNone/>
-            </a:pPr>
-            <a:r>
-              <a:rPr lang="zh-CN" sz="1800">
-                <a:solidFill>
-                  <a:schemeClr val="lt1"/>
-                </a:solidFill>
-              </a:rPr>
-              <a:t>测试环境</a:t>
-            </a:r>
-          </a:p>
-        </p:txBody>
-      </p:sp>
-      <p:sp>
-        <p:nvSpPr>
-          <p:cNvPr id="117" name="Shape 117"/>
-          <p:cNvSpPr/>
-          <p:nvPr/>
-        </p:nvSpPr>
-        <p:spPr>
-          <a:xfrm>
-            <a:off x="2212925" y="2459350"/>
-            <a:ext cx="1323600" cy="400800"/>
-          </a:xfrm>
-          <a:prstGeom prst="rightArrow">
-            <a:avLst>
-              <a:gd fmla="val 50000" name="adj1"/>
-              <a:gd fmla="val 50000" name="adj2"/>
-            </a:avLst>
-          </a:prstGeom>
-          <a:solidFill>
-            <a:schemeClr val="lt2"/>
-          </a:solidFill>
-          <a:ln cap="flat" cmpd="sng" w="9525">
-            <a:solidFill>
-              <a:schemeClr val="dk2"/>
-            </a:solidFill>
-            <a:prstDash val="solid"/>
-            <a:round/>
-            <a:headEnd len="med" w="med" type="none"/>
-            <a:tailEnd len="med" w="med" type="none"/>
-          </a:ln>
-        </p:spPr>
-        <p:txBody>
-          <a:bodyPr anchorCtr="0" anchor="ctr" bIns="91425" lIns="91425" rIns="91425" tIns="91425">
-            <a:noAutofit/>
-          </a:bodyPr>
-          <a:lstStyle/>
-          <a:p>
-            <a:pPr lvl="0">
-              <a:spcBef>
-                <a:spcPts val="0"/>
-              </a:spcBef>
-              <a:buNone/>
-            </a:pPr>
-            <a:r>
-              <a:rPr lang="zh-CN"/>
-              <a:t>Http上传</a:t>
-            </a:r>
-          </a:p>
-        </p:txBody>
-      </p:sp>
-      <p:sp>
-        <p:nvSpPr>
-          <p:cNvPr id="118" name="Shape 118"/>
-          <p:cNvSpPr/>
-          <p:nvPr/>
-        </p:nvSpPr>
-        <p:spPr>
-          <a:xfrm>
-            <a:off x="5457125" y="2459350"/>
-            <a:ext cx="1085700" cy="400800"/>
-          </a:xfrm>
-          <a:prstGeom prst="rightArrow">
-            <a:avLst>
-              <a:gd fmla="val 50000" name="adj1"/>
-              <a:gd fmla="val 50000" name="adj2"/>
-            </a:avLst>
-          </a:prstGeom>
-          <a:solidFill>
-            <a:schemeClr val="lt2"/>
-          </a:solidFill>
-          <a:ln cap="flat" cmpd="sng" w="9525">
-            <a:solidFill>
-              <a:schemeClr val="dk2"/>
-            </a:solidFill>
-            <a:prstDash val="solid"/>
-            <a:round/>
-            <a:headEnd len="med" w="med" type="none"/>
-            <a:tailEnd len="med" w="med" type="none"/>
-          </a:ln>
-        </p:spPr>
-        <p:txBody>
-          <a:bodyPr anchorCtr="0" anchor="ctr" bIns="91425" lIns="91425" rIns="91425" tIns="91425">
-            <a:noAutofit/>
-          </a:bodyPr>
-          <a:lstStyle/>
-          <a:p>
-            <a:pPr lvl="0">
-              <a:spcBef>
-                <a:spcPts val="0"/>
-              </a:spcBef>
-              <a:buNone/>
-            </a:pPr>
-            <a:r>
-              <a:rPr lang="zh-CN"/>
-              <a:t>Http上传</a:t>
-            </a:r>
-          </a:p>
-        </p:txBody>
-      </p:sp>
-      <p:sp>
-        <p:nvSpPr>
-          <p:cNvPr id="119" name="Shape 119"/>
-          <p:cNvSpPr/>
-          <p:nvPr/>
-        </p:nvSpPr>
-        <p:spPr>
-          <a:xfrm>
-            <a:off x="6764075" y="1887250"/>
-            <a:ext cx="1578300" cy="1545000"/>
-          </a:xfrm>
-          <a:prstGeom prst="rect">
-            <a:avLst/>
-          </a:prstGeom>
-          <a:solidFill>
-            <a:srgbClr val="58AA00"/>
-          </a:solidFill>
-          <a:ln cap="flat" cmpd="sng" w="9525">
-            <a:solidFill>
-              <a:schemeClr val="dk2"/>
-            </a:solidFill>
-            <a:prstDash val="solid"/>
-            <a:round/>
-            <a:headEnd len="med" w="med" type="none"/>
-            <a:tailEnd len="med" w="med" type="none"/>
-          </a:ln>
-        </p:spPr>
-        <p:txBody>
-          <a:bodyPr anchorCtr="0" anchor="ctr" bIns="91425" lIns="91425" rIns="91425" tIns="91425">
-            <a:noAutofit/>
-          </a:bodyPr>
-          <a:lstStyle/>
-          <a:p>
-            <a:pPr lvl="0" algn="ctr">
-              <a:spcBef>
-                <a:spcPts val="0"/>
-              </a:spcBef>
-              <a:buNone/>
-            </a:pPr>
-            <a:r>
-              <a:rPr lang="zh-CN" sz="1800">
-                <a:solidFill>
-                  <a:schemeClr val="lt1"/>
-                </a:solidFill>
-              </a:rPr>
-              <a:t>生产</a:t>
-            </a:r>
-            <a:r>
-              <a:rPr lang="zh-CN" sz="1800">
-                <a:solidFill>
-                  <a:schemeClr val="lt1"/>
-                </a:solidFill>
-              </a:rPr>
-              <a:t>环境</a:t>
-            </a:r>
-          </a:p>
-        </p:txBody>
-      </p:sp>
-      <p:sp>
-        <p:nvSpPr>
-          <p:cNvPr id="120" name="Shape 120"/>
-          <p:cNvSpPr/>
-          <p:nvPr/>
-        </p:nvSpPr>
-        <p:spPr>
-          <a:xfrm>
-            <a:off x="370150" y="3582400"/>
-            <a:ext cx="2889300" cy="801600"/>
-          </a:xfrm>
-          <a:prstGeom prst="bracePair">
-            <a:avLst/>
-          </a:prstGeom>
-          <a:noFill/>
-          <a:ln cap="flat" cmpd="sng" w="9525">
-            <a:solidFill>
-              <a:schemeClr val="dk2"/>
-            </a:solidFill>
-            <a:prstDash val="solid"/>
-            <a:round/>
-            <a:headEnd len="med" w="med" type="none"/>
-            <a:tailEnd len="med" w="med" type="none"/>
-          </a:ln>
-        </p:spPr>
-        <p:txBody>
-          <a:bodyPr anchorCtr="0" anchor="ctr" bIns="91425" lIns="91425" rIns="91425" tIns="91425">
-            <a:noAutofit/>
-          </a:bodyPr>
-          <a:lstStyle/>
-          <a:p>
-            <a:pPr lvl="0">
-              <a:spcBef>
-                <a:spcPts val="0"/>
-              </a:spcBef>
-              <a:buNone/>
-            </a:pPr>
-            <a:r>
-              <a:rPr lang="zh-CN">
-                <a:highlight>
-                  <a:srgbClr val="F1F3FA"/>
-                </a:highlight>
-              </a:rPr>
-              <a:t>/www/static/js/service/reserve.js,/www/static/css/service/outlets.css</a:t>
-            </a:r>
-          </a:p>
-        </p:txBody>
-      </p:sp>
-      <p:sp>
-        <p:nvSpPr>
-          <p:cNvPr id="121" name="Shape 121"/>
-          <p:cNvSpPr/>
-          <p:nvPr/>
-        </p:nvSpPr>
-        <p:spPr>
-          <a:xfrm>
-            <a:off x="7415400" y="3432250"/>
-            <a:ext cx="400800" cy="442500"/>
-          </a:xfrm>
-          <a:prstGeom prst="downArrow">
-            <a:avLst>
-              <a:gd fmla="val 50000" name="adj1"/>
-              <a:gd fmla="val 50000" name="adj2"/>
-            </a:avLst>
-          </a:prstGeom>
-          <a:solidFill>
-            <a:srgbClr val="58AA00"/>
-          </a:solidFill>
-          <a:ln cap="flat" cmpd="sng" w="9525">
-            <a:solidFill>
-              <a:schemeClr val="dk2"/>
-            </a:solidFill>
-            <a:prstDash val="solid"/>
-            <a:round/>
-            <a:headEnd len="med" w="med" type="none"/>
-            <a:tailEnd len="med" w="med" type="none"/>
-          </a:ln>
-        </p:spPr>
-        <p:txBody>
-          <a:bodyPr anchorCtr="0" anchor="ctr" bIns="91425" lIns="91425" rIns="91425" tIns="91425">
-            <a:noAutofit/>
-          </a:bodyPr>
-          <a:lstStyle/>
-          <a:p>
-            <a:pPr lvl="0">
-              <a:spcBef>
-                <a:spcPts val="0"/>
-              </a:spcBef>
-              <a:buNone/>
-            </a:pPr>
-            <a:r>
-              <a:t/>
-            </a:r>
-            <a:endParaRPr/>
-          </a:p>
-        </p:txBody>
-      </p:sp>
-      <p:sp>
-        <p:nvSpPr>
-          <p:cNvPr id="122" name="Shape 122"/>
-          <p:cNvSpPr txBox="1"/>
-          <p:nvPr/>
-        </p:nvSpPr>
-        <p:spPr>
-          <a:xfrm>
-            <a:off x="6822425" y="3841325"/>
-            <a:ext cx="1578300" cy="542700"/>
+        </p:nvPicPr>
+        <p:blipFill>
+          <a:blip r:embed="rId3">
+            <a:alphaModFix/>
+          </a:blip>
+          <a:stretch>
+            <a:fillRect/>
+          </a:stretch>
+        </p:blipFill>
+        <p:spPr>
+          <a:xfrm>
+            <a:off x="429862" y="1887062"/>
+            <a:ext cx="5895975" cy="2505075"/>
           </a:xfrm>
           <a:prstGeom prst="rect">
             <a:avLst/>
@@ -9303,37 +9247,7 @@
             <a:noFill/>
           </a:ln>
         </p:spPr>
-        <p:txBody>
-          <a:bodyPr anchorCtr="0" anchor="t" bIns="91425" lIns="91425" rIns="91425" tIns="91425">
-            <a:noAutofit/>
-          </a:bodyPr>
-          <a:lstStyle/>
-          <a:p>
-            <a:pPr lvl="0" algn="ctr">
-              <a:spcBef>
-                <a:spcPts val="0"/>
-              </a:spcBef>
-              <a:buNone/>
-            </a:pPr>
-            <a:r>
-              <a:rPr lang="zh-CN"/>
-              <a:t>更新文件CDN</a:t>
-            </a:r>
-          </a:p>
-          <a:p>
-            <a:pPr lvl="0">
-              <a:spcBef>
-                <a:spcPts val="0"/>
-              </a:spcBef>
-              <a:buNone/>
-            </a:pPr>
-            <a:r>
-              <a:t/>
-            </a:r>
-            <a:endParaRPr/>
-          </a:p>
-        </p:txBody>
-      </p:sp>
+      </p:pic>
     </p:spTree>
   </p:cSld>
   <p:clrMapOvr>
@@ -9373,7 +9287,7 @@
                                           </p:stCondLst>
                                         </p:cTn>
                                         <p:tgtEl>
-                                          <p:spTgt spid="115"/>
+                                          <p:spTgt spid="113"/>
                                         </p:tgtEl>
                                         <p:attrNameLst>
                                           <p:attrName>style.visibility</p:attrName>
@@ -9387,7 +9301,7 @@
                                       <p:cBhvr>
                                         <p:cTn dur="1000"/>
                                         <p:tgtEl>
-                                          <p:spTgt spid="115"/>
+                                          <p:spTgt spid="113"/>
                                         </p:tgtEl>
                                       </p:cBhvr>
                                     </p:animEffect>
@@ -9426,7 +9340,7 @@
                                           </p:stCondLst>
                                         </p:cTn>
                                         <p:tgtEl>
-                                          <p:spTgt spid="120"/>
+                                          <p:spTgt spid="114"/>
                                         </p:tgtEl>
                                         <p:attrNameLst>
                                           <p:attrName>style.visibility</p:attrName>
@@ -9440,7 +9354,7 @@
                                       <p:cBhvr>
                                         <p:cTn dur="1000"/>
                                         <p:tgtEl>
-                                          <p:spTgt spid="120"/>
+                                          <p:spTgt spid="114"/>
                                         </p:tgtEl>
                                       </p:cBhvr>
                                     </p:animEffect>
@@ -9453,218 +9367,536 @@
                       </p:childTnLst>
                     </p:cTn>
                   </p:par>
-                  <p:par>
-                    <p:cTn fill="hold">
-                      <p:stCondLst>
-                        <p:cond delay="indefinite"/>
-                      </p:stCondLst>
-                      <p:childTnLst>
-                        <p:par>
-                          <p:cTn fill="hold">
-                            <p:stCondLst>
-                              <p:cond delay="0"/>
-                            </p:stCondLst>
-                            <p:childTnLst>
-                              <p:par>
-                                <p:cTn fill="hold" nodeType="clickEffect" presetClass="entr" presetID="10" presetSubtype="0">
-                                  <p:stCondLst>
-                                    <p:cond delay="0"/>
-                                  </p:stCondLst>
-                                  <p:childTnLst>
-                                    <p:set>
-                                      <p:cBhvr>
-                                        <p:cTn dur="1" fill="hold">
-                                          <p:stCondLst>
-                                            <p:cond delay="0"/>
-                                          </p:stCondLst>
-                                        </p:cTn>
-                                        <p:tgtEl>
-                                          <p:spTgt spid="117"/>
-                                        </p:tgtEl>
-                                        <p:attrNameLst>
-                                          <p:attrName>style.visibility</p:attrName>
-                                        </p:attrNameLst>
-                                      </p:cBhvr>
-                                      <p:to>
-                                        <p:strVal val="visible"/>
-                                      </p:to>
-                                    </p:set>
-                                    <p:animEffect filter="fade" transition="in">
-                                      <p:cBhvr>
-                                        <p:cTn dur="1000"/>
-                                        <p:tgtEl>
-                                          <p:spTgt spid="117"/>
-                                        </p:tgtEl>
-                                      </p:cBhvr>
-                                    </p:animEffect>
-                                  </p:childTnLst>
-                                </p:cTn>
-                              </p:par>
-                            </p:childTnLst>
-                          </p:cTn>
-                        </p:par>
-                      </p:childTnLst>
-                    </p:cTn>
-                  </p:par>
-                  <p:par>
-                    <p:cTn fill="hold">
-                      <p:stCondLst>
-                        <p:cond delay="indefinite"/>
-                      </p:stCondLst>
-                      <p:childTnLst>
-                        <p:par>
-                          <p:cTn fill="hold">
-                            <p:stCondLst>
-                              <p:cond delay="0"/>
-                            </p:stCondLst>
-                            <p:childTnLst>
-                              <p:par>
-                                <p:cTn fill="hold" nodeType="clickEffect" presetClass="entr" presetID="10" presetSubtype="0">
-                                  <p:stCondLst>
-                                    <p:cond delay="0"/>
-                                  </p:stCondLst>
-                                  <p:childTnLst>
-                                    <p:set>
-                                      <p:cBhvr>
-                                        <p:cTn dur="1" fill="hold">
-                                          <p:stCondLst>
-                                            <p:cond delay="0"/>
-                                          </p:stCondLst>
-                                        </p:cTn>
-                                        <p:tgtEl>
-                                          <p:spTgt spid="116"/>
-                                        </p:tgtEl>
-                                        <p:attrNameLst>
-                                          <p:attrName>style.visibility</p:attrName>
-                                        </p:attrNameLst>
-                                      </p:cBhvr>
-                                      <p:to>
-                                        <p:strVal val="visible"/>
-                                      </p:to>
-                                    </p:set>
-                                    <p:animEffect filter="fade" transition="in">
-                                      <p:cBhvr>
-                                        <p:cTn dur="1000"/>
-                                        <p:tgtEl>
-                                          <p:spTgt spid="116"/>
-                                        </p:tgtEl>
-                                      </p:cBhvr>
-                                    </p:animEffect>
-                                  </p:childTnLst>
-                                </p:cTn>
-                              </p:par>
-                            </p:childTnLst>
-                          </p:cTn>
-                        </p:par>
-                      </p:childTnLst>
-                    </p:cTn>
-                  </p:par>
-                  <p:par>
-                    <p:cTn fill="hold">
-                      <p:stCondLst>
-                        <p:cond delay="indefinite"/>
-                      </p:stCondLst>
-                      <p:childTnLst>
-                        <p:par>
-                          <p:cTn fill="hold">
-                            <p:stCondLst>
-                              <p:cond delay="0"/>
-                            </p:stCondLst>
-                            <p:childTnLst>
-                              <p:par>
-                                <p:cTn fill="hold" nodeType="clickEffect" presetClass="entr" presetID="10" presetSubtype="0">
-                                  <p:stCondLst>
-                                    <p:cond delay="0"/>
-                                  </p:stCondLst>
-                                  <p:childTnLst>
-                                    <p:set>
-                                      <p:cBhvr>
-                                        <p:cTn dur="1" fill="hold">
-                                          <p:stCondLst>
-                                            <p:cond delay="0"/>
-                                          </p:stCondLst>
-                                        </p:cTn>
-                                        <p:tgtEl>
-                                          <p:spTgt spid="118"/>
-                                        </p:tgtEl>
-                                        <p:attrNameLst>
-                                          <p:attrName>style.visibility</p:attrName>
-                                        </p:attrNameLst>
-                                      </p:cBhvr>
-                                      <p:to>
-                                        <p:strVal val="visible"/>
-                                      </p:to>
-                                    </p:set>
-                                    <p:animEffect filter="fade" transition="in">
-                                      <p:cBhvr>
-                                        <p:cTn dur="1000"/>
-                                        <p:tgtEl>
-                                          <p:spTgt spid="118"/>
-                                        </p:tgtEl>
-                                      </p:cBhvr>
-                                    </p:animEffect>
-                                  </p:childTnLst>
-                                </p:cTn>
-                              </p:par>
-                            </p:childTnLst>
-                          </p:cTn>
-                        </p:par>
-                      </p:childTnLst>
-                    </p:cTn>
-                  </p:par>
-                  <p:par>
-                    <p:cTn fill="hold">
-                      <p:stCondLst>
-                        <p:cond delay="indefinite"/>
-                      </p:stCondLst>
-                      <p:childTnLst>
-                        <p:par>
-                          <p:cTn fill="hold">
-                            <p:stCondLst>
-                              <p:cond delay="0"/>
-                            </p:stCondLst>
-                            <p:childTnLst>
-                              <p:par>
-                                <p:cTn fill="hold" nodeType="clickEffect" presetClass="entr" presetID="10" presetSubtype="0">
-                                  <p:stCondLst>
-                                    <p:cond delay="0"/>
-                                  </p:stCondLst>
-                                  <p:childTnLst>
-                                    <p:set>
-                                      <p:cBhvr>
-                                        <p:cTn dur="1" fill="hold">
-                                          <p:stCondLst>
-                                            <p:cond delay="0"/>
-                                          </p:stCondLst>
-                                        </p:cTn>
-                                        <p:tgtEl>
-                                          <p:spTgt spid="119"/>
-                                        </p:tgtEl>
-                                        <p:attrNameLst>
-                                          <p:attrName>style.visibility</p:attrName>
-                                        </p:attrNameLst>
-                                      </p:cBhvr>
-                                      <p:to>
-                                        <p:strVal val="visible"/>
-                                      </p:to>
-                                    </p:set>
-                                    <p:animEffect filter="fade" transition="in">
-                                      <p:cBhvr>
-                                        <p:cTn dur="1000"/>
-                                        <p:tgtEl>
-                                          <p:spTgt spid="119"/>
-                                        </p:tgtEl>
-                                      </p:cBhvr>
-                                    </p:animEffect>
-                                  </p:childTnLst>
-                                </p:cTn>
-                              </p:par>
-                            </p:childTnLst>
-                          </p:cTn>
-                        </p:par>
-                      </p:childTnLst>
-                    </p:cTn>
-                  </p:par>
+                </p:childTnLst>
+              </p:cTn>
+              <p:prevCondLst>
+                <p:cond evt="onPrev">
+                  <p:tgtEl>
+                    <p:sldTgt/>
+                  </p:tgtEl>
+                </p:cond>
+              </p:prevCondLst>
+              <p:nextCondLst>
+                <p:cond evt="onNext">
+                  <p:tgtEl>
+                    <p:sldTgt/>
+                  </p:tgtEl>
+                </p:cond>
+              </p:nextCondLst>
+            </p:seq>
+          </p:childTnLst>
+        </p:cTn>
+      </p:par>
+    </p:tnLst>
+  </p:timing>
+</p:sld>
+</file>
+
+<file path=ppt/slides/slide8.xml><?xml version="1.0" encoding="utf-8"?>
+<p:sld xmlns:a="http://schemas.openxmlformats.org/drawingml/2006/main" xmlns:r="http://schemas.openxmlformats.org/officeDocument/2006/relationships" xmlns:mc="http://schemas.openxmlformats.org/markup-compatibility/2006" xmlns:mv="urn:schemas-microsoft-com:mac:vml" xmlns:p="http://schemas.openxmlformats.org/presentationml/2006/main" xmlns:c="http://schemas.openxmlformats.org/drawingml/2006/chart" xmlns:dgm="http://schemas.openxmlformats.org/drawingml/2006/diagram" xmlns:o="urn:schemas-microsoft-com:office:office" xmlns:v="urn:schemas-microsoft-com:vml" xmlns:pvml="urn:schemas-microsoft-com:office:powerpoint" xmlns:com="http://schemas.openxmlformats.org/drawingml/2006/compatibility" xmlns:p14="http://schemas.microsoft.com/office/powerpoint/2010/main">
+  <p:cSld>
+    <p:spTree>
+      <p:nvGrpSpPr>
+        <p:cNvPr id="118" name="Shape 118"/>
+        <p:cNvGrpSpPr/>
+        <p:nvPr/>
+      </p:nvGrpSpPr>
+      <p:grpSpPr>
+        <a:xfrm>
+          <a:off x="0" y="0"/>
+          <a:ext cx="0" cy="0"/>
+          <a:chOff x="0" y="0"/>
+          <a:chExt cx="0" cy="0"/>
+        </a:xfrm>
+      </p:grpSpPr>
+      <p:sp>
+        <p:nvSpPr>
+          <p:cNvPr id="119" name="Shape 119"/>
+          <p:cNvSpPr txBox="1"/>
+          <p:nvPr>
+            <p:ph type="title"/>
+          </p:nvPr>
+        </p:nvSpPr>
+        <p:spPr>
+          <a:xfrm>
+            <a:off x="311700" y="372500"/>
+            <a:ext cx="8520600" cy="733500"/>
+          </a:xfrm>
+          <a:prstGeom prst="rect">
+            <a:avLst/>
+          </a:prstGeom>
+        </p:spPr>
+        <p:txBody>
+          <a:bodyPr anchorCtr="0" anchor="b" bIns="91425" lIns="91425" rIns="91425" tIns="91425">
+            <a:noAutofit/>
+          </a:bodyPr>
+          <a:lstStyle/>
+          <a:p>
+            <a:pPr lvl="0">
+              <a:spcBef>
+                <a:spcPts val="0"/>
+              </a:spcBef>
+              <a:buNone/>
+            </a:pPr>
+            <a:r>
+              <a:rPr lang="zh-CN"/>
+              <a:t>文件发布流程</a:t>
+            </a:r>
+          </a:p>
+        </p:txBody>
+      </p:sp>
+      <p:sp>
+        <p:nvSpPr>
+          <p:cNvPr id="120" name="Shape 120"/>
+          <p:cNvSpPr txBox="1"/>
+          <p:nvPr>
+            <p:ph idx="1" type="body"/>
+          </p:nvPr>
+        </p:nvSpPr>
+        <p:spPr>
+          <a:xfrm>
+            <a:off x="311700" y="1468825"/>
+            <a:ext cx="8520600" cy="3099900"/>
+          </a:xfrm>
+          <a:prstGeom prst="rect">
+            <a:avLst/>
+          </a:prstGeom>
+        </p:spPr>
+        <p:txBody>
+          <a:bodyPr anchorCtr="0" anchor="t" bIns="91425" lIns="91425" rIns="91425" tIns="91425">
+            <a:noAutofit/>
+          </a:bodyPr>
+          <a:lstStyle/>
+          <a:p>
+            <a:pPr lvl="0">
+              <a:spcBef>
+                <a:spcPts val="0"/>
+              </a:spcBef>
+              <a:buNone/>
+            </a:pPr>
+            <a:r>
+              <a:rPr lang="zh-CN"/>
+              <a:t> </a:t>
+            </a:r>
+          </a:p>
+        </p:txBody>
+      </p:sp>
+      <p:sp>
+        <p:nvSpPr>
+          <p:cNvPr id="121" name="Shape 121"/>
+          <p:cNvSpPr/>
+          <p:nvPr/>
+        </p:nvSpPr>
+        <p:spPr>
+          <a:xfrm>
+            <a:off x="509400" y="1862200"/>
+            <a:ext cx="1578300" cy="1595100"/>
+          </a:xfrm>
+          <a:prstGeom prst="rect">
+            <a:avLst/>
+          </a:prstGeom>
+          <a:solidFill>
+            <a:srgbClr val="FCE5CD"/>
+          </a:solidFill>
+          <a:ln cap="flat" cmpd="sng" w="9525">
+            <a:solidFill>
+              <a:schemeClr val="dk2"/>
+            </a:solidFill>
+            <a:prstDash val="solid"/>
+            <a:round/>
+            <a:headEnd len="med" w="med" type="none"/>
+            <a:tailEnd len="med" w="med" type="none"/>
+          </a:ln>
+        </p:spPr>
+        <p:txBody>
+          <a:bodyPr anchorCtr="0" anchor="ctr" bIns="91425" lIns="91425" rIns="91425" tIns="91425">
+            <a:noAutofit/>
+          </a:bodyPr>
+          <a:lstStyle/>
+          <a:p>
+            <a:pPr lvl="0" algn="ctr">
+              <a:spcBef>
+                <a:spcPts val="0"/>
+              </a:spcBef>
+              <a:buNone/>
+            </a:pPr>
+            <a:r>
+              <a:rPr lang="zh-CN"/>
+              <a:t>svn:</a:t>
+            </a:r>
+            <a:r>
+              <a:rPr lang="zh-CN"/>
+              <a:t>show log</a:t>
+            </a:r>
+          </a:p>
+        </p:txBody>
+      </p:sp>
+      <p:sp>
+        <p:nvSpPr>
+          <p:cNvPr id="122" name="Shape 122"/>
+          <p:cNvSpPr/>
+          <p:nvPr/>
+        </p:nvSpPr>
+        <p:spPr>
+          <a:xfrm>
+            <a:off x="3657575" y="1862200"/>
+            <a:ext cx="1578300" cy="1595100"/>
+          </a:xfrm>
+          <a:prstGeom prst="rect">
+            <a:avLst/>
+          </a:prstGeom>
+          <a:solidFill>
+            <a:srgbClr val="0074AE"/>
+          </a:solidFill>
+          <a:ln cap="flat" cmpd="sng" w="9525">
+            <a:solidFill>
+              <a:schemeClr val="lt1"/>
+            </a:solidFill>
+            <a:prstDash val="solid"/>
+            <a:round/>
+            <a:headEnd len="med" w="med" type="none"/>
+            <a:tailEnd len="med" w="med" type="none"/>
+          </a:ln>
+        </p:spPr>
+        <p:txBody>
+          <a:bodyPr anchorCtr="0" anchor="ctr" bIns="91425" lIns="91425" rIns="91425" tIns="91425">
+            <a:noAutofit/>
+          </a:bodyPr>
+          <a:lstStyle/>
+          <a:p>
+            <a:pPr lvl="0" algn="ctr">
+              <a:spcBef>
+                <a:spcPts val="0"/>
+              </a:spcBef>
+              <a:buNone/>
+            </a:pPr>
+            <a:r>
+              <a:rPr lang="zh-CN" sz="1800">
+                <a:solidFill>
+                  <a:schemeClr val="lt1"/>
+                </a:solidFill>
+              </a:rPr>
+              <a:t>测试环境</a:t>
+            </a:r>
+          </a:p>
+        </p:txBody>
+      </p:sp>
+      <p:sp>
+        <p:nvSpPr>
+          <p:cNvPr id="123" name="Shape 123"/>
+          <p:cNvSpPr/>
+          <p:nvPr/>
+        </p:nvSpPr>
+        <p:spPr>
+          <a:xfrm>
+            <a:off x="2212925" y="2459350"/>
+            <a:ext cx="1323600" cy="400800"/>
+          </a:xfrm>
+          <a:prstGeom prst="rightArrow">
+            <a:avLst>
+              <a:gd fmla="val 50000" name="adj1"/>
+              <a:gd fmla="val 50000" name="adj2"/>
+            </a:avLst>
+          </a:prstGeom>
+          <a:solidFill>
+            <a:schemeClr val="lt2"/>
+          </a:solidFill>
+          <a:ln cap="flat" cmpd="sng" w="9525">
+            <a:solidFill>
+              <a:schemeClr val="dk2"/>
+            </a:solidFill>
+            <a:prstDash val="solid"/>
+            <a:round/>
+            <a:headEnd len="med" w="med" type="none"/>
+            <a:tailEnd len="med" w="med" type="none"/>
+          </a:ln>
+        </p:spPr>
+        <p:txBody>
+          <a:bodyPr anchorCtr="0" anchor="ctr" bIns="91425" lIns="91425" rIns="91425" tIns="91425">
+            <a:noAutofit/>
+          </a:bodyPr>
+          <a:lstStyle/>
+          <a:p>
+            <a:pPr lvl="0">
+              <a:spcBef>
+                <a:spcPts val="0"/>
+              </a:spcBef>
+              <a:buNone/>
+            </a:pPr>
+            <a:r>
+              <a:rPr lang="zh-CN"/>
+              <a:t>Http上传</a:t>
+            </a:r>
+          </a:p>
+        </p:txBody>
+      </p:sp>
+      <p:sp>
+        <p:nvSpPr>
+          <p:cNvPr id="124" name="Shape 124"/>
+          <p:cNvSpPr/>
+          <p:nvPr/>
+        </p:nvSpPr>
+        <p:spPr>
+          <a:xfrm>
+            <a:off x="5457125" y="2459350"/>
+            <a:ext cx="1085700" cy="400800"/>
+          </a:xfrm>
+          <a:prstGeom prst="rightArrow">
+            <a:avLst>
+              <a:gd fmla="val 50000" name="adj1"/>
+              <a:gd fmla="val 50000" name="adj2"/>
+            </a:avLst>
+          </a:prstGeom>
+          <a:solidFill>
+            <a:schemeClr val="lt2"/>
+          </a:solidFill>
+          <a:ln cap="flat" cmpd="sng" w="9525">
+            <a:solidFill>
+              <a:schemeClr val="dk2"/>
+            </a:solidFill>
+            <a:prstDash val="solid"/>
+            <a:round/>
+            <a:headEnd len="med" w="med" type="none"/>
+            <a:tailEnd len="med" w="med" type="none"/>
+          </a:ln>
+        </p:spPr>
+        <p:txBody>
+          <a:bodyPr anchorCtr="0" anchor="ctr" bIns="91425" lIns="91425" rIns="91425" tIns="91425">
+            <a:noAutofit/>
+          </a:bodyPr>
+          <a:lstStyle/>
+          <a:p>
+            <a:pPr lvl="0">
+              <a:spcBef>
+                <a:spcPts val="0"/>
+              </a:spcBef>
+              <a:buNone/>
+            </a:pPr>
+            <a:r>
+              <a:rPr lang="zh-CN"/>
+              <a:t>Http上传</a:t>
+            </a:r>
+          </a:p>
+        </p:txBody>
+      </p:sp>
+      <p:sp>
+        <p:nvSpPr>
+          <p:cNvPr id="125" name="Shape 125"/>
+          <p:cNvSpPr/>
+          <p:nvPr/>
+        </p:nvSpPr>
+        <p:spPr>
+          <a:xfrm>
+            <a:off x="6764075" y="1887250"/>
+            <a:ext cx="1578300" cy="1545000"/>
+          </a:xfrm>
+          <a:prstGeom prst="rect">
+            <a:avLst/>
+          </a:prstGeom>
+          <a:solidFill>
+            <a:srgbClr val="58AA00"/>
+          </a:solidFill>
+          <a:ln cap="flat" cmpd="sng" w="9525">
+            <a:solidFill>
+              <a:schemeClr val="dk2"/>
+            </a:solidFill>
+            <a:prstDash val="solid"/>
+            <a:round/>
+            <a:headEnd len="med" w="med" type="none"/>
+            <a:tailEnd len="med" w="med" type="none"/>
+          </a:ln>
+        </p:spPr>
+        <p:txBody>
+          <a:bodyPr anchorCtr="0" anchor="ctr" bIns="91425" lIns="91425" rIns="91425" tIns="91425">
+            <a:noAutofit/>
+          </a:bodyPr>
+          <a:lstStyle/>
+          <a:p>
+            <a:pPr lvl="0" algn="ctr">
+              <a:spcBef>
+                <a:spcPts val="0"/>
+              </a:spcBef>
+              <a:buNone/>
+            </a:pPr>
+            <a:r>
+              <a:rPr lang="zh-CN" sz="1800">
+                <a:solidFill>
+                  <a:schemeClr val="lt1"/>
+                </a:solidFill>
+              </a:rPr>
+              <a:t>生产</a:t>
+            </a:r>
+            <a:r>
+              <a:rPr lang="zh-CN" sz="1800">
+                <a:solidFill>
+                  <a:schemeClr val="lt1"/>
+                </a:solidFill>
+              </a:rPr>
+              <a:t>环境</a:t>
+            </a:r>
+          </a:p>
+        </p:txBody>
+      </p:sp>
+      <p:sp>
+        <p:nvSpPr>
+          <p:cNvPr id="126" name="Shape 126"/>
+          <p:cNvSpPr/>
+          <p:nvPr/>
+        </p:nvSpPr>
+        <p:spPr>
+          <a:xfrm>
+            <a:off x="370150" y="3582400"/>
+            <a:ext cx="2889300" cy="801600"/>
+          </a:xfrm>
+          <a:prstGeom prst="bracePair">
+            <a:avLst/>
+          </a:prstGeom>
+          <a:noFill/>
+          <a:ln cap="flat" cmpd="sng" w="9525">
+            <a:solidFill>
+              <a:schemeClr val="dk2"/>
+            </a:solidFill>
+            <a:prstDash val="solid"/>
+            <a:round/>
+            <a:headEnd len="med" w="med" type="none"/>
+            <a:tailEnd len="med" w="med" type="none"/>
+          </a:ln>
+        </p:spPr>
+        <p:txBody>
+          <a:bodyPr anchorCtr="0" anchor="ctr" bIns="91425" lIns="91425" rIns="91425" tIns="91425">
+            <a:noAutofit/>
+          </a:bodyPr>
+          <a:lstStyle/>
+          <a:p>
+            <a:pPr lvl="0">
+              <a:spcBef>
+                <a:spcPts val="0"/>
+              </a:spcBef>
+              <a:buNone/>
+            </a:pPr>
+            <a:r>
+              <a:rPr lang="zh-CN">
+                <a:highlight>
+                  <a:srgbClr val="F1F3FA"/>
+                </a:highlight>
+              </a:rPr>
+              <a:t>/www/static/js/service/reserve.js,/www/static/css/service/outlets.css</a:t>
+            </a:r>
+          </a:p>
+        </p:txBody>
+      </p:sp>
+      <p:sp>
+        <p:nvSpPr>
+          <p:cNvPr id="127" name="Shape 127"/>
+          <p:cNvSpPr/>
+          <p:nvPr/>
+        </p:nvSpPr>
+        <p:spPr>
+          <a:xfrm>
+            <a:off x="7415400" y="3432250"/>
+            <a:ext cx="400800" cy="442500"/>
+          </a:xfrm>
+          <a:prstGeom prst="downArrow">
+            <a:avLst>
+              <a:gd fmla="val 50000" name="adj1"/>
+              <a:gd fmla="val 50000" name="adj2"/>
+            </a:avLst>
+          </a:prstGeom>
+          <a:solidFill>
+            <a:srgbClr val="58AA00"/>
+          </a:solidFill>
+          <a:ln cap="flat" cmpd="sng" w="9525">
+            <a:solidFill>
+              <a:schemeClr val="dk2"/>
+            </a:solidFill>
+            <a:prstDash val="solid"/>
+            <a:round/>
+            <a:headEnd len="med" w="med" type="none"/>
+            <a:tailEnd len="med" w="med" type="none"/>
+          </a:ln>
+        </p:spPr>
+        <p:txBody>
+          <a:bodyPr anchorCtr="0" anchor="ctr" bIns="91425" lIns="91425" rIns="91425" tIns="91425">
+            <a:noAutofit/>
+          </a:bodyPr>
+          <a:lstStyle/>
+          <a:p>
+            <a:pPr lvl="0">
+              <a:spcBef>
+                <a:spcPts val="0"/>
+              </a:spcBef>
+              <a:buNone/>
+            </a:pPr>
+            <a:r>
+              <a:t/>
+            </a:r>
+            <a:endParaRPr/>
+          </a:p>
+        </p:txBody>
+      </p:sp>
+      <p:sp>
+        <p:nvSpPr>
+          <p:cNvPr id="128" name="Shape 128"/>
+          <p:cNvSpPr txBox="1"/>
+          <p:nvPr/>
+        </p:nvSpPr>
+        <p:spPr>
+          <a:xfrm>
+            <a:off x="6822425" y="3841325"/>
+            <a:ext cx="1578300" cy="542700"/>
+          </a:xfrm>
+          <a:prstGeom prst="rect">
+            <a:avLst/>
+          </a:prstGeom>
+          <a:noFill/>
+          <a:ln>
+            <a:noFill/>
+          </a:ln>
+        </p:spPr>
+        <p:txBody>
+          <a:bodyPr anchorCtr="0" anchor="t" bIns="91425" lIns="91425" rIns="91425" tIns="91425">
+            <a:noAutofit/>
+          </a:bodyPr>
+          <a:lstStyle/>
+          <a:p>
+            <a:pPr lvl="0" algn="ctr">
+              <a:spcBef>
+                <a:spcPts val="0"/>
+              </a:spcBef>
+              <a:buNone/>
+            </a:pPr>
+            <a:r>
+              <a:rPr lang="zh-CN"/>
+              <a:t>更新文件CDN</a:t>
+            </a:r>
+          </a:p>
+          <a:p>
+            <a:pPr lvl="0">
+              <a:spcBef>
+                <a:spcPts val="0"/>
+              </a:spcBef>
+              <a:buNone/>
+            </a:pPr>
+            <a:r>
+              <a:t/>
+            </a:r>
+            <a:endParaRPr/>
+          </a:p>
+        </p:txBody>
+      </p:sp>
+    </p:spTree>
+  </p:cSld>
+  <p:clrMapOvr>
+    <a:masterClrMapping/>
+  </p:clrMapOvr>
+  <p:timing>
+    <p:tnLst>
+      <p:par>
+        <p:cTn dur="indefinite" nodeType="tmRoot" restart="never">
+          <p:childTnLst>
+            <p:seq concurrent="1" nextAc="seek">
+              <p:cTn dur="indefinite" id="2" nodeType="mainSeq">
+                <p:childTnLst>
                   <p:par>
                     <p:cTn fill="hold">
                       <p:stCondLst>
@@ -9744,6 +9976,112 @@
                                           </p:stCondLst>
                                         </p:cTn>
                                         <p:tgtEl>
+                                          <p:spTgt spid="126"/>
+                                        </p:tgtEl>
+                                        <p:attrNameLst>
+                                          <p:attrName>style.visibility</p:attrName>
+                                        </p:attrNameLst>
+                                      </p:cBhvr>
+                                      <p:to>
+                                        <p:strVal val="visible"/>
+                                      </p:to>
+                                    </p:set>
+                                    <p:animEffect filter="fade" transition="in">
+                                      <p:cBhvr>
+                                        <p:cTn dur="1000"/>
+                                        <p:tgtEl>
+                                          <p:spTgt spid="126"/>
+                                        </p:tgtEl>
+                                      </p:cBhvr>
+                                    </p:animEffect>
+                                  </p:childTnLst>
+                                </p:cTn>
+                              </p:par>
+                            </p:childTnLst>
+                          </p:cTn>
+                        </p:par>
+                      </p:childTnLst>
+                    </p:cTn>
+                  </p:par>
+                  <p:par>
+                    <p:cTn fill="hold">
+                      <p:stCondLst>
+                        <p:cond delay="indefinite"/>
+                      </p:stCondLst>
+                      <p:childTnLst>
+                        <p:par>
+                          <p:cTn fill="hold">
+                            <p:stCondLst>
+                              <p:cond delay="0"/>
+                            </p:stCondLst>
+                            <p:childTnLst>
+                              <p:par>
+                                <p:cTn fill="hold" nodeType="clickEffect" presetClass="entr" presetID="10" presetSubtype="0">
+                                  <p:stCondLst>
+                                    <p:cond delay="0"/>
+                                  </p:stCondLst>
+                                  <p:childTnLst>
+                                    <p:set>
+                                      <p:cBhvr>
+                                        <p:cTn dur="1" fill="hold">
+                                          <p:stCondLst>
+                                            <p:cond delay="0"/>
+                                          </p:stCondLst>
+                                        </p:cTn>
+                                        <p:tgtEl>
+                                          <p:spTgt spid="123"/>
+                                        </p:tgtEl>
+                                        <p:attrNameLst>
+                                          <p:attrName>style.visibility</p:attrName>
+                                        </p:attrNameLst>
+                                      </p:cBhvr>
+                                      <p:to>
+                                        <p:strVal val="visible"/>
+                                      </p:to>
+                                    </p:set>
+                                    <p:animEffect filter="fade" transition="in">
+                                      <p:cBhvr>
+                                        <p:cTn dur="1000"/>
+                                        <p:tgtEl>
+                                          <p:spTgt spid="123"/>
+                                        </p:tgtEl>
+                                      </p:cBhvr>
+                                    </p:animEffect>
+                                  </p:childTnLst>
+                                </p:cTn>
+                              </p:par>
+                            </p:childTnLst>
+                          </p:cTn>
+                        </p:par>
+                      </p:childTnLst>
+                    </p:cTn>
+                  </p:par>
+                  <p:par>
+                    <p:cTn fill="hold">
+                      <p:stCondLst>
+                        <p:cond delay="indefinite"/>
+                      </p:stCondLst>
+                      <p:childTnLst>
+                        <p:par>
+                          <p:cTn fill="hold">
+                            <p:stCondLst>
+                              <p:cond delay="0"/>
+                            </p:stCondLst>
+                            <p:childTnLst>
+                              <p:par>
+                                <p:cTn fill="hold" nodeType="clickEffect" presetClass="entr" presetID="10" presetSubtype="0">
+                                  <p:stCondLst>
+                                    <p:cond delay="0"/>
+                                  </p:stCondLst>
+                                  <p:childTnLst>
+                                    <p:set>
+                                      <p:cBhvr>
+                                        <p:cTn dur="1" fill="hold">
+                                          <p:stCondLst>
+                                            <p:cond delay="0"/>
+                                          </p:stCondLst>
+                                        </p:cTn>
+                                        <p:tgtEl>
                                           <p:spTgt spid="122"/>
                                         </p:tgtEl>
                                         <p:attrNameLst>
@@ -9759,6 +10097,218 @@
                                         <p:cTn dur="1000"/>
                                         <p:tgtEl>
                                           <p:spTgt spid="122"/>
+                                        </p:tgtEl>
+                                      </p:cBhvr>
+                                    </p:animEffect>
+                                  </p:childTnLst>
+                                </p:cTn>
+                              </p:par>
+                            </p:childTnLst>
+                          </p:cTn>
+                        </p:par>
+                      </p:childTnLst>
+                    </p:cTn>
+                  </p:par>
+                  <p:par>
+                    <p:cTn fill="hold">
+                      <p:stCondLst>
+                        <p:cond delay="indefinite"/>
+                      </p:stCondLst>
+                      <p:childTnLst>
+                        <p:par>
+                          <p:cTn fill="hold">
+                            <p:stCondLst>
+                              <p:cond delay="0"/>
+                            </p:stCondLst>
+                            <p:childTnLst>
+                              <p:par>
+                                <p:cTn fill="hold" nodeType="clickEffect" presetClass="entr" presetID="10" presetSubtype="0">
+                                  <p:stCondLst>
+                                    <p:cond delay="0"/>
+                                  </p:stCondLst>
+                                  <p:childTnLst>
+                                    <p:set>
+                                      <p:cBhvr>
+                                        <p:cTn dur="1" fill="hold">
+                                          <p:stCondLst>
+                                            <p:cond delay="0"/>
+                                          </p:stCondLst>
+                                        </p:cTn>
+                                        <p:tgtEl>
+                                          <p:spTgt spid="124"/>
+                                        </p:tgtEl>
+                                        <p:attrNameLst>
+                                          <p:attrName>style.visibility</p:attrName>
+                                        </p:attrNameLst>
+                                      </p:cBhvr>
+                                      <p:to>
+                                        <p:strVal val="visible"/>
+                                      </p:to>
+                                    </p:set>
+                                    <p:animEffect filter="fade" transition="in">
+                                      <p:cBhvr>
+                                        <p:cTn dur="1000"/>
+                                        <p:tgtEl>
+                                          <p:spTgt spid="124"/>
+                                        </p:tgtEl>
+                                      </p:cBhvr>
+                                    </p:animEffect>
+                                  </p:childTnLst>
+                                </p:cTn>
+                              </p:par>
+                            </p:childTnLst>
+                          </p:cTn>
+                        </p:par>
+                      </p:childTnLst>
+                    </p:cTn>
+                  </p:par>
+                  <p:par>
+                    <p:cTn fill="hold">
+                      <p:stCondLst>
+                        <p:cond delay="indefinite"/>
+                      </p:stCondLst>
+                      <p:childTnLst>
+                        <p:par>
+                          <p:cTn fill="hold">
+                            <p:stCondLst>
+                              <p:cond delay="0"/>
+                            </p:stCondLst>
+                            <p:childTnLst>
+                              <p:par>
+                                <p:cTn fill="hold" nodeType="clickEffect" presetClass="entr" presetID="10" presetSubtype="0">
+                                  <p:stCondLst>
+                                    <p:cond delay="0"/>
+                                  </p:stCondLst>
+                                  <p:childTnLst>
+                                    <p:set>
+                                      <p:cBhvr>
+                                        <p:cTn dur="1" fill="hold">
+                                          <p:stCondLst>
+                                            <p:cond delay="0"/>
+                                          </p:stCondLst>
+                                        </p:cTn>
+                                        <p:tgtEl>
+                                          <p:spTgt spid="125"/>
+                                        </p:tgtEl>
+                                        <p:attrNameLst>
+                                          <p:attrName>style.visibility</p:attrName>
+                                        </p:attrNameLst>
+                                      </p:cBhvr>
+                                      <p:to>
+                                        <p:strVal val="visible"/>
+                                      </p:to>
+                                    </p:set>
+                                    <p:animEffect filter="fade" transition="in">
+                                      <p:cBhvr>
+                                        <p:cTn dur="1000"/>
+                                        <p:tgtEl>
+                                          <p:spTgt spid="125"/>
+                                        </p:tgtEl>
+                                      </p:cBhvr>
+                                    </p:animEffect>
+                                  </p:childTnLst>
+                                </p:cTn>
+                              </p:par>
+                            </p:childTnLst>
+                          </p:cTn>
+                        </p:par>
+                      </p:childTnLst>
+                    </p:cTn>
+                  </p:par>
+                  <p:par>
+                    <p:cTn fill="hold">
+                      <p:stCondLst>
+                        <p:cond delay="indefinite"/>
+                      </p:stCondLst>
+                      <p:childTnLst>
+                        <p:par>
+                          <p:cTn fill="hold">
+                            <p:stCondLst>
+                              <p:cond delay="0"/>
+                            </p:stCondLst>
+                            <p:childTnLst>
+                              <p:par>
+                                <p:cTn fill="hold" nodeType="clickEffect" presetClass="entr" presetID="10" presetSubtype="0">
+                                  <p:stCondLst>
+                                    <p:cond delay="0"/>
+                                  </p:stCondLst>
+                                  <p:childTnLst>
+                                    <p:set>
+                                      <p:cBhvr>
+                                        <p:cTn dur="1" fill="hold">
+                                          <p:stCondLst>
+                                            <p:cond delay="0"/>
+                                          </p:stCondLst>
+                                        </p:cTn>
+                                        <p:tgtEl>
+                                          <p:spTgt spid="127"/>
+                                        </p:tgtEl>
+                                        <p:attrNameLst>
+                                          <p:attrName>style.visibility</p:attrName>
+                                        </p:attrNameLst>
+                                      </p:cBhvr>
+                                      <p:to>
+                                        <p:strVal val="visible"/>
+                                      </p:to>
+                                    </p:set>
+                                    <p:animEffect filter="fade" transition="in">
+                                      <p:cBhvr>
+                                        <p:cTn dur="1000"/>
+                                        <p:tgtEl>
+                                          <p:spTgt spid="127"/>
+                                        </p:tgtEl>
+                                      </p:cBhvr>
+                                    </p:animEffect>
+                                  </p:childTnLst>
+                                </p:cTn>
+                              </p:par>
+                            </p:childTnLst>
+                          </p:cTn>
+                        </p:par>
+                      </p:childTnLst>
+                    </p:cTn>
+                  </p:par>
+                  <p:par>
+                    <p:cTn fill="hold">
+                      <p:stCondLst>
+                        <p:cond delay="indefinite"/>
+                      </p:stCondLst>
+                      <p:childTnLst>
+                        <p:par>
+                          <p:cTn fill="hold">
+                            <p:stCondLst>
+                              <p:cond delay="0"/>
+                            </p:stCondLst>
+                            <p:childTnLst>
+                              <p:par>
+                                <p:cTn fill="hold" nodeType="clickEffect" presetClass="entr" presetID="10" presetSubtype="0">
+                                  <p:stCondLst>
+                                    <p:cond delay="0"/>
+                                  </p:stCondLst>
+                                  <p:childTnLst>
+                                    <p:set>
+                                      <p:cBhvr>
+                                        <p:cTn dur="1" fill="hold">
+                                          <p:stCondLst>
+                                            <p:cond delay="0"/>
+                                          </p:stCondLst>
+                                        </p:cTn>
+                                        <p:tgtEl>
+                                          <p:spTgt spid="128"/>
+                                        </p:tgtEl>
+                                        <p:attrNameLst>
+                                          <p:attrName>style.visibility</p:attrName>
+                                        </p:attrNameLst>
+                                      </p:cBhvr>
+                                      <p:to>
+                                        <p:strVal val="visible"/>
+                                      </p:to>
+                                    </p:set>
+                                    <p:animEffect filter="fade" transition="in">
+                                      <p:cBhvr>
+                                        <p:cTn dur="1000"/>
+                                        <p:tgtEl>
+                                          <p:spTgt spid="128"/>
                                         </p:tgtEl>
                                       </p:cBhvr>
                                     </p:animEffect>
@@ -9796,12 +10346,12 @@
 </p:sld>
 </file>
 
-<file path=ppt/slides/slide8.xml><?xml version="1.0" encoding="utf-8"?>
+<file path=ppt/slides/slide9.xml><?xml version="1.0" encoding="utf-8"?>
 <p:sld xmlns:a="http://schemas.openxmlformats.org/drawingml/2006/main" xmlns:r="http://schemas.openxmlformats.org/officeDocument/2006/relationships" xmlns:mc="http://schemas.openxmlformats.org/markup-compatibility/2006" xmlns:mv="urn:schemas-microsoft-com:mac:vml" xmlns:p="http://schemas.openxmlformats.org/presentationml/2006/main" xmlns:c="http://schemas.openxmlformats.org/drawingml/2006/chart" xmlns:dgm="http://schemas.openxmlformats.org/drawingml/2006/diagram" xmlns:o="urn:schemas-microsoft-com:office:office" xmlns:v="urn:schemas-microsoft-com:vml" xmlns:pvml="urn:schemas-microsoft-com:office:powerpoint" xmlns:com="http://schemas.openxmlformats.org/drawingml/2006/compatibility" xmlns:p14="http://schemas.microsoft.com/office/powerpoint/2010/main">
   <p:cSld>
     <p:spTree>
       <p:nvGrpSpPr>
-        <p:cNvPr id="126" name="Shape 126"/>
+        <p:cNvPr id="132" name="Shape 132"/>
         <p:cNvGrpSpPr/>
         <p:nvPr/>
       </p:nvGrpSpPr>
@@ -9815,7 +10365,7 @@
       </p:grpSpPr>
       <p:sp>
         <p:nvSpPr>
-          <p:cNvPr id="127" name="Shape 127"/>
+          <p:cNvPr id="133" name="Shape 133"/>
           <p:cNvSpPr txBox="1"/>
           <p:nvPr>
             <p:ph type="title"/>
@@ -9851,7 +10401,7 @@
       </p:sp>
       <p:sp>
         <p:nvSpPr>
-          <p:cNvPr id="128" name="Shape 128"/>
+          <p:cNvPr id="134" name="Shape 134"/>
           <p:cNvSpPr txBox="1"/>
           <p:nvPr>
             <p:ph idx="1" type="body"/>
@@ -9887,7 +10437,7 @@
       </p:sp>
       <p:sp>
         <p:nvSpPr>
-          <p:cNvPr id="129" name="Shape 129"/>
+          <p:cNvPr id="135" name="Shape 135"/>
           <p:cNvSpPr/>
           <p:nvPr/>
         </p:nvSpPr>
@@ -9933,7 +10483,7 @@
       </p:sp>
       <p:sp>
         <p:nvSpPr>
-          <p:cNvPr id="130" name="Shape 130"/>
+          <p:cNvPr id="136" name="Shape 136"/>
           <p:cNvSpPr txBox="1"/>
           <p:nvPr/>
         </p:nvSpPr>
@@ -9975,7 +10525,7 @@
       </p:sp>
       <p:sp>
         <p:nvSpPr>
-          <p:cNvPr id="131" name="Shape 131"/>
+          <p:cNvPr id="137" name="Shape 137"/>
           <p:cNvSpPr/>
           <p:nvPr/>
         </p:nvSpPr>
@@ -10021,7 +10571,7 @@
       </p:sp>
       <p:sp>
         <p:nvSpPr>
-          <p:cNvPr id="132" name="Shape 132"/>
+          <p:cNvPr id="138" name="Shape 138"/>
           <p:cNvSpPr/>
           <p:nvPr/>
         </p:nvSpPr>
@@ -10069,7 +10619,7 @@
       </p:sp>
       <p:sp>
         <p:nvSpPr>
-          <p:cNvPr id="133" name="Shape 133"/>
+          <p:cNvPr id="139" name="Shape 139"/>
           <p:cNvSpPr txBox="1"/>
           <p:nvPr/>
         </p:nvSpPr>
@@ -10127,7 +10677,7 @@
       </p:sp>
       <p:sp>
         <p:nvSpPr>
-          <p:cNvPr id="134" name="Shape 134"/>
+          <p:cNvPr id="140" name="Shape 140"/>
           <p:cNvSpPr/>
           <p:nvPr/>
         </p:nvSpPr>
@@ -10173,7 +10723,7 @@
       </p:sp>
       <p:sp>
         <p:nvSpPr>
-          <p:cNvPr id="135" name="Shape 135"/>
+          <p:cNvPr id="141" name="Shape 141"/>
           <p:cNvSpPr txBox="1"/>
           <p:nvPr/>
         </p:nvSpPr>
@@ -10219,7 +10769,7 @@
       </p:sp>
       <p:sp>
         <p:nvSpPr>
-          <p:cNvPr id="136" name="Shape 136"/>
+          <p:cNvPr id="142" name="Shape 142"/>
           <p:cNvSpPr/>
           <p:nvPr/>
         </p:nvSpPr>
@@ -10265,7 +10815,7 @@
       </p:sp>
       <p:sp>
         <p:nvSpPr>
-          <p:cNvPr id="137" name="Shape 137"/>
+          <p:cNvPr id="143" name="Shape 143"/>
           <p:cNvSpPr txBox="1"/>
           <p:nvPr/>
         </p:nvSpPr>
@@ -10307,7 +10857,7 @@
       </p:sp>
       <p:sp>
         <p:nvSpPr>
-          <p:cNvPr id="138" name="Shape 138"/>
+          <p:cNvPr id="144" name="Shape 144"/>
           <p:cNvSpPr/>
           <p:nvPr/>
         </p:nvSpPr>
@@ -10353,7 +10903,7 @@
       </p:sp>
       <p:sp>
         <p:nvSpPr>
-          <p:cNvPr id="139" name="Shape 139"/>
+          <p:cNvPr id="145" name="Shape 145"/>
           <p:cNvSpPr txBox="1"/>
           <p:nvPr/>
         </p:nvSpPr>
@@ -10395,7 +10945,7 @@
       </p:sp>
       <p:sp>
         <p:nvSpPr>
-          <p:cNvPr id="140" name="Shape 140"/>
+          <p:cNvPr id="146" name="Shape 146"/>
           <p:cNvSpPr/>
           <p:nvPr/>
         </p:nvSpPr>
@@ -10441,7 +10991,7 @@
       </p:sp>
       <p:sp>
         <p:nvSpPr>
-          <p:cNvPr id="141" name="Shape 141"/>
+          <p:cNvPr id="147" name="Shape 147"/>
           <p:cNvSpPr txBox="1"/>
           <p:nvPr/>
         </p:nvSpPr>
@@ -10483,7 +11033,7 @@
       </p:sp>
       <p:sp>
         <p:nvSpPr>
-          <p:cNvPr id="142" name="Shape 142"/>
+          <p:cNvPr id="148" name="Shape 148"/>
           <p:cNvSpPr/>
           <p:nvPr/>
         </p:nvSpPr>
@@ -10529,7 +11079,7 @@
       </p:sp>
       <p:sp>
         <p:nvSpPr>
-          <p:cNvPr id="143" name="Shape 143"/>
+          <p:cNvPr id="149" name="Shape 149"/>
           <p:cNvSpPr txBox="1"/>
           <p:nvPr/>
         </p:nvSpPr>
@@ -10575,7 +11125,7 @@
       </p:sp>
       <p:sp>
         <p:nvSpPr>
-          <p:cNvPr id="144" name="Shape 144"/>
+          <p:cNvPr id="150" name="Shape 150"/>
           <p:cNvSpPr txBox="1"/>
           <p:nvPr/>
         </p:nvSpPr>
@@ -10613,13 +11163,13 @@
       </p:sp>
       <p:sp>
         <p:nvSpPr>
-          <p:cNvPr id="145" name="Shape 145"/>
+          <p:cNvPr id="151" name="Shape 151"/>
           <p:cNvSpPr txBox="1"/>
           <p:nvPr/>
         </p:nvSpPr>
         <p:spPr>
           <a:xfrm>
-            <a:off x="1903950" y="4250500"/>
+            <a:off x="608550" y="4250500"/>
             <a:ext cx="1519800" cy="275700"/>
           </a:xfrm>
           <a:prstGeom prst="rect">
@@ -10644,20 +11194,20 @@
             </a:pPr>
             <a:r>
               <a:rPr lang="zh-CN"/>
-              <a:t>Front-End</a:t>
+              <a:t>Client</a:t>
             </a:r>
           </a:p>
         </p:txBody>
       </p:sp>
       <p:sp>
         <p:nvSpPr>
-          <p:cNvPr id="146" name="Shape 146"/>
+          <p:cNvPr id="152" name="Shape 152"/>
           <p:cNvSpPr txBox="1"/>
           <p:nvPr/>
         </p:nvSpPr>
         <p:spPr>
           <a:xfrm>
-            <a:off x="4784875" y="4235800"/>
+            <a:off x="3337075" y="4235800"/>
             <a:ext cx="1561500" cy="305100"/>
           </a:xfrm>
           <a:prstGeom prst="rect">
@@ -10682,14 +11232,14 @@
             </a:pPr>
             <a:r>
               <a:rPr lang="zh-CN"/>
-              <a:t>Back-End</a:t>
+              <a:t>Server</a:t>
             </a:r>
           </a:p>
         </p:txBody>
       </p:sp>
       <p:sp>
         <p:nvSpPr>
-          <p:cNvPr id="147" name="Shape 147"/>
+          <p:cNvPr id="153" name="Shape 153"/>
           <p:cNvSpPr txBox="1"/>
           <p:nvPr/>
         </p:nvSpPr>
@@ -10725,219 +11275,49 @@
           </a:p>
         </p:txBody>
       </p:sp>
+      <p:sp>
+        <p:nvSpPr>
+          <p:cNvPr id="154" name="Shape 154"/>
+          <p:cNvSpPr txBox="1"/>
+          <p:nvPr/>
+        </p:nvSpPr>
+        <p:spPr>
+          <a:xfrm>
+            <a:off x="6107300" y="4250500"/>
+            <a:ext cx="1656900" cy="275700"/>
+          </a:xfrm>
+          <a:prstGeom prst="rect">
+            <a:avLst/>
+          </a:prstGeom>
+          <a:noFill/>
+          <a:ln>
+            <a:noFill/>
+          </a:ln>
+        </p:spPr>
+        <p:txBody>
+          <a:bodyPr anchorCtr="0" anchor="t" bIns="91425" lIns="91425" rIns="91425" tIns="91425">
+            <a:noAutofit/>
+          </a:bodyPr>
+          <a:lstStyle/>
+          <a:p>
+            <a:pPr lvl="0" algn="ctr">
+              <a:spcBef>
+                <a:spcPts val="0"/>
+              </a:spcBef>
+              <a:buNone/>
+            </a:pPr>
+            <a:r>
+              <a:rPr lang="zh-CN"/>
+              <a:t>Database</a:t>
+            </a:r>
+          </a:p>
+        </p:txBody>
+      </p:sp>
     </p:spTree>
   </p:cSld>
   <p:clrMapOvr>
     <a:masterClrMapping/>
   </p:clrMapOvr>
-</p:sld>
-</file>
-
-<file path=ppt/slides/slide9.xml><?xml version="1.0" encoding="utf-8"?>
-<p:sld xmlns:a="http://schemas.openxmlformats.org/drawingml/2006/main" xmlns:r="http://schemas.openxmlformats.org/officeDocument/2006/relationships" xmlns:mc="http://schemas.openxmlformats.org/markup-compatibility/2006" xmlns:mv="urn:schemas-microsoft-com:mac:vml" xmlns:p="http://schemas.openxmlformats.org/presentationml/2006/main" xmlns:c="http://schemas.openxmlformats.org/drawingml/2006/chart" xmlns:dgm="http://schemas.openxmlformats.org/drawingml/2006/diagram" xmlns:o="urn:schemas-microsoft-com:office:office" xmlns:v="urn:schemas-microsoft-com:vml" xmlns:pvml="urn:schemas-microsoft-com:office:powerpoint" xmlns:com="http://schemas.openxmlformats.org/drawingml/2006/compatibility" xmlns:p14="http://schemas.microsoft.com/office/powerpoint/2010/main">
-  <p:cSld>
-    <p:spTree>
-      <p:nvGrpSpPr>
-        <p:cNvPr id="151" name="Shape 151"/>
-        <p:cNvGrpSpPr/>
-        <p:nvPr/>
-      </p:nvGrpSpPr>
-      <p:grpSpPr>
-        <a:xfrm>
-          <a:off x="0" y="0"/>
-          <a:ext cx="0" cy="0"/>
-          <a:chOff x="0" y="0"/>
-          <a:chExt cx="0" cy="0"/>
-        </a:xfrm>
-      </p:grpSpPr>
-      <p:sp>
-        <p:nvSpPr>
-          <p:cNvPr id="152" name="Shape 152"/>
-          <p:cNvSpPr txBox="1"/>
-          <p:nvPr>
-            <p:ph type="title"/>
-          </p:nvPr>
-        </p:nvSpPr>
-        <p:spPr>
-          <a:xfrm>
-            <a:off x="311700" y="372500"/>
-            <a:ext cx="8520600" cy="733500"/>
-          </a:xfrm>
-          <a:prstGeom prst="rect">
-            <a:avLst/>
-          </a:prstGeom>
-        </p:spPr>
-        <p:txBody>
-          <a:bodyPr anchorCtr="0" anchor="b" bIns="91425" lIns="91425" rIns="91425" tIns="91425">
-            <a:noAutofit/>
-          </a:bodyPr>
-          <a:lstStyle/>
-          <a:p>
-            <a:pPr lvl="0">
-              <a:spcBef>
-                <a:spcPts val="0"/>
-              </a:spcBef>
-              <a:buNone/>
-            </a:pPr>
-            <a:r>
-              <a:rPr lang="zh-CN"/>
-              <a:t>Nodejs:利用 Child Process获取文件信息</a:t>
-            </a:r>
-          </a:p>
-        </p:txBody>
-      </p:sp>
-      <p:sp>
-        <p:nvSpPr>
-          <p:cNvPr id="153" name="Shape 153"/>
-          <p:cNvSpPr txBox="1"/>
-          <p:nvPr>
-            <p:ph idx="1" type="body"/>
-          </p:nvPr>
-        </p:nvSpPr>
-        <p:spPr>
-          <a:xfrm>
-            <a:off x="311700" y="1468825"/>
-            <a:ext cx="8520600" cy="3099900"/>
-          </a:xfrm>
-          <a:prstGeom prst="rect">
-            <a:avLst/>
-          </a:prstGeom>
-        </p:spPr>
-        <p:txBody>
-          <a:bodyPr anchorCtr="0" anchor="t" bIns="91425" lIns="91425" rIns="91425" tIns="91425">
-            <a:noAutofit/>
-          </a:bodyPr>
-          <a:lstStyle/>
-          <a:p>
-            <a:pPr lvl="0">
-              <a:spcBef>
-                <a:spcPts val="0"/>
-              </a:spcBef>
-              <a:buNone/>
-            </a:pPr>
-            <a:r>
-              <a:t/>
-            </a:r>
-            <a:endParaRPr/>
-          </a:p>
-        </p:txBody>
-      </p:sp>
-      <p:pic>
-        <p:nvPicPr>
-          <p:cNvPr descr="5a7f4f70.png" id="154" name="Shape 154"/>
-          <p:cNvPicPr preferRelativeResize="0"/>
-          <p:nvPr/>
-        </p:nvPicPr>
-        <p:blipFill>
-          <a:blip r:embed="rId3">
-            <a:alphaModFix/>
-          </a:blip>
-          <a:stretch>
-            <a:fillRect/>
-          </a:stretch>
-        </p:blipFill>
-        <p:spPr>
-          <a:xfrm>
-            <a:off x="394562" y="1246512"/>
-            <a:ext cx="6772275" cy="3248025"/>
-          </a:xfrm>
-          <a:prstGeom prst="rect">
-            <a:avLst/>
-          </a:prstGeom>
-          <a:noFill/>
-          <a:ln>
-            <a:noFill/>
-          </a:ln>
-        </p:spPr>
-      </p:pic>
-    </p:spTree>
-  </p:cSld>
-  <p:clrMapOvr>
-    <a:masterClrMapping/>
-  </p:clrMapOvr>
-  <p:timing>
-    <p:tnLst>
-      <p:par>
-        <p:cTn dur="indefinite" nodeType="tmRoot" restart="never">
-          <p:childTnLst>
-            <p:seq concurrent="1" nextAc="seek">
-              <p:cTn dur="indefinite" id="2" nodeType="mainSeq">
-                <p:childTnLst>
-                  <p:par>
-                    <p:cTn fill="hold">
-                      <p:stCondLst>
-                        <p:cond delay="indefinite"/>
-                      </p:stCondLst>
-                      <p:childTnLst>
-                        <p:par>
-                          <p:cTn fill="hold">
-                            <p:stCondLst>
-                              <p:cond delay="0"/>
-                            </p:stCondLst>
-                            <p:childTnLst>
-                              <p:par>
-                                <p:cTn fill="hold" nodeType="clickEffect" presetClass="entr" presetID="10" presetSubtype="0">
-                                  <p:stCondLst>
-                                    <p:cond delay="0"/>
-                                  </p:stCondLst>
-                                  <p:childTnLst>
-                                    <p:set>
-                                      <p:cBhvr>
-                                        <p:cTn dur="1" fill="hold">
-                                          <p:stCondLst>
-                                            <p:cond delay="0"/>
-                                          </p:stCondLst>
-                                        </p:cTn>
-                                        <p:tgtEl>
-                                          <p:spTgt spid="154"/>
-                                        </p:tgtEl>
-                                        <p:attrNameLst>
-                                          <p:attrName>style.visibility</p:attrName>
-                                        </p:attrNameLst>
-                                      </p:cBhvr>
-                                      <p:to>
-                                        <p:strVal val="visible"/>
-                                      </p:to>
-                                    </p:set>
-                                    <p:animEffect filter="fade" transition="in">
-                                      <p:cBhvr>
-                                        <p:cTn dur="1000"/>
-                                        <p:tgtEl>
-                                          <p:spTgt spid="154"/>
-                                        </p:tgtEl>
-                                      </p:cBhvr>
-                                    </p:animEffect>
-                                  </p:childTnLst>
-                                </p:cTn>
-                              </p:par>
-                            </p:childTnLst>
-                          </p:cTn>
-                        </p:par>
-                      </p:childTnLst>
-                    </p:cTn>
-                  </p:par>
-                </p:childTnLst>
-              </p:cTn>
-              <p:prevCondLst>
-                <p:cond evt="onPrev">
-                  <p:tgtEl>
-                    <p:sldTgt/>
-                  </p:tgtEl>
-                </p:cond>
-              </p:prevCondLst>
-              <p:nextCondLst>
-                <p:cond evt="onNext">
-                  <p:tgtEl>
-                    <p:sldTgt/>
-                  </p:tgtEl>
-                </p:cond>
-              </p:nextCondLst>
-            </p:seq>
-          </p:childTnLst>
-        </p:cTn>
-      </p:par>
-    </p:tnLst>
-  </p:timing>
 </p:sld>
 </file>
 

--- a/文件发布管理.pptx
+++ b/文件发布管理.pptx
@@ -491,7 +491,7 @@
   <p:cSld>
     <p:spTree>
       <p:nvGrpSpPr>
-        <p:cNvPr id="155" name="Shape 155"/>
+        <p:cNvPr id="154" name="Shape 154"/>
         <p:cNvGrpSpPr/>
         <p:nvPr/>
       </p:nvGrpSpPr>
@@ -505,7 +505,7 @@
       </p:grpSpPr>
       <p:sp>
         <p:nvSpPr>
-          <p:cNvPr id="156" name="Shape 156"/>
+          <p:cNvPr id="155" name="Shape 155"/>
           <p:cNvSpPr/>
           <p:nvPr>
             <p:ph idx="2" type="sldImg"/>
@@ -539,7 +539,7 @@
       </p:sp>
       <p:sp>
         <p:nvSpPr>
-          <p:cNvPr id="157" name="Shape 157"/>
+          <p:cNvPr id="156" name="Shape 156"/>
           <p:cNvSpPr txBox="1"/>
           <p:nvPr>
             <p:ph idx="1" type="body"/>
@@ -586,7 +586,7 @@
   <p:cSld>
     <p:spTree>
       <p:nvGrpSpPr>
-        <p:cNvPr id="162" name="Shape 162"/>
+        <p:cNvPr id="161" name="Shape 161"/>
         <p:cNvGrpSpPr/>
         <p:nvPr/>
       </p:nvGrpSpPr>
@@ -600,7 +600,7 @@
       </p:grpSpPr>
       <p:sp>
         <p:nvSpPr>
-          <p:cNvPr id="163" name="Shape 163"/>
+          <p:cNvPr id="162" name="Shape 162"/>
           <p:cNvSpPr/>
           <p:nvPr>
             <p:ph idx="2" type="sldImg"/>
@@ -634,7 +634,7 @@
       </p:sp>
       <p:sp>
         <p:nvSpPr>
-          <p:cNvPr id="164" name="Shape 164"/>
+          <p:cNvPr id="163" name="Shape 163"/>
           <p:cNvSpPr txBox="1"/>
           <p:nvPr>
             <p:ph idx="1" type="body"/>
@@ -681,7 +681,7 @@
   <p:cSld>
     <p:spTree>
       <p:nvGrpSpPr>
-        <p:cNvPr id="169" name="Shape 169"/>
+        <p:cNvPr id="168" name="Shape 168"/>
         <p:cNvGrpSpPr/>
         <p:nvPr/>
       </p:nvGrpSpPr>
@@ -695,7 +695,7 @@
       </p:grpSpPr>
       <p:sp>
         <p:nvSpPr>
-          <p:cNvPr id="170" name="Shape 170"/>
+          <p:cNvPr id="169" name="Shape 169"/>
           <p:cNvSpPr/>
           <p:nvPr>
             <p:ph idx="2" type="sldImg"/>
@@ -729,7 +729,7 @@
       </p:sp>
       <p:sp>
         <p:nvSpPr>
-          <p:cNvPr id="171" name="Shape 171"/>
+          <p:cNvPr id="170" name="Shape 170"/>
           <p:cNvSpPr txBox="1"/>
           <p:nvPr>
             <p:ph idx="1" type="body"/>
@@ -776,7 +776,7 @@
   <p:cSld>
     <p:spTree>
       <p:nvGrpSpPr>
-        <p:cNvPr id="175" name="Shape 175"/>
+        <p:cNvPr id="174" name="Shape 174"/>
         <p:cNvGrpSpPr/>
         <p:nvPr/>
       </p:nvGrpSpPr>
@@ -790,7 +790,7 @@
       </p:grpSpPr>
       <p:sp>
         <p:nvSpPr>
-          <p:cNvPr id="176" name="Shape 176"/>
+          <p:cNvPr id="175" name="Shape 175"/>
           <p:cNvSpPr/>
           <p:nvPr>
             <p:ph idx="2" type="sldImg"/>
@@ -824,7 +824,7 @@
       </p:sp>
       <p:sp>
         <p:nvSpPr>
-          <p:cNvPr id="177" name="Shape 177"/>
+          <p:cNvPr id="176" name="Shape 176"/>
           <p:cNvSpPr txBox="1"/>
           <p:nvPr>
             <p:ph idx="1" type="body"/>
@@ -871,7 +871,7 @@
   <p:cSld>
     <p:spTree>
       <p:nvGrpSpPr>
-        <p:cNvPr id="183" name="Shape 183"/>
+        <p:cNvPr id="182" name="Shape 182"/>
         <p:cNvGrpSpPr/>
         <p:nvPr/>
       </p:nvGrpSpPr>
@@ -885,7 +885,7 @@
       </p:grpSpPr>
       <p:sp>
         <p:nvSpPr>
-          <p:cNvPr id="184" name="Shape 184"/>
+          <p:cNvPr id="183" name="Shape 183"/>
           <p:cNvSpPr/>
           <p:nvPr>
             <p:ph idx="2" type="sldImg"/>
@@ -919,7 +919,7 @@
       </p:sp>
       <p:sp>
         <p:nvSpPr>
-          <p:cNvPr id="185" name="Shape 185"/>
+          <p:cNvPr id="184" name="Shape 184"/>
           <p:cNvSpPr txBox="1"/>
           <p:nvPr>
             <p:ph idx="1" type="body"/>
@@ -1061,7 +1061,7 @@
   <p:cSld>
     <p:spTree>
       <p:nvGrpSpPr>
-        <p:cNvPr id="82" name="Shape 82"/>
+        <p:cNvPr id="81" name="Shape 81"/>
         <p:cNvGrpSpPr/>
         <p:nvPr/>
       </p:nvGrpSpPr>
@@ -1075,7 +1075,7 @@
       </p:grpSpPr>
       <p:sp>
         <p:nvSpPr>
-          <p:cNvPr id="83" name="Shape 83"/>
+          <p:cNvPr id="82" name="Shape 82"/>
           <p:cNvSpPr/>
           <p:nvPr>
             <p:ph idx="2" type="sldImg"/>
@@ -1109,7 +1109,7 @@
       </p:sp>
       <p:sp>
         <p:nvSpPr>
-          <p:cNvPr id="84" name="Shape 84"/>
+          <p:cNvPr id="83" name="Shape 83"/>
           <p:cNvSpPr txBox="1"/>
           <p:nvPr>
             <p:ph idx="1" type="body"/>
@@ -1156,7 +1156,7 @@
   <p:cSld>
     <p:spTree>
       <p:nvGrpSpPr>
-        <p:cNvPr id="89" name="Shape 89"/>
+        <p:cNvPr id="88" name="Shape 88"/>
         <p:cNvGrpSpPr/>
         <p:nvPr/>
       </p:nvGrpSpPr>
@@ -1170,7 +1170,7 @@
       </p:grpSpPr>
       <p:sp>
         <p:nvSpPr>
-          <p:cNvPr id="90" name="Shape 90"/>
+          <p:cNvPr id="89" name="Shape 89"/>
           <p:cNvSpPr/>
           <p:nvPr>
             <p:ph idx="2" type="sldImg"/>
@@ -1204,7 +1204,7 @@
       </p:sp>
       <p:sp>
         <p:nvSpPr>
-          <p:cNvPr id="91" name="Shape 91"/>
+          <p:cNvPr id="90" name="Shape 90"/>
           <p:cNvSpPr txBox="1"/>
           <p:nvPr>
             <p:ph idx="1" type="body"/>
@@ -1251,7 +1251,7 @@
   <p:cSld>
     <p:spTree>
       <p:nvGrpSpPr>
-        <p:cNvPr id="95" name="Shape 95"/>
+        <p:cNvPr id="94" name="Shape 94"/>
         <p:cNvGrpSpPr/>
         <p:nvPr/>
       </p:nvGrpSpPr>
@@ -1265,7 +1265,7 @@
       </p:grpSpPr>
       <p:sp>
         <p:nvSpPr>
-          <p:cNvPr id="96" name="Shape 96"/>
+          <p:cNvPr id="95" name="Shape 95"/>
           <p:cNvSpPr/>
           <p:nvPr>
             <p:ph idx="2" type="sldImg"/>
@@ -1299,7 +1299,7 @@
       </p:sp>
       <p:sp>
         <p:nvSpPr>
-          <p:cNvPr id="97" name="Shape 97"/>
+          <p:cNvPr id="96" name="Shape 96"/>
           <p:cNvSpPr txBox="1"/>
           <p:nvPr>
             <p:ph idx="1" type="body"/>
@@ -1346,7 +1346,7 @@
   <p:cSld>
     <p:spTree>
       <p:nvGrpSpPr>
-        <p:cNvPr id="101" name="Shape 101"/>
+        <p:cNvPr id="100" name="Shape 100"/>
         <p:cNvGrpSpPr/>
         <p:nvPr/>
       </p:nvGrpSpPr>
@@ -1360,7 +1360,7 @@
       </p:grpSpPr>
       <p:sp>
         <p:nvSpPr>
-          <p:cNvPr id="102" name="Shape 102"/>
+          <p:cNvPr id="101" name="Shape 101"/>
           <p:cNvSpPr/>
           <p:nvPr>
             <p:ph idx="2" type="sldImg"/>
@@ -1394,7 +1394,7 @@
       </p:sp>
       <p:sp>
         <p:nvSpPr>
-          <p:cNvPr id="103" name="Shape 103"/>
+          <p:cNvPr id="102" name="Shape 102"/>
           <p:cNvSpPr txBox="1"/>
           <p:nvPr>
             <p:ph idx="1" type="body"/>
@@ -1441,7 +1441,7 @@
   <p:cSld>
     <p:spTree>
       <p:nvGrpSpPr>
-        <p:cNvPr id="108" name="Shape 108"/>
+        <p:cNvPr id="107" name="Shape 107"/>
         <p:cNvGrpSpPr/>
         <p:nvPr/>
       </p:nvGrpSpPr>
@@ -1455,7 +1455,7 @@
       </p:grpSpPr>
       <p:sp>
         <p:nvSpPr>
-          <p:cNvPr id="109" name="Shape 109"/>
+          <p:cNvPr id="108" name="Shape 108"/>
           <p:cNvSpPr/>
           <p:nvPr>
             <p:ph idx="2" type="sldImg"/>
@@ -1489,7 +1489,7 @@
       </p:sp>
       <p:sp>
         <p:nvSpPr>
-          <p:cNvPr id="110" name="Shape 110"/>
+          <p:cNvPr id="109" name="Shape 109"/>
           <p:cNvSpPr txBox="1"/>
           <p:nvPr>
             <p:ph idx="1" type="body"/>
@@ -1536,7 +1536,7 @@
   <p:cSld>
     <p:spTree>
       <p:nvGrpSpPr>
-        <p:cNvPr id="115" name="Shape 115"/>
+        <p:cNvPr id="114" name="Shape 114"/>
         <p:cNvGrpSpPr/>
         <p:nvPr/>
       </p:nvGrpSpPr>
@@ -1550,7 +1550,7 @@
       </p:grpSpPr>
       <p:sp>
         <p:nvSpPr>
-          <p:cNvPr id="116" name="Shape 116"/>
+          <p:cNvPr id="115" name="Shape 115"/>
           <p:cNvSpPr/>
           <p:nvPr>
             <p:ph idx="2" type="sldImg"/>
@@ -1584,7 +1584,7 @@
       </p:sp>
       <p:sp>
         <p:nvSpPr>
-          <p:cNvPr id="117" name="Shape 117"/>
+          <p:cNvPr id="116" name="Shape 116"/>
           <p:cNvSpPr txBox="1"/>
           <p:nvPr>
             <p:ph idx="1" type="body"/>
@@ -1631,7 +1631,7 @@
   <p:cSld>
     <p:spTree>
       <p:nvGrpSpPr>
-        <p:cNvPr id="129" name="Shape 129"/>
+        <p:cNvPr id="128" name="Shape 128"/>
         <p:cNvGrpSpPr/>
         <p:nvPr/>
       </p:nvGrpSpPr>
@@ -1645,7 +1645,7 @@
       </p:grpSpPr>
       <p:sp>
         <p:nvSpPr>
-          <p:cNvPr id="130" name="Shape 130"/>
+          <p:cNvPr id="129" name="Shape 129"/>
           <p:cNvSpPr/>
           <p:nvPr>
             <p:ph idx="2" type="sldImg"/>
@@ -1679,7 +1679,7 @@
       </p:sp>
       <p:sp>
         <p:nvSpPr>
-          <p:cNvPr id="131" name="Shape 131"/>
+          <p:cNvPr id="130" name="Shape 130"/>
           <p:cNvSpPr txBox="1"/>
           <p:nvPr>
             <p:ph idx="1" type="body"/>
@@ -5842,7 +5842,7 @@
   <p:cSld>
     <p:spTree>
       <p:nvGrpSpPr>
-        <p:cNvPr id="158" name="Shape 158"/>
+        <p:cNvPr id="157" name="Shape 157"/>
         <p:cNvGrpSpPr/>
         <p:nvPr/>
       </p:nvGrpSpPr>
@@ -5856,7 +5856,7 @@
       </p:grpSpPr>
       <p:sp>
         <p:nvSpPr>
-          <p:cNvPr id="159" name="Shape 159"/>
+          <p:cNvPr id="158" name="Shape 158"/>
           <p:cNvSpPr txBox="1"/>
           <p:nvPr>
             <p:ph type="title"/>
@@ -5892,7 +5892,7 @@
       </p:sp>
       <p:sp>
         <p:nvSpPr>
-          <p:cNvPr id="160" name="Shape 160"/>
+          <p:cNvPr id="159" name="Shape 159"/>
           <p:cNvSpPr txBox="1"/>
           <p:nvPr>
             <p:ph idx="1" type="body"/>
@@ -5928,7 +5928,7 @@
       </p:sp>
       <p:pic>
         <p:nvPicPr>
-          <p:cNvPr descr="5a7f4f70.png" id="161" name="Shape 161"/>
+          <p:cNvPr descr="5a7f4f70.png" id="160" name="Shape 160"/>
           <p:cNvPicPr preferRelativeResize="0"/>
           <p:nvPr/>
         </p:nvPicPr>
@@ -5993,7 +5993,7 @@
                                           </p:stCondLst>
                                         </p:cTn>
                                         <p:tgtEl>
-                                          <p:spTgt spid="161"/>
+                                          <p:spTgt spid="160"/>
                                         </p:tgtEl>
                                         <p:attrNameLst>
                                           <p:attrName>style.visibility</p:attrName>
@@ -6007,7 +6007,7 @@
                                       <p:cBhvr>
                                         <p:cTn dur="1000"/>
                                         <p:tgtEl>
-                                          <p:spTgt spid="161"/>
+                                          <p:spTgt spid="160"/>
                                         </p:tgtEl>
                                       </p:cBhvr>
                                     </p:animEffect>
@@ -6050,7 +6050,7 @@
   <p:cSld>
     <p:spTree>
       <p:nvGrpSpPr>
-        <p:cNvPr id="165" name="Shape 165"/>
+        <p:cNvPr id="164" name="Shape 164"/>
         <p:cNvGrpSpPr/>
         <p:nvPr/>
       </p:nvGrpSpPr>
@@ -6064,7 +6064,7 @@
       </p:grpSpPr>
       <p:sp>
         <p:nvSpPr>
-          <p:cNvPr id="166" name="Shape 166"/>
+          <p:cNvPr id="165" name="Shape 165"/>
           <p:cNvSpPr txBox="1"/>
           <p:nvPr>
             <p:ph type="title"/>
@@ -6100,7 +6100,7 @@
       </p:sp>
       <p:sp>
         <p:nvSpPr>
-          <p:cNvPr id="167" name="Shape 167"/>
+          <p:cNvPr id="166" name="Shape 166"/>
           <p:cNvSpPr txBox="1"/>
           <p:nvPr>
             <p:ph idx="1" type="body"/>
@@ -6136,7 +6136,7 @@
       </p:sp>
       <p:pic>
         <p:nvPicPr>
-          <p:cNvPr descr="5a7f4f70.png" id="168" name="Shape 168"/>
+          <p:cNvPr descr="5a7f4f70.png" id="167" name="Shape 167"/>
           <p:cNvPicPr preferRelativeResize="0"/>
           <p:nvPr/>
         </p:nvPicPr>
@@ -6201,7 +6201,7 @@
                                           </p:stCondLst>
                                         </p:cTn>
                                         <p:tgtEl>
-                                          <p:spTgt spid="168"/>
+                                          <p:spTgt spid="167"/>
                                         </p:tgtEl>
                                         <p:attrNameLst>
                                           <p:attrName>style.visibility</p:attrName>
@@ -6215,7 +6215,7 @@
                                       <p:cBhvr>
                                         <p:cTn dur="1000"/>
                                         <p:tgtEl>
-                                          <p:spTgt spid="168"/>
+                                          <p:spTgt spid="167"/>
                                         </p:tgtEl>
                                       </p:cBhvr>
                                     </p:animEffect>
@@ -6258,7 +6258,7 @@
   <p:cSld>
     <p:spTree>
       <p:nvGrpSpPr>
-        <p:cNvPr id="172" name="Shape 172"/>
+        <p:cNvPr id="171" name="Shape 171"/>
         <p:cNvGrpSpPr/>
         <p:nvPr/>
       </p:nvGrpSpPr>
@@ -6272,7 +6272,7 @@
       </p:grpSpPr>
       <p:sp>
         <p:nvSpPr>
-          <p:cNvPr id="173" name="Shape 173"/>
+          <p:cNvPr id="172" name="Shape 172"/>
           <p:cNvSpPr txBox="1"/>
           <p:nvPr>
             <p:ph type="title"/>
@@ -6308,7 +6308,7 @@
       </p:sp>
       <p:sp>
         <p:nvSpPr>
-          <p:cNvPr id="174" name="Shape 174"/>
+          <p:cNvPr id="173" name="Shape 173"/>
           <p:cNvSpPr txBox="1"/>
           <p:nvPr>
             <p:ph idx="1" type="body"/>
@@ -6732,7 +6732,7 @@
   <p:cSld>
     <p:spTree>
       <p:nvGrpSpPr>
-        <p:cNvPr id="178" name="Shape 178"/>
+        <p:cNvPr id="177" name="Shape 177"/>
         <p:cNvGrpSpPr/>
         <p:nvPr/>
       </p:nvGrpSpPr>
@@ -6746,7 +6746,7 @@
       </p:grpSpPr>
       <p:sp>
         <p:nvSpPr>
-          <p:cNvPr id="179" name="Shape 179"/>
+          <p:cNvPr id="178" name="Shape 178"/>
           <p:cNvSpPr txBox="1"/>
           <p:nvPr>
             <p:ph type="title"/>
@@ -6782,7 +6782,7 @@
       </p:sp>
       <p:sp>
         <p:nvSpPr>
-          <p:cNvPr id="180" name="Shape 180"/>
+          <p:cNvPr id="179" name="Shape 179"/>
           <p:cNvSpPr txBox="1"/>
           <p:nvPr>
             <p:ph idx="1" type="body"/>
@@ -6836,7 +6836,7 @@
       </p:sp>
       <p:pic>
         <p:nvPicPr>
-          <p:cNvPr descr="20110712103406-2036366821.jpg" id="181" name="Shape 181"/>
+          <p:cNvPr descr="20110712103406-2036366821.jpg" id="180" name="Shape 180"/>
           <p:cNvPicPr preferRelativeResize="0"/>
           <p:nvPr/>
         </p:nvPicPr>
@@ -6864,7 +6864,7 @@
       </p:pic>
       <p:sp>
         <p:nvSpPr>
-          <p:cNvPr id="182" name="Shape 182"/>
+          <p:cNvPr id="181" name="Shape 181"/>
           <p:cNvSpPr txBox="1"/>
           <p:nvPr/>
         </p:nvSpPr>
@@ -6943,7 +6943,7 @@
                                           </p:stCondLst>
                                         </p:cTn>
                                         <p:tgtEl>
-                                          <p:spTgt spid="180"/>
+                                          <p:spTgt spid="179"/>
                                         </p:tgtEl>
                                         <p:attrNameLst>
                                           <p:attrName>style.visibility</p:attrName>
@@ -6957,7 +6957,7 @@
                                       <p:cBhvr>
                                         <p:cTn dur="1000"/>
                                         <p:tgtEl>
-                                          <p:spTgt spid="180"/>
+                                          <p:spTgt spid="179"/>
                                         </p:tgtEl>
                                       </p:cBhvr>
                                     </p:animEffect>
@@ -6996,7 +6996,7 @@
                                           </p:stCondLst>
                                         </p:cTn>
                                         <p:tgtEl>
-                                          <p:spTgt spid="181"/>
+                                          <p:spTgt spid="180"/>
                                         </p:tgtEl>
                                         <p:attrNameLst>
                                           <p:attrName>style.visibility</p:attrName>
@@ -7010,7 +7010,7 @@
                                       <p:cBhvr additive="base">
                                         <p:cTn dur="1000"/>
                                         <p:tgtEl>
-                                          <p:spTgt spid="181"/>
+                                          <p:spTgt spid="180"/>
                                         </p:tgtEl>
                                         <p:attrNameLst>
                                           <p:attrName>ppt_x</p:attrName>
@@ -7055,7 +7055,7 @@
                                           </p:stCondLst>
                                         </p:cTn>
                                         <p:tgtEl>
-                                          <p:spTgt spid="182"/>
+                                          <p:spTgt spid="181"/>
                                         </p:tgtEl>
                                         <p:attrNameLst>
                                           <p:attrName>style.visibility</p:attrName>
@@ -7069,7 +7069,7 @@
                                       <p:cBhvr>
                                         <p:cTn dur="1000"/>
                                         <p:tgtEl>
-                                          <p:spTgt spid="182"/>
+                                          <p:spTgt spid="181"/>
                                         </p:tgtEl>
                                       </p:cBhvr>
                                     </p:animEffect>
@@ -7112,7 +7112,7 @@
   <p:cSld>
     <p:spTree>
       <p:nvGrpSpPr>
-        <p:cNvPr id="186" name="Shape 186"/>
+        <p:cNvPr id="185" name="Shape 185"/>
         <p:cNvGrpSpPr/>
         <p:nvPr/>
       </p:nvGrpSpPr>
@@ -7126,7 +7126,7 @@
       </p:grpSpPr>
       <p:sp>
         <p:nvSpPr>
-          <p:cNvPr id="187" name="Shape 187"/>
+          <p:cNvPr id="186" name="Shape 186"/>
           <p:cNvSpPr txBox="1"/>
           <p:nvPr>
             <p:ph type="ctrTitle"/>
@@ -7162,7 +7162,7 @@
       </p:sp>
       <p:sp>
         <p:nvSpPr>
-          <p:cNvPr id="188" name="Shape 188"/>
+          <p:cNvPr id="187" name="Shape 187"/>
           <p:cNvSpPr txBox="1"/>
           <p:nvPr>
             <p:ph idx="1" type="subTitle"/>
@@ -7578,17 +7578,17 @@
         <p:spPr>
           <a:xfrm>
             <a:off x="5388100" y="3113400"/>
-            <a:ext cx="1970100" cy="1055100"/>
+            <a:ext cx="2187000" cy="1055100"/>
           </a:xfrm>
           <a:prstGeom prst="rect">
             <a:avLst/>
           </a:prstGeom>
           <a:solidFill>
-            <a:srgbClr val="FFD966"/>
+            <a:srgbClr val="BF9000"/>
           </a:solidFill>
           <a:ln cap="flat" cmpd="sng" w="9525">
             <a:solidFill>
-              <a:schemeClr val="dk2"/>
+              <a:schemeClr val="lt1"/>
             </a:solidFill>
             <a:prstDash val="solid"/>
             <a:round/>
@@ -7609,12 +7609,12 @@
               <a:buNone/>
             </a:pPr>
             <a:r>
-              <a:rPr b="1" lang="zh-CN"/>
-              <a:t>发送给</a:t>
-            </a:r>
-            <a:r>
-              <a:rPr b="1" lang="zh-CN"/>
-              <a:t>服务器管理员,再发布到生产</a:t>
+              <a:rPr b="1" lang="zh-CN">
+                <a:solidFill>
+                  <a:schemeClr val="lt1"/>
+                </a:solidFill>
+              </a:rPr>
+              <a:t>服务器管理员发布到生产</a:t>
             </a:r>
           </a:p>
         </p:txBody>
@@ -7706,34 +7706,6 @@
           </a:p>
         </p:txBody>
       </p:sp>
-      <p:pic>
-        <p:nvPicPr>
-          <p:cNvPr descr="wKhTlVeoacuECIFdAAAAAOlEXyA766.jpg" id="81" name="Shape 81"/>
-          <p:cNvPicPr preferRelativeResize="0"/>
-          <p:nvPr/>
-        </p:nvPicPr>
-        <p:blipFill>
-          <a:blip r:embed="rId3">
-            <a:alphaModFix/>
-          </a:blip>
-          <a:stretch>
-            <a:fillRect/>
-          </a:stretch>
-        </p:blipFill>
-        <p:spPr>
-          <a:xfrm>
-            <a:off x="5388087" y="481700"/>
-            <a:ext cx="3209925" cy="2247900"/>
-          </a:xfrm>
-          <a:prstGeom prst="rect">
-            <a:avLst/>
-          </a:prstGeom>
-          <a:noFill/>
-          <a:ln>
-            <a:noFill/>
-          </a:ln>
-        </p:spPr>
-      </p:pic>
     </p:spTree>
   </p:cSld>
   <p:clrMapOvr>
@@ -7747,74 +7719,6 @@
             <p:seq concurrent="1" nextAc="seek">
               <p:cTn dur="indefinite" id="2" nodeType="mainSeq">
                 <p:childTnLst>
-                  <p:par>
-                    <p:cTn fill="hold">
-                      <p:stCondLst>
-                        <p:cond delay="indefinite"/>
-                      </p:stCondLst>
-                      <p:childTnLst>
-                        <p:par>
-                          <p:cTn fill="hold">
-                            <p:stCondLst>
-                              <p:cond delay="0"/>
-                            </p:stCondLst>
-                            <p:childTnLst>
-                              <p:par>
-                                <p:cTn fill="hold" nodeType="clickEffect" presetClass="entr" presetID="2" presetSubtype="1">
-                                  <p:stCondLst>
-                                    <p:cond delay="0"/>
-                                  </p:stCondLst>
-                                  <p:childTnLst>
-                                    <p:set>
-                                      <p:cBhvr>
-                                        <p:cTn dur="1" fill="hold">
-                                          <p:stCondLst>
-                                            <p:cond delay="0"/>
-                                          </p:stCondLst>
-                                        </p:cTn>
-                                        <p:tgtEl>
-                                          <p:spTgt spid="81"/>
-                                        </p:tgtEl>
-                                        <p:attrNameLst>
-                                          <p:attrName>style.visibility</p:attrName>
-                                        </p:attrNameLst>
-                                      </p:cBhvr>
-                                      <p:to>
-                                        <p:strVal val="visible"/>
-                                      </p:to>
-                                    </p:set>
-                                    <p:anim calcmode="lin" valueType="num">
-                                      <p:cBhvr additive="base">
-                                        <p:cTn dur="1000"/>
-                                        <p:tgtEl>
-                                          <p:spTgt spid="81"/>
-                                        </p:tgtEl>
-                                        <p:attrNameLst>
-                                          <p:attrName>ppt_y</p:attrName>
-                                        </p:attrNameLst>
-                                      </p:cBhvr>
-                                      <p:tavLst>
-                                        <p:tav fmla="" tm="0">
-                                          <p:val>
-                                            <p:strVal val="#ppt_y-1"/>
-                                          </p:val>
-                                        </p:tav>
-                                        <p:tav fmla="" tm="100000">
-                                          <p:val>
-                                            <p:strVal val="#ppt_y"/>
-                                          </p:val>
-                                        </p:tav>
-                                      </p:tavLst>
-                                    </p:anim>
-                                  </p:childTnLst>
-                                </p:cTn>
-                              </p:par>
-                            </p:childTnLst>
-                          </p:cTn>
-                        </p:par>
-                      </p:childTnLst>
-                    </p:cTn>
-                  </p:par>
                   <p:par>
                     <p:cTn fill="hold">
                       <p:stCondLst>
@@ -8260,7 +8164,7 @@
   <p:cSld>
     <p:spTree>
       <p:nvGrpSpPr>
-        <p:cNvPr id="85" name="Shape 85"/>
+        <p:cNvPr id="84" name="Shape 84"/>
         <p:cNvGrpSpPr/>
         <p:nvPr/>
       </p:nvGrpSpPr>
@@ -8274,7 +8178,7 @@
       </p:grpSpPr>
       <p:sp>
         <p:nvSpPr>
-          <p:cNvPr id="86" name="Shape 86"/>
+          <p:cNvPr id="85" name="Shape 85"/>
           <p:cNvSpPr txBox="1"/>
           <p:nvPr>
             <p:ph type="title"/>
@@ -8310,7 +8214,7 @@
       </p:sp>
       <p:sp>
         <p:nvSpPr>
-          <p:cNvPr id="87" name="Shape 87"/>
+          <p:cNvPr id="86" name="Shape 86"/>
           <p:cNvSpPr txBox="1"/>
           <p:nvPr>
             <p:ph idx="1" type="body"/>
@@ -8346,7 +8250,7 @@
       </p:sp>
       <p:pic>
         <p:nvPicPr>
-          <p:cNvPr descr="926db25bcbce9b62908bef6e66bd7ec9_02.jpg" id="88" name="Shape 88"/>
+          <p:cNvPr descr="926db25bcbce9b62908bef6e66bd7ec9_02.jpg" id="87" name="Shape 87"/>
           <p:cNvPicPr preferRelativeResize="0"/>
           <p:nvPr/>
         </p:nvPicPr>
@@ -8410,7 +8314,7 @@
                                           </p:stCondLst>
                                         </p:cTn>
                                         <p:tgtEl>
-                                          <p:spTgt spid="88"/>
+                                          <p:spTgt spid="87"/>
                                         </p:tgtEl>
                                         <p:attrNameLst>
                                           <p:attrName>style.visibility</p:attrName>
@@ -8424,7 +8328,7 @@
                                       <p:cBhvr additive="base">
                                         <p:cTn dur="1000"/>
                                         <p:tgtEl>
-                                          <p:spTgt spid="88"/>
+                                          <p:spTgt spid="87"/>
                                         </p:tgtEl>
                                         <p:attrNameLst>
                                           <p:attrName>ppt_x</p:attrName>
@@ -8482,7 +8386,7 @@
   <p:cSld>
     <p:spTree>
       <p:nvGrpSpPr>
-        <p:cNvPr id="92" name="Shape 92"/>
+        <p:cNvPr id="91" name="Shape 91"/>
         <p:cNvGrpSpPr/>
         <p:nvPr/>
       </p:nvGrpSpPr>
@@ -8496,7 +8400,7 @@
       </p:grpSpPr>
       <p:sp>
         <p:nvSpPr>
-          <p:cNvPr id="93" name="Shape 93"/>
+          <p:cNvPr id="92" name="Shape 92"/>
           <p:cNvSpPr txBox="1"/>
           <p:nvPr>
             <p:ph type="title"/>
@@ -8532,7 +8436,7 @@
       </p:sp>
       <p:sp>
         <p:nvSpPr>
-          <p:cNvPr id="94" name="Shape 94"/>
+          <p:cNvPr id="93" name="Shape 93"/>
           <p:cNvSpPr txBox="1"/>
           <p:nvPr>
             <p:ph idx="1" type="body"/>
@@ -8672,7 +8576,7 @@
                                           </p:stCondLst>
                                         </p:cTn>
                                         <p:tgtEl>
-                                          <p:spTgt spid="94"/>
+                                          <p:spTgt spid="93"/>
                                         </p:tgtEl>
                                         <p:attrNameLst>
                                           <p:attrName>style.visibility</p:attrName>
@@ -8686,7 +8590,7 @@
                                       <p:cBhvr>
                                         <p:cTn dur="1000"/>
                                         <p:tgtEl>
-                                          <p:spTgt spid="94"/>
+                                          <p:spTgt spid="93"/>
                                         </p:tgtEl>
                                       </p:cBhvr>
                                     </p:animEffect>
@@ -8729,7 +8633,7 @@
   <p:cSld>
     <p:spTree>
       <p:nvGrpSpPr>
-        <p:cNvPr id="98" name="Shape 98"/>
+        <p:cNvPr id="97" name="Shape 97"/>
         <p:cNvGrpSpPr/>
         <p:nvPr/>
       </p:nvGrpSpPr>
@@ -8743,7 +8647,7 @@
       </p:grpSpPr>
       <p:sp>
         <p:nvSpPr>
-          <p:cNvPr id="99" name="Shape 99"/>
+          <p:cNvPr id="98" name="Shape 98"/>
           <p:cNvSpPr txBox="1"/>
           <p:nvPr>
             <p:ph type="title"/>
@@ -8783,7 +8687,7 @@
       </p:sp>
       <p:sp>
         <p:nvSpPr>
-          <p:cNvPr id="100" name="Shape 100"/>
+          <p:cNvPr id="99" name="Shape 99"/>
           <p:cNvSpPr txBox="1"/>
           <p:nvPr>
             <p:ph idx="1" type="body"/>
@@ -8812,7 +8716,7 @@
             </a:pPr>
             <a:r>
               <a:rPr lang="zh-CN"/>
-              <a:t>文件类型、文件管理工具、文件发布流程</a:t>
+              <a:t>文件发布流程</a:t>
             </a:r>
           </a:p>
           <a:p>
@@ -8842,7 +8746,7 @@
   <p:cSld>
     <p:spTree>
       <p:nvGrpSpPr>
-        <p:cNvPr id="104" name="Shape 104"/>
+        <p:cNvPr id="103" name="Shape 103"/>
         <p:cNvGrpSpPr/>
         <p:nvPr/>
       </p:nvGrpSpPr>
@@ -8856,7 +8760,7 @@
       </p:grpSpPr>
       <p:sp>
         <p:nvSpPr>
-          <p:cNvPr id="105" name="Shape 105"/>
+          <p:cNvPr id="104" name="Shape 104"/>
           <p:cNvSpPr txBox="1"/>
           <p:nvPr>
             <p:ph type="title"/>
@@ -8892,7 +8796,7 @@
       </p:sp>
       <p:sp>
         <p:nvSpPr>
-          <p:cNvPr id="106" name="Shape 106"/>
+          <p:cNvPr id="105" name="Shape 105"/>
           <p:cNvSpPr txBox="1"/>
           <p:nvPr>
             <p:ph idx="1" type="body"/>
@@ -8990,7 +8894,7 @@
       </p:sp>
       <p:sp>
         <p:nvSpPr>
-          <p:cNvPr id="107" name="Shape 107"/>
+          <p:cNvPr id="106" name="Shape 106"/>
           <p:cNvSpPr txBox="1"/>
           <p:nvPr/>
         </p:nvSpPr>
@@ -9079,7 +8983,7 @@
                                           </p:stCondLst>
                                         </p:cTn>
                                         <p:tgtEl>
-                                          <p:spTgt spid="107"/>
+                                          <p:spTgt spid="106"/>
                                         </p:tgtEl>
                                         <p:attrNameLst>
                                           <p:attrName>style.visibility</p:attrName>
@@ -9093,7 +8997,7 @@
                                       <p:cBhvr>
                                         <p:cTn dur="1000"/>
                                         <p:tgtEl>
-                                          <p:spTgt spid="107"/>
+                                          <p:spTgt spid="106"/>
                                         </p:tgtEl>
                                       </p:cBhvr>
                                     </p:animEffect>
@@ -9136,7 +9040,7 @@
   <p:cSld>
     <p:spTree>
       <p:nvGrpSpPr>
-        <p:cNvPr id="111" name="Shape 111"/>
+        <p:cNvPr id="110" name="Shape 110"/>
         <p:cNvGrpSpPr/>
         <p:nvPr/>
       </p:nvGrpSpPr>
@@ -9150,7 +9054,7 @@
       </p:grpSpPr>
       <p:sp>
         <p:nvSpPr>
-          <p:cNvPr id="112" name="Shape 112"/>
+          <p:cNvPr id="111" name="Shape 111"/>
           <p:cNvSpPr txBox="1"/>
           <p:nvPr>
             <p:ph type="title"/>
@@ -9186,7 +9090,7 @@
       </p:sp>
       <p:sp>
         <p:nvSpPr>
-          <p:cNvPr id="113" name="Shape 113"/>
+          <p:cNvPr id="112" name="Shape 112"/>
           <p:cNvSpPr txBox="1"/>
           <p:nvPr>
             <p:ph idx="1" type="body"/>
@@ -9222,7 +9126,7 @@
       </p:sp>
       <p:pic>
         <p:nvPicPr>
-          <p:cNvPr descr="4c222b9b.png" id="114" name="Shape 114"/>
+          <p:cNvPr descr="4c222b9b.png" id="113" name="Shape 113"/>
           <p:cNvPicPr preferRelativeResize="0"/>
           <p:nvPr/>
         </p:nvPicPr>
@@ -9261,6 +9165,59 @@
             <p:seq concurrent="1" nextAc="seek">
               <p:cTn dur="indefinite" id="2" nodeType="mainSeq">
                 <p:childTnLst>
+                  <p:par>
+                    <p:cTn fill="hold">
+                      <p:stCondLst>
+                        <p:cond delay="indefinite"/>
+                      </p:stCondLst>
+                      <p:childTnLst>
+                        <p:par>
+                          <p:cTn fill="hold">
+                            <p:stCondLst>
+                              <p:cond delay="0"/>
+                            </p:stCondLst>
+                            <p:childTnLst>
+                              <p:par>
+                                <p:cTn fill="hold" nodeType="clickEffect" presetClass="entr" presetID="10" presetSubtype="0">
+                                  <p:stCondLst>
+                                    <p:cond delay="0"/>
+                                  </p:stCondLst>
+                                  <p:childTnLst>
+                                    <p:set>
+                                      <p:cBhvr>
+                                        <p:cTn dur="1" fill="hold">
+                                          <p:stCondLst>
+                                            <p:cond delay="0"/>
+                                          </p:stCondLst>
+                                        </p:cTn>
+                                        <p:tgtEl>
+                                          <p:spTgt spid="112"/>
+                                        </p:tgtEl>
+                                        <p:attrNameLst>
+                                          <p:attrName>style.visibility</p:attrName>
+                                        </p:attrNameLst>
+                                      </p:cBhvr>
+                                      <p:to>
+                                        <p:strVal val="visible"/>
+                                      </p:to>
+                                    </p:set>
+                                    <p:animEffect filter="fade" transition="in">
+                                      <p:cBhvr>
+                                        <p:cTn dur="1000"/>
+                                        <p:tgtEl>
+                                          <p:spTgt spid="112"/>
+                                        </p:tgtEl>
+                                      </p:cBhvr>
+                                    </p:animEffect>
+                                  </p:childTnLst>
+                                </p:cTn>
+                              </p:par>
+                            </p:childTnLst>
+                          </p:cTn>
+                        </p:par>
+                      </p:childTnLst>
+                    </p:cTn>
+                  </p:par>
                   <p:par>
                     <p:cTn fill="hold">
                       <p:stCondLst>
@@ -9314,59 +9271,6 @@
                       </p:childTnLst>
                     </p:cTn>
                   </p:par>
-                  <p:par>
-                    <p:cTn fill="hold">
-                      <p:stCondLst>
-                        <p:cond delay="indefinite"/>
-                      </p:stCondLst>
-                      <p:childTnLst>
-                        <p:par>
-                          <p:cTn fill="hold">
-                            <p:stCondLst>
-                              <p:cond delay="0"/>
-                            </p:stCondLst>
-                            <p:childTnLst>
-                              <p:par>
-                                <p:cTn fill="hold" nodeType="clickEffect" presetClass="entr" presetID="10" presetSubtype="0">
-                                  <p:stCondLst>
-                                    <p:cond delay="0"/>
-                                  </p:stCondLst>
-                                  <p:childTnLst>
-                                    <p:set>
-                                      <p:cBhvr>
-                                        <p:cTn dur="1" fill="hold">
-                                          <p:stCondLst>
-                                            <p:cond delay="0"/>
-                                          </p:stCondLst>
-                                        </p:cTn>
-                                        <p:tgtEl>
-                                          <p:spTgt spid="114"/>
-                                        </p:tgtEl>
-                                        <p:attrNameLst>
-                                          <p:attrName>style.visibility</p:attrName>
-                                        </p:attrNameLst>
-                                      </p:cBhvr>
-                                      <p:to>
-                                        <p:strVal val="visible"/>
-                                      </p:to>
-                                    </p:set>
-                                    <p:animEffect filter="fade" transition="in">
-                                      <p:cBhvr>
-                                        <p:cTn dur="1000"/>
-                                        <p:tgtEl>
-                                          <p:spTgt spid="114"/>
-                                        </p:tgtEl>
-                                      </p:cBhvr>
-                                    </p:animEffect>
-                                  </p:childTnLst>
-                                </p:cTn>
-                              </p:par>
-                            </p:childTnLst>
-                          </p:cTn>
-                        </p:par>
-                      </p:childTnLst>
-                    </p:cTn>
-                  </p:par>
                 </p:childTnLst>
               </p:cTn>
               <p:prevCondLst>
@@ -9397,7 +9301,7 @@
   <p:cSld>
     <p:spTree>
       <p:nvGrpSpPr>
-        <p:cNvPr id="118" name="Shape 118"/>
+        <p:cNvPr id="117" name="Shape 117"/>
         <p:cNvGrpSpPr/>
         <p:nvPr/>
       </p:nvGrpSpPr>
@@ -9411,7 +9315,7 @@
       </p:grpSpPr>
       <p:sp>
         <p:nvSpPr>
-          <p:cNvPr id="119" name="Shape 119"/>
+          <p:cNvPr id="118" name="Shape 118"/>
           <p:cNvSpPr txBox="1"/>
           <p:nvPr>
             <p:ph type="title"/>
@@ -9447,7 +9351,7 @@
       </p:sp>
       <p:sp>
         <p:nvSpPr>
-          <p:cNvPr id="120" name="Shape 120"/>
+          <p:cNvPr id="119" name="Shape 119"/>
           <p:cNvSpPr txBox="1"/>
           <p:nvPr>
             <p:ph idx="1" type="body"/>
@@ -9483,7 +9387,7 @@
       </p:sp>
       <p:sp>
         <p:nvSpPr>
-          <p:cNvPr id="121" name="Shape 121"/>
+          <p:cNvPr id="120" name="Shape 120"/>
           <p:cNvSpPr/>
           <p:nvPr/>
         </p:nvSpPr>
@@ -9533,7 +9437,7 @@
       </p:sp>
       <p:sp>
         <p:nvSpPr>
-          <p:cNvPr id="122" name="Shape 122"/>
+          <p:cNvPr id="121" name="Shape 121"/>
           <p:cNvSpPr/>
           <p:nvPr/>
         </p:nvSpPr>
@@ -9583,7 +9487,7 @@
       </p:sp>
       <p:sp>
         <p:nvSpPr>
-          <p:cNvPr id="123" name="Shape 123"/>
+          <p:cNvPr id="122" name="Shape 122"/>
           <p:cNvSpPr/>
           <p:nvPr/>
         </p:nvSpPr>
@@ -9632,7 +9536,7 @@
       </p:sp>
       <p:sp>
         <p:nvSpPr>
-          <p:cNvPr id="124" name="Shape 124"/>
+          <p:cNvPr id="123" name="Shape 123"/>
           <p:cNvSpPr/>
           <p:nvPr/>
         </p:nvSpPr>
@@ -9681,7 +9585,7 @@
       </p:sp>
       <p:sp>
         <p:nvSpPr>
-          <p:cNvPr id="125" name="Shape 125"/>
+          <p:cNvPr id="124" name="Shape 124"/>
           <p:cNvSpPr/>
           <p:nvPr/>
         </p:nvSpPr>
@@ -9739,7 +9643,7 @@
       </p:sp>
       <p:sp>
         <p:nvSpPr>
-          <p:cNvPr id="126" name="Shape 126"/>
+          <p:cNvPr id="125" name="Shape 125"/>
           <p:cNvSpPr/>
           <p:nvPr/>
         </p:nvSpPr>
@@ -9787,7 +9691,7 @@
       </p:sp>
       <p:sp>
         <p:nvSpPr>
-          <p:cNvPr id="127" name="Shape 127"/>
+          <p:cNvPr id="126" name="Shape 126"/>
           <p:cNvSpPr/>
           <p:nvPr/>
         </p:nvSpPr>
@@ -9836,7 +9740,7 @@
       </p:sp>
       <p:sp>
         <p:nvSpPr>
-          <p:cNvPr id="128" name="Shape 128"/>
+          <p:cNvPr id="127" name="Shape 127"/>
           <p:cNvSpPr txBox="1"/>
           <p:nvPr/>
         </p:nvSpPr>
@@ -9897,6 +9801,165 @@
             <p:seq concurrent="1" nextAc="seek">
               <p:cTn dur="indefinite" id="2" nodeType="mainSeq">
                 <p:childTnLst>
+                  <p:par>
+                    <p:cTn fill="hold">
+                      <p:stCondLst>
+                        <p:cond delay="indefinite"/>
+                      </p:stCondLst>
+                      <p:childTnLst>
+                        <p:par>
+                          <p:cTn fill="hold">
+                            <p:stCondLst>
+                              <p:cond delay="0"/>
+                            </p:stCondLst>
+                            <p:childTnLst>
+                              <p:par>
+                                <p:cTn fill="hold" nodeType="clickEffect" presetClass="entr" presetID="10" presetSubtype="0">
+                                  <p:stCondLst>
+                                    <p:cond delay="0"/>
+                                  </p:stCondLst>
+                                  <p:childTnLst>
+                                    <p:set>
+                                      <p:cBhvr>
+                                        <p:cTn dur="1" fill="hold">
+                                          <p:stCondLst>
+                                            <p:cond delay="0"/>
+                                          </p:stCondLst>
+                                        </p:cTn>
+                                        <p:tgtEl>
+                                          <p:spTgt spid="120"/>
+                                        </p:tgtEl>
+                                        <p:attrNameLst>
+                                          <p:attrName>style.visibility</p:attrName>
+                                        </p:attrNameLst>
+                                      </p:cBhvr>
+                                      <p:to>
+                                        <p:strVal val="visible"/>
+                                      </p:to>
+                                    </p:set>
+                                    <p:animEffect filter="fade" transition="in">
+                                      <p:cBhvr>
+                                        <p:cTn dur="1000"/>
+                                        <p:tgtEl>
+                                          <p:spTgt spid="120"/>
+                                        </p:tgtEl>
+                                      </p:cBhvr>
+                                    </p:animEffect>
+                                  </p:childTnLst>
+                                </p:cTn>
+                              </p:par>
+                            </p:childTnLst>
+                          </p:cTn>
+                        </p:par>
+                      </p:childTnLst>
+                    </p:cTn>
+                  </p:par>
+                  <p:par>
+                    <p:cTn fill="hold">
+                      <p:stCondLst>
+                        <p:cond delay="indefinite"/>
+                      </p:stCondLst>
+                      <p:childTnLst>
+                        <p:par>
+                          <p:cTn fill="hold">
+                            <p:stCondLst>
+                              <p:cond delay="0"/>
+                            </p:stCondLst>
+                            <p:childTnLst>
+                              <p:par>
+                                <p:cTn fill="hold" nodeType="clickEffect" presetClass="entr" presetID="10" presetSubtype="0">
+                                  <p:stCondLst>
+                                    <p:cond delay="0"/>
+                                  </p:stCondLst>
+                                  <p:childTnLst>
+                                    <p:set>
+                                      <p:cBhvr>
+                                        <p:cTn dur="1" fill="hold">
+                                          <p:stCondLst>
+                                            <p:cond delay="0"/>
+                                          </p:stCondLst>
+                                        </p:cTn>
+                                        <p:tgtEl>
+                                          <p:spTgt spid="125"/>
+                                        </p:tgtEl>
+                                        <p:attrNameLst>
+                                          <p:attrName>style.visibility</p:attrName>
+                                        </p:attrNameLst>
+                                      </p:cBhvr>
+                                      <p:to>
+                                        <p:strVal val="visible"/>
+                                      </p:to>
+                                    </p:set>
+                                    <p:animEffect filter="fade" transition="in">
+                                      <p:cBhvr>
+                                        <p:cTn dur="1000"/>
+                                        <p:tgtEl>
+                                          <p:spTgt spid="125"/>
+                                        </p:tgtEl>
+                                      </p:cBhvr>
+                                    </p:animEffect>
+                                  </p:childTnLst>
+                                </p:cTn>
+                              </p:par>
+                            </p:childTnLst>
+                          </p:cTn>
+                        </p:par>
+                      </p:childTnLst>
+                    </p:cTn>
+                  </p:par>
+                  <p:par>
+                    <p:cTn fill="hold">
+                      <p:stCondLst>
+                        <p:cond delay="indefinite"/>
+                      </p:stCondLst>
+                      <p:childTnLst>
+                        <p:par>
+                          <p:cTn fill="hold">
+                            <p:stCondLst>
+                              <p:cond delay="0"/>
+                            </p:stCondLst>
+                            <p:childTnLst>
+                              <p:par>
+                                <p:cTn fill="hold" nodeType="clickEffect" presetClass="entr" presetID="10" presetSubtype="0">
+                                  <p:stCondLst>
+                                    <p:cond delay="0"/>
+                                  </p:stCondLst>
+                                  <p:childTnLst>
+                                    <p:set>
+                                      <p:cBhvr>
+                                        <p:cTn dur="1" fill="hold">
+                                          <p:stCondLst>
+                                            <p:cond delay="0"/>
+                                          </p:stCondLst>
+                                        </p:cTn>
+                                        <p:tgtEl>
+                                          <p:spTgt spid="122"/>
+                                        </p:tgtEl>
+                                        <p:attrNameLst>
+                                          <p:attrName>style.visibility</p:attrName>
+                                        </p:attrNameLst>
+                                      </p:cBhvr>
+                                      <p:to>
+                                        <p:strVal val="visible"/>
+                                      </p:to>
+                                    </p:set>
+                                    <p:animEffect filter="fade" transition="in">
+                                      <p:cBhvr>
+                                        <p:cTn dur="1000"/>
+                                        <p:tgtEl>
+                                          <p:spTgt spid="122"/>
+                                        </p:tgtEl>
+                                      </p:cBhvr>
+                                    </p:animEffect>
+                                  </p:childTnLst>
+                                </p:cTn>
+                              </p:par>
+                            </p:childTnLst>
+                          </p:cTn>
+                        </p:par>
+                      </p:childTnLst>
+                    </p:cTn>
+                  </p:par>
                   <p:par>
                     <p:cTn fill="hold">
                       <p:stCondLst>
@@ -9938,6 +10001,112 @@
                                         <p:cTn dur="1000"/>
                                         <p:tgtEl>
                                           <p:spTgt spid="121"/>
+                                        </p:tgtEl>
+                                      </p:cBhvr>
+                                    </p:animEffect>
+                                  </p:childTnLst>
+                                </p:cTn>
+                              </p:par>
+                            </p:childTnLst>
+                          </p:cTn>
+                        </p:par>
+                      </p:childTnLst>
+                    </p:cTn>
+                  </p:par>
+                  <p:par>
+                    <p:cTn fill="hold">
+                      <p:stCondLst>
+                        <p:cond delay="indefinite"/>
+                      </p:stCondLst>
+                      <p:childTnLst>
+                        <p:par>
+                          <p:cTn fill="hold">
+                            <p:stCondLst>
+                              <p:cond delay="0"/>
+                            </p:stCondLst>
+                            <p:childTnLst>
+                              <p:par>
+                                <p:cTn fill="hold" nodeType="clickEffect" presetClass="entr" presetID="10" presetSubtype="0">
+                                  <p:stCondLst>
+                                    <p:cond delay="0"/>
+                                  </p:stCondLst>
+                                  <p:childTnLst>
+                                    <p:set>
+                                      <p:cBhvr>
+                                        <p:cTn dur="1" fill="hold">
+                                          <p:stCondLst>
+                                            <p:cond delay="0"/>
+                                          </p:stCondLst>
+                                        </p:cTn>
+                                        <p:tgtEl>
+                                          <p:spTgt spid="123"/>
+                                        </p:tgtEl>
+                                        <p:attrNameLst>
+                                          <p:attrName>style.visibility</p:attrName>
+                                        </p:attrNameLst>
+                                      </p:cBhvr>
+                                      <p:to>
+                                        <p:strVal val="visible"/>
+                                      </p:to>
+                                    </p:set>
+                                    <p:animEffect filter="fade" transition="in">
+                                      <p:cBhvr>
+                                        <p:cTn dur="1000"/>
+                                        <p:tgtEl>
+                                          <p:spTgt spid="123"/>
+                                        </p:tgtEl>
+                                      </p:cBhvr>
+                                    </p:animEffect>
+                                  </p:childTnLst>
+                                </p:cTn>
+                              </p:par>
+                            </p:childTnLst>
+                          </p:cTn>
+                        </p:par>
+                      </p:childTnLst>
+                    </p:cTn>
+                  </p:par>
+                  <p:par>
+                    <p:cTn fill="hold">
+                      <p:stCondLst>
+                        <p:cond delay="indefinite"/>
+                      </p:stCondLst>
+                      <p:childTnLst>
+                        <p:par>
+                          <p:cTn fill="hold">
+                            <p:stCondLst>
+                              <p:cond delay="0"/>
+                            </p:stCondLst>
+                            <p:childTnLst>
+                              <p:par>
+                                <p:cTn fill="hold" nodeType="clickEffect" presetClass="entr" presetID="10" presetSubtype="0">
+                                  <p:stCondLst>
+                                    <p:cond delay="0"/>
+                                  </p:stCondLst>
+                                  <p:childTnLst>
+                                    <p:set>
+                                      <p:cBhvr>
+                                        <p:cTn dur="1" fill="hold">
+                                          <p:stCondLst>
+                                            <p:cond delay="0"/>
+                                          </p:stCondLst>
+                                        </p:cTn>
+                                        <p:tgtEl>
+                                          <p:spTgt spid="124"/>
+                                        </p:tgtEl>
+                                        <p:attrNameLst>
+                                          <p:attrName>style.visibility</p:attrName>
+                                        </p:attrNameLst>
+                                      </p:cBhvr>
+                                      <p:to>
+                                        <p:strVal val="visible"/>
+                                      </p:to>
+                                    </p:set>
+                                    <p:animEffect filter="fade" transition="in">
+                                      <p:cBhvr>
+                                        <p:cTn dur="1000"/>
+                                        <p:tgtEl>
+                                          <p:spTgt spid="124"/>
                                         </p:tgtEl>
                                       </p:cBhvr>
                                     </p:animEffect>
@@ -10029,218 +10198,6 @@
                                           </p:stCondLst>
                                         </p:cTn>
                                         <p:tgtEl>
-                                          <p:spTgt spid="123"/>
-                                        </p:tgtEl>
-                                        <p:attrNameLst>
-                                          <p:attrName>style.visibility</p:attrName>
-                                        </p:attrNameLst>
-                                      </p:cBhvr>
-                                      <p:to>
-                                        <p:strVal val="visible"/>
-                                      </p:to>
-                                    </p:set>
-                                    <p:animEffect filter="fade" transition="in">
-                                      <p:cBhvr>
-                                        <p:cTn dur="1000"/>
-                                        <p:tgtEl>
-                                          <p:spTgt spid="123"/>
-                                        </p:tgtEl>
-                                      </p:cBhvr>
-                                    </p:animEffect>
-                                  </p:childTnLst>
-                                </p:cTn>
-                              </p:par>
-                            </p:childTnLst>
-                          </p:cTn>
-                        </p:par>
-                      </p:childTnLst>
-                    </p:cTn>
-                  </p:par>
-                  <p:par>
-                    <p:cTn fill="hold">
-                      <p:stCondLst>
-                        <p:cond delay="indefinite"/>
-                      </p:stCondLst>
-                      <p:childTnLst>
-                        <p:par>
-                          <p:cTn fill="hold">
-                            <p:stCondLst>
-                              <p:cond delay="0"/>
-                            </p:stCondLst>
-                            <p:childTnLst>
-                              <p:par>
-                                <p:cTn fill="hold" nodeType="clickEffect" presetClass="entr" presetID="10" presetSubtype="0">
-                                  <p:stCondLst>
-                                    <p:cond delay="0"/>
-                                  </p:stCondLst>
-                                  <p:childTnLst>
-                                    <p:set>
-                                      <p:cBhvr>
-                                        <p:cTn dur="1" fill="hold">
-                                          <p:stCondLst>
-                                            <p:cond delay="0"/>
-                                          </p:stCondLst>
-                                        </p:cTn>
-                                        <p:tgtEl>
-                                          <p:spTgt spid="122"/>
-                                        </p:tgtEl>
-                                        <p:attrNameLst>
-                                          <p:attrName>style.visibility</p:attrName>
-                                        </p:attrNameLst>
-                                      </p:cBhvr>
-                                      <p:to>
-                                        <p:strVal val="visible"/>
-                                      </p:to>
-                                    </p:set>
-                                    <p:animEffect filter="fade" transition="in">
-                                      <p:cBhvr>
-                                        <p:cTn dur="1000"/>
-                                        <p:tgtEl>
-                                          <p:spTgt spid="122"/>
-                                        </p:tgtEl>
-                                      </p:cBhvr>
-                                    </p:animEffect>
-                                  </p:childTnLst>
-                                </p:cTn>
-                              </p:par>
-                            </p:childTnLst>
-                          </p:cTn>
-                        </p:par>
-                      </p:childTnLst>
-                    </p:cTn>
-                  </p:par>
-                  <p:par>
-                    <p:cTn fill="hold">
-                      <p:stCondLst>
-                        <p:cond delay="indefinite"/>
-                      </p:stCondLst>
-                      <p:childTnLst>
-                        <p:par>
-                          <p:cTn fill="hold">
-                            <p:stCondLst>
-                              <p:cond delay="0"/>
-                            </p:stCondLst>
-                            <p:childTnLst>
-                              <p:par>
-                                <p:cTn fill="hold" nodeType="clickEffect" presetClass="entr" presetID="10" presetSubtype="0">
-                                  <p:stCondLst>
-                                    <p:cond delay="0"/>
-                                  </p:stCondLst>
-                                  <p:childTnLst>
-                                    <p:set>
-                                      <p:cBhvr>
-                                        <p:cTn dur="1" fill="hold">
-                                          <p:stCondLst>
-                                            <p:cond delay="0"/>
-                                          </p:stCondLst>
-                                        </p:cTn>
-                                        <p:tgtEl>
-                                          <p:spTgt spid="124"/>
-                                        </p:tgtEl>
-                                        <p:attrNameLst>
-                                          <p:attrName>style.visibility</p:attrName>
-                                        </p:attrNameLst>
-                                      </p:cBhvr>
-                                      <p:to>
-                                        <p:strVal val="visible"/>
-                                      </p:to>
-                                    </p:set>
-                                    <p:animEffect filter="fade" transition="in">
-                                      <p:cBhvr>
-                                        <p:cTn dur="1000"/>
-                                        <p:tgtEl>
-                                          <p:spTgt spid="124"/>
-                                        </p:tgtEl>
-                                      </p:cBhvr>
-                                    </p:animEffect>
-                                  </p:childTnLst>
-                                </p:cTn>
-                              </p:par>
-                            </p:childTnLst>
-                          </p:cTn>
-                        </p:par>
-                      </p:childTnLst>
-                    </p:cTn>
-                  </p:par>
-                  <p:par>
-                    <p:cTn fill="hold">
-                      <p:stCondLst>
-                        <p:cond delay="indefinite"/>
-                      </p:stCondLst>
-                      <p:childTnLst>
-                        <p:par>
-                          <p:cTn fill="hold">
-                            <p:stCondLst>
-                              <p:cond delay="0"/>
-                            </p:stCondLst>
-                            <p:childTnLst>
-                              <p:par>
-                                <p:cTn fill="hold" nodeType="clickEffect" presetClass="entr" presetID="10" presetSubtype="0">
-                                  <p:stCondLst>
-                                    <p:cond delay="0"/>
-                                  </p:stCondLst>
-                                  <p:childTnLst>
-                                    <p:set>
-                                      <p:cBhvr>
-                                        <p:cTn dur="1" fill="hold">
-                                          <p:stCondLst>
-                                            <p:cond delay="0"/>
-                                          </p:stCondLst>
-                                        </p:cTn>
-                                        <p:tgtEl>
-                                          <p:spTgt spid="125"/>
-                                        </p:tgtEl>
-                                        <p:attrNameLst>
-                                          <p:attrName>style.visibility</p:attrName>
-                                        </p:attrNameLst>
-                                      </p:cBhvr>
-                                      <p:to>
-                                        <p:strVal val="visible"/>
-                                      </p:to>
-                                    </p:set>
-                                    <p:animEffect filter="fade" transition="in">
-                                      <p:cBhvr>
-                                        <p:cTn dur="1000"/>
-                                        <p:tgtEl>
-                                          <p:spTgt spid="125"/>
-                                        </p:tgtEl>
-                                      </p:cBhvr>
-                                    </p:animEffect>
-                                  </p:childTnLst>
-                                </p:cTn>
-                              </p:par>
-                            </p:childTnLst>
-                          </p:cTn>
-                        </p:par>
-                      </p:childTnLst>
-                    </p:cTn>
-                  </p:par>
-                  <p:par>
-                    <p:cTn fill="hold">
-                      <p:stCondLst>
-                        <p:cond delay="indefinite"/>
-                      </p:stCondLst>
-                      <p:childTnLst>
-                        <p:par>
-                          <p:cTn fill="hold">
-                            <p:stCondLst>
-                              <p:cond delay="0"/>
-                            </p:stCondLst>
-                            <p:childTnLst>
-                              <p:par>
-                                <p:cTn fill="hold" nodeType="clickEffect" presetClass="entr" presetID="10" presetSubtype="0">
-                                  <p:stCondLst>
-                                    <p:cond delay="0"/>
-                                  </p:stCondLst>
-                                  <p:childTnLst>
-                                    <p:set>
-                                      <p:cBhvr>
-                                        <p:cTn dur="1" fill="hold">
-                                          <p:stCondLst>
-                                            <p:cond delay="0"/>
-                                          </p:stCondLst>
-                                        </p:cTn>
-                                        <p:tgtEl>
                                           <p:spTgt spid="127"/>
                                         </p:tgtEl>
                                         <p:attrNameLst>
@@ -10256,59 +10213,6 @@
                                         <p:cTn dur="1000"/>
                                         <p:tgtEl>
                                           <p:spTgt spid="127"/>
-                                        </p:tgtEl>
-                                      </p:cBhvr>
-                                    </p:animEffect>
-                                  </p:childTnLst>
-                                </p:cTn>
-                              </p:par>
-                            </p:childTnLst>
-                          </p:cTn>
-                        </p:par>
-                      </p:childTnLst>
-                    </p:cTn>
-                  </p:par>
-                  <p:par>
-                    <p:cTn fill="hold">
-                      <p:stCondLst>
-                        <p:cond delay="indefinite"/>
-                      </p:stCondLst>
-                      <p:childTnLst>
-                        <p:par>
-                          <p:cTn fill="hold">
-                            <p:stCondLst>
-                              <p:cond delay="0"/>
-                            </p:stCondLst>
-                            <p:childTnLst>
-                              <p:par>
-                                <p:cTn fill="hold" nodeType="clickEffect" presetClass="entr" presetID="10" presetSubtype="0">
-                                  <p:stCondLst>
-                                    <p:cond delay="0"/>
-                                  </p:stCondLst>
-                                  <p:childTnLst>
-                                    <p:set>
-                                      <p:cBhvr>
-                                        <p:cTn dur="1" fill="hold">
-                                          <p:stCondLst>
-                                            <p:cond delay="0"/>
-                                          </p:stCondLst>
-                                        </p:cTn>
-                                        <p:tgtEl>
-                                          <p:spTgt spid="128"/>
-                                        </p:tgtEl>
-                                        <p:attrNameLst>
-                                          <p:attrName>style.visibility</p:attrName>
-                                        </p:attrNameLst>
-                                      </p:cBhvr>
-                                      <p:to>
-                                        <p:strVal val="visible"/>
-                                      </p:to>
-                                    </p:set>
-                                    <p:animEffect filter="fade" transition="in">
-                                      <p:cBhvr>
-                                        <p:cTn dur="1000"/>
-                                        <p:tgtEl>
-                                          <p:spTgt spid="128"/>
                                         </p:tgtEl>
                                       </p:cBhvr>
                                     </p:animEffect>
@@ -10351,7 +10255,7 @@
   <p:cSld>
     <p:spTree>
       <p:nvGrpSpPr>
-        <p:cNvPr id="132" name="Shape 132"/>
+        <p:cNvPr id="131" name="Shape 131"/>
         <p:cNvGrpSpPr/>
         <p:nvPr/>
       </p:nvGrpSpPr>
@@ -10365,7 +10269,7 @@
       </p:grpSpPr>
       <p:sp>
         <p:nvSpPr>
-          <p:cNvPr id="133" name="Shape 133"/>
+          <p:cNvPr id="132" name="Shape 132"/>
           <p:cNvSpPr txBox="1"/>
           <p:nvPr>
             <p:ph type="title"/>
@@ -10401,7 +10305,7 @@
       </p:sp>
       <p:sp>
         <p:nvSpPr>
-          <p:cNvPr id="134" name="Shape 134"/>
+          <p:cNvPr id="133" name="Shape 133"/>
           <p:cNvSpPr txBox="1"/>
           <p:nvPr>
             <p:ph idx="1" type="body"/>
@@ -10437,7 +10341,7 @@
       </p:sp>
       <p:sp>
         <p:nvSpPr>
-          <p:cNvPr id="135" name="Shape 135"/>
+          <p:cNvPr id="134" name="Shape 134"/>
           <p:cNvSpPr/>
           <p:nvPr/>
         </p:nvSpPr>
@@ -10483,7 +10387,7 @@
       </p:sp>
       <p:sp>
         <p:nvSpPr>
-          <p:cNvPr id="136" name="Shape 136"/>
+          <p:cNvPr id="135" name="Shape 135"/>
           <p:cNvSpPr txBox="1"/>
           <p:nvPr/>
         </p:nvSpPr>
@@ -10525,7 +10429,7 @@
       </p:sp>
       <p:sp>
         <p:nvSpPr>
-          <p:cNvPr id="137" name="Shape 137"/>
+          <p:cNvPr id="136" name="Shape 136"/>
           <p:cNvSpPr/>
           <p:nvPr/>
         </p:nvSpPr>
@@ -10571,7 +10475,7 @@
       </p:sp>
       <p:sp>
         <p:nvSpPr>
-          <p:cNvPr id="138" name="Shape 138"/>
+          <p:cNvPr id="137" name="Shape 137"/>
           <p:cNvSpPr/>
           <p:nvPr/>
         </p:nvSpPr>
@@ -10619,7 +10523,7 @@
       </p:sp>
       <p:sp>
         <p:nvSpPr>
-          <p:cNvPr id="139" name="Shape 139"/>
+          <p:cNvPr id="138" name="Shape 138"/>
           <p:cNvSpPr txBox="1"/>
           <p:nvPr/>
         </p:nvSpPr>
@@ -10677,7 +10581,7 @@
       </p:sp>
       <p:sp>
         <p:nvSpPr>
-          <p:cNvPr id="140" name="Shape 140"/>
+          <p:cNvPr id="139" name="Shape 139"/>
           <p:cNvSpPr/>
           <p:nvPr/>
         </p:nvSpPr>
@@ -10723,7 +10627,7 @@
       </p:sp>
       <p:sp>
         <p:nvSpPr>
-          <p:cNvPr id="141" name="Shape 141"/>
+          <p:cNvPr id="140" name="Shape 140"/>
           <p:cNvSpPr txBox="1"/>
           <p:nvPr/>
         </p:nvSpPr>
@@ -10769,7 +10673,7 @@
       </p:sp>
       <p:sp>
         <p:nvSpPr>
-          <p:cNvPr id="142" name="Shape 142"/>
+          <p:cNvPr id="141" name="Shape 141"/>
           <p:cNvSpPr/>
           <p:nvPr/>
         </p:nvSpPr>
@@ -10815,7 +10719,7 @@
       </p:sp>
       <p:sp>
         <p:nvSpPr>
-          <p:cNvPr id="143" name="Shape 143"/>
+          <p:cNvPr id="142" name="Shape 142"/>
           <p:cNvSpPr txBox="1"/>
           <p:nvPr/>
         </p:nvSpPr>
@@ -10857,7 +10761,7 @@
       </p:sp>
       <p:sp>
         <p:nvSpPr>
-          <p:cNvPr id="144" name="Shape 144"/>
+          <p:cNvPr id="143" name="Shape 143"/>
           <p:cNvSpPr/>
           <p:nvPr/>
         </p:nvSpPr>
@@ -10903,7 +10807,7 @@
       </p:sp>
       <p:sp>
         <p:nvSpPr>
-          <p:cNvPr id="145" name="Shape 145"/>
+          <p:cNvPr id="144" name="Shape 144"/>
           <p:cNvSpPr txBox="1"/>
           <p:nvPr/>
         </p:nvSpPr>
@@ -10945,7 +10849,7 @@
       </p:sp>
       <p:sp>
         <p:nvSpPr>
-          <p:cNvPr id="146" name="Shape 146"/>
+          <p:cNvPr id="145" name="Shape 145"/>
           <p:cNvSpPr/>
           <p:nvPr/>
         </p:nvSpPr>
@@ -10991,7 +10895,7 @@
       </p:sp>
       <p:sp>
         <p:nvSpPr>
-          <p:cNvPr id="147" name="Shape 147"/>
+          <p:cNvPr id="146" name="Shape 146"/>
           <p:cNvSpPr txBox="1"/>
           <p:nvPr/>
         </p:nvSpPr>
@@ -11033,7 +10937,7 @@
       </p:sp>
       <p:sp>
         <p:nvSpPr>
-          <p:cNvPr id="148" name="Shape 148"/>
+          <p:cNvPr id="147" name="Shape 147"/>
           <p:cNvSpPr/>
           <p:nvPr/>
         </p:nvSpPr>
@@ -11079,7 +10983,7 @@
       </p:sp>
       <p:sp>
         <p:nvSpPr>
-          <p:cNvPr id="149" name="Shape 149"/>
+          <p:cNvPr id="148" name="Shape 148"/>
           <p:cNvSpPr txBox="1"/>
           <p:nvPr/>
         </p:nvSpPr>
@@ -11125,7 +11029,7 @@
       </p:sp>
       <p:sp>
         <p:nvSpPr>
-          <p:cNvPr id="150" name="Shape 150"/>
+          <p:cNvPr id="149" name="Shape 149"/>
           <p:cNvSpPr txBox="1"/>
           <p:nvPr/>
         </p:nvSpPr>
@@ -11163,7 +11067,7 @@
       </p:sp>
       <p:sp>
         <p:nvSpPr>
-          <p:cNvPr id="151" name="Shape 151"/>
+          <p:cNvPr id="150" name="Shape 150"/>
           <p:cNvSpPr txBox="1"/>
           <p:nvPr/>
         </p:nvSpPr>
@@ -11201,7 +11105,7 @@
       </p:sp>
       <p:sp>
         <p:nvSpPr>
-          <p:cNvPr id="152" name="Shape 152"/>
+          <p:cNvPr id="151" name="Shape 151"/>
           <p:cNvSpPr txBox="1"/>
           <p:nvPr/>
         </p:nvSpPr>
@@ -11239,7 +11143,7 @@
       </p:sp>
       <p:sp>
         <p:nvSpPr>
-          <p:cNvPr id="153" name="Shape 153"/>
+          <p:cNvPr id="152" name="Shape 152"/>
           <p:cNvSpPr txBox="1"/>
           <p:nvPr/>
         </p:nvSpPr>
@@ -11277,7 +11181,7 @@
       </p:sp>
       <p:sp>
         <p:nvSpPr>
-          <p:cNvPr id="154" name="Shape 154"/>
+          <p:cNvPr id="153" name="Shape 153"/>
           <p:cNvSpPr txBox="1"/>
           <p:nvPr/>
         </p:nvSpPr>
@@ -11322,6 +11226,285 @@
 </file>
 
 <file path=ppt/theme/theme1.xml><?xml version="1.0" encoding="utf-8"?>
+<a:theme xmlns:a="http://schemas.openxmlformats.org/drawingml/2006/main" xmlns:r="http://schemas.openxmlformats.org/officeDocument/2006/relationships" name="Custom Theme">
+  <a:themeElements>
+    <a:clrScheme name="Default">
+      <a:dk1>
+        <a:srgbClr val="000000"/>
+      </a:dk1>
+      <a:lt1>
+        <a:srgbClr val="FFFFFF"/>
+      </a:lt1>
+      <a:dk2>
+        <a:srgbClr val="158158"/>
+      </a:dk2>
+      <a:lt2>
+        <a:srgbClr val="F3F3F3"/>
+      </a:lt2>
+      <a:accent1>
+        <a:srgbClr val="058DC7"/>
+      </a:accent1>
+      <a:accent2>
+        <a:srgbClr val="50B432"/>
+      </a:accent2>
+      <a:accent3>
+        <a:srgbClr val="ED561B"/>
+      </a:accent3>
+      <a:accent4>
+        <a:srgbClr val="EDEF00"/>
+      </a:accent4>
+      <a:accent5>
+        <a:srgbClr val="24CBE5"/>
+      </a:accent5>
+      <a:accent6>
+        <a:srgbClr val="64E572"/>
+      </a:accent6>
+      <a:hlink>
+        <a:srgbClr val="2200CC"/>
+      </a:hlink>
+      <a:folHlink>
+        <a:srgbClr val="551A8B"/>
+      </a:folHlink>
+    </a:clrScheme>
+    <a:fontScheme name="Office">
+      <a:majorFont>
+        <a:latin typeface="Arial"/>
+        <a:ea typeface=""/>
+        <a:cs typeface=""/>
+        <a:font script="Jpan" typeface="ＭＳ Ｐゴシック"/>
+        <a:font script="Hang" typeface="맑은 고딕"/>
+        <a:font script="Hans" typeface="宋体"/>
+        <a:font script="Hant" typeface="新細明體"/>
+        <a:font script="Arab" typeface="Times New Roman"/>
+        <a:font script="Hebr" typeface="Times New Roman"/>
+        <a:font script="Thai" typeface="Angsana New"/>
+        <a:font script="Ethi" typeface="Nyala"/>
+        <a:font script="Beng" typeface="Vrinda"/>
+        <a:font script="Gujr" typeface="Shruti"/>
+        <a:font script="Khmr" typeface="MoolBoran"/>
+        <a:font script="Knda" typeface="Tunga"/>
+        <a:font script="Guru" typeface="Raavi"/>
+        <a:font script="Cans" typeface="Euphemia"/>
+        <a:font script="Cher" typeface="Plantagenet Cherokee"/>
+        <a:font script="Yiii" typeface="Microsoft Yi Baiti"/>
+        <a:font script="Tibt" typeface="Microsoft Himalaya"/>
+        <a:font script="Thaa" typeface="MV Boli"/>
+        <a:font script="Deva" typeface="Mangal"/>
+        <a:font script="Telu" typeface="Gautami"/>
+        <a:font script="Taml" typeface="Latha"/>
+        <a:font script="Syrc" typeface="Estrangelo Edessa"/>
+        <a:font script="Orya" typeface="Kalinga"/>
+        <a:font script="Mlym" typeface="Kartika"/>
+        <a:font script="Laoo" typeface="DokChampa"/>
+        <a:font script="Sinh" typeface="Iskoola Pota"/>
+        <a:font script="Mong" typeface="Mongolian Baiti"/>
+        <a:font script="Viet" typeface="Times New Roman"/>
+        <a:font script="Uigh" typeface="Microsoft Uighur"/>
+        <a:font script="Geor" typeface="Sylfaen"/>
+      </a:majorFont>
+      <a:minorFont>
+        <a:latin typeface="Arial"/>
+        <a:ea typeface=""/>
+        <a:cs typeface=""/>
+        <a:font script="Jpan" typeface="ＭＳ Ｐゴシック"/>
+        <a:font script="Hang" typeface="맑은 고딕"/>
+        <a:font script="Hans" typeface="宋体"/>
+        <a:font script="Hant" typeface="新細明體"/>
+        <a:font script="Arab" typeface="Arial"/>
+        <a:font script="Hebr" typeface="Arial"/>
+        <a:font script="Thai" typeface="Cordia New"/>
+        <a:font script="Ethi" typeface="Nyala"/>
+        <a:font script="Beng" typeface="Vrinda"/>
+        <a:font script="Gujr" typeface="Shruti"/>
+        <a:font script="Khmr" typeface="DaunPenh"/>
+        <a:font script="Knda" typeface="Tunga"/>
+        <a:font script="Guru" typeface="Raavi"/>
+        <a:font script="Cans" typeface="Euphemia"/>
+        <a:font script="Cher" typeface="Plantagenet Cherokee"/>
+        <a:font script="Yiii" typeface="Microsoft Yi Baiti"/>
+        <a:font script="Tibt" typeface="Microsoft Himalaya"/>
+        <a:font script="Thaa" typeface="MV Boli"/>
+        <a:font script="Deva" typeface="Mangal"/>
+        <a:font script="Telu" typeface="Gautami"/>
+        <a:font script="Taml" typeface="Latha"/>
+        <a:font script="Syrc" typeface="Estrangelo Edessa"/>
+        <a:font script="Orya" typeface="Kalinga"/>
+        <a:font script="Mlym" typeface="Kartika"/>
+        <a:font script="Laoo" typeface="DokChampa"/>
+        <a:font script="Sinh" typeface="Iskoola Pota"/>
+        <a:font script="Mong" typeface="Mongolian Baiti"/>
+        <a:font script="Viet" typeface="Arial"/>
+        <a:font script="Uigh" typeface="Microsoft Uighur"/>
+        <a:font script="Geor" typeface="Sylfaen"/>
+      </a:minorFont>
+    </a:fontScheme>
+    <a:fmtScheme name="Office">
+      <a:fillStyleLst>
+        <a:solidFill>
+          <a:schemeClr val="phClr"/>
+        </a:solidFill>
+        <a:gradFill rotWithShape="1">
+          <a:gsLst>
+            <a:gs pos="0">
+              <a:schemeClr val="phClr">
+                <a:tint val="50000"/>
+                <a:satMod val="300000"/>
+              </a:schemeClr>
+            </a:gs>
+            <a:gs pos="35000">
+              <a:schemeClr val="phClr">
+                <a:tint val="37000"/>
+                <a:satMod val="300000"/>
+              </a:schemeClr>
+            </a:gs>
+            <a:gs pos="100000">
+              <a:schemeClr val="phClr">
+                <a:tint val="15000"/>
+                <a:satMod val="350000"/>
+              </a:schemeClr>
+            </a:gs>
+          </a:gsLst>
+          <a:lin ang="16200000" scaled="1"/>
+        </a:gradFill>
+        <a:gradFill rotWithShape="1">
+          <a:gsLst>
+            <a:gs pos="0">
+              <a:schemeClr val="phClr">
+                <a:tint val="100000"/>
+                <a:shade val="100000"/>
+                <a:satMod val="130000"/>
+              </a:schemeClr>
+            </a:gs>
+            <a:gs pos="100000">
+              <a:schemeClr val="phClr">
+                <a:tint val="50000"/>
+                <a:shade val="100000"/>
+                <a:satMod val="350000"/>
+              </a:schemeClr>
+            </a:gs>
+          </a:gsLst>
+          <a:lin ang="16200000" scaled="0"/>
+        </a:gradFill>
+      </a:fillStyleLst>
+      <a:lnStyleLst>
+        <a:ln w="9525" cap="flat" cmpd="sng" algn="ctr">
+          <a:solidFill>
+            <a:schemeClr val="phClr">
+              <a:shade val="95000"/>
+              <a:satMod val="105000"/>
+            </a:schemeClr>
+          </a:solidFill>
+          <a:prstDash val="solid"/>
+        </a:ln>
+        <a:ln w="25400" cap="flat" cmpd="sng" algn="ctr">
+          <a:solidFill>
+            <a:schemeClr val="phClr"/>
+          </a:solidFill>
+          <a:prstDash val="solid"/>
+        </a:ln>
+        <a:ln w="38100" cap="flat" cmpd="sng" algn="ctr">
+          <a:solidFill>
+            <a:schemeClr val="phClr"/>
+          </a:solidFill>
+          <a:prstDash val="solid"/>
+        </a:ln>
+      </a:lnStyleLst>
+      <a:effectStyleLst>
+        <a:effectStyle>
+          <a:effectLst>
+            <a:outerShdw blurRad="40000" dist="20000" dir="5400000" rotWithShape="0">
+              <a:srgbClr val="000000">
+                <a:alpha val="38000"/>
+              </a:srgbClr>
+            </a:outerShdw>
+          </a:effectLst>
+        </a:effectStyle>
+        <a:effectStyle>
+          <a:effectLst>
+            <a:outerShdw blurRad="40000" dist="23000" dir="5400000" rotWithShape="0">
+              <a:srgbClr val="000000">
+                <a:alpha val="35000"/>
+              </a:srgbClr>
+            </a:outerShdw>
+          </a:effectLst>
+        </a:effectStyle>
+        <a:effectStyle>
+          <a:effectLst>
+            <a:outerShdw blurRad="40000" dist="23000" dir="5400000" rotWithShape="0">
+              <a:srgbClr val="000000">
+                <a:alpha val="35000"/>
+              </a:srgbClr>
+            </a:outerShdw>
+          </a:effectLst>
+          <a:scene3d>
+            <a:camera prst="orthographicFront">
+              <a:rot lat="0" lon="0" rev="0"/>
+            </a:camera>
+            <a:lightRig rig="threePt" dir="t">
+              <a:rot lat="0" lon="0" rev="1200000"/>
+            </a:lightRig>
+          </a:scene3d>
+          <a:sp3d>
+            <a:bevelT w="63500" h="25400"/>
+          </a:sp3d>
+        </a:effectStyle>
+      </a:effectStyleLst>
+      <a:bgFillStyleLst>
+        <a:solidFill>
+          <a:schemeClr val="phClr"/>
+        </a:solidFill>
+        <a:gradFill rotWithShape="1">
+          <a:gsLst>
+            <a:gs pos="0">
+              <a:schemeClr val="phClr">
+                <a:tint val="40000"/>
+                <a:satMod val="350000"/>
+              </a:schemeClr>
+            </a:gs>
+            <a:gs pos="40000">
+              <a:schemeClr val="phClr">
+                <a:tint val="45000"/>
+                <a:shade val="99000"/>
+                <a:satMod val="350000"/>
+              </a:schemeClr>
+            </a:gs>
+            <a:gs pos="100000">
+              <a:schemeClr val="phClr">
+                <a:shade val="20000"/>
+                <a:satMod val="255000"/>
+              </a:schemeClr>
+            </a:gs>
+          </a:gsLst>
+          <a:path path="circle">
+            <a:fillToRect l="50000" t="-80000" r="50000" b="180000"/>
+          </a:path>
+        </a:gradFill>
+        <a:gradFill rotWithShape="1">
+          <a:gsLst>
+            <a:gs pos="0">
+              <a:schemeClr val="phClr">
+                <a:tint val="80000"/>
+                <a:satMod val="300000"/>
+              </a:schemeClr>
+            </a:gs>
+            <a:gs pos="100000">
+              <a:schemeClr val="phClr">
+                <a:shade val="30000"/>
+                <a:satMod val="200000"/>
+              </a:schemeClr>
+            </a:gs>
+          </a:gsLst>
+          <a:path path="circle">
+            <a:fillToRect l="50000" t="50000" r="50000" b="50000"/>
+          </a:path>
+        </a:gradFill>
+      </a:bgFillStyleLst>
+    </a:fmtScheme>
+  </a:themeElements>
+</a:theme>
+</file>
+
+<file path=ppt/theme/theme2.xml><?xml version="1.0" encoding="utf-8"?>
 <a:theme xmlns:a="http://schemas.openxmlformats.org/drawingml/2006/main" xmlns:r="http://schemas.openxmlformats.org/officeDocument/2006/relationships" name="modern-writer">
   <a:themeElements>
     <a:clrScheme name="Modern Writer">
@@ -11598,283 +11781,4 @@
     </a:fmtScheme>
   </a:themeElements>
 </a:theme>
-</file>
-
-<file path=ppt/theme/theme2.xml><?xml version="1.0" encoding="utf-8"?>
-<a:theme xmlns:a="http://schemas.openxmlformats.org/drawingml/2006/main" xmlns:r="http://schemas.openxmlformats.org/officeDocument/2006/relationships" name="Custom Theme">
-  <a:themeElements>
-    <a:clrScheme name="Default">
-      <a:dk1>
-        <a:srgbClr val="000000"/>
-      </a:dk1>
-      <a:lt1>
-        <a:srgbClr val="FFFFFF"/>
-      </a:lt1>
-      <a:dk2>
-        <a:srgbClr val="158158"/>
-      </a:dk2>
-      <a:lt2>
-        <a:srgbClr val="F3F3F3"/>
-      </a:lt2>
-      <a:accent1>
-        <a:srgbClr val="058DC7"/>
-      </a:accent1>
-      <a:accent2>
-        <a:srgbClr val="50B432"/>
-      </a:accent2>
-      <a:accent3>
-        <a:srgbClr val="ED561B"/>
-      </a:accent3>
-      <a:accent4>
-        <a:srgbClr val="EDEF00"/>
-      </a:accent4>
-      <a:accent5>
-        <a:srgbClr val="24CBE5"/>
-      </a:accent5>
-      <a:accent6>
-        <a:srgbClr val="64E572"/>
-      </a:accent6>
-      <a:hlink>
-        <a:srgbClr val="2200CC"/>
-      </a:hlink>
-      <a:folHlink>
-        <a:srgbClr val="551A8B"/>
-      </a:folHlink>
-    </a:clrScheme>
-    <a:fontScheme name="Office">
-      <a:majorFont>
-        <a:latin typeface="Arial"/>
-        <a:ea typeface=""/>
-        <a:cs typeface=""/>
-        <a:font script="Jpan" typeface="ＭＳ Ｐゴシック"/>
-        <a:font script="Hang" typeface="맑은 고딕"/>
-        <a:font script="Hans" typeface="宋体"/>
-        <a:font script="Hant" typeface="新細明體"/>
-        <a:font script="Arab" typeface="Times New Roman"/>
-        <a:font script="Hebr" typeface="Times New Roman"/>
-        <a:font script="Thai" typeface="Angsana New"/>
-        <a:font script="Ethi" typeface="Nyala"/>
-        <a:font script="Beng" typeface="Vrinda"/>
-        <a:font script="Gujr" typeface="Shruti"/>
-        <a:font script="Khmr" typeface="MoolBoran"/>
-        <a:font script="Knda" typeface="Tunga"/>
-        <a:font script="Guru" typeface="Raavi"/>
-        <a:font script="Cans" typeface="Euphemia"/>
-        <a:font script="Cher" typeface="Plantagenet Cherokee"/>
-        <a:font script="Yiii" typeface="Microsoft Yi Baiti"/>
-        <a:font script="Tibt" typeface="Microsoft Himalaya"/>
-        <a:font script="Thaa" typeface="MV Boli"/>
-        <a:font script="Deva" typeface="Mangal"/>
-        <a:font script="Telu" typeface="Gautami"/>
-        <a:font script="Taml" typeface="Latha"/>
-        <a:font script="Syrc" typeface="Estrangelo Edessa"/>
-        <a:font script="Orya" typeface="Kalinga"/>
-        <a:font script="Mlym" typeface="Kartika"/>
-        <a:font script="Laoo" typeface="DokChampa"/>
-        <a:font script="Sinh" typeface="Iskoola Pota"/>
-        <a:font script="Mong" typeface="Mongolian Baiti"/>
-        <a:font script="Viet" typeface="Times New Roman"/>
-        <a:font script="Uigh" typeface="Microsoft Uighur"/>
-        <a:font script="Geor" typeface="Sylfaen"/>
-      </a:majorFont>
-      <a:minorFont>
-        <a:latin typeface="Arial"/>
-        <a:ea typeface=""/>
-        <a:cs typeface=""/>
-        <a:font script="Jpan" typeface="ＭＳ Ｐゴシック"/>
-        <a:font script="Hang" typeface="맑은 고딕"/>
-        <a:font script="Hans" typeface="宋体"/>
-        <a:font script="Hant" typeface="新細明體"/>
-        <a:font script="Arab" typeface="Arial"/>
-        <a:font script="Hebr" typeface="Arial"/>
-        <a:font script="Thai" typeface="Cordia New"/>
-        <a:font script="Ethi" typeface="Nyala"/>
-        <a:font script="Beng" typeface="Vrinda"/>
-        <a:font script="Gujr" typeface="Shruti"/>
-        <a:font script="Khmr" typeface="DaunPenh"/>
-        <a:font script="Knda" typeface="Tunga"/>
-        <a:font script="Guru" typeface="Raavi"/>
-        <a:font script="Cans" typeface="Euphemia"/>
-        <a:font script="Cher" typeface="Plantagenet Cherokee"/>
-        <a:font script="Yiii" typeface="Microsoft Yi Baiti"/>
-        <a:font script="Tibt" typeface="Microsoft Himalaya"/>
-        <a:font script="Thaa" typeface="MV Boli"/>
-        <a:font script="Deva" typeface="Mangal"/>
-        <a:font script="Telu" typeface="Gautami"/>
-        <a:font script="Taml" typeface="Latha"/>
-        <a:font script="Syrc" typeface="Estrangelo Edessa"/>
-        <a:font script="Orya" typeface="Kalinga"/>
-        <a:font script="Mlym" typeface="Kartika"/>
-        <a:font script="Laoo" typeface="DokChampa"/>
-        <a:font script="Sinh" typeface="Iskoola Pota"/>
-        <a:font script="Mong" typeface="Mongolian Baiti"/>
-        <a:font script="Viet" typeface="Arial"/>
-        <a:font script="Uigh" typeface="Microsoft Uighur"/>
-        <a:font script="Geor" typeface="Sylfaen"/>
-      </a:minorFont>
-    </a:fontScheme>
-    <a:fmtScheme name="Office">
-      <a:fillStyleLst>
-        <a:solidFill>
-          <a:schemeClr val="phClr"/>
-        </a:solidFill>
-        <a:gradFill rotWithShape="1">
-          <a:gsLst>
-            <a:gs pos="0">
-              <a:schemeClr val="phClr">
-                <a:tint val="50000"/>
-                <a:satMod val="300000"/>
-              </a:schemeClr>
-            </a:gs>
-            <a:gs pos="35000">
-              <a:schemeClr val="phClr">
-                <a:tint val="37000"/>
-                <a:satMod val="300000"/>
-              </a:schemeClr>
-            </a:gs>
-            <a:gs pos="100000">
-              <a:schemeClr val="phClr">
-                <a:tint val="15000"/>
-                <a:satMod val="350000"/>
-              </a:schemeClr>
-            </a:gs>
-          </a:gsLst>
-          <a:lin ang="16200000" scaled="1"/>
-        </a:gradFill>
-        <a:gradFill rotWithShape="1">
-          <a:gsLst>
-            <a:gs pos="0">
-              <a:schemeClr val="phClr">
-                <a:tint val="100000"/>
-                <a:shade val="100000"/>
-                <a:satMod val="130000"/>
-              </a:schemeClr>
-            </a:gs>
-            <a:gs pos="100000">
-              <a:schemeClr val="phClr">
-                <a:tint val="50000"/>
-                <a:shade val="100000"/>
-                <a:satMod val="350000"/>
-              </a:schemeClr>
-            </a:gs>
-          </a:gsLst>
-          <a:lin ang="16200000" scaled="0"/>
-        </a:gradFill>
-      </a:fillStyleLst>
-      <a:lnStyleLst>
-        <a:ln w="9525" cap="flat" cmpd="sng" algn="ctr">
-          <a:solidFill>
-            <a:schemeClr val="phClr">
-              <a:shade val="95000"/>
-              <a:satMod val="105000"/>
-            </a:schemeClr>
-          </a:solidFill>
-          <a:prstDash val="solid"/>
-        </a:ln>
-        <a:ln w="25400" cap="flat" cmpd="sng" algn="ctr">
-          <a:solidFill>
-            <a:schemeClr val="phClr"/>
-          </a:solidFill>
-          <a:prstDash val="solid"/>
-        </a:ln>
-        <a:ln w="38100" cap="flat" cmpd="sng" algn="ctr">
-          <a:solidFill>
-            <a:schemeClr val="phClr"/>
-          </a:solidFill>
-          <a:prstDash val="solid"/>
-        </a:ln>
-      </a:lnStyleLst>
-      <a:effectStyleLst>
-        <a:effectStyle>
-          <a:effectLst>
-            <a:outerShdw blurRad="40000" dist="20000" dir="5400000" rotWithShape="0">
-              <a:srgbClr val="000000">
-                <a:alpha val="38000"/>
-              </a:srgbClr>
-            </a:outerShdw>
-          </a:effectLst>
-        </a:effectStyle>
-        <a:effectStyle>
-          <a:effectLst>
-            <a:outerShdw blurRad="40000" dist="23000" dir="5400000" rotWithShape="0">
-              <a:srgbClr val="000000">
-                <a:alpha val="35000"/>
-              </a:srgbClr>
-            </a:outerShdw>
-          </a:effectLst>
-        </a:effectStyle>
-        <a:effectStyle>
-          <a:effectLst>
-            <a:outerShdw blurRad="40000" dist="23000" dir="5400000" rotWithShape="0">
-              <a:srgbClr val="000000">
-                <a:alpha val="35000"/>
-              </a:srgbClr>
-            </a:outerShdw>
-          </a:effectLst>
-          <a:scene3d>
-            <a:camera prst="orthographicFront">
-              <a:rot lat="0" lon="0" rev="0"/>
-            </a:camera>
-            <a:lightRig rig="threePt" dir="t">
-              <a:rot lat="0" lon="0" rev="1200000"/>
-            </a:lightRig>
-          </a:scene3d>
-          <a:sp3d>
-            <a:bevelT w="63500" h="25400"/>
-          </a:sp3d>
-        </a:effectStyle>
-      </a:effectStyleLst>
-      <a:bgFillStyleLst>
-        <a:solidFill>
-          <a:schemeClr val="phClr"/>
-        </a:solidFill>
-        <a:gradFill rotWithShape="1">
-          <a:gsLst>
-            <a:gs pos="0">
-              <a:schemeClr val="phClr">
-                <a:tint val="40000"/>
-                <a:satMod val="350000"/>
-              </a:schemeClr>
-            </a:gs>
-            <a:gs pos="40000">
-              <a:schemeClr val="phClr">
-                <a:tint val="45000"/>
-                <a:shade val="99000"/>
-                <a:satMod val="350000"/>
-              </a:schemeClr>
-            </a:gs>
-            <a:gs pos="100000">
-              <a:schemeClr val="phClr">
-                <a:shade val="20000"/>
-                <a:satMod val="255000"/>
-              </a:schemeClr>
-            </a:gs>
-          </a:gsLst>
-          <a:path path="circle">
-            <a:fillToRect l="50000" t="-80000" r="50000" b="180000"/>
-          </a:path>
-        </a:gradFill>
-        <a:gradFill rotWithShape="1">
-          <a:gsLst>
-            <a:gs pos="0">
-              <a:schemeClr val="phClr">
-                <a:tint val="80000"/>
-                <a:satMod val="300000"/>
-              </a:schemeClr>
-            </a:gs>
-            <a:gs pos="100000">
-              <a:schemeClr val="phClr">
-                <a:shade val="30000"/>
-                <a:satMod val="200000"/>
-              </a:schemeClr>
-            </a:gs>
-          </a:gsLst>
-          <a:path path="circle">
-            <a:fillToRect l="50000" t="50000" r="50000" b="50000"/>
-          </a:path>
-        </a:gradFill>
-      </a:bgFillStyleLst>
-    </a:fmtScheme>
-  </a:themeElements>
-</a:theme>
 </file>
--- a/文件发布管理.pptx
+++ b/文件发布管理.pptx
@@ -491,7 +491,7 @@
   <p:cSld>
     <p:spTree>
       <p:nvGrpSpPr>
-        <p:cNvPr id="154" name="Shape 154"/>
+        <p:cNvPr id="155" name="Shape 155"/>
         <p:cNvGrpSpPr/>
         <p:nvPr/>
       </p:nvGrpSpPr>
@@ -505,7 +505,7 @@
       </p:grpSpPr>
       <p:sp>
         <p:nvSpPr>
-          <p:cNvPr id="155" name="Shape 155"/>
+          <p:cNvPr id="156" name="Shape 156"/>
           <p:cNvSpPr/>
           <p:nvPr>
             <p:ph idx="2" type="sldImg"/>
@@ -539,7 +539,7 @@
       </p:sp>
       <p:sp>
         <p:nvSpPr>
-          <p:cNvPr id="156" name="Shape 156"/>
+          <p:cNvPr id="157" name="Shape 157"/>
           <p:cNvSpPr txBox="1"/>
           <p:nvPr>
             <p:ph idx="1" type="body"/>
@@ -586,7 +586,7 @@
   <p:cSld>
     <p:spTree>
       <p:nvGrpSpPr>
-        <p:cNvPr id="161" name="Shape 161"/>
+        <p:cNvPr id="162" name="Shape 162"/>
         <p:cNvGrpSpPr/>
         <p:nvPr/>
       </p:nvGrpSpPr>
@@ -600,7 +600,7 @@
       </p:grpSpPr>
       <p:sp>
         <p:nvSpPr>
-          <p:cNvPr id="162" name="Shape 162"/>
+          <p:cNvPr id="163" name="Shape 163"/>
           <p:cNvSpPr/>
           <p:nvPr>
             <p:ph idx="2" type="sldImg"/>
@@ -634,7 +634,7 @@
       </p:sp>
       <p:sp>
         <p:nvSpPr>
-          <p:cNvPr id="163" name="Shape 163"/>
+          <p:cNvPr id="164" name="Shape 164"/>
           <p:cNvSpPr txBox="1"/>
           <p:nvPr>
             <p:ph idx="1" type="body"/>
@@ -681,7 +681,7 @@
   <p:cSld>
     <p:spTree>
       <p:nvGrpSpPr>
-        <p:cNvPr id="168" name="Shape 168"/>
+        <p:cNvPr id="169" name="Shape 169"/>
         <p:cNvGrpSpPr/>
         <p:nvPr/>
       </p:nvGrpSpPr>
@@ -695,7 +695,7 @@
       </p:grpSpPr>
       <p:sp>
         <p:nvSpPr>
-          <p:cNvPr id="169" name="Shape 169"/>
+          <p:cNvPr id="170" name="Shape 170"/>
           <p:cNvSpPr/>
           <p:nvPr>
             <p:ph idx="2" type="sldImg"/>
@@ -729,7 +729,7 @@
       </p:sp>
       <p:sp>
         <p:nvSpPr>
-          <p:cNvPr id="170" name="Shape 170"/>
+          <p:cNvPr id="171" name="Shape 171"/>
           <p:cNvSpPr txBox="1"/>
           <p:nvPr>
             <p:ph idx="1" type="body"/>
@@ -776,7 +776,7 @@
   <p:cSld>
     <p:spTree>
       <p:nvGrpSpPr>
-        <p:cNvPr id="174" name="Shape 174"/>
+        <p:cNvPr id="175" name="Shape 175"/>
         <p:cNvGrpSpPr/>
         <p:nvPr/>
       </p:nvGrpSpPr>
@@ -790,7 +790,7 @@
       </p:grpSpPr>
       <p:sp>
         <p:nvSpPr>
-          <p:cNvPr id="175" name="Shape 175"/>
+          <p:cNvPr id="176" name="Shape 176"/>
           <p:cNvSpPr/>
           <p:nvPr>
             <p:ph idx="2" type="sldImg"/>
@@ -824,7 +824,7 @@
       </p:sp>
       <p:sp>
         <p:nvSpPr>
-          <p:cNvPr id="176" name="Shape 176"/>
+          <p:cNvPr id="177" name="Shape 177"/>
           <p:cNvSpPr txBox="1"/>
           <p:nvPr>
             <p:ph idx="1" type="body"/>
@@ -871,7 +871,7 @@
   <p:cSld>
     <p:spTree>
       <p:nvGrpSpPr>
-        <p:cNvPr id="182" name="Shape 182"/>
+        <p:cNvPr id="185" name="Shape 185"/>
         <p:cNvGrpSpPr/>
         <p:nvPr/>
       </p:nvGrpSpPr>
@@ -885,7 +885,7 @@
       </p:grpSpPr>
       <p:sp>
         <p:nvSpPr>
-          <p:cNvPr id="183" name="Shape 183"/>
+          <p:cNvPr id="186" name="Shape 186"/>
           <p:cNvSpPr/>
           <p:nvPr>
             <p:ph idx="2" type="sldImg"/>
@@ -919,7 +919,7 @@
       </p:sp>
       <p:sp>
         <p:nvSpPr>
-          <p:cNvPr id="184" name="Shape 184"/>
+          <p:cNvPr id="187" name="Shape 187"/>
           <p:cNvSpPr txBox="1"/>
           <p:nvPr>
             <p:ph idx="1" type="body"/>
@@ -1631,7 +1631,7 @@
   <p:cSld>
     <p:spTree>
       <p:nvGrpSpPr>
-        <p:cNvPr id="128" name="Shape 128"/>
+        <p:cNvPr id="129" name="Shape 129"/>
         <p:cNvGrpSpPr/>
         <p:nvPr/>
       </p:nvGrpSpPr>
@@ -1645,7 +1645,7 @@
       </p:grpSpPr>
       <p:sp>
         <p:nvSpPr>
-          <p:cNvPr id="129" name="Shape 129"/>
+          <p:cNvPr id="130" name="Shape 130"/>
           <p:cNvSpPr/>
           <p:nvPr>
             <p:ph idx="2" type="sldImg"/>
@@ -1679,7 +1679,7 @@
       </p:sp>
       <p:sp>
         <p:nvSpPr>
-          <p:cNvPr id="130" name="Shape 130"/>
+          <p:cNvPr id="131" name="Shape 131"/>
           <p:cNvSpPr txBox="1"/>
           <p:nvPr>
             <p:ph idx="1" type="body"/>
@@ -5842,7 +5842,7 @@
   <p:cSld>
     <p:spTree>
       <p:nvGrpSpPr>
-        <p:cNvPr id="157" name="Shape 157"/>
+        <p:cNvPr id="158" name="Shape 158"/>
         <p:cNvGrpSpPr/>
         <p:nvPr/>
       </p:nvGrpSpPr>
@@ -5856,7 +5856,7 @@
       </p:grpSpPr>
       <p:sp>
         <p:nvSpPr>
-          <p:cNvPr id="158" name="Shape 158"/>
+          <p:cNvPr id="159" name="Shape 159"/>
           <p:cNvSpPr txBox="1"/>
           <p:nvPr>
             <p:ph type="title"/>
@@ -5892,7 +5892,7 @@
       </p:sp>
       <p:sp>
         <p:nvSpPr>
-          <p:cNvPr id="159" name="Shape 159"/>
+          <p:cNvPr id="160" name="Shape 160"/>
           <p:cNvSpPr txBox="1"/>
           <p:nvPr>
             <p:ph idx="1" type="body"/>
@@ -5928,7 +5928,7 @@
       </p:sp>
       <p:pic>
         <p:nvPicPr>
-          <p:cNvPr descr="5a7f4f70.png" id="160" name="Shape 160"/>
+          <p:cNvPr descr="5a7f4f70.png" id="161" name="Shape 161"/>
           <p:cNvPicPr preferRelativeResize="0"/>
           <p:nvPr/>
         </p:nvPicPr>
@@ -5993,7 +5993,7 @@
                                           </p:stCondLst>
                                         </p:cTn>
                                         <p:tgtEl>
-                                          <p:spTgt spid="160"/>
+                                          <p:spTgt spid="161"/>
                                         </p:tgtEl>
                                         <p:attrNameLst>
                                           <p:attrName>style.visibility</p:attrName>
@@ -6007,7 +6007,7 @@
                                       <p:cBhvr>
                                         <p:cTn dur="1000"/>
                                         <p:tgtEl>
-                                          <p:spTgt spid="160"/>
+                                          <p:spTgt spid="161"/>
                                         </p:tgtEl>
                                       </p:cBhvr>
                                     </p:animEffect>
@@ -6050,7 +6050,7 @@
   <p:cSld>
     <p:spTree>
       <p:nvGrpSpPr>
-        <p:cNvPr id="164" name="Shape 164"/>
+        <p:cNvPr id="165" name="Shape 165"/>
         <p:cNvGrpSpPr/>
         <p:nvPr/>
       </p:nvGrpSpPr>
@@ -6064,7 +6064,7 @@
       </p:grpSpPr>
       <p:sp>
         <p:nvSpPr>
-          <p:cNvPr id="165" name="Shape 165"/>
+          <p:cNvPr id="166" name="Shape 166"/>
           <p:cNvSpPr txBox="1"/>
           <p:nvPr>
             <p:ph type="title"/>
@@ -6100,7 +6100,7 @@
       </p:sp>
       <p:sp>
         <p:nvSpPr>
-          <p:cNvPr id="166" name="Shape 166"/>
+          <p:cNvPr id="167" name="Shape 167"/>
           <p:cNvSpPr txBox="1"/>
           <p:nvPr>
             <p:ph idx="1" type="body"/>
@@ -6136,7 +6136,7 @@
       </p:sp>
       <p:pic>
         <p:nvPicPr>
-          <p:cNvPr descr="5a7f4f70.png" id="167" name="Shape 167"/>
+          <p:cNvPr descr="5a7f4f70.png" id="168" name="Shape 168"/>
           <p:cNvPicPr preferRelativeResize="0"/>
           <p:nvPr/>
         </p:nvPicPr>
@@ -6201,7 +6201,7 @@
                                           </p:stCondLst>
                                         </p:cTn>
                                         <p:tgtEl>
-                                          <p:spTgt spid="167"/>
+                                          <p:spTgt spid="168"/>
                                         </p:tgtEl>
                                         <p:attrNameLst>
                                           <p:attrName>style.visibility</p:attrName>
@@ -6215,7 +6215,7 @@
                                       <p:cBhvr>
                                         <p:cTn dur="1000"/>
                                         <p:tgtEl>
-                                          <p:spTgt spid="167"/>
+                                          <p:spTgt spid="168"/>
                                         </p:tgtEl>
                                       </p:cBhvr>
                                     </p:animEffect>
@@ -6258,7 +6258,7 @@
   <p:cSld>
     <p:spTree>
       <p:nvGrpSpPr>
-        <p:cNvPr id="171" name="Shape 171"/>
+        <p:cNvPr id="172" name="Shape 172"/>
         <p:cNvGrpSpPr/>
         <p:nvPr/>
       </p:nvGrpSpPr>
@@ -6272,7 +6272,7 @@
       </p:grpSpPr>
       <p:sp>
         <p:nvSpPr>
-          <p:cNvPr id="172" name="Shape 172"/>
+          <p:cNvPr id="173" name="Shape 173"/>
           <p:cNvSpPr txBox="1"/>
           <p:nvPr>
             <p:ph type="title"/>
@@ -6308,7 +6308,7 @@
       </p:sp>
       <p:sp>
         <p:nvSpPr>
-          <p:cNvPr id="173" name="Shape 173"/>
+          <p:cNvPr id="174" name="Shape 174"/>
           <p:cNvSpPr txBox="1"/>
           <p:nvPr>
             <p:ph idx="1" type="body"/>
@@ -6732,7 +6732,7 @@
   <p:cSld>
     <p:spTree>
       <p:nvGrpSpPr>
-        <p:cNvPr id="177" name="Shape 177"/>
+        <p:cNvPr id="178" name="Shape 178"/>
         <p:cNvGrpSpPr/>
         <p:nvPr/>
       </p:nvGrpSpPr>
@@ -6746,7 +6746,7 @@
       </p:grpSpPr>
       <p:sp>
         <p:nvSpPr>
-          <p:cNvPr id="178" name="Shape 178"/>
+          <p:cNvPr id="179" name="Shape 179"/>
           <p:cNvSpPr txBox="1"/>
           <p:nvPr>
             <p:ph type="title"/>
@@ -6782,7 +6782,7 @@
       </p:sp>
       <p:sp>
         <p:nvSpPr>
-          <p:cNvPr id="179" name="Shape 179"/>
+          <p:cNvPr id="180" name="Shape 180"/>
           <p:cNvSpPr txBox="1"/>
           <p:nvPr>
             <p:ph idx="1" type="body"/>
@@ -6803,40 +6803,25 @@
           </a:bodyPr>
           <a:lstStyle/>
           <a:p>
-            <a:pPr indent="-228600" lvl="0" marL="457200" rtl="0">
+            <a:pPr lvl="0" rtl="0">
               <a:lnSpc>
                 <a:spcPct val="150000"/>
               </a:lnSpc>
               <a:spcBef>
                 <a:spcPts val="0"/>
               </a:spcBef>
-              <a:buAutoNum type="arabicPeriod"/>
+              <a:buNone/>
             </a:pPr>
             <a:r>
               <a:rPr lang="zh-CN"/>
-              <a:t>文件获取</a:t>
-            </a:r>
-          </a:p>
-          <a:p>
-            <a:pPr indent="-228600" lvl="0" marL="457200" rtl="0">
-              <a:lnSpc>
-                <a:spcPct val="150000"/>
-              </a:lnSpc>
-              <a:spcBef>
-                <a:spcPts val="0"/>
-              </a:spcBef>
-              <a:buAutoNum type="arabicPeriod"/>
-            </a:pPr>
-            <a:r>
-              <a:rPr lang="zh-CN"/>
-              <a:t>上传文件</a:t>
+              <a:t>  </a:t>
             </a:r>
           </a:p>
         </p:txBody>
       </p:sp>
       <p:pic>
         <p:nvPicPr>
-          <p:cNvPr descr="20110712103406-2036366821.jpg" id="180" name="Shape 180"/>
+          <p:cNvPr descr="20110712103406-2036366821.jpg" id="181" name="Shape 181"/>
           <p:cNvPicPr preferRelativeResize="0"/>
           <p:nvPr/>
         </p:nvPicPr>
@@ -6850,8 +6835,8 @@
         </p:blipFill>
         <p:spPr>
           <a:xfrm>
-            <a:off x="4999525" y="1106000"/>
-            <a:ext cx="4070900" cy="3207875"/>
+            <a:off x="5008450" y="1468825"/>
+            <a:ext cx="3149575" cy="2316399"/>
           </a:xfrm>
           <a:prstGeom prst="rect">
             <a:avLst/>
@@ -6864,14 +6849,14 @@
       </p:pic>
       <p:sp>
         <p:nvSpPr>
-          <p:cNvPr id="181" name="Shape 181"/>
+          <p:cNvPr id="182" name="Shape 182"/>
           <p:cNvSpPr txBox="1"/>
           <p:nvPr/>
         </p:nvSpPr>
         <p:spPr>
           <a:xfrm>
-            <a:off x="545650" y="3265000"/>
-            <a:ext cx="4374300" cy="1048800"/>
+            <a:off x="429300" y="1603800"/>
+            <a:ext cx="2592000" cy="445500"/>
           </a:xfrm>
           <a:prstGeom prst="rect">
             <a:avLst/>
@@ -6894,12 +6879,96 @@
               <a:buNone/>
             </a:pPr>
             <a:r>
-              <a:rPr lang="zh-CN" sz="2400">
-                <a:solidFill>
-                  <a:schemeClr val="dk1"/>
-                </a:solidFill>
-              </a:rPr>
-              <a:t>3.实时监听“文件获取”和 “上传文件”并把结果立即反馈给用户</a:t>
+              <a:rPr lang="zh-CN" sz="1800"/>
+              <a:t>1、</a:t>
+            </a:r>
+            <a:r>
+              <a:rPr lang="zh-CN" sz="1800"/>
+              <a:t>获取文件</a:t>
+            </a:r>
+          </a:p>
+        </p:txBody>
+      </p:sp>
+      <p:sp>
+        <p:nvSpPr>
+          <p:cNvPr id="183" name="Shape 183"/>
+          <p:cNvSpPr txBox="1"/>
+          <p:nvPr/>
+        </p:nvSpPr>
+        <p:spPr>
+          <a:xfrm>
+            <a:off x="461700" y="2263950"/>
+            <a:ext cx="2632500" cy="486000"/>
+          </a:xfrm>
+          <a:prstGeom prst="rect">
+            <a:avLst/>
+          </a:prstGeom>
+          <a:noFill/>
+          <a:ln>
+            <a:noFill/>
+          </a:ln>
+        </p:spPr>
+        <p:txBody>
+          <a:bodyPr anchorCtr="0" anchor="t" bIns="91425" lIns="91425" rIns="91425" tIns="91425">
+            <a:noAutofit/>
+          </a:bodyPr>
+          <a:lstStyle/>
+          <a:p>
+            <a:pPr lvl="0">
+              <a:spcBef>
+                <a:spcPts val="0"/>
+              </a:spcBef>
+              <a:buNone/>
+            </a:pPr>
+            <a:r>
+              <a:rPr lang="zh-CN" sz="1800"/>
+              <a:t>2、</a:t>
+            </a:r>
+            <a:r>
+              <a:rPr lang="zh-CN" sz="1800"/>
+              <a:t>上传文件</a:t>
+            </a:r>
+          </a:p>
+        </p:txBody>
+      </p:sp>
+      <p:sp>
+        <p:nvSpPr>
+          <p:cNvPr id="184" name="Shape 184"/>
+          <p:cNvSpPr txBox="1"/>
+          <p:nvPr/>
+        </p:nvSpPr>
+        <p:spPr>
+          <a:xfrm>
+            <a:off x="461700" y="2964600"/>
+            <a:ext cx="2681100" cy="445500"/>
+          </a:xfrm>
+          <a:prstGeom prst="rect">
+            <a:avLst/>
+          </a:prstGeom>
+          <a:noFill/>
+          <a:ln>
+            <a:noFill/>
+          </a:ln>
+        </p:spPr>
+        <p:txBody>
+          <a:bodyPr anchorCtr="0" anchor="t" bIns="91425" lIns="91425" rIns="91425" tIns="91425">
+            <a:noAutofit/>
+          </a:bodyPr>
+          <a:lstStyle/>
+          <a:p>
+            <a:pPr lvl="0">
+              <a:spcBef>
+                <a:spcPts val="0"/>
+              </a:spcBef>
+              <a:buNone/>
+            </a:pPr>
+            <a:r>
+              <a:rPr lang="zh-CN" sz="1800"/>
+              <a:t>3、</a:t>
+            </a:r>
+            <a:r>
+              <a:rPr lang="zh-CN" sz="1800"/>
+              <a:t>监听结果</a:t>
             </a:r>
           </a:p>
         </p:txBody>
@@ -6943,7 +7012,7 @@
                                           </p:stCondLst>
                                         </p:cTn>
                                         <p:tgtEl>
-                                          <p:spTgt spid="179"/>
+                                          <p:spTgt spid="182"/>
                                         </p:tgtEl>
                                         <p:attrNameLst>
                                           <p:attrName>style.visibility</p:attrName>
@@ -6957,7 +7026,60 @@
                                       <p:cBhvr>
                                         <p:cTn dur="1000"/>
                                         <p:tgtEl>
-                                          <p:spTgt spid="179"/>
+                                          <p:spTgt spid="182"/>
+                                        </p:tgtEl>
+                                      </p:cBhvr>
+                                    </p:animEffect>
+                                  </p:childTnLst>
+                                </p:cTn>
+                              </p:par>
+                            </p:childTnLst>
+                          </p:cTn>
+                        </p:par>
+                      </p:childTnLst>
+                    </p:cTn>
+                  </p:par>
+                  <p:par>
+                    <p:cTn fill="hold">
+                      <p:stCondLst>
+                        <p:cond delay="indefinite"/>
+                      </p:stCondLst>
+                      <p:childTnLst>
+                        <p:par>
+                          <p:cTn fill="hold">
+                            <p:stCondLst>
+                              <p:cond delay="0"/>
+                            </p:stCondLst>
+                            <p:childTnLst>
+                              <p:par>
+                                <p:cTn fill="hold" nodeType="clickEffect" presetClass="entr" presetID="10" presetSubtype="0">
+                                  <p:stCondLst>
+                                    <p:cond delay="0"/>
+                                  </p:stCondLst>
+                                  <p:childTnLst>
+                                    <p:set>
+                                      <p:cBhvr>
+                                        <p:cTn dur="1" fill="hold">
+                                          <p:stCondLst>
+                                            <p:cond delay="0"/>
+                                          </p:stCondLst>
+                                        </p:cTn>
+                                        <p:tgtEl>
+                                          <p:spTgt spid="183"/>
+                                        </p:tgtEl>
+                                        <p:attrNameLst>
+                                          <p:attrName>style.visibility</p:attrName>
+                                        </p:attrNameLst>
+                                      </p:cBhvr>
+                                      <p:to>
+                                        <p:strVal val="visible"/>
+                                      </p:to>
+                                    </p:set>
+                                    <p:animEffect filter="fade" transition="in">
+                                      <p:cBhvr>
+                                        <p:cTn dur="1000"/>
+                                        <p:tgtEl>
+                                          <p:spTgt spid="183"/>
                                         </p:tgtEl>
                                       </p:cBhvr>
                                     </p:animEffect>
@@ -6996,7 +7118,7 @@
                                           </p:stCondLst>
                                         </p:cTn>
                                         <p:tgtEl>
-                                          <p:spTgt spid="180"/>
+                                          <p:spTgt spid="184"/>
                                         </p:tgtEl>
                                         <p:attrNameLst>
                                           <p:attrName>style.visibility</p:attrName>
@@ -7010,7 +7132,7 @@
                                       <p:cBhvr additive="base">
                                         <p:cTn dur="1000"/>
                                         <p:tgtEl>
-                                          <p:spTgt spid="180"/>
+                                          <p:spTgt spid="184"/>
                                         </p:tgtEl>
                                         <p:attrNameLst>
                                           <p:attrName>ppt_x</p:attrName>
@@ -7042,7 +7164,7 @@
                             </p:stCondLst>
                             <p:childTnLst>
                               <p:par>
-                                <p:cTn fill="hold" nodeType="afterEffect" presetClass="entr" presetID="10" presetSubtype="0">
+                                <p:cTn fill="hold" nodeType="afterEffect" presetClass="entr" presetID="2" presetSubtype="2">
                                   <p:stCondLst>
                                     <p:cond delay="0"/>
                                   </p:stCondLst>
@@ -7065,14 +7187,29 @@
                                         <p:strVal val="visible"/>
                                       </p:to>
                                     </p:set>
-                                    <p:animEffect filter="fade" transition="in">
-                                      <p:cBhvr>
+                                    <p:anim calcmode="lin" valueType="num">
+                                      <p:cBhvr additive="base">
                                         <p:cTn dur="1000"/>
                                         <p:tgtEl>
                                           <p:spTgt spid="181"/>
                                         </p:tgtEl>
+                                        <p:attrNameLst>
+                                          <p:attrName>ppt_x</p:attrName>
+                                        </p:attrNameLst>
                                       </p:cBhvr>
-                                    </p:animEffect>
+                                      <p:tavLst>
+                                        <p:tav fmla="" tm="0">
+                                          <p:val>
+                                            <p:strVal val="#ppt_x+1"/>
+                                          </p:val>
+                                        </p:tav>
+                                        <p:tav fmla="" tm="100000">
+                                          <p:val>
+                                            <p:strVal val="#ppt_x"/>
+                                          </p:val>
+                                        </p:tav>
+                                      </p:tavLst>
+                                    </p:anim>
                                   </p:childTnLst>
                                 </p:cTn>
                               </p:par>
@@ -7112,7 +7249,7 @@
   <p:cSld>
     <p:spTree>
       <p:nvGrpSpPr>
-        <p:cNvPr id="185" name="Shape 185"/>
+        <p:cNvPr id="188" name="Shape 188"/>
         <p:cNvGrpSpPr/>
         <p:nvPr/>
       </p:nvGrpSpPr>
@@ -7126,7 +7263,7 @@
       </p:grpSpPr>
       <p:sp>
         <p:nvSpPr>
-          <p:cNvPr id="186" name="Shape 186"/>
+          <p:cNvPr id="189" name="Shape 189"/>
           <p:cNvSpPr txBox="1"/>
           <p:nvPr>
             <p:ph type="ctrTitle"/>
@@ -7162,7 +7299,7 @@
       </p:sp>
       <p:sp>
         <p:nvSpPr>
-          <p:cNvPr id="187" name="Shape 187"/>
+          <p:cNvPr id="190" name="Shape 190"/>
           <p:cNvSpPr txBox="1"/>
           <p:nvPr>
             <p:ph idx="1" type="subTitle"/>
@@ -9119,7 +9256,7 @@
             </a:pPr>
             <a:r>
               <a:rPr lang="zh-CN"/>
-              <a:t>利用show log获取文件信息，拿到文件路径。</a:t>
+              <a:t>利用show log获取文件修改日志。</a:t>
             </a:r>
           </a:p>
         </p:txBody>
@@ -9400,7 +9537,7 @@
             <a:avLst/>
           </a:prstGeom>
           <a:solidFill>
-            <a:srgbClr val="FCE5CD"/>
+            <a:srgbClr val="980000"/>
           </a:solidFill>
           <a:ln cap="flat" cmpd="sng" w="9525">
             <a:solidFill>
@@ -9425,12 +9562,12 @@
               <a:buNone/>
             </a:pPr>
             <a:r>
-              <a:rPr lang="zh-CN"/>
-              <a:t>svn:</a:t>
-            </a:r>
-            <a:r>
-              <a:rPr lang="zh-CN"/>
-              <a:t>show log</a:t>
+              <a:rPr lang="zh-CN" sz="1800">
+                <a:solidFill>
+                  <a:schemeClr val="lt1"/>
+                </a:solidFill>
+              </a:rPr>
+              <a:t>获取文件</a:t>
             </a:r>
           </a:p>
         </p:txBody>
@@ -9771,7 +9908,7 @@
             </a:pPr>
             <a:r>
               <a:rPr lang="zh-CN"/>
-              <a:t>更新文件CDN</a:t>
+              <a:t>更新CDN</a:t>
             </a:r>
           </a:p>
           <a:p>
@@ -9785,6 +9922,48 @@
               <a:t/>
             </a:r>
             <a:endParaRPr/>
+          </a:p>
+        </p:txBody>
+      </p:sp>
+      <p:sp>
+        <p:nvSpPr>
+          <p:cNvPr id="128" name="Shape 128"/>
+          <p:cNvSpPr txBox="1"/>
+          <p:nvPr/>
+        </p:nvSpPr>
+        <p:spPr>
+          <a:xfrm>
+            <a:off x="599000" y="2823875"/>
+            <a:ext cx="1430400" cy="256800"/>
+          </a:xfrm>
+          <a:prstGeom prst="rect">
+            <a:avLst/>
+          </a:prstGeom>
+          <a:noFill/>
+          <a:ln>
+            <a:noFill/>
+          </a:ln>
+        </p:spPr>
+        <p:txBody>
+          <a:bodyPr anchorCtr="0" anchor="t" bIns="91425" lIns="91425" rIns="91425" tIns="91425">
+            <a:noAutofit/>
+          </a:bodyPr>
+          <a:lstStyle/>
+          <a:p>
+            <a:pPr lvl="0" algn="ctr">
+              <a:spcBef>
+                <a:spcPts val="0"/>
+              </a:spcBef>
+              <a:buNone/>
+            </a:pPr>
+            <a:r>
+              <a:rPr lang="zh-CN">
+                <a:solidFill>
+                  <a:schemeClr val="lt1"/>
+                </a:solidFill>
+              </a:rPr>
+              <a:t>show log</a:t>
+            </a:r>
           </a:p>
         </p:txBody>
       </p:sp>
@@ -10255,7 +10434,7 @@
   <p:cSld>
     <p:spTree>
       <p:nvGrpSpPr>
-        <p:cNvPr id="131" name="Shape 131"/>
+        <p:cNvPr id="132" name="Shape 132"/>
         <p:cNvGrpSpPr/>
         <p:nvPr/>
       </p:nvGrpSpPr>
@@ -10269,7 +10448,7 @@
       </p:grpSpPr>
       <p:sp>
         <p:nvSpPr>
-          <p:cNvPr id="132" name="Shape 132"/>
+          <p:cNvPr id="133" name="Shape 133"/>
           <p:cNvSpPr txBox="1"/>
           <p:nvPr>
             <p:ph type="title"/>
@@ -10305,7 +10484,7 @@
       </p:sp>
       <p:sp>
         <p:nvSpPr>
-          <p:cNvPr id="133" name="Shape 133"/>
+          <p:cNvPr id="134" name="Shape 134"/>
           <p:cNvSpPr txBox="1"/>
           <p:nvPr>
             <p:ph idx="1" type="body"/>
@@ -10341,7 +10520,7 @@
       </p:sp>
       <p:sp>
         <p:nvSpPr>
-          <p:cNvPr id="134" name="Shape 134"/>
+          <p:cNvPr id="135" name="Shape 135"/>
           <p:cNvSpPr/>
           <p:nvPr/>
         </p:nvSpPr>
@@ -10387,7 +10566,7 @@
       </p:sp>
       <p:sp>
         <p:nvSpPr>
-          <p:cNvPr id="135" name="Shape 135"/>
+          <p:cNvPr id="136" name="Shape 136"/>
           <p:cNvSpPr txBox="1"/>
           <p:nvPr/>
         </p:nvSpPr>
@@ -10429,7 +10608,7 @@
       </p:sp>
       <p:sp>
         <p:nvSpPr>
-          <p:cNvPr id="136" name="Shape 136"/>
+          <p:cNvPr id="137" name="Shape 137"/>
           <p:cNvSpPr/>
           <p:nvPr/>
         </p:nvSpPr>
@@ -10475,54 +10654,6 @@
       </p:sp>
       <p:sp>
         <p:nvSpPr>
-          <p:cNvPr id="137" name="Shape 137"/>
-          <p:cNvSpPr/>
-          <p:nvPr/>
-        </p:nvSpPr>
-        <p:spPr>
-          <a:xfrm>
-            <a:off x="1145750" y="2446100"/>
-            <a:ext cx="568800" cy="511200"/>
-          </a:xfrm>
-          <a:prstGeom prst="smileyFace">
-            <a:avLst>
-              <a:gd fmla="val 4653" name="adj"/>
-            </a:avLst>
-          </a:prstGeom>
-          <a:solidFill>
-            <a:srgbClr val="4A86E8"/>
-          </a:solidFill>
-          <a:ln cap="flat" cmpd="sng" w="9525">
-            <a:solidFill>
-              <a:schemeClr val="dk2"/>
-            </a:solidFill>
-            <a:prstDash val="solid"/>
-            <a:round/>
-            <a:headEnd len="med" w="med" type="none"/>
-            <a:tailEnd len="med" w="med" type="none"/>
-          </a:ln>
-        </p:spPr>
-        <p:txBody>
-          <a:bodyPr anchorCtr="0" anchor="ctr" bIns="91425" lIns="91425" rIns="91425" tIns="91425">
-            <a:noAutofit/>
-          </a:bodyPr>
-          <a:lstStyle/>
-          <a:p>
-            <a:pPr lvl="0">
-              <a:spcBef>
-                <a:spcPts val="0"/>
-              </a:spcBef>
-              <a:buNone/>
-            </a:pPr>
-            <a:r>
-              <a:t/>
-            </a:r>
-            <a:endParaRPr/>
-          </a:p>
-        </p:txBody>
-      </p:sp>
-      <p:sp>
-        <p:nvSpPr>
           <p:cNvPr id="138" name="Shape 138"/>
           <p:cNvSpPr txBox="1"/>
           <p:nvPr/>
@@ -11217,6 +11348,34 @@
           </a:p>
         </p:txBody>
       </p:sp>
+      <p:pic>
+        <p:nvPicPr>
+          <p:cNvPr descr="用户.png" id="154" name="Shape 154"/>
+          <p:cNvPicPr preferRelativeResize="0"/>
+          <p:nvPr/>
+        </p:nvPicPr>
+        <p:blipFill>
+          <a:blip r:embed="rId3">
+            <a:alphaModFix/>
+          </a:blip>
+          <a:stretch>
+            <a:fillRect/>
+          </a:stretch>
+        </p:blipFill>
+        <p:spPr>
+          <a:xfrm>
+            <a:off x="1076300" y="2407550"/>
+            <a:ext cx="727894" cy="667800"/>
+          </a:xfrm>
+          <a:prstGeom prst="rect">
+            <a:avLst/>
+          </a:prstGeom>
+          <a:noFill/>
+          <a:ln>
+            <a:noFill/>
+          </a:ln>
+        </p:spPr>
+      </p:pic>
     </p:spTree>
   </p:cSld>
   <p:clrMapOvr>

--- a/文件发布管理.pptx
+++ b/文件发布管理.pptx
@@ -6821,22 +6821,21 @@
       </p:sp>
       <p:pic>
         <p:nvPicPr>
-          <p:cNvPr descr="20110712103406-2036366821.jpg" id="181" name="Shape 181"/>
+          <p:cNvPr descr="监控.png" id="181" name="Shape 181"/>
           <p:cNvPicPr preferRelativeResize="0"/>
           <p:nvPr/>
         </p:nvPicPr>
-        <p:blipFill>
+        <p:blipFill rotWithShape="1">
           <a:blip r:embed="rId3">
             <a:alphaModFix/>
           </a:blip>
-          <a:stretch>
-            <a:fillRect/>
-          </a:stretch>
+          <a:srcRect b="14967" l="0" r="6994" t="7961"/>
+          <a:stretch/>
         </p:blipFill>
         <p:spPr>
           <a:xfrm>
-            <a:off x="5008450" y="1468825"/>
-            <a:ext cx="3149575" cy="2316399"/>
+            <a:off x="2102725" y="1603800"/>
+            <a:ext cx="2448400" cy="1853375"/>
           </a:xfrm>
           <a:prstGeom prst="rect">
             <a:avLst/>

--- a/文件发布管理.pptx
+++ b/文件发布管理.pptx
@@ -8223,14 +8223,23 @@
                             </p:childTnLst>
                           </p:cTn>
                         </p:par>
+                      </p:childTnLst>
+                    </p:cTn>
+                  </p:par>
+                  <p:par>
+                    <p:cTn fill="hold">
+                      <p:stCondLst>
+                        <p:cond delay="indefinite"/>
+                      </p:stCondLst>
+                      <p:childTnLst>
                         <p:par>
                           <p:cTn fill="hold">
                             <p:stCondLst>
-                              <p:cond delay="1000"/>
+                              <p:cond delay="0"/>
                             </p:stCondLst>
                             <p:childTnLst>
                               <p:par>
-                                <p:cTn fill="hold" nodeType="afterEffect" presetClass="entr" presetID="10" presetSubtype="0">
+                                <p:cTn fill="hold" nodeType="clickEffect" presetClass="entr" presetID="10" presetSubtype="0">
                                   <p:stCondLst>
                                     <p:cond delay="0"/>
                                   </p:stCondLst>
@@ -8379,7 +8388,7 @@
             </a:pPr>
             <a:r>
               <a:rPr lang="zh-CN"/>
-              <a:t>所有我们有一个小目标...</a:t>
+              <a:t>所以我们有一个小目标...</a:t>
             </a:r>
           </a:p>
         </p:txBody>

--- a/文件发布管理.pptx
+++ b/文件发布管理.pptx
@@ -11393,6 +11393,285 @@
 </file>
 
 <file path=ppt/theme/theme1.xml><?xml version="1.0" encoding="utf-8"?>
+<a:theme xmlns:a="http://schemas.openxmlformats.org/drawingml/2006/main" xmlns:r="http://schemas.openxmlformats.org/officeDocument/2006/relationships" name="modern-writer">
+  <a:themeElements>
+    <a:clrScheme name="Modern Writer">
+      <a:dk1>
+        <a:srgbClr val="E91D63"/>
+      </a:dk1>
+      <a:lt1>
+        <a:srgbClr val="FFFFFF"/>
+      </a:lt1>
+      <a:dk2>
+        <a:srgbClr val="424242"/>
+      </a:dk2>
+      <a:lt2>
+        <a:srgbClr val="999999"/>
+      </a:lt2>
+      <a:accent1>
+        <a:srgbClr val="607D8B"/>
+      </a:accent1>
+      <a:accent2>
+        <a:srgbClr val="673AB7"/>
+      </a:accent2>
+      <a:accent3>
+        <a:srgbClr val="9C26B0"/>
+      </a:accent3>
+      <a:accent4>
+        <a:srgbClr val="0090AC"/>
+      </a:accent4>
+      <a:accent5>
+        <a:srgbClr val="01AFD1"/>
+      </a:accent5>
+      <a:accent6>
+        <a:srgbClr val="F8E71C"/>
+      </a:accent6>
+      <a:hlink>
+        <a:srgbClr val="01AFD1"/>
+      </a:hlink>
+      <a:folHlink>
+        <a:srgbClr val="01AFD1"/>
+      </a:folHlink>
+    </a:clrScheme>
+    <a:fontScheme name="Office">
+      <a:majorFont>
+        <a:latin typeface="Arial"/>
+        <a:ea typeface=""/>
+        <a:cs typeface=""/>
+        <a:font script="Jpan" typeface="ＭＳ Ｐゴシック"/>
+        <a:font script="Hang" typeface="맑은 고딕"/>
+        <a:font script="Hans" typeface="宋体"/>
+        <a:font script="Hant" typeface="新細明體"/>
+        <a:font script="Arab" typeface="Times New Roman"/>
+        <a:font script="Hebr" typeface="Times New Roman"/>
+        <a:font script="Thai" typeface="Angsana New"/>
+        <a:font script="Ethi" typeface="Nyala"/>
+        <a:font script="Beng" typeface="Vrinda"/>
+        <a:font script="Gujr" typeface="Shruti"/>
+        <a:font script="Khmr" typeface="MoolBoran"/>
+        <a:font script="Knda" typeface="Tunga"/>
+        <a:font script="Guru" typeface="Raavi"/>
+        <a:font script="Cans" typeface="Euphemia"/>
+        <a:font script="Cher" typeface="Plantagenet Cherokee"/>
+        <a:font script="Yiii" typeface="Microsoft Yi Baiti"/>
+        <a:font script="Tibt" typeface="Microsoft Himalaya"/>
+        <a:font script="Thaa" typeface="MV Boli"/>
+        <a:font script="Deva" typeface="Mangal"/>
+        <a:font script="Telu" typeface="Gautami"/>
+        <a:font script="Taml" typeface="Latha"/>
+        <a:font script="Syrc" typeface="Estrangelo Edessa"/>
+        <a:font script="Orya" typeface="Kalinga"/>
+        <a:font script="Mlym" typeface="Kartika"/>
+        <a:font script="Laoo" typeface="DokChampa"/>
+        <a:font script="Sinh" typeface="Iskoola Pota"/>
+        <a:font script="Mong" typeface="Mongolian Baiti"/>
+        <a:font script="Viet" typeface="Times New Roman"/>
+        <a:font script="Uigh" typeface="Microsoft Uighur"/>
+        <a:font script="Geor" typeface="Sylfaen"/>
+      </a:majorFont>
+      <a:minorFont>
+        <a:latin typeface="Arial"/>
+        <a:ea typeface=""/>
+        <a:cs typeface=""/>
+        <a:font script="Jpan" typeface="ＭＳ Ｐゴシック"/>
+        <a:font script="Hang" typeface="맑은 고딕"/>
+        <a:font script="Hans" typeface="宋体"/>
+        <a:font script="Hant" typeface="新細明體"/>
+        <a:font script="Arab" typeface="Arial"/>
+        <a:font script="Hebr" typeface="Arial"/>
+        <a:font script="Thai" typeface="Cordia New"/>
+        <a:font script="Ethi" typeface="Nyala"/>
+        <a:font script="Beng" typeface="Vrinda"/>
+        <a:font script="Gujr" typeface="Shruti"/>
+        <a:font script="Khmr" typeface="DaunPenh"/>
+        <a:font script="Knda" typeface="Tunga"/>
+        <a:font script="Guru" typeface="Raavi"/>
+        <a:font script="Cans" typeface="Euphemia"/>
+        <a:font script="Cher" typeface="Plantagenet Cherokee"/>
+        <a:font script="Yiii" typeface="Microsoft Yi Baiti"/>
+        <a:font script="Tibt" typeface="Microsoft Himalaya"/>
+        <a:font script="Thaa" typeface="MV Boli"/>
+        <a:font script="Deva" typeface="Mangal"/>
+        <a:font script="Telu" typeface="Gautami"/>
+        <a:font script="Taml" typeface="Latha"/>
+        <a:font script="Syrc" typeface="Estrangelo Edessa"/>
+        <a:font script="Orya" typeface="Kalinga"/>
+        <a:font script="Mlym" typeface="Kartika"/>
+        <a:font script="Laoo" typeface="DokChampa"/>
+        <a:font script="Sinh" typeface="Iskoola Pota"/>
+        <a:font script="Mong" typeface="Mongolian Baiti"/>
+        <a:font script="Viet" typeface="Arial"/>
+        <a:font script="Uigh" typeface="Microsoft Uighur"/>
+        <a:font script="Geor" typeface="Sylfaen"/>
+      </a:minorFont>
+    </a:fontScheme>
+    <a:fmtScheme name="Office">
+      <a:fillStyleLst>
+        <a:solidFill>
+          <a:schemeClr val="phClr"/>
+        </a:solidFill>
+        <a:gradFill rotWithShape="1">
+          <a:gsLst>
+            <a:gs pos="0">
+              <a:schemeClr val="phClr">
+                <a:tint val="50000"/>
+                <a:satMod val="300000"/>
+              </a:schemeClr>
+            </a:gs>
+            <a:gs pos="35000">
+              <a:schemeClr val="phClr">
+                <a:tint val="37000"/>
+                <a:satMod val="300000"/>
+              </a:schemeClr>
+            </a:gs>
+            <a:gs pos="100000">
+              <a:schemeClr val="phClr">
+                <a:tint val="15000"/>
+                <a:satMod val="350000"/>
+              </a:schemeClr>
+            </a:gs>
+          </a:gsLst>
+          <a:lin ang="16200000" scaled="1"/>
+        </a:gradFill>
+        <a:gradFill rotWithShape="1">
+          <a:gsLst>
+            <a:gs pos="0">
+              <a:schemeClr val="phClr">
+                <a:tint val="100000"/>
+                <a:shade val="100000"/>
+                <a:satMod val="130000"/>
+              </a:schemeClr>
+            </a:gs>
+            <a:gs pos="100000">
+              <a:schemeClr val="phClr">
+                <a:tint val="50000"/>
+                <a:shade val="100000"/>
+                <a:satMod val="350000"/>
+              </a:schemeClr>
+            </a:gs>
+          </a:gsLst>
+          <a:lin ang="16200000" scaled="0"/>
+        </a:gradFill>
+      </a:fillStyleLst>
+      <a:lnStyleLst>
+        <a:ln w="9525" cap="flat" cmpd="sng" algn="ctr">
+          <a:solidFill>
+            <a:schemeClr val="phClr">
+              <a:shade val="95000"/>
+              <a:satMod val="105000"/>
+            </a:schemeClr>
+          </a:solidFill>
+          <a:prstDash val="solid"/>
+        </a:ln>
+        <a:ln w="25400" cap="flat" cmpd="sng" algn="ctr">
+          <a:solidFill>
+            <a:schemeClr val="phClr"/>
+          </a:solidFill>
+          <a:prstDash val="solid"/>
+        </a:ln>
+        <a:ln w="38100" cap="flat" cmpd="sng" algn="ctr">
+          <a:solidFill>
+            <a:schemeClr val="phClr"/>
+          </a:solidFill>
+          <a:prstDash val="solid"/>
+        </a:ln>
+      </a:lnStyleLst>
+      <a:effectStyleLst>
+        <a:effectStyle>
+          <a:effectLst>
+            <a:outerShdw blurRad="40000" dist="20000" dir="5400000" rotWithShape="0">
+              <a:srgbClr val="000000">
+                <a:alpha val="38000"/>
+              </a:srgbClr>
+            </a:outerShdw>
+          </a:effectLst>
+        </a:effectStyle>
+        <a:effectStyle>
+          <a:effectLst>
+            <a:outerShdw blurRad="40000" dist="23000" dir="5400000" rotWithShape="0">
+              <a:srgbClr val="000000">
+                <a:alpha val="35000"/>
+              </a:srgbClr>
+            </a:outerShdw>
+          </a:effectLst>
+        </a:effectStyle>
+        <a:effectStyle>
+          <a:effectLst>
+            <a:outerShdw blurRad="40000" dist="23000" dir="5400000" rotWithShape="0">
+              <a:srgbClr val="000000">
+                <a:alpha val="35000"/>
+              </a:srgbClr>
+            </a:outerShdw>
+          </a:effectLst>
+          <a:scene3d>
+            <a:camera prst="orthographicFront">
+              <a:rot lat="0" lon="0" rev="0"/>
+            </a:camera>
+            <a:lightRig rig="threePt" dir="t">
+              <a:rot lat="0" lon="0" rev="1200000"/>
+            </a:lightRig>
+          </a:scene3d>
+          <a:sp3d>
+            <a:bevelT w="63500" h="25400"/>
+          </a:sp3d>
+        </a:effectStyle>
+      </a:effectStyleLst>
+      <a:bgFillStyleLst>
+        <a:solidFill>
+          <a:schemeClr val="phClr"/>
+        </a:solidFill>
+        <a:gradFill rotWithShape="1">
+          <a:gsLst>
+            <a:gs pos="0">
+              <a:schemeClr val="phClr">
+                <a:tint val="40000"/>
+                <a:satMod val="350000"/>
+              </a:schemeClr>
+            </a:gs>
+            <a:gs pos="40000">
+              <a:schemeClr val="phClr">
+                <a:tint val="45000"/>
+                <a:shade val="99000"/>
+                <a:satMod val="350000"/>
+              </a:schemeClr>
+            </a:gs>
+            <a:gs pos="100000">
+              <a:schemeClr val="phClr">
+                <a:shade val="20000"/>
+                <a:satMod val="255000"/>
+              </a:schemeClr>
+            </a:gs>
+          </a:gsLst>
+          <a:path path="circle">
+            <a:fillToRect l="50000" t="-80000" r="50000" b="180000"/>
+          </a:path>
+        </a:gradFill>
+        <a:gradFill rotWithShape="1">
+          <a:gsLst>
+            <a:gs pos="0">
+              <a:schemeClr val="phClr">
+                <a:tint val="80000"/>
+                <a:satMod val="300000"/>
+              </a:schemeClr>
+            </a:gs>
+            <a:gs pos="100000">
+              <a:schemeClr val="phClr">
+                <a:shade val="30000"/>
+                <a:satMod val="200000"/>
+              </a:schemeClr>
+            </a:gs>
+          </a:gsLst>
+          <a:path path="circle">
+            <a:fillToRect l="50000" t="50000" r="50000" b="50000"/>
+          </a:path>
+        </a:gradFill>
+      </a:bgFillStyleLst>
+    </a:fmtScheme>
+  </a:themeElements>
+</a:theme>
+</file>
+
+<file path=ppt/theme/theme2.xml><?xml version="1.0" encoding="utf-8"?>
 <a:theme xmlns:a="http://schemas.openxmlformats.org/drawingml/2006/main" xmlns:r="http://schemas.openxmlformats.org/officeDocument/2006/relationships" name="Custom Theme">
   <a:themeElements>
     <a:clrScheme name="Default">
@@ -11669,283 +11948,4 @@
     </a:fmtScheme>
   </a:themeElements>
 </a:theme>
-</file>
-
-<file path=ppt/theme/theme2.xml><?xml version="1.0" encoding="utf-8"?>
-<a:theme xmlns:a="http://schemas.openxmlformats.org/drawingml/2006/main" xmlns:r="http://schemas.openxmlformats.org/officeDocument/2006/relationships" name="modern-writer">
-  <a:themeElements>
-    <a:clrScheme name="Modern Writer">
-      <a:dk1>
-        <a:srgbClr val="E91D63"/>
-      </a:dk1>
-      <a:lt1>
-        <a:srgbClr val="FFFFFF"/>
-      </a:lt1>
-      <a:dk2>
-        <a:srgbClr val="424242"/>
-      </a:dk2>
-      <a:lt2>
-        <a:srgbClr val="999999"/>
-      </a:lt2>
-      <a:accent1>
-        <a:srgbClr val="607D8B"/>
-      </a:accent1>
-      <a:accent2>
-        <a:srgbClr val="673AB7"/>
-      </a:accent2>
-      <a:accent3>
-        <a:srgbClr val="9C26B0"/>
-      </a:accent3>
-      <a:accent4>
-        <a:srgbClr val="0090AC"/>
-      </a:accent4>
-      <a:accent5>
-        <a:srgbClr val="01AFD1"/>
-      </a:accent5>
-      <a:accent6>
-        <a:srgbClr val="F8E71C"/>
-      </a:accent6>
-      <a:hlink>
-        <a:srgbClr val="01AFD1"/>
-      </a:hlink>
-      <a:folHlink>
-        <a:srgbClr val="01AFD1"/>
-      </a:folHlink>
-    </a:clrScheme>
-    <a:fontScheme name="Office">
-      <a:majorFont>
-        <a:latin typeface="Arial"/>
-        <a:ea typeface=""/>
-        <a:cs typeface=""/>
-        <a:font script="Jpan" typeface="ＭＳ Ｐゴシック"/>
-        <a:font script="Hang" typeface="맑은 고딕"/>
-        <a:font script="Hans" typeface="宋体"/>
-        <a:font script="Hant" typeface="新細明體"/>
-        <a:font script="Arab" typeface="Times New Roman"/>
-        <a:font script="Hebr" typeface="Times New Roman"/>
-        <a:font script="Thai" typeface="Angsana New"/>
-        <a:font script="Ethi" typeface="Nyala"/>
-        <a:font script="Beng" typeface="Vrinda"/>
-        <a:font script="Gujr" typeface="Shruti"/>
-        <a:font script="Khmr" typeface="MoolBoran"/>
-        <a:font script="Knda" typeface="Tunga"/>
-        <a:font script="Guru" typeface="Raavi"/>
-        <a:font script="Cans" typeface="Euphemia"/>
-        <a:font script="Cher" typeface="Plantagenet Cherokee"/>
-        <a:font script="Yiii" typeface="Microsoft Yi Baiti"/>
-        <a:font script="Tibt" typeface="Microsoft Himalaya"/>
-        <a:font script="Thaa" typeface="MV Boli"/>
-        <a:font script="Deva" typeface="Mangal"/>
-        <a:font script="Telu" typeface="Gautami"/>
-        <a:font script="Taml" typeface="Latha"/>
-        <a:font script="Syrc" typeface="Estrangelo Edessa"/>
-        <a:font script="Orya" typeface="Kalinga"/>
-        <a:font script="Mlym" typeface="Kartika"/>
-        <a:font script="Laoo" typeface="DokChampa"/>
-        <a:font script="Sinh" typeface="Iskoola Pota"/>
-        <a:font script="Mong" typeface="Mongolian Baiti"/>
-        <a:font script="Viet" typeface="Times New Roman"/>
-        <a:font script="Uigh" typeface="Microsoft Uighur"/>
-        <a:font script="Geor" typeface="Sylfaen"/>
-      </a:majorFont>
-      <a:minorFont>
-        <a:latin typeface="Arial"/>
-        <a:ea typeface=""/>
-        <a:cs typeface=""/>
-        <a:font script="Jpan" typeface="ＭＳ Ｐゴシック"/>
-        <a:font script="Hang" typeface="맑은 고딕"/>
-        <a:font script="Hans" typeface="宋体"/>
-        <a:font script="Hant" typeface="新細明體"/>
-        <a:font script="Arab" typeface="Arial"/>
-        <a:font script="Hebr" typeface="Arial"/>
-        <a:font script="Thai" typeface="Cordia New"/>
-        <a:font script="Ethi" typeface="Nyala"/>
-        <a:font script="Beng" typeface="Vrinda"/>
-        <a:font script="Gujr" typeface="Shruti"/>
-        <a:font script="Khmr" typeface="DaunPenh"/>
-        <a:font script="Knda" typeface="Tunga"/>
-        <a:font script="Guru" typeface="Raavi"/>
-        <a:font script="Cans" typeface="Euphemia"/>
-        <a:font script="Cher" typeface="Plantagenet Cherokee"/>
-        <a:font script="Yiii" typeface="Microsoft Yi Baiti"/>
-        <a:font script="Tibt" typeface="Microsoft Himalaya"/>
-        <a:font script="Thaa" typeface="MV Boli"/>
-        <a:font script="Deva" typeface="Mangal"/>
-        <a:font script="Telu" typeface="Gautami"/>
-        <a:font script="Taml" typeface="Latha"/>
-        <a:font script="Syrc" typeface="Estrangelo Edessa"/>
-        <a:font script="Orya" typeface="Kalinga"/>
-        <a:font script="Mlym" typeface="Kartika"/>
-        <a:font script="Laoo" typeface="DokChampa"/>
-        <a:font script="Sinh" typeface="Iskoola Pota"/>
-        <a:font script="Mong" typeface="Mongolian Baiti"/>
-        <a:font script="Viet" typeface="Arial"/>
-        <a:font script="Uigh" typeface="Microsoft Uighur"/>
-        <a:font script="Geor" typeface="Sylfaen"/>
-      </a:minorFont>
-    </a:fontScheme>
-    <a:fmtScheme name="Office">
-      <a:fillStyleLst>
-        <a:solidFill>
-          <a:schemeClr val="phClr"/>
-        </a:solidFill>
-        <a:gradFill rotWithShape="1">
-          <a:gsLst>
-            <a:gs pos="0">
-              <a:schemeClr val="phClr">
-                <a:tint val="50000"/>
-                <a:satMod val="300000"/>
-              </a:schemeClr>
-            </a:gs>
-            <a:gs pos="35000">
-              <a:schemeClr val="phClr">
-                <a:tint val="37000"/>
-                <a:satMod val="300000"/>
-              </a:schemeClr>
-            </a:gs>
-            <a:gs pos="100000">
-              <a:schemeClr val="phClr">
-                <a:tint val="15000"/>
-                <a:satMod val="350000"/>
-              </a:schemeClr>
-            </a:gs>
-          </a:gsLst>
-          <a:lin ang="16200000" scaled="1"/>
-        </a:gradFill>
-        <a:gradFill rotWithShape="1">
-          <a:gsLst>
-            <a:gs pos="0">
-              <a:schemeClr val="phClr">
-                <a:tint val="100000"/>
-                <a:shade val="100000"/>
-                <a:satMod val="130000"/>
-              </a:schemeClr>
-            </a:gs>
-            <a:gs pos="100000">
-              <a:schemeClr val="phClr">
-                <a:tint val="50000"/>
-                <a:shade val="100000"/>
-                <a:satMod val="350000"/>
-              </a:schemeClr>
-            </a:gs>
-          </a:gsLst>
-          <a:lin ang="16200000" scaled="0"/>
-        </a:gradFill>
-      </a:fillStyleLst>
-      <a:lnStyleLst>
-        <a:ln w="9525" cap="flat" cmpd="sng" algn="ctr">
-          <a:solidFill>
-            <a:schemeClr val="phClr">
-              <a:shade val="95000"/>
-              <a:satMod val="105000"/>
-            </a:schemeClr>
-          </a:solidFill>
-          <a:prstDash val="solid"/>
-        </a:ln>
-        <a:ln w="25400" cap="flat" cmpd="sng" algn="ctr">
-          <a:solidFill>
-            <a:schemeClr val="phClr"/>
-          </a:solidFill>
-          <a:prstDash val="solid"/>
-        </a:ln>
-        <a:ln w="38100" cap="flat" cmpd="sng" algn="ctr">
-          <a:solidFill>
-            <a:schemeClr val="phClr"/>
-          </a:solidFill>
-          <a:prstDash val="solid"/>
-        </a:ln>
-      </a:lnStyleLst>
-      <a:effectStyleLst>
-        <a:effectStyle>
-          <a:effectLst>
-            <a:outerShdw blurRad="40000" dist="20000" dir="5400000" rotWithShape="0">
-              <a:srgbClr val="000000">
-                <a:alpha val="38000"/>
-              </a:srgbClr>
-            </a:outerShdw>
-          </a:effectLst>
-        </a:effectStyle>
-        <a:effectStyle>
-          <a:effectLst>
-            <a:outerShdw blurRad="40000" dist="23000" dir="5400000" rotWithShape="0">
-              <a:srgbClr val="000000">
-                <a:alpha val="35000"/>
-              </a:srgbClr>
-            </a:outerShdw>
-          </a:effectLst>
-        </a:effectStyle>
-        <a:effectStyle>
-          <a:effectLst>
-            <a:outerShdw blurRad="40000" dist="23000" dir="5400000" rotWithShape="0">
-              <a:srgbClr val="000000">
-                <a:alpha val="35000"/>
-              </a:srgbClr>
-            </a:outerShdw>
-          </a:effectLst>
-          <a:scene3d>
-            <a:camera prst="orthographicFront">
-              <a:rot lat="0" lon="0" rev="0"/>
-            </a:camera>
-            <a:lightRig rig="threePt" dir="t">
-              <a:rot lat="0" lon="0" rev="1200000"/>
-            </a:lightRig>
-          </a:scene3d>
-          <a:sp3d>
-            <a:bevelT w="63500" h="25400"/>
-          </a:sp3d>
-        </a:effectStyle>
-      </a:effectStyleLst>
-      <a:bgFillStyleLst>
-        <a:solidFill>
-          <a:schemeClr val="phClr"/>
-        </a:solidFill>
-        <a:gradFill rotWithShape="1">
-          <a:gsLst>
-            <a:gs pos="0">
-              <a:schemeClr val="phClr">
-                <a:tint val="40000"/>
-                <a:satMod val="350000"/>
-              </a:schemeClr>
-            </a:gs>
-            <a:gs pos="40000">
-              <a:schemeClr val="phClr">
-                <a:tint val="45000"/>
-                <a:shade val="99000"/>
-                <a:satMod val="350000"/>
-              </a:schemeClr>
-            </a:gs>
-            <a:gs pos="100000">
-              <a:schemeClr val="phClr">
-                <a:shade val="20000"/>
-                <a:satMod val="255000"/>
-              </a:schemeClr>
-            </a:gs>
-          </a:gsLst>
-          <a:path path="circle">
-            <a:fillToRect l="50000" t="-80000" r="50000" b="180000"/>
-          </a:path>
-        </a:gradFill>
-        <a:gradFill rotWithShape="1">
-          <a:gsLst>
-            <a:gs pos="0">
-              <a:schemeClr val="phClr">
-                <a:tint val="80000"/>
-                <a:satMod val="300000"/>
-              </a:schemeClr>
-            </a:gs>
-            <a:gs pos="100000">
-              <a:schemeClr val="phClr">
-                <a:shade val="30000"/>
-                <a:satMod val="200000"/>
-              </a:schemeClr>
-            </a:gs>
-          </a:gsLst>
-          <a:path path="circle">
-            <a:fillToRect l="50000" t="50000" r="50000" b="50000"/>
-          </a:path>
-        </a:gradFill>
-      </a:bgFillStyleLst>
-    </a:fmtScheme>
-  </a:themeElements>
-</a:theme>
 </file>